--- a/Report/Signal_threshold_prediction.pptx
+++ b/Report/Signal_threshold_prediction.pptx
@@ -4,6 +4,9 @@
   <p:sldMasterIdLst>
     <p:sldMasterId id="2147483648" r:id="rId1"/>
   </p:sldMasterIdLst>
+  <p:notesMasterIdLst>
+    <p:notesMasterId r:id="rId17"/>
+  </p:notesMasterIdLst>
   <p:sldIdLst>
     <p:sldId id="256" r:id="rId2"/>
     <p:sldId id="258" r:id="rId3"/>
@@ -11,6 +14,15 @@
     <p:sldId id="260" r:id="rId5"/>
     <p:sldId id="261" r:id="rId6"/>
     <p:sldId id="257" r:id="rId7"/>
+    <p:sldId id="264" r:id="rId8"/>
+    <p:sldId id="265" r:id="rId9"/>
+    <p:sldId id="266" r:id="rId10"/>
+    <p:sldId id="267" r:id="rId11"/>
+    <p:sldId id="269" r:id="rId12"/>
+    <p:sldId id="270" r:id="rId13"/>
+    <p:sldId id="268" r:id="rId14"/>
+    <p:sldId id="272" r:id="rId15"/>
+    <p:sldId id="271" r:id="rId16"/>
   </p:sldIdLst>
   <p:sldSz cx="12192000" cy="6858000"/>
   <p:notesSz cx="6858000" cy="9144000"/>
@@ -109,7 +121,362 @@
       </a:defRPr>
     </a:lvl9pPr>
   </p:defaultTextStyle>
+  <p:extLst>
+    <p:ext uri="{EFAFB233-063F-42B5-8137-9DF3F51BA10A}">
+      <p15:sldGuideLst xmlns:p15="http://schemas.microsoft.com/office/powerpoint/2012/main"/>
+    </p:ext>
+  </p:extLst>
 </p:presentation>
+</file>
+
+<file path=ppt/notesMasters/notesMaster1.xml><?xml version="1.0" encoding="utf-8"?>
+<p:notesMaster xmlns:a="http://schemas.openxmlformats.org/drawingml/2006/main" xmlns:r="http://schemas.openxmlformats.org/officeDocument/2006/relationships" xmlns:p="http://schemas.openxmlformats.org/presentationml/2006/main">
+  <p:cSld>
+    <p:bg>
+      <p:bgRef idx="1001">
+        <a:schemeClr val="bg1"/>
+      </p:bgRef>
+    </p:bg>
+    <p:spTree>
+      <p:nvGrpSpPr>
+        <p:cNvPr id="1" name=""/>
+        <p:cNvGrpSpPr/>
+        <p:nvPr/>
+      </p:nvGrpSpPr>
+      <p:grpSpPr>
+        <a:xfrm>
+          <a:off x="0" y="0"/>
+          <a:ext cx="0" cy="0"/>
+          <a:chOff x="0" y="0"/>
+          <a:chExt cx="0" cy="0"/>
+        </a:xfrm>
+      </p:grpSpPr>
+      <p:sp>
+        <p:nvSpPr>
+          <p:cNvPr id="2" name="頁首版面配置區 1"/>
+          <p:cNvSpPr>
+            <a:spLocks noGrp="1"/>
+          </p:cNvSpPr>
+          <p:nvPr>
+            <p:ph type="hdr" sz="quarter"/>
+          </p:nvPr>
+        </p:nvSpPr>
+        <p:spPr>
+          <a:xfrm>
+            <a:off x="0" y="0"/>
+            <a:ext cx="2971800" cy="458788"/>
+          </a:xfrm>
+          <a:prstGeom prst="rect">
+            <a:avLst/>
+          </a:prstGeom>
+        </p:spPr>
+        <p:txBody>
+          <a:bodyPr vert="horz" lIns="91440" tIns="45720" rIns="91440" bIns="45720" rtlCol="0"/>
+          <a:lstStyle>
+            <a:lvl1pPr algn="l">
+              <a:defRPr sz="1200"/>
+            </a:lvl1pPr>
+          </a:lstStyle>
+          <a:p>
+            <a:endParaRPr kumimoji="1" lang="zh-TW" altLang="en-US"/>
+          </a:p>
+        </p:txBody>
+      </p:sp>
+      <p:sp>
+        <p:nvSpPr>
+          <p:cNvPr id="3" name="日期版面配置區 2"/>
+          <p:cNvSpPr>
+            <a:spLocks noGrp="1"/>
+          </p:cNvSpPr>
+          <p:nvPr>
+            <p:ph type="dt" idx="1"/>
+          </p:nvPr>
+        </p:nvSpPr>
+        <p:spPr>
+          <a:xfrm>
+            <a:off x="3884613" y="0"/>
+            <a:ext cx="2971800" cy="458788"/>
+          </a:xfrm>
+          <a:prstGeom prst="rect">
+            <a:avLst/>
+          </a:prstGeom>
+        </p:spPr>
+        <p:txBody>
+          <a:bodyPr vert="horz" lIns="91440" tIns="45720" rIns="91440" bIns="45720" rtlCol="0"/>
+          <a:lstStyle>
+            <a:lvl1pPr algn="r">
+              <a:defRPr sz="1200"/>
+            </a:lvl1pPr>
+          </a:lstStyle>
+          <a:p>
+            <a:fld id="{00CA8DC5-3835-CF4E-B1E4-648AB18D13C9}" type="datetimeFigureOut">
+              <a:rPr kumimoji="1" lang="zh-TW" altLang="en-US" smtClean="0"/>
+              <a:t>2019/10/21</a:t>
+            </a:fld>
+            <a:endParaRPr kumimoji="1" lang="zh-TW" altLang="en-US"/>
+          </a:p>
+        </p:txBody>
+      </p:sp>
+      <p:sp>
+        <p:nvSpPr>
+          <p:cNvPr id="4" name="投影片影像版面配置區 3"/>
+          <p:cNvSpPr>
+            <a:spLocks noGrp="1" noRot="1" noChangeAspect="1"/>
+          </p:cNvSpPr>
+          <p:nvPr>
+            <p:ph type="sldImg" idx="2"/>
+          </p:nvPr>
+        </p:nvSpPr>
+        <p:spPr>
+          <a:xfrm>
+            <a:off x="685800" y="1143000"/>
+            <a:ext cx="5486400" cy="3086100"/>
+          </a:xfrm>
+          <a:prstGeom prst="rect">
+            <a:avLst/>
+          </a:prstGeom>
+          <a:noFill/>
+          <a:ln w="12700">
+            <a:solidFill>
+              <a:prstClr val="black"/>
+            </a:solidFill>
+          </a:ln>
+        </p:spPr>
+        <p:txBody>
+          <a:bodyPr vert="horz" lIns="91440" tIns="45720" rIns="91440" bIns="45720" rtlCol="0" anchor="ctr"/>
+          <a:lstStyle/>
+          <a:p>
+            <a:endParaRPr lang="zh-TW" altLang="en-US"/>
+          </a:p>
+        </p:txBody>
+      </p:sp>
+      <p:sp>
+        <p:nvSpPr>
+          <p:cNvPr id="5" name="備忘稿版面配置區 4"/>
+          <p:cNvSpPr>
+            <a:spLocks noGrp="1"/>
+          </p:cNvSpPr>
+          <p:nvPr>
+            <p:ph type="body" sz="quarter" idx="3"/>
+          </p:nvPr>
+        </p:nvSpPr>
+        <p:spPr>
+          <a:xfrm>
+            <a:off x="685800" y="4400550"/>
+            <a:ext cx="5486400" cy="3600450"/>
+          </a:xfrm>
+          <a:prstGeom prst="rect">
+            <a:avLst/>
+          </a:prstGeom>
+        </p:spPr>
+        <p:txBody>
+          <a:bodyPr vert="horz" lIns="91440" tIns="45720" rIns="91440" bIns="45720" rtlCol="0"/>
+          <a:lstStyle/>
+          <a:p>
+            <a:pPr lvl="0"/>
+            <a:r>
+              <a:rPr kumimoji="1" lang="zh-TW" altLang="en-US" smtClean="0"/>
+              <a:t>按一下以編輯母片文字樣式</a:t>
+            </a:r>
+          </a:p>
+          <a:p>
+            <a:pPr lvl="1"/>
+            <a:r>
+              <a:rPr kumimoji="1" lang="zh-TW" altLang="en-US" smtClean="0"/>
+              <a:t>第二層</a:t>
+            </a:r>
+          </a:p>
+          <a:p>
+            <a:pPr lvl="2"/>
+            <a:r>
+              <a:rPr kumimoji="1" lang="zh-TW" altLang="en-US" smtClean="0"/>
+              <a:t>第三層</a:t>
+            </a:r>
+          </a:p>
+          <a:p>
+            <a:pPr lvl="3"/>
+            <a:r>
+              <a:rPr kumimoji="1" lang="zh-TW" altLang="en-US" smtClean="0"/>
+              <a:t>第四層</a:t>
+            </a:r>
+          </a:p>
+          <a:p>
+            <a:pPr lvl="4"/>
+            <a:r>
+              <a:rPr kumimoji="1" lang="zh-TW" altLang="en-US" smtClean="0"/>
+              <a:t>第五層</a:t>
+            </a:r>
+            <a:endParaRPr kumimoji="1" lang="zh-TW" altLang="en-US"/>
+          </a:p>
+        </p:txBody>
+      </p:sp>
+      <p:sp>
+        <p:nvSpPr>
+          <p:cNvPr id="6" name="頁尾版面配置區 5"/>
+          <p:cNvSpPr>
+            <a:spLocks noGrp="1"/>
+          </p:cNvSpPr>
+          <p:nvPr>
+            <p:ph type="ftr" sz="quarter" idx="4"/>
+          </p:nvPr>
+        </p:nvSpPr>
+        <p:spPr>
+          <a:xfrm>
+            <a:off x="0" y="8685213"/>
+            <a:ext cx="2971800" cy="458787"/>
+          </a:xfrm>
+          <a:prstGeom prst="rect">
+            <a:avLst/>
+          </a:prstGeom>
+        </p:spPr>
+        <p:txBody>
+          <a:bodyPr vert="horz" lIns="91440" tIns="45720" rIns="91440" bIns="45720" rtlCol="0" anchor="b"/>
+          <a:lstStyle>
+            <a:lvl1pPr algn="l">
+              <a:defRPr sz="1200"/>
+            </a:lvl1pPr>
+          </a:lstStyle>
+          <a:p>
+            <a:endParaRPr kumimoji="1" lang="zh-TW" altLang="en-US"/>
+          </a:p>
+        </p:txBody>
+      </p:sp>
+      <p:sp>
+        <p:nvSpPr>
+          <p:cNvPr id="7" name="投影片編號版面配置區 6"/>
+          <p:cNvSpPr>
+            <a:spLocks noGrp="1"/>
+          </p:cNvSpPr>
+          <p:nvPr>
+            <p:ph type="sldNum" sz="quarter" idx="5"/>
+          </p:nvPr>
+        </p:nvSpPr>
+        <p:spPr>
+          <a:xfrm>
+            <a:off x="3884613" y="8685213"/>
+            <a:ext cx="2971800" cy="458787"/>
+          </a:xfrm>
+          <a:prstGeom prst="rect">
+            <a:avLst/>
+          </a:prstGeom>
+        </p:spPr>
+        <p:txBody>
+          <a:bodyPr vert="horz" lIns="91440" tIns="45720" rIns="91440" bIns="45720" rtlCol="0" anchor="b"/>
+          <a:lstStyle>
+            <a:lvl1pPr algn="r">
+              <a:defRPr sz="1200"/>
+            </a:lvl1pPr>
+          </a:lstStyle>
+          <a:p>
+            <a:fld id="{CE9C1B58-5ECC-9C4C-BC38-2F57EE05A068}" type="slidenum">
+              <a:rPr kumimoji="1" lang="zh-TW" altLang="en-US" smtClean="0"/>
+              <a:t>‹#›</a:t>
+            </a:fld>
+            <a:endParaRPr kumimoji="1" lang="zh-TW" altLang="en-US"/>
+          </a:p>
+        </p:txBody>
+      </p:sp>
+    </p:spTree>
+    <p:extLst>
+      <p:ext uri="{BB962C8B-B14F-4D97-AF65-F5344CB8AC3E}">
+        <p14:creationId xmlns:p14="http://schemas.microsoft.com/office/powerpoint/2010/main" val="613101962"/>
+      </p:ext>
+    </p:extLst>
+  </p:cSld>
+  <p:clrMap bg1="lt1" tx1="dk1" bg2="lt2" tx2="dk2" accent1="accent1" accent2="accent2" accent3="accent3" accent4="accent4" accent5="accent5" accent6="accent6" hlink="hlink" folHlink="folHlink"/>
+  <p:notesStyle>
+    <a:lvl1pPr marL="0" algn="l" defTabSz="914400" rtl="0" eaLnBrk="1" latinLnBrk="0" hangingPunct="1">
+      <a:defRPr sz="1200" kern="1200">
+        <a:solidFill>
+          <a:schemeClr val="tx1"/>
+        </a:solidFill>
+        <a:latin typeface="+mn-lt"/>
+        <a:ea typeface="+mn-ea"/>
+        <a:cs typeface="+mn-cs"/>
+      </a:defRPr>
+    </a:lvl1pPr>
+    <a:lvl2pPr marL="457200" algn="l" defTabSz="914400" rtl="0" eaLnBrk="1" latinLnBrk="0" hangingPunct="1">
+      <a:defRPr sz="1200" kern="1200">
+        <a:solidFill>
+          <a:schemeClr val="tx1"/>
+        </a:solidFill>
+        <a:latin typeface="+mn-lt"/>
+        <a:ea typeface="+mn-ea"/>
+        <a:cs typeface="+mn-cs"/>
+      </a:defRPr>
+    </a:lvl2pPr>
+    <a:lvl3pPr marL="914400" algn="l" defTabSz="914400" rtl="0" eaLnBrk="1" latinLnBrk="0" hangingPunct="1">
+      <a:defRPr sz="1200" kern="1200">
+        <a:solidFill>
+          <a:schemeClr val="tx1"/>
+        </a:solidFill>
+        <a:latin typeface="+mn-lt"/>
+        <a:ea typeface="+mn-ea"/>
+        <a:cs typeface="+mn-cs"/>
+      </a:defRPr>
+    </a:lvl3pPr>
+    <a:lvl4pPr marL="1371600" algn="l" defTabSz="914400" rtl="0" eaLnBrk="1" latinLnBrk="0" hangingPunct="1">
+      <a:defRPr sz="1200" kern="1200">
+        <a:solidFill>
+          <a:schemeClr val="tx1"/>
+        </a:solidFill>
+        <a:latin typeface="+mn-lt"/>
+        <a:ea typeface="+mn-ea"/>
+        <a:cs typeface="+mn-cs"/>
+      </a:defRPr>
+    </a:lvl4pPr>
+    <a:lvl5pPr marL="1828800" algn="l" defTabSz="914400" rtl="0" eaLnBrk="1" latinLnBrk="0" hangingPunct="1">
+      <a:defRPr sz="1200" kern="1200">
+        <a:solidFill>
+          <a:schemeClr val="tx1"/>
+        </a:solidFill>
+        <a:latin typeface="+mn-lt"/>
+        <a:ea typeface="+mn-ea"/>
+        <a:cs typeface="+mn-cs"/>
+      </a:defRPr>
+    </a:lvl5pPr>
+    <a:lvl6pPr marL="2286000" algn="l" defTabSz="914400" rtl="0" eaLnBrk="1" latinLnBrk="0" hangingPunct="1">
+      <a:defRPr sz="1200" kern="1200">
+        <a:solidFill>
+          <a:schemeClr val="tx1"/>
+        </a:solidFill>
+        <a:latin typeface="+mn-lt"/>
+        <a:ea typeface="+mn-ea"/>
+        <a:cs typeface="+mn-cs"/>
+      </a:defRPr>
+    </a:lvl6pPr>
+    <a:lvl7pPr marL="2743200" algn="l" defTabSz="914400" rtl="0" eaLnBrk="1" latinLnBrk="0" hangingPunct="1">
+      <a:defRPr sz="1200" kern="1200">
+        <a:solidFill>
+          <a:schemeClr val="tx1"/>
+        </a:solidFill>
+        <a:latin typeface="+mn-lt"/>
+        <a:ea typeface="+mn-ea"/>
+        <a:cs typeface="+mn-cs"/>
+      </a:defRPr>
+    </a:lvl7pPr>
+    <a:lvl8pPr marL="3200400" algn="l" defTabSz="914400" rtl="0" eaLnBrk="1" latinLnBrk="0" hangingPunct="1">
+      <a:defRPr sz="1200" kern="1200">
+        <a:solidFill>
+          <a:schemeClr val="tx1"/>
+        </a:solidFill>
+        <a:latin typeface="+mn-lt"/>
+        <a:ea typeface="+mn-ea"/>
+        <a:cs typeface="+mn-cs"/>
+      </a:defRPr>
+    </a:lvl8pPr>
+    <a:lvl9pPr marL="3657600" algn="l" defTabSz="914400" rtl="0" eaLnBrk="1" latinLnBrk="0" hangingPunct="1">
+      <a:defRPr sz="1200" kern="1200">
+        <a:solidFill>
+          <a:schemeClr val="tx1"/>
+        </a:solidFill>
+        <a:latin typeface="+mn-lt"/>
+        <a:ea typeface="+mn-ea"/>
+        <a:cs typeface="+mn-cs"/>
+      </a:defRPr>
+    </a:lvl9pPr>
+  </p:notesStyle>
+</p:notesMaster>
 </file>
 
 <file path=ppt/slideLayouts/slideLayout1.xml><?xml version="1.0" encoding="utf-8"?>
@@ -251,7 +618,7 @@
           <a:p>
             <a:fld id="{65EC9801-8D77-9644-93C3-F2DD8B6E6A7A}" type="datetimeFigureOut">
               <a:rPr kumimoji="1" lang="zh-TW" altLang="en-US" smtClean="0"/>
-              <a:t>2019/9/28</a:t>
+              <a:t>2019/10/21</a:t>
             </a:fld>
             <a:endParaRPr kumimoji="1" lang="zh-TW" altLang="en-US"/>
           </a:p>
@@ -421,7 +788,7 @@
           <a:p>
             <a:fld id="{65EC9801-8D77-9644-93C3-F2DD8B6E6A7A}" type="datetimeFigureOut">
               <a:rPr kumimoji="1" lang="zh-TW" altLang="en-US" smtClean="0"/>
-              <a:t>2019/9/28</a:t>
+              <a:t>2019/10/21</a:t>
             </a:fld>
             <a:endParaRPr kumimoji="1" lang="zh-TW" altLang="en-US"/>
           </a:p>
@@ -601,7 +968,7 @@
           <a:p>
             <a:fld id="{65EC9801-8D77-9644-93C3-F2DD8B6E6A7A}" type="datetimeFigureOut">
               <a:rPr kumimoji="1" lang="zh-TW" altLang="en-US" smtClean="0"/>
-              <a:t>2019/9/28</a:t>
+              <a:t>2019/10/21</a:t>
             </a:fld>
             <a:endParaRPr kumimoji="1" lang="zh-TW" altLang="en-US"/>
           </a:p>
@@ -771,7 +1138,7 @@
           <a:p>
             <a:fld id="{65EC9801-8D77-9644-93C3-F2DD8B6E6A7A}" type="datetimeFigureOut">
               <a:rPr kumimoji="1" lang="zh-TW" altLang="en-US" smtClean="0"/>
-              <a:t>2019/9/28</a:t>
+              <a:t>2019/10/21</a:t>
             </a:fld>
             <a:endParaRPr kumimoji="1" lang="zh-TW" altLang="en-US"/>
           </a:p>
@@ -1017,7 +1384,7 @@
           <a:p>
             <a:fld id="{65EC9801-8D77-9644-93C3-F2DD8B6E6A7A}" type="datetimeFigureOut">
               <a:rPr kumimoji="1" lang="zh-TW" altLang="en-US" smtClean="0"/>
-              <a:t>2019/9/28</a:t>
+              <a:t>2019/10/21</a:t>
             </a:fld>
             <a:endParaRPr kumimoji="1" lang="zh-TW" altLang="en-US"/>
           </a:p>
@@ -1249,7 +1616,7 @@
           <a:p>
             <a:fld id="{65EC9801-8D77-9644-93C3-F2DD8B6E6A7A}" type="datetimeFigureOut">
               <a:rPr kumimoji="1" lang="zh-TW" altLang="en-US" smtClean="0"/>
-              <a:t>2019/9/28</a:t>
+              <a:t>2019/10/21</a:t>
             </a:fld>
             <a:endParaRPr kumimoji="1" lang="zh-TW" altLang="en-US"/>
           </a:p>
@@ -1616,7 +1983,7 @@
           <a:p>
             <a:fld id="{65EC9801-8D77-9644-93C3-F2DD8B6E6A7A}" type="datetimeFigureOut">
               <a:rPr kumimoji="1" lang="zh-TW" altLang="en-US" smtClean="0"/>
-              <a:t>2019/9/28</a:t>
+              <a:t>2019/10/21</a:t>
             </a:fld>
             <a:endParaRPr kumimoji="1" lang="zh-TW" altLang="en-US"/>
           </a:p>
@@ -1734,7 +2101,7 @@
           <a:p>
             <a:fld id="{65EC9801-8D77-9644-93C3-F2DD8B6E6A7A}" type="datetimeFigureOut">
               <a:rPr kumimoji="1" lang="zh-TW" altLang="en-US" smtClean="0"/>
-              <a:t>2019/9/28</a:t>
+              <a:t>2019/10/21</a:t>
             </a:fld>
             <a:endParaRPr kumimoji="1" lang="zh-TW" altLang="en-US"/>
           </a:p>
@@ -1829,7 +2196,7 @@
           <a:p>
             <a:fld id="{65EC9801-8D77-9644-93C3-F2DD8B6E6A7A}" type="datetimeFigureOut">
               <a:rPr kumimoji="1" lang="zh-TW" altLang="en-US" smtClean="0"/>
-              <a:t>2019/9/28</a:t>
+              <a:t>2019/10/21</a:t>
             </a:fld>
             <a:endParaRPr kumimoji="1" lang="zh-TW" altLang="en-US"/>
           </a:p>
@@ -2106,7 +2473,7 @@
           <a:p>
             <a:fld id="{65EC9801-8D77-9644-93C3-F2DD8B6E6A7A}" type="datetimeFigureOut">
               <a:rPr kumimoji="1" lang="zh-TW" altLang="en-US" smtClean="0"/>
-              <a:t>2019/9/28</a:t>
+              <a:t>2019/10/21</a:t>
             </a:fld>
             <a:endParaRPr kumimoji="1" lang="zh-TW" altLang="en-US"/>
           </a:p>
@@ -2359,7 +2726,7 @@
           <a:p>
             <a:fld id="{65EC9801-8D77-9644-93C3-F2DD8B6E6A7A}" type="datetimeFigureOut">
               <a:rPr kumimoji="1" lang="zh-TW" altLang="en-US" smtClean="0"/>
-              <a:t>2019/9/28</a:t>
+              <a:t>2019/10/21</a:t>
             </a:fld>
             <a:endParaRPr kumimoji="1" lang="zh-TW" altLang="en-US"/>
           </a:p>
@@ -2572,7 +2939,7 @@
           <a:p>
             <a:fld id="{65EC9801-8D77-9644-93C3-F2DD8B6E6A7A}" type="datetimeFigureOut">
               <a:rPr kumimoji="1" lang="zh-TW" altLang="en-US" smtClean="0"/>
-              <a:t>2019/9/28</a:t>
+              <a:t>2019/10/21</a:t>
             </a:fld>
             <a:endParaRPr kumimoji="1" lang="zh-TW" altLang="en-US"/>
           </a:p>
@@ -3093,7 +3460,7 @@
 </p:sld>
 </file>
 
-<file path=ppt/slides/slide2.xml><?xml version="1.0" encoding="utf-8"?>
+<file path=ppt/slides/slide10.xml><?xml version="1.0" encoding="utf-8"?>
 <p:sld xmlns:a="http://schemas.openxmlformats.org/drawingml/2006/main" xmlns:r="http://schemas.openxmlformats.org/officeDocument/2006/relationships" xmlns:p="http://schemas.openxmlformats.org/presentationml/2006/main">
   <p:cSld>
     <p:spTree>
@@ -3127,372 +3494,706 @@
           <a:p>
             <a:r>
               <a:rPr kumimoji="1" lang="en-US" altLang="zh-TW" dirty="0" smtClean="0"/>
-              <a:t>The reminder of the previous results</a:t>
+              <a:t>Give us the sense</a:t>
             </a:r>
             <a:endParaRPr kumimoji="1" lang="zh-TW" altLang="en-US" dirty="0"/>
           </a:p>
         </p:txBody>
       </p:sp>
-      <p:sp>
-        <p:nvSpPr>
-          <p:cNvPr id="3" name="內容版面配置區 2"/>
-          <p:cNvSpPr>
-            <a:spLocks noGrp="1"/>
-          </p:cNvSpPr>
-          <p:nvPr>
-            <p:ph idx="1"/>
-          </p:nvPr>
-        </p:nvSpPr>
-        <p:spPr/>
-        <p:txBody>
-          <a:bodyPr/>
-          <a:lstStyle/>
-          <a:p>
-            <a:r>
-              <a:rPr kumimoji="1" lang="en-US" altLang="zh-TW" dirty="0" smtClean="0"/>
-              <a:t>At the first place, the ionization rates of electron and hole were predicted by some of the formulae: </a:t>
-            </a:r>
-            <a:endParaRPr kumimoji="1" lang="zh-TW" altLang="en-US" dirty="0"/>
-          </a:p>
-        </p:txBody>
-      </p:sp>
-      <p:pic>
-        <p:nvPicPr>
-          <p:cNvPr id="4" name="圖片 3"/>
-          <p:cNvPicPr>
-            <a:picLocks noChangeAspect="1"/>
-          </p:cNvPicPr>
-          <p:nvPr/>
-        </p:nvPicPr>
-        <p:blipFill>
-          <a:blip r:embed="rId2">
-            <a:extLst>
-              <a:ext uri="{28A0092B-C50C-407E-A947-70E740481C1C}">
-                <a14:useLocalDpi xmlns:a14="http://schemas.microsoft.com/office/drawing/2010/main" val="0"/>
-              </a:ext>
-            </a:extLst>
-          </a:blip>
-          <a:stretch>
-            <a:fillRect/>
-          </a:stretch>
-        </p:blipFill>
-        <p:spPr>
-          <a:xfrm>
-            <a:off x="215900" y="2919768"/>
-            <a:ext cx="4127500" cy="3938232"/>
-          </a:xfrm>
-          <a:prstGeom prst="rect">
-            <a:avLst/>
-          </a:prstGeom>
-        </p:spPr>
-      </p:pic>
-      <p:pic>
-        <p:nvPicPr>
-          <p:cNvPr id="5" name="圖片 4"/>
-          <p:cNvPicPr>
-            <a:picLocks noChangeAspect="1"/>
-          </p:cNvPicPr>
-          <p:nvPr/>
-        </p:nvPicPr>
-        <p:blipFill>
-          <a:blip r:embed="rId3">
-            <a:extLst>
-              <a:ext uri="{28A0092B-C50C-407E-A947-70E740481C1C}">
-                <a14:useLocalDpi xmlns:a14="http://schemas.microsoft.com/office/drawing/2010/main" val="0"/>
-              </a:ext>
-            </a:extLst>
-          </a:blip>
-          <a:stretch>
-            <a:fillRect/>
-          </a:stretch>
-        </p:blipFill>
-        <p:spPr>
-          <a:xfrm>
-            <a:off x="4081861" y="2919768"/>
-            <a:ext cx="4127500" cy="3938232"/>
-          </a:xfrm>
-          <a:prstGeom prst="rect">
-            <a:avLst/>
-          </a:prstGeom>
-        </p:spPr>
-      </p:pic>
-      <p:sp>
-        <p:nvSpPr>
-          <p:cNvPr id="6" name="文字方塊 5"/>
-          <p:cNvSpPr txBox="1"/>
-          <p:nvPr/>
-        </p:nvSpPr>
-        <p:spPr>
-          <a:xfrm>
-            <a:off x="7799295" y="3376078"/>
-            <a:ext cx="4800600" cy="2585323"/>
-          </a:xfrm>
-          <a:prstGeom prst="rect">
-            <a:avLst/>
-          </a:prstGeom>
-          <a:noFill/>
-        </p:spPr>
-        <p:txBody>
-          <a:bodyPr wrap="square" rtlCol="0">
-            <a:spAutoFit/>
-          </a:bodyPr>
-          <a:lstStyle/>
-          <a:p>
-            <a:r>
-              <a:rPr kumimoji="1" lang="en-US" altLang="zh-TW" dirty="0" smtClean="0">
-                <a:latin typeface="Arial" charset="0"/>
-                <a:ea typeface="Arial" charset="0"/>
-                <a:cs typeface="Arial" charset="0"/>
-              </a:rPr>
-              <a:t>Ionization rate</a:t>
-            </a:r>
-          </a:p>
-          <a:p>
-            <a:pPr marL="285750" indent="-285750">
-              <a:buFont typeface="Wingdings" charset="2"/>
-              <a:buChar char="è"/>
-            </a:pPr>
-            <a:r>
-              <a:rPr kumimoji="1" lang="en-US" altLang="zh-TW" dirty="0" smtClean="0">
-                <a:latin typeface="Arial" charset="0"/>
-                <a:ea typeface="Arial" charset="0"/>
-                <a:cs typeface="Arial" charset="0"/>
-                <a:sym typeface="Wingdings"/>
-              </a:rPr>
-              <a:t>Give us the “Gain” in the end. </a:t>
-            </a:r>
-          </a:p>
-          <a:p>
-            <a:pPr marL="285750" indent="-285750">
-              <a:buFont typeface="Wingdings" charset="2"/>
-              <a:buChar char="è"/>
-            </a:pPr>
-            <a:r>
-              <a:rPr kumimoji="1" lang="en-US" altLang="zh-TW" dirty="0" smtClean="0">
-                <a:latin typeface="Arial" charset="0"/>
-                <a:ea typeface="Arial" charset="0"/>
-                <a:cs typeface="Arial" charset="0"/>
-                <a:sym typeface="Wingdings"/>
-              </a:rPr>
-              <a:t>Great! But what‘s the next?</a:t>
-            </a:r>
-          </a:p>
-          <a:p>
-            <a:pPr marL="285750" indent="-285750">
-              <a:buFont typeface="Wingdings" charset="2"/>
-              <a:buChar char="è"/>
-            </a:pPr>
-            <a:endParaRPr kumimoji="1" lang="en-US" altLang="zh-TW" dirty="0" smtClean="0">
-              <a:latin typeface="Arial" charset="0"/>
-              <a:ea typeface="Arial" charset="0"/>
-              <a:cs typeface="Arial" charset="0"/>
-              <a:sym typeface="Wingdings"/>
-            </a:endParaRPr>
-          </a:p>
-          <a:p>
-            <a:pPr marL="285750" indent="-285750">
-              <a:buFont typeface="Wingdings" charset="2"/>
-              <a:buChar char="è"/>
-            </a:pPr>
-            <a:r>
-              <a:rPr kumimoji="1" lang="en-US" altLang="zh-TW" b="1" dirty="0" smtClean="0">
-                <a:solidFill>
-                  <a:srgbClr val="FF0000"/>
-                </a:solidFill>
-                <a:latin typeface="Arial" charset="0"/>
-                <a:ea typeface="Arial" charset="0"/>
-                <a:cs typeface="Arial" charset="0"/>
-                <a:sym typeface="Wingdings"/>
-              </a:rPr>
-              <a:t>Debut of our “BKG”!!</a:t>
-            </a:r>
-          </a:p>
-          <a:p>
-            <a:pPr marL="285750" indent="-285750">
-              <a:buFont typeface="Wingdings" charset="2"/>
-              <a:buChar char="è"/>
-            </a:pPr>
-            <a:endParaRPr kumimoji="1" lang="en-US" altLang="zh-TW" b="1" dirty="0">
-              <a:solidFill>
-                <a:srgbClr val="FF0000"/>
-              </a:solidFill>
-              <a:latin typeface="Arial" charset="0"/>
-              <a:ea typeface="Arial" charset="0"/>
-              <a:cs typeface="Arial" charset="0"/>
-              <a:sym typeface="Wingdings"/>
-            </a:endParaRPr>
-          </a:p>
-          <a:p>
-            <a:pPr marL="285750" indent="-285750">
-              <a:buFont typeface="Wingdings" charset="2"/>
-              <a:buChar char="è"/>
-            </a:pPr>
-            <a:r>
-              <a:rPr kumimoji="1" lang="en-US" altLang="zh-TW" b="1" dirty="0" smtClean="0">
-                <a:latin typeface="Arial" charset="0"/>
-                <a:ea typeface="Arial" charset="0"/>
-                <a:cs typeface="Arial" charset="0"/>
-                <a:sym typeface="Wingdings"/>
-              </a:rPr>
-              <a:t>Umm</a:t>
-            </a:r>
-            <a:r>
-              <a:rPr kumimoji="1" lang="mr-IN" altLang="zh-TW" b="1" dirty="0" smtClean="0">
-                <a:latin typeface="Arial" charset="0"/>
-                <a:ea typeface="Arial" charset="0"/>
-                <a:cs typeface="Arial" charset="0"/>
-                <a:sym typeface="Wingdings"/>
-              </a:rPr>
-              <a:t>…</a:t>
-            </a:r>
-            <a:r>
-              <a:rPr kumimoji="1" lang="en-US" altLang="zh-TW" b="1" dirty="0" smtClean="0">
-                <a:latin typeface="Arial" charset="0"/>
-                <a:ea typeface="Arial" charset="0"/>
-                <a:cs typeface="Arial" charset="0"/>
-                <a:sym typeface="Wingdings"/>
-              </a:rPr>
-              <a:t>It seems complicated!</a:t>
-            </a:r>
-          </a:p>
-          <a:p>
-            <a:pPr marL="285750" indent="-285750">
-              <a:buFont typeface="Wingdings" charset="2"/>
-              <a:buChar char="è"/>
-            </a:pPr>
-            <a:endParaRPr kumimoji="1" lang="en-US" altLang="zh-TW" b="1" dirty="0">
-              <a:solidFill>
-                <a:srgbClr val="FF0000"/>
-              </a:solidFill>
-              <a:latin typeface="Arial" charset="0"/>
-              <a:ea typeface="Arial" charset="0"/>
-              <a:cs typeface="Arial" charset="0"/>
-              <a:sym typeface="Wingdings"/>
-            </a:endParaRPr>
-          </a:p>
-          <a:p>
-            <a:pPr marL="285750" indent="-285750">
-              <a:buFont typeface="Wingdings" charset="2"/>
-              <a:buChar char="è"/>
-            </a:pPr>
-            <a:r>
-              <a:rPr kumimoji="1" lang="en-US" altLang="zh-TW" b="1" dirty="0" smtClean="0">
-                <a:solidFill>
-                  <a:srgbClr val="FF0000"/>
-                </a:solidFill>
-                <a:latin typeface="Arial" charset="0"/>
-                <a:ea typeface="Arial" charset="0"/>
-                <a:cs typeface="Arial" charset="0"/>
-                <a:sym typeface="Wingdings"/>
-              </a:rPr>
-              <a:t>Let me map out the blueprint first!</a:t>
-            </a:r>
-            <a:endParaRPr kumimoji="1" lang="en-US" altLang="zh-TW" b="1" dirty="0">
-              <a:solidFill>
-                <a:srgbClr val="FF0000"/>
-              </a:solidFill>
-              <a:latin typeface="Arial" charset="0"/>
-              <a:ea typeface="Arial" charset="0"/>
-              <a:cs typeface="Arial" charset="0"/>
-              <a:sym typeface="Wingdings"/>
-            </a:endParaRPr>
-          </a:p>
-        </p:txBody>
-      </p:sp>
-      <p:sp>
-        <p:nvSpPr>
-          <p:cNvPr id="7" name="文字方塊 6"/>
-          <p:cNvSpPr txBox="1"/>
-          <p:nvPr/>
-        </p:nvSpPr>
-        <p:spPr>
-          <a:xfrm>
-            <a:off x="776499" y="2735102"/>
-            <a:ext cx="2994212" cy="369332"/>
-          </a:xfrm>
-          <a:prstGeom prst="rect">
-            <a:avLst/>
-          </a:prstGeom>
-          <a:noFill/>
-        </p:spPr>
-        <p:txBody>
-          <a:bodyPr wrap="square" rtlCol="0">
-            <a:spAutoFit/>
-          </a:bodyPr>
-          <a:lstStyle/>
-          <a:p>
-            <a:pPr algn="ctr"/>
-            <a:r>
-              <a:rPr kumimoji="1" lang="en-US" altLang="zh-TW" b="1" dirty="0" smtClean="0">
-                <a:solidFill>
-                  <a:srgbClr val="7030A0"/>
-                </a:solidFill>
-                <a:latin typeface="Arial" charset="0"/>
-                <a:ea typeface="Arial" charset="0"/>
-                <a:cs typeface="Arial" charset="0"/>
-              </a:rPr>
-              <a:t>Signal(Ge)</a:t>
-            </a:r>
-            <a:endParaRPr kumimoji="1" lang="zh-TW" altLang="en-US" b="1" dirty="0">
-              <a:solidFill>
-                <a:srgbClr val="7030A0"/>
-              </a:solidFill>
-              <a:latin typeface="Arial" charset="0"/>
-              <a:ea typeface="Arial" charset="0"/>
-              <a:cs typeface="Arial" charset="0"/>
-            </a:endParaRPr>
-          </a:p>
-        </p:txBody>
-      </p:sp>
-      <p:sp>
-        <p:nvSpPr>
-          <p:cNvPr id="8" name="文字方塊 7"/>
-          <p:cNvSpPr txBox="1"/>
-          <p:nvPr/>
-        </p:nvSpPr>
-        <p:spPr>
-          <a:xfrm>
-            <a:off x="4654550" y="2727753"/>
-            <a:ext cx="2994212" cy="369332"/>
-          </a:xfrm>
-          <a:prstGeom prst="rect">
-            <a:avLst/>
-          </a:prstGeom>
-          <a:noFill/>
-        </p:spPr>
-        <p:txBody>
-          <a:bodyPr wrap="square" rtlCol="0">
-            <a:spAutoFit/>
-          </a:bodyPr>
-          <a:lstStyle/>
-          <a:p>
-            <a:pPr algn="ctr"/>
-            <a:r>
-              <a:rPr kumimoji="1" lang="en-US" altLang="zh-TW" b="1" dirty="0" smtClean="0">
-                <a:solidFill>
-                  <a:srgbClr val="7030A0"/>
-                </a:solidFill>
-                <a:latin typeface="Arial" charset="0"/>
-                <a:ea typeface="Arial" charset="0"/>
-                <a:cs typeface="Arial" charset="0"/>
-              </a:rPr>
-              <a:t>Signal(Impurities)</a:t>
-            </a:r>
-            <a:endParaRPr kumimoji="1" lang="zh-TW" altLang="en-US" b="1" dirty="0">
-              <a:solidFill>
-                <a:srgbClr val="7030A0"/>
-              </a:solidFill>
-              <a:latin typeface="Arial" charset="0"/>
-              <a:ea typeface="Arial" charset="0"/>
-              <a:cs typeface="Arial" charset="0"/>
-            </a:endParaRPr>
-          </a:p>
-        </p:txBody>
-      </p:sp>
+      <mc:AlternateContent xmlns:mc="http://schemas.openxmlformats.org/markup-compatibility/2006" xmlns:a14="http://schemas.microsoft.com/office/drawing/2010/main">
+        <mc:Choice Requires="a14">
+          <p:sp>
+            <p:nvSpPr>
+              <p:cNvPr id="3" name="內容版面配置區 2"/>
+              <p:cNvSpPr>
+                <a:spLocks noGrp="1"/>
+              </p:cNvSpPr>
+              <p:nvPr>
+                <p:ph idx="1"/>
+              </p:nvPr>
+            </p:nvSpPr>
+            <p:spPr/>
+            <p:txBody>
+              <a:bodyPr/>
+              <a:lstStyle/>
+              <a:p>
+                <a:r>
+                  <a:rPr kumimoji="1" lang="en-US" altLang="zh-TW" dirty="0" smtClean="0"/>
+                  <a:t>Since we don’t know the explicit physics in the detector</a:t>
+                </a:r>
+              </a:p>
+              <a:p>
+                <a:r>
+                  <a:rPr kumimoji="1" lang="en-US" altLang="zh-TW" dirty="0" smtClean="0">
+                    <a:sym typeface="Wingdings"/>
+                  </a:rPr>
+                  <a:t> Do some approximation.</a:t>
+                </a:r>
+              </a:p>
+              <a:p>
+                <a:endParaRPr kumimoji="1" lang="en-US" altLang="zh-TW" dirty="0">
+                  <a:sym typeface="Wingdings"/>
+                </a:endParaRPr>
+              </a:p>
+              <a:p>
+                <a:r>
+                  <a:rPr kumimoji="1" lang="en-US" altLang="zh-TW" dirty="0" smtClean="0">
+                    <a:sym typeface="Wingdings"/>
+                  </a:rPr>
+                  <a:t>We suppose the whole crystal can give us the BKG estimation.</a:t>
+                </a:r>
+              </a:p>
+              <a:p>
+                <a:r>
+                  <a:rPr kumimoji="1" lang="en-US" altLang="zh-TW" dirty="0" smtClean="0">
+                    <a:sym typeface="Wingdings"/>
+                  </a:rPr>
+                  <a:t> In </a:t>
+                </a:r>
+                <a14:m>
+                  <m:oMath xmlns:m="http://schemas.openxmlformats.org/officeDocument/2006/math">
+                    <m:r>
+                      <a:rPr kumimoji="1" lang="en-US" altLang="zh-TW" i="1" smtClean="0">
+                        <a:latin typeface="Cambria Math" charset="0"/>
+                        <a:ea typeface="Cambria Math" charset="0"/>
+                        <a:cs typeface="Cambria Math" charset="0"/>
+                        <a:sym typeface="Wingdings"/>
+                      </a:rPr>
+                      <m:t>𝜇</m:t>
+                    </m:r>
+                    <m:r>
+                      <a:rPr kumimoji="1" lang="en-US" altLang="zh-TW" b="0" i="1" smtClean="0">
+                        <a:latin typeface="Cambria Math" charset="0"/>
+                        <a:ea typeface="Cambria Math" charset="0"/>
+                        <a:cs typeface="Cambria Math" charset="0"/>
+                        <a:sym typeface="Wingdings"/>
+                      </a:rPr>
+                      <m:t>𝑠</m:t>
+                    </m:r>
+                  </m:oMath>
+                </a14:m>
+                <a:endParaRPr kumimoji="1" lang="en-US" altLang="zh-TW" dirty="0" smtClean="0">
+                  <a:sym typeface="Wingdings"/>
+                </a:endParaRPr>
+              </a:p>
+              <a:p>
+                <a:endParaRPr kumimoji="1" lang="en-US" altLang="zh-TW" dirty="0" smtClean="0">
+                  <a:sym typeface="Wingdings"/>
+                </a:endParaRPr>
+              </a:p>
+              <a:p>
+                <a14:m>
+                  <m:oMath xmlns:m="http://schemas.openxmlformats.org/officeDocument/2006/math">
+                    <m:r>
+                      <a:rPr kumimoji="1" lang="en-US" altLang="zh-TW" b="0" i="1" smtClean="0">
+                        <a:latin typeface="Cambria Math" charset="0"/>
+                        <a:sym typeface="Wingdings"/>
+                      </a:rPr>
+                      <m:t>7.5</m:t>
+                    </m:r>
+                    <m:r>
+                      <a:rPr kumimoji="1" lang="en-US" altLang="zh-TW" b="0" i="1" smtClean="0">
+                        <a:latin typeface="Cambria Math" charset="0"/>
+                        <a:ea typeface="Cambria Math" charset="0"/>
+                        <a:cs typeface="Cambria Math" charset="0"/>
+                        <a:sym typeface="Wingdings"/>
+                      </a:rPr>
+                      <m:t>×7.5×3(</m:t>
+                    </m:r>
+                    <m:sSup>
+                      <m:sSupPr>
+                        <m:ctrlPr>
+                          <a:rPr kumimoji="1" lang="en-US" altLang="zh-TW" b="0" i="1" smtClean="0">
+                            <a:latin typeface="Cambria Math" charset="0"/>
+                            <a:ea typeface="Cambria Math" charset="0"/>
+                            <a:cs typeface="Cambria Math" charset="0"/>
+                            <a:sym typeface="Wingdings"/>
+                          </a:rPr>
+                        </m:ctrlPr>
+                      </m:sSupPr>
+                      <m:e>
+                        <m:r>
+                          <a:rPr kumimoji="1" lang="en-US" altLang="zh-TW" b="0" i="1" smtClean="0">
+                            <a:latin typeface="Cambria Math" charset="0"/>
+                            <a:ea typeface="Cambria Math" charset="0"/>
+                            <a:cs typeface="Cambria Math" charset="0"/>
+                            <a:sym typeface="Wingdings"/>
+                          </a:rPr>
+                          <m:t>𝑐𝑚</m:t>
+                        </m:r>
+                      </m:e>
+                      <m:sup>
+                        <m:r>
+                          <a:rPr kumimoji="1" lang="en-US" altLang="zh-TW" b="0" i="1" smtClean="0">
+                            <a:latin typeface="Cambria Math" charset="0"/>
+                            <a:ea typeface="Cambria Math" charset="0"/>
+                            <a:cs typeface="Cambria Math" charset="0"/>
+                            <a:sym typeface="Wingdings"/>
+                          </a:rPr>
+                          <m:t>3</m:t>
+                        </m:r>
+                      </m:sup>
+                    </m:sSup>
+                    <m:r>
+                      <a:rPr kumimoji="1" lang="en-US" altLang="zh-TW" b="0" i="1" smtClean="0">
+                        <a:latin typeface="Cambria Math" charset="0"/>
+                        <a:ea typeface="Cambria Math" charset="0"/>
+                        <a:cs typeface="Cambria Math" charset="0"/>
+                        <a:sym typeface="Wingdings"/>
+                      </a:rPr>
+                      <m:t>)</m:t>
+                    </m:r>
+                  </m:oMath>
+                </a14:m>
+                <a:endParaRPr kumimoji="1" lang="en-US" altLang="zh-TW" dirty="0">
+                  <a:sym typeface="Wingdings"/>
+                </a:endParaRPr>
+              </a:p>
+            </p:txBody>
+          </p:sp>
+        </mc:Choice>
+        <mc:Fallback xmlns="">
+          <p:sp>
+            <p:nvSpPr>
+              <p:cNvPr id="3" name="內容版面配置區 2"/>
+              <p:cNvSpPr>
+                <a:spLocks noGrp="1" noRot="1" noChangeAspect="1" noMove="1" noResize="1" noEditPoints="1" noAdjustHandles="1" noChangeArrowheads="1" noChangeShapeType="1" noTextEdit="1"/>
+              </p:cNvSpPr>
+              <p:nvPr>
+                <p:ph idx="1"/>
+              </p:nvPr>
+            </p:nvSpPr>
+            <p:spPr>
+              <a:blipFill rotWithShape="0">
+                <a:blip r:embed="rId2"/>
+                <a:stretch>
+                  <a:fillRect l="-1043" t="-2381"/>
+                </a:stretch>
+              </a:blipFill>
+            </p:spPr>
+            <p:txBody>
+              <a:bodyPr/>
+              <a:lstStyle/>
+              <a:p>
+                <a:r>
+                  <a:rPr lang="zh-TW" altLang="en-US">
+                    <a:noFill/>
+                  </a:rPr>
+                  <a:t> </a:t>
+                </a:r>
+              </a:p>
+            </p:txBody>
+          </p:sp>
+        </mc:Fallback>
+      </mc:AlternateContent>
+      <mc:AlternateContent xmlns:mc="http://schemas.openxmlformats.org/markup-compatibility/2006" xmlns:a14="http://schemas.microsoft.com/office/drawing/2010/main">
+        <mc:Choice Requires="a14">
+          <p:sp>
+            <p:nvSpPr>
+              <p:cNvPr id="5" name="文字方塊 4"/>
+              <p:cNvSpPr txBox="1"/>
+              <p:nvPr/>
+            </p:nvSpPr>
+            <p:spPr>
+              <a:xfrm>
+                <a:off x="7731028" y="289941"/>
+                <a:ext cx="3664144" cy="903132"/>
+              </a:xfrm>
+              <a:prstGeom prst="rect">
+                <a:avLst/>
+              </a:prstGeom>
+              <a:noFill/>
+            </p:spPr>
+            <p:txBody>
+              <a:bodyPr wrap="square" rtlCol="0">
+                <a:spAutoFit/>
+              </a:bodyPr>
+              <a:lstStyle/>
+              <a:p>
+                <a:pPr/>
+                <a14:m>
+                  <m:oMathPara xmlns:m="http://schemas.openxmlformats.org/officeDocument/2006/math">
+                    <m:oMathParaPr>
+                      <m:jc m:val="centerGroup"/>
+                    </m:oMathParaPr>
+                    <m:oMath xmlns:m="http://schemas.openxmlformats.org/officeDocument/2006/math">
+                      <m:f>
+                        <m:fPr>
+                          <m:ctrlPr>
+                            <a:rPr kumimoji="1" lang="mr-IN" altLang="zh-TW" b="1" i="1" smtClean="0">
+                              <a:solidFill>
+                                <a:schemeClr val="accent2">
+                                  <a:lumMod val="75000"/>
+                                </a:schemeClr>
+                              </a:solidFill>
+                              <a:latin typeface="Cambria Math" charset="0"/>
+                            </a:rPr>
+                          </m:ctrlPr>
+                        </m:fPr>
+                        <m:num>
+                          <m:r>
+                            <a:rPr kumimoji="1" lang="el-GR" altLang="zh-TW" b="1" i="1" smtClean="0">
+                              <a:solidFill>
+                                <a:schemeClr val="accent2">
+                                  <a:lumMod val="75000"/>
+                                </a:schemeClr>
+                              </a:solidFill>
+                              <a:latin typeface="Cambria Math" charset="0"/>
+                              <a:ea typeface="Cambria Math" charset="0"/>
+                              <a:cs typeface="Cambria Math" charset="0"/>
+                            </a:rPr>
+                            <m:t>𝜟</m:t>
+                          </m:r>
+                          <m:r>
+                            <a:rPr kumimoji="1" lang="en-US" altLang="zh-TW" b="1" i="1" smtClean="0">
+                              <a:solidFill>
+                                <a:schemeClr val="accent2">
+                                  <a:lumMod val="75000"/>
+                                </a:schemeClr>
+                              </a:solidFill>
+                              <a:latin typeface="Cambria Math" charset="0"/>
+                              <a:ea typeface="Cambria Math" charset="0"/>
+                              <a:cs typeface="Cambria Math" charset="0"/>
+                            </a:rPr>
+                            <m:t>𝒏</m:t>
+                          </m:r>
+                        </m:num>
+                        <m:den>
+                          <m:r>
+                            <a:rPr kumimoji="1" lang="en-US" altLang="zh-TW" b="1" i="1" smtClean="0">
+                              <a:solidFill>
+                                <a:schemeClr val="accent2">
+                                  <a:lumMod val="75000"/>
+                                </a:schemeClr>
+                              </a:solidFill>
+                              <a:latin typeface="Cambria Math" charset="0"/>
+                            </a:rPr>
+                            <m:t>𝑻</m:t>
+                          </m:r>
+                        </m:den>
+                      </m:f>
+                      <m:r>
+                        <a:rPr kumimoji="1" lang="en-US" altLang="zh-TW" b="1" i="1" smtClean="0">
+                          <a:solidFill>
+                            <a:schemeClr val="accent2">
+                              <a:lumMod val="75000"/>
+                            </a:schemeClr>
+                          </a:solidFill>
+                          <a:latin typeface="Cambria Math" charset="0"/>
+                        </a:rPr>
+                        <m:t>= </m:t>
+                      </m:r>
+                      <m:f>
+                        <m:fPr>
+                          <m:ctrlPr>
+                            <a:rPr kumimoji="1" lang="mr-IN" altLang="zh-TW" b="1" i="1" smtClean="0">
+                              <a:solidFill>
+                                <a:schemeClr val="accent2">
+                                  <a:lumMod val="75000"/>
+                                </a:schemeClr>
+                              </a:solidFill>
+                              <a:latin typeface="Cambria Math" charset="0"/>
+                            </a:rPr>
+                          </m:ctrlPr>
+                        </m:fPr>
+                        <m:num>
+                          <m:f>
+                            <m:fPr>
+                              <m:ctrlPr>
+                                <a:rPr kumimoji="1" lang="en-US" altLang="zh-TW" b="1" i="1" smtClean="0">
+                                  <a:solidFill>
+                                    <a:schemeClr val="accent2">
+                                      <a:lumMod val="75000"/>
+                                    </a:schemeClr>
+                                  </a:solidFill>
+                                  <a:latin typeface="Cambria Math" charset="0"/>
+                                </a:rPr>
+                              </m:ctrlPr>
+                            </m:fPr>
+                            <m:num>
+                              <m:sSup>
+                                <m:sSupPr>
+                                  <m:ctrlPr>
+                                    <a:rPr kumimoji="1" lang="mr-IN" altLang="zh-TW" b="1" i="1" smtClean="0">
+                                      <a:solidFill>
+                                        <a:schemeClr val="accent2">
+                                          <a:lumMod val="75000"/>
+                                        </a:schemeClr>
+                                      </a:solidFill>
+                                      <a:latin typeface="Cambria Math" charset="0"/>
+                                    </a:rPr>
+                                  </m:ctrlPr>
+                                </m:sSupPr>
+                                <m:e>
+                                  <m:r>
+                                    <a:rPr kumimoji="1" lang="en-US" altLang="zh-TW" b="1" i="1" smtClean="0">
+                                      <a:solidFill>
+                                        <a:schemeClr val="accent2">
+                                          <a:lumMod val="75000"/>
+                                        </a:schemeClr>
+                                      </a:solidFill>
+                                      <a:latin typeface="Cambria Math" charset="0"/>
+                                    </a:rPr>
+                                    <m:t>𝟏𝟎</m:t>
+                                  </m:r>
+                                </m:e>
+                                <m:sup>
+                                  <m:r>
+                                    <a:rPr kumimoji="1" lang="en-US" altLang="zh-TW" b="1" i="1" smtClean="0">
+                                      <a:solidFill>
+                                        <a:schemeClr val="accent2">
+                                          <a:lumMod val="75000"/>
+                                        </a:schemeClr>
+                                      </a:solidFill>
+                                      <a:latin typeface="Cambria Math" charset="0"/>
+                                    </a:rPr>
+                                    <m:t>𝟏𝟎</m:t>
+                                  </m:r>
+                                </m:sup>
+                              </m:sSup>
+                            </m:num>
+                            <m:den>
+                              <m:sSup>
+                                <m:sSupPr>
+                                  <m:ctrlPr>
+                                    <a:rPr kumimoji="1" lang="en-US" altLang="zh-TW" b="1" i="1" smtClean="0">
+                                      <a:solidFill>
+                                        <a:schemeClr val="accent2">
+                                          <a:lumMod val="75000"/>
+                                        </a:schemeClr>
+                                      </a:solidFill>
+                                      <a:latin typeface="Cambria Math" charset="0"/>
+                                    </a:rPr>
+                                  </m:ctrlPr>
+                                </m:sSupPr>
+                                <m:e>
+                                  <m:r>
+                                    <a:rPr kumimoji="1" lang="en-US" altLang="zh-TW" b="1" i="1" smtClean="0">
+                                      <a:solidFill>
+                                        <a:schemeClr val="accent2">
+                                          <a:lumMod val="75000"/>
+                                        </a:schemeClr>
+                                      </a:solidFill>
+                                      <a:latin typeface="Cambria Math" charset="0"/>
+                                    </a:rPr>
+                                    <m:t>𝒄𝒎</m:t>
+                                  </m:r>
+                                </m:e>
+                                <m:sup>
+                                  <m:r>
+                                    <a:rPr kumimoji="1" lang="en-US" altLang="zh-TW" b="1" i="1" smtClean="0">
+                                      <a:solidFill>
+                                        <a:schemeClr val="accent2">
+                                          <a:lumMod val="75000"/>
+                                        </a:schemeClr>
+                                      </a:solidFill>
+                                      <a:latin typeface="Cambria Math" charset="0"/>
+                                    </a:rPr>
+                                    <m:t>𝟑</m:t>
+                                  </m:r>
+                                </m:sup>
+                              </m:sSup>
+                            </m:den>
+                          </m:f>
+                          <m:r>
+                            <a:rPr kumimoji="1" lang="en-US" altLang="zh-TW" b="1" i="1" smtClean="0">
+                              <a:solidFill>
+                                <a:schemeClr val="accent2">
+                                  <a:lumMod val="75000"/>
+                                </a:schemeClr>
+                              </a:solidFill>
+                              <a:latin typeface="Cambria Math" charset="0"/>
+                            </a:rPr>
+                            <m:t>∗(</m:t>
+                          </m:r>
+                          <m:r>
+                            <a:rPr kumimoji="1" lang="en-US" altLang="zh-TW" b="1" i="1" smtClean="0">
+                              <a:solidFill>
+                                <a:schemeClr val="accent2">
+                                  <a:lumMod val="75000"/>
+                                </a:schemeClr>
+                              </a:solidFill>
+                              <a:latin typeface="Cambria Math" charset="0"/>
+                            </a:rPr>
+                            <m:t>𝑭</m:t>
+                          </m:r>
+                          <m:r>
+                            <a:rPr kumimoji="1" lang="en-US" altLang="zh-TW" b="1" i="1" smtClean="0">
+                              <a:solidFill>
+                                <a:schemeClr val="accent2">
+                                  <a:lumMod val="75000"/>
+                                </a:schemeClr>
+                              </a:solidFill>
+                              <a:latin typeface="Cambria Math" charset="0"/>
+                            </a:rPr>
+                            <m:t>)</m:t>
+                          </m:r>
+                        </m:num>
+                        <m:den>
+                          <m:r>
+                            <a:rPr kumimoji="1" lang="en-US" altLang="zh-TW" b="1" i="1" smtClean="0">
+                              <a:solidFill>
+                                <a:schemeClr val="accent2">
+                                  <a:lumMod val="75000"/>
+                                </a:schemeClr>
+                              </a:solidFill>
+                              <a:latin typeface="Cambria Math" charset="0"/>
+                            </a:rPr>
+                            <m:t>𝟏𝟎𝟎</m:t>
+                          </m:r>
+                          <m:r>
+                            <a:rPr kumimoji="1" lang="en-US" altLang="zh-TW" b="1" i="1" smtClean="0">
+                              <a:solidFill>
+                                <a:schemeClr val="accent2">
+                                  <a:lumMod val="75000"/>
+                                </a:schemeClr>
+                              </a:solidFill>
+                              <a:latin typeface="Cambria Math" charset="0"/>
+                              <a:ea typeface="Cambria Math" charset="0"/>
+                              <a:cs typeface="Cambria Math" charset="0"/>
+                            </a:rPr>
+                            <m:t>𝝁</m:t>
+                          </m:r>
+                          <m:r>
+                            <a:rPr kumimoji="1" lang="en-US" altLang="zh-TW" b="1" i="1" smtClean="0">
+                              <a:solidFill>
+                                <a:schemeClr val="accent2">
+                                  <a:lumMod val="75000"/>
+                                </a:schemeClr>
+                              </a:solidFill>
+                              <a:latin typeface="Cambria Math" charset="0"/>
+                              <a:ea typeface="Cambria Math" charset="0"/>
+                              <a:cs typeface="Cambria Math" charset="0"/>
+                            </a:rPr>
+                            <m:t>𝒔</m:t>
+                          </m:r>
+                        </m:den>
+                      </m:f>
+                      <m:r>
+                        <a:rPr kumimoji="1" lang="en-US" altLang="zh-TW" b="1" i="1" smtClean="0">
+                          <a:solidFill>
+                            <a:schemeClr val="accent2">
+                              <a:lumMod val="75000"/>
+                            </a:schemeClr>
+                          </a:solidFill>
+                          <a:latin typeface="Cambria Math" charset="0"/>
+                        </a:rPr>
+                        <m:t>=</m:t>
+                      </m:r>
+                      <m:f>
+                        <m:fPr>
+                          <m:ctrlPr>
+                            <a:rPr kumimoji="1" lang="en-US" altLang="zh-TW" b="1" i="1" smtClean="0">
+                              <a:solidFill>
+                                <a:schemeClr val="accent2">
+                                  <a:lumMod val="75000"/>
+                                </a:schemeClr>
+                              </a:solidFill>
+                              <a:latin typeface="Cambria Math" charset="0"/>
+                            </a:rPr>
+                          </m:ctrlPr>
+                        </m:fPr>
+                        <m:num>
+                          <m:sSup>
+                            <m:sSupPr>
+                              <m:ctrlPr>
+                                <a:rPr kumimoji="1" lang="en-US" altLang="zh-TW" b="1" i="1" smtClean="0">
+                                  <a:solidFill>
+                                    <a:schemeClr val="accent2">
+                                      <a:lumMod val="75000"/>
+                                    </a:schemeClr>
+                                  </a:solidFill>
+                                  <a:latin typeface="Cambria Math" charset="0"/>
+                                </a:rPr>
+                              </m:ctrlPr>
+                            </m:sSupPr>
+                            <m:e>
+                              <m:r>
+                                <a:rPr kumimoji="1" lang="en-US" altLang="zh-TW" b="1" i="1" smtClean="0">
+                                  <a:solidFill>
+                                    <a:schemeClr val="accent2">
+                                      <a:lumMod val="75000"/>
+                                    </a:schemeClr>
+                                  </a:solidFill>
+                                  <a:latin typeface="Cambria Math" charset="0"/>
+                                </a:rPr>
+                                <m:t>𝟏𝟎</m:t>
+                              </m:r>
+                            </m:e>
+                            <m:sup>
+                              <m:r>
+                                <a:rPr kumimoji="1" lang="en-US" altLang="zh-TW" b="1" i="1" smtClean="0">
+                                  <a:solidFill>
+                                    <a:schemeClr val="accent2">
+                                      <a:lumMod val="75000"/>
+                                    </a:schemeClr>
+                                  </a:solidFill>
+                                  <a:latin typeface="Cambria Math" charset="0"/>
+                                </a:rPr>
+                                <m:t>𝟖</m:t>
+                              </m:r>
+                            </m:sup>
+                          </m:sSup>
+                          <m:r>
+                            <a:rPr kumimoji="1" lang="en-US" altLang="zh-TW" b="1" i="1" smtClean="0">
+                              <a:solidFill>
+                                <a:schemeClr val="accent2">
+                                  <a:lumMod val="75000"/>
+                                </a:schemeClr>
+                              </a:solidFill>
+                              <a:latin typeface="Cambria Math" charset="0"/>
+                            </a:rPr>
+                            <m:t>∗</m:t>
+                          </m:r>
+                          <m:r>
+                            <a:rPr kumimoji="1" lang="en-US" altLang="zh-TW" b="1" i="1" smtClean="0">
+                              <a:solidFill>
+                                <a:schemeClr val="accent2">
+                                  <a:lumMod val="75000"/>
+                                </a:schemeClr>
+                              </a:solidFill>
+                              <a:latin typeface="Cambria Math" charset="0"/>
+                            </a:rPr>
+                            <m:t>𝑭</m:t>
+                          </m:r>
+                        </m:num>
+                        <m:den>
+                          <m:sSup>
+                            <m:sSupPr>
+                              <m:ctrlPr>
+                                <a:rPr kumimoji="1" lang="en-US" altLang="zh-TW" b="1" i="1" smtClean="0">
+                                  <a:solidFill>
+                                    <a:schemeClr val="accent2">
+                                      <a:lumMod val="75000"/>
+                                    </a:schemeClr>
+                                  </a:solidFill>
+                                  <a:latin typeface="Cambria Math" charset="0"/>
+                                </a:rPr>
+                              </m:ctrlPr>
+                            </m:sSupPr>
+                            <m:e>
+                              <m:r>
+                                <a:rPr kumimoji="1" lang="en-US" altLang="zh-TW" b="1" i="1" smtClean="0">
+                                  <a:solidFill>
+                                    <a:schemeClr val="accent2">
+                                      <a:lumMod val="75000"/>
+                                    </a:schemeClr>
+                                  </a:solidFill>
+                                  <a:latin typeface="Cambria Math" charset="0"/>
+                                </a:rPr>
+                                <m:t>𝒄𝒎</m:t>
+                              </m:r>
+                            </m:e>
+                            <m:sup>
+                              <m:r>
+                                <a:rPr kumimoji="1" lang="en-US" altLang="zh-TW" b="1" i="1" smtClean="0">
+                                  <a:solidFill>
+                                    <a:schemeClr val="accent2">
+                                      <a:lumMod val="75000"/>
+                                    </a:schemeClr>
+                                  </a:solidFill>
+                                  <a:latin typeface="Cambria Math" charset="0"/>
+                                </a:rPr>
+                                <m:t>𝟑</m:t>
+                              </m:r>
+                            </m:sup>
+                          </m:sSup>
+                          <m:r>
+                            <a:rPr kumimoji="1" lang="en-US" altLang="zh-TW" b="1" i="1" smtClean="0">
+                              <a:solidFill>
+                                <a:schemeClr val="accent2">
+                                  <a:lumMod val="75000"/>
+                                </a:schemeClr>
+                              </a:solidFill>
+                              <a:latin typeface="Cambria Math" charset="0"/>
+                            </a:rPr>
+                            <m:t>∗</m:t>
+                          </m:r>
+                          <m:r>
+                            <a:rPr kumimoji="1" lang="en-US" altLang="zh-TW" b="1" i="1" smtClean="0">
+                              <a:solidFill>
+                                <a:schemeClr val="accent2">
+                                  <a:lumMod val="75000"/>
+                                </a:schemeClr>
+                              </a:solidFill>
+                              <a:latin typeface="Cambria Math" charset="0"/>
+                              <a:ea typeface="Cambria Math" charset="0"/>
+                              <a:cs typeface="Cambria Math" charset="0"/>
+                            </a:rPr>
+                            <m:t>𝝁</m:t>
+                          </m:r>
+                          <m:r>
+                            <a:rPr kumimoji="1" lang="en-US" altLang="zh-TW" b="1" i="1" smtClean="0">
+                              <a:solidFill>
+                                <a:schemeClr val="accent2">
+                                  <a:lumMod val="75000"/>
+                                </a:schemeClr>
+                              </a:solidFill>
+                              <a:latin typeface="Cambria Math" charset="0"/>
+                              <a:ea typeface="Cambria Math" charset="0"/>
+                              <a:cs typeface="Cambria Math" charset="0"/>
+                            </a:rPr>
+                            <m:t>𝒔</m:t>
+                          </m:r>
+                        </m:den>
+                      </m:f>
+                    </m:oMath>
+                  </m:oMathPara>
+                </a14:m>
+                <a:endParaRPr kumimoji="1" lang="zh-TW" altLang="en-US" b="1" dirty="0">
+                  <a:solidFill>
+                    <a:schemeClr val="accent2">
+                      <a:lumMod val="75000"/>
+                    </a:schemeClr>
+                  </a:solidFill>
+                </a:endParaRPr>
+              </a:p>
+            </p:txBody>
+          </p:sp>
+        </mc:Choice>
+        <mc:Fallback xmlns="">
+          <p:sp>
+            <p:nvSpPr>
+              <p:cNvPr id="5" name="文字方塊 4"/>
+              <p:cNvSpPr txBox="1">
+                <a:spLocks noRot="1" noChangeAspect="1" noMove="1" noResize="1" noEditPoints="1" noAdjustHandles="1" noChangeArrowheads="1" noChangeShapeType="1" noTextEdit="1"/>
+              </p:cNvSpPr>
+              <p:nvPr/>
+            </p:nvSpPr>
+            <p:spPr>
+              <a:xfrm>
+                <a:off x="7731028" y="289941"/>
+                <a:ext cx="3664144" cy="903132"/>
+              </a:xfrm>
+              <a:prstGeom prst="rect">
+                <a:avLst/>
+              </a:prstGeom>
+              <a:blipFill rotWithShape="0">
+                <a:blip r:embed="rId3"/>
+                <a:stretch>
+                  <a:fillRect/>
+                </a:stretch>
+              </a:blipFill>
+            </p:spPr>
+            <p:txBody>
+              <a:bodyPr/>
+              <a:lstStyle/>
+              <a:p>
+                <a:r>
+                  <a:rPr lang="zh-TW" altLang="en-US">
+                    <a:noFill/>
+                  </a:rPr>
+                  <a:t> </a:t>
+                </a:r>
+              </a:p>
+            </p:txBody>
+          </p:sp>
+        </mc:Fallback>
+      </mc:AlternateContent>
     </p:spTree>
     <p:extLst>
       <p:ext uri="{BB962C8B-B14F-4D97-AF65-F5344CB8AC3E}">
-        <p14:creationId xmlns:p14="http://schemas.microsoft.com/office/powerpoint/2010/main" val="1115696311"/>
+        <p14:creationId xmlns:p14="http://schemas.microsoft.com/office/powerpoint/2010/main" val="420227626"/>
       </p:ext>
     </p:extLst>
   </p:cSld>
@@ -3509,7 +4210,7 @@
 </p:sld>
 </file>
 
-<file path=ppt/slides/slide3.xml><?xml version="1.0" encoding="utf-8"?>
+<file path=ppt/slides/slide11.xml><?xml version="1.0" encoding="utf-8"?>
 <p:sld xmlns:a="http://schemas.openxmlformats.org/drawingml/2006/main" xmlns:r="http://schemas.openxmlformats.org/officeDocument/2006/relationships" xmlns:p="http://schemas.openxmlformats.org/presentationml/2006/main">
   <p:cSld>
     <p:spTree>
@@ -3533,6 +4234,102 @@
             <a:spLocks noGrp="1"/>
           </p:cNvSpPr>
           <p:nvPr>
+            <p:ph type="ctrTitle"/>
+          </p:nvPr>
+        </p:nvSpPr>
+        <p:spPr>
+          <a:xfrm>
+            <a:off x="0" y="1122363"/>
+            <a:ext cx="12192000" cy="2387600"/>
+          </a:xfrm>
+        </p:spPr>
+        <p:txBody>
+          <a:bodyPr>
+            <a:normAutofit/>
+          </a:bodyPr>
+          <a:lstStyle/>
+          <a:p>
+            <a:r>
+              <a:rPr kumimoji="1" lang="en-US" altLang="zh-TW" dirty="0" smtClean="0"/>
+              <a:t>How do we know we are right?</a:t>
+            </a:r>
+            <a:br>
+              <a:rPr kumimoji="1" lang="en-US" altLang="zh-TW" dirty="0" smtClean="0"/>
+            </a:br>
+            <a:r>
+              <a:rPr kumimoji="1" lang="en-US" altLang="zh-TW" dirty="0" smtClean="0"/>
+              <a:t>The standard case as follows:</a:t>
+            </a:r>
+            <a:endParaRPr kumimoji="1" lang="zh-TW" altLang="en-US" dirty="0"/>
+          </a:p>
+        </p:txBody>
+      </p:sp>
+      <p:sp>
+        <p:nvSpPr>
+          <p:cNvPr id="3" name="副標題 2"/>
+          <p:cNvSpPr>
+            <a:spLocks noGrp="1"/>
+          </p:cNvSpPr>
+          <p:nvPr>
+            <p:ph type="subTitle" idx="1"/>
+          </p:nvPr>
+        </p:nvSpPr>
+        <p:spPr/>
+        <p:txBody>
+          <a:bodyPr/>
+          <a:lstStyle/>
+          <a:p>
+            <a:endParaRPr kumimoji="1" lang="en-US" altLang="zh-TW" dirty="0" smtClean="0"/>
+          </a:p>
+          <a:p>
+            <a:endParaRPr kumimoji="1" lang="en-US" altLang="zh-TW" dirty="0"/>
+          </a:p>
+        </p:txBody>
+      </p:sp>
+    </p:spTree>
+    <p:extLst>
+      <p:ext uri="{BB962C8B-B14F-4D97-AF65-F5344CB8AC3E}">
+        <p14:creationId xmlns:p14="http://schemas.microsoft.com/office/powerpoint/2010/main" val="924073109"/>
+      </p:ext>
+    </p:extLst>
+  </p:cSld>
+  <p:clrMapOvr>
+    <a:masterClrMapping/>
+  </p:clrMapOvr>
+  <p:timing>
+    <p:tnLst>
+      <p:par>
+        <p:cTn id="1" dur="indefinite" restart="never" nodeType="tmRoot"/>
+      </p:par>
+    </p:tnLst>
+  </p:timing>
+</p:sld>
+</file>
+
+<file path=ppt/slides/slide12.xml><?xml version="1.0" encoding="utf-8"?>
+<p:sld xmlns:a="http://schemas.openxmlformats.org/drawingml/2006/main" xmlns:r="http://schemas.openxmlformats.org/officeDocument/2006/relationships" xmlns:p="http://schemas.openxmlformats.org/presentationml/2006/main">
+  <p:cSld>
+    <p:spTree>
+      <p:nvGrpSpPr>
+        <p:cNvPr id="1" name=""/>
+        <p:cNvGrpSpPr/>
+        <p:nvPr/>
+      </p:nvGrpSpPr>
+      <p:grpSpPr>
+        <a:xfrm>
+          <a:off x="0" y="0"/>
+          <a:ext cx="0" cy="0"/>
+          <a:chOff x="0" y="0"/>
+          <a:chExt cx="0" cy="0"/>
+        </a:xfrm>
+      </p:grpSpPr>
+      <p:sp>
+        <p:nvSpPr>
+          <p:cNvPr id="2" name="標題 1"/>
+          <p:cNvSpPr>
+            <a:spLocks noGrp="1"/>
+          </p:cNvSpPr>
+          <p:nvPr>
             <p:ph type="title"/>
           </p:nvPr>
         </p:nvSpPr>
@@ -3543,67 +4340,625 @@
           <a:p>
             <a:r>
               <a:rPr kumimoji="1" lang="en-US" altLang="zh-TW" dirty="0" smtClean="0"/>
-              <a:t>Three steps</a:t>
+              <a:t>Charged concentration density</a:t>
             </a:r>
             <a:endParaRPr kumimoji="1" lang="zh-TW" altLang="en-US" dirty="0"/>
           </a:p>
         </p:txBody>
       </p:sp>
-      <p:sp>
-        <p:nvSpPr>
-          <p:cNvPr id="4" name="橢圓 3"/>
-          <p:cNvSpPr/>
-          <p:nvPr/>
-        </p:nvSpPr>
+      <p:pic>
+        <p:nvPicPr>
+          <p:cNvPr id="4" name="內容版面配置區 3"/>
+          <p:cNvPicPr>
+            <a:picLocks noGrp="1" noChangeAspect="1"/>
+          </p:cNvPicPr>
+          <p:nvPr>
+            <p:ph idx="1"/>
+          </p:nvPr>
+        </p:nvPicPr>
+        <p:blipFill>
+          <a:blip r:embed="rId2">
+            <a:extLst>
+              <a:ext uri="{28A0092B-C50C-407E-A947-70E740481C1C}">
+                <a14:useLocalDpi xmlns:a14="http://schemas.microsoft.com/office/drawing/2010/main" val="0"/>
+              </a:ext>
+            </a:extLst>
+          </a:blip>
+          <a:stretch>
+            <a:fillRect/>
+          </a:stretch>
+        </p:blipFill>
         <p:spPr>
           <a:xfrm>
-            <a:off x="588131" y="1492983"/>
-            <a:ext cx="2457450" cy="2457450"/>
+            <a:off x="0" y="1743181"/>
+            <a:ext cx="6008015" cy="4388551"/>
           </a:xfrm>
-          <a:prstGeom prst="ellipse">
-            <a:avLst/>
-          </a:prstGeom>
-          <a:solidFill>
-            <a:schemeClr val="accent2">
-              <a:alpha val="76000"/>
-            </a:schemeClr>
-          </a:solidFill>
         </p:spPr>
-        <p:style>
-          <a:lnRef idx="2">
-            <a:schemeClr val="accent1">
-              <a:shade val="50000"/>
-            </a:schemeClr>
-          </a:lnRef>
-          <a:fillRef idx="1">
-            <a:schemeClr val="accent1"/>
-          </a:fillRef>
-          <a:effectRef idx="0">
-            <a:schemeClr val="accent1"/>
-          </a:effectRef>
-          <a:fontRef idx="minor">
-            <a:schemeClr val="lt1"/>
-          </a:fontRef>
-        </p:style>
-        <p:txBody>
-          <a:bodyPr rtlCol="0" anchor="ctr"/>
-          <a:lstStyle/>
-          <a:p>
-            <a:pPr algn="ctr"/>
-            <a:endParaRPr kumimoji="1" lang="zh-TW" altLang="en-US"/>
-          </a:p>
-        </p:txBody>
-      </p:sp>
-      <p:sp>
-        <p:nvSpPr>
-          <p:cNvPr id="5" name="文字方塊 4"/>
+      </p:pic>
+      <mc:AlternateContent xmlns:mc="http://schemas.openxmlformats.org/markup-compatibility/2006" xmlns:a14="http://schemas.microsoft.com/office/drawing/2010/main">
+        <mc:Choice Requires="a14">
+          <p:sp>
+            <p:nvSpPr>
+              <p:cNvPr id="5" name="文字方塊 4"/>
+              <p:cNvSpPr txBox="1"/>
+              <p:nvPr/>
+            </p:nvSpPr>
+            <p:spPr>
+              <a:xfrm>
+                <a:off x="6343651" y="1690688"/>
+                <a:ext cx="5386387" cy="4214487"/>
+              </a:xfrm>
+              <a:prstGeom prst="rect">
+                <a:avLst/>
+              </a:prstGeom>
+              <a:noFill/>
+            </p:spPr>
+            <p:txBody>
+              <a:bodyPr wrap="square" rtlCol="0">
+                <a:spAutoFit/>
+              </a:bodyPr>
+              <a:lstStyle/>
+              <a:p>
+                <a:pPr algn="ctr"/>
+                <a:r>
+                  <a:rPr kumimoji="1" lang="en-US" altLang="zh-TW" sz="2000" dirty="0" smtClean="0">
+                    <a:solidFill>
+                      <a:srgbClr val="FF0000"/>
+                    </a:solidFill>
+                    <a:latin typeface="Arial" charset="0"/>
+                    <a:ea typeface="Arial" charset="0"/>
+                    <a:cs typeface="Arial" charset="0"/>
+                  </a:rPr>
+                  <a:t>Temperature-dependent </a:t>
+                </a:r>
+              </a:p>
+              <a:p>
+                <a:pPr algn="ctr"/>
+                <a:r>
+                  <a:rPr kumimoji="1" lang="en-US" altLang="zh-TW" sz="2000" dirty="0" smtClean="0">
+                    <a:latin typeface="Arial" charset="0"/>
+                    <a:ea typeface="Arial" charset="0"/>
+                    <a:cs typeface="Arial" charset="0"/>
+                  </a:rPr>
+                  <a:t>charged concentration density</a:t>
+                </a:r>
+              </a:p>
+              <a:p>
+                <a:pPr algn="ctr"/>
+                <a:endParaRPr kumimoji="1" lang="en-US" altLang="zh-TW" sz="2000" dirty="0">
+                  <a:latin typeface="Arial" charset="0"/>
+                  <a:ea typeface="Arial" charset="0"/>
+                  <a:cs typeface="Arial" charset="0"/>
+                </a:endParaRPr>
+              </a:p>
+              <a:p>
+                <a:pPr algn="ctr"/>
+                <a:r>
+                  <a:rPr kumimoji="1" lang="en-US" altLang="zh-TW" sz="2000" dirty="0" smtClean="0">
+                    <a:latin typeface="Arial" charset="0"/>
+                    <a:ea typeface="Arial" charset="0"/>
+                    <a:cs typeface="Arial" charset="0"/>
+                  </a:rPr>
+                  <a:t>Lower than “ionization energy”</a:t>
+                </a:r>
+              </a:p>
+              <a:p>
+                <a:pPr algn="ctr"/>
+                <a:r>
+                  <a:rPr kumimoji="1" lang="en-US" altLang="zh-TW" sz="2000" dirty="0" smtClean="0">
+                    <a:solidFill>
+                      <a:srgbClr val="FF0000"/>
+                    </a:solidFill>
+                    <a:latin typeface="Arial" charset="0"/>
+                    <a:ea typeface="Arial" charset="0"/>
+                    <a:cs typeface="Arial" charset="0"/>
+                    <a:sym typeface="Wingdings"/>
+                  </a:rPr>
+                  <a:t>120K</a:t>
+                </a:r>
+              </a:p>
+              <a:p>
+                <a:pPr algn="ctr"/>
+                <a:r>
+                  <a:rPr kumimoji="1" lang="en-US" altLang="zh-TW" sz="2000" dirty="0" smtClean="0">
+                    <a:latin typeface="Arial" charset="0"/>
+                    <a:ea typeface="Arial" charset="0"/>
+                    <a:cs typeface="Arial" charset="0"/>
+                    <a:sym typeface="Wingdings"/>
+                  </a:rPr>
+                  <a:t> Density of the charged concentration will get smaller since the insufficient fluctuation. </a:t>
+                </a:r>
+              </a:p>
+              <a:p>
+                <a:pPr algn="ctr"/>
+                <a:endParaRPr kumimoji="1" lang="en-US" altLang="zh-TW" sz="2000" dirty="0">
+                  <a:latin typeface="Arial" charset="0"/>
+                  <a:ea typeface="Arial" charset="0"/>
+                  <a:cs typeface="Arial" charset="0"/>
+                  <a:sym typeface="Wingdings"/>
+                </a:endParaRPr>
+              </a:p>
+              <a:p>
+                <a:pPr algn="ctr"/>
+                <a14:m>
+                  <m:oMathPara xmlns:m="http://schemas.openxmlformats.org/officeDocument/2006/math">
+                    <m:oMathParaPr>
+                      <m:jc m:val="centerGroup"/>
+                    </m:oMathParaPr>
+                    <m:oMath xmlns:m="http://schemas.openxmlformats.org/officeDocument/2006/math">
+                      <m:r>
+                        <a:rPr kumimoji="1" lang="en-US" altLang="zh-TW" sz="2000" i="1" smtClean="0">
+                          <a:latin typeface="Cambria Math" charset="0"/>
+                          <a:ea typeface="Cambria Math" charset="0"/>
+                          <a:cs typeface="Cambria Math" charset="0"/>
+                        </a:rPr>
+                        <m:t>∝</m:t>
+                      </m:r>
+                      <m:f>
+                        <m:fPr>
+                          <m:ctrlPr>
+                            <a:rPr kumimoji="1" lang="mr-IN" altLang="zh-TW" sz="2000" i="1" smtClean="0">
+                              <a:latin typeface="Cambria Math" charset="0"/>
+                              <a:ea typeface="Cambria Math" charset="0"/>
+                              <a:cs typeface="Cambria Math" charset="0"/>
+                            </a:rPr>
+                          </m:ctrlPr>
+                        </m:fPr>
+                        <m:num>
+                          <m:r>
+                            <a:rPr kumimoji="1" lang="en-US" altLang="zh-TW" sz="2000" b="0" i="1" smtClean="0">
+                              <a:latin typeface="Cambria Math" charset="0"/>
+                              <a:ea typeface="Cambria Math" charset="0"/>
+                              <a:cs typeface="Cambria Math" charset="0"/>
+                            </a:rPr>
+                            <m:t>1</m:t>
+                          </m:r>
+                        </m:num>
+                        <m:den>
+                          <m:sSup>
+                            <m:sSupPr>
+                              <m:ctrlPr>
+                                <a:rPr kumimoji="1" lang="mr-IN" altLang="zh-TW" sz="2000" i="1" smtClean="0">
+                                  <a:latin typeface="Cambria Math" charset="0"/>
+                                  <a:ea typeface="Cambria Math" charset="0"/>
+                                  <a:cs typeface="Cambria Math" charset="0"/>
+                                </a:rPr>
+                              </m:ctrlPr>
+                            </m:sSupPr>
+                            <m:e>
+                              <m:r>
+                                <a:rPr kumimoji="1" lang="en-US" altLang="zh-TW" sz="2000" b="0" i="1" smtClean="0">
+                                  <a:latin typeface="Cambria Math" charset="0"/>
+                                  <a:ea typeface="Cambria Math" charset="0"/>
+                                  <a:cs typeface="Cambria Math" charset="0"/>
+                                </a:rPr>
+                                <m:t>𝑒</m:t>
+                              </m:r>
+                            </m:e>
+                            <m:sup>
+                              <m:f>
+                                <m:fPr>
+                                  <m:ctrlPr>
+                                    <a:rPr kumimoji="1" lang="mr-IN" altLang="zh-TW" sz="2000" i="1" smtClean="0">
+                                      <a:latin typeface="Cambria Math" charset="0"/>
+                                      <a:ea typeface="Cambria Math" charset="0"/>
+                                      <a:cs typeface="Cambria Math" charset="0"/>
+                                    </a:rPr>
+                                  </m:ctrlPr>
+                                </m:fPr>
+                                <m:num>
+                                  <m:r>
+                                    <a:rPr kumimoji="1" lang="en-US" altLang="zh-TW" sz="2000" b="0" i="1" smtClean="0">
+                                      <a:latin typeface="Cambria Math" charset="0"/>
+                                      <a:ea typeface="Cambria Math" charset="0"/>
+                                      <a:cs typeface="Cambria Math" charset="0"/>
+                                    </a:rPr>
+                                    <m:t>𝐸</m:t>
+                                  </m:r>
+                                </m:num>
+                                <m:den>
+                                  <m:r>
+                                    <a:rPr kumimoji="1" lang="en-US" altLang="zh-TW" sz="2000" b="0" i="1" smtClean="0">
+                                      <a:latin typeface="Cambria Math" charset="0"/>
+                                      <a:ea typeface="Cambria Math" charset="0"/>
+                                      <a:cs typeface="Cambria Math" charset="0"/>
+                                    </a:rPr>
+                                    <m:t>2</m:t>
+                                  </m:r>
+                                  <m:sSub>
+                                    <m:sSubPr>
+                                      <m:ctrlPr>
+                                        <a:rPr kumimoji="1" lang="en-US" altLang="zh-TW" sz="2000" i="1" smtClean="0">
+                                          <a:latin typeface="Cambria Math" charset="0"/>
+                                          <a:ea typeface="Cambria Math" charset="0"/>
+                                          <a:cs typeface="Cambria Math" charset="0"/>
+                                        </a:rPr>
+                                      </m:ctrlPr>
+                                    </m:sSubPr>
+                                    <m:e>
+                                      <m:r>
+                                        <a:rPr kumimoji="1" lang="en-US" altLang="zh-TW" sz="2000" b="0" i="1" smtClean="0">
+                                          <a:latin typeface="Cambria Math" charset="0"/>
+                                          <a:ea typeface="Cambria Math" charset="0"/>
+                                          <a:cs typeface="Cambria Math" charset="0"/>
+                                        </a:rPr>
+                                        <m:t>𝑘</m:t>
+                                      </m:r>
+                                    </m:e>
+                                    <m:sub>
+                                      <m:r>
+                                        <a:rPr kumimoji="1" lang="en-US" altLang="zh-TW" sz="2000" b="0" i="1" smtClean="0">
+                                          <a:latin typeface="Cambria Math" charset="0"/>
+                                          <a:ea typeface="Cambria Math" charset="0"/>
+                                          <a:cs typeface="Cambria Math" charset="0"/>
+                                        </a:rPr>
+                                        <m:t>𝐵</m:t>
+                                      </m:r>
+                                    </m:sub>
+                                  </m:sSub>
+                                  <m:r>
+                                    <a:rPr kumimoji="1" lang="en-US" altLang="zh-TW" sz="2000" b="0" i="1" smtClean="0">
+                                      <a:latin typeface="Cambria Math" charset="0"/>
+                                      <a:ea typeface="Cambria Math" charset="0"/>
+                                      <a:cs typeface="Cambria Math" charset="0"/>
+                                    </a:rPr>
+                                    <m:t>𝑇</m:t>
+                                  </m:r>
+                                </m:den>
+                              </m:f>
+                            </m:sup>
+                          </m:sSup>
+                        </m:den>
+                      </m:f>
+                    </m:oMath>
+                  </m:oMathPara>
+                </a14:m>
+                <a:endParaRPr kumimoji="1" lang="en-US" altLang="zh-TW" sz="2000" dirty="0" smtClean="0">
+                  <a:latin typeface="Arial" charset="0"/>
+                  <a:ea typeface="Arial" charset="0"/>
+                  <a:cs typeface="Arial" charset="0"/>
+                </a:endParaRPr>
+              </a:p>
+              <a:p>
+                <a:pPr algn="ctr"/>
+                <a:endParaRPr kumimoji="1" lang="en-US" altLang="zh-TW" sz="2000" dirty="0">
+                  <a:latin typeface="Arial" charset="0"/>
+                  <a:ea typeface="Arial" charset="0"/>
+                  <a:cs typeface="Arial" charset="0"/>
+                </a:endParaRPr>
+              </a:p>
+              <a:p>
+                <a:pPr algn="ctr"/>
+                <a:r>
+                  <a:rPr kumimoji="1" lang="en-US" altLang="zh-TW" sz="2000" dirty="0" smtClean="0">
+                    <a:latin typeface="Arial" charset="0"/>
+                    <a:ea typeface="Arial" charset="0"/>
+                    <a:cs typeface="Arial" charset="0"/>
+                  </a:rPr>
+                  <a:t>1 : </a:t>
+                </a:r>
+                <a14:m>
+                  <m:oMath xmlns:m="http://schemas.openxmlformats.org/officeDocument/2006/math">
+                    <m:f>
+                      <m:fPr>
+                        <m:ctrlPr>
+                          <a:rPr kumimoji="1" lang="mr-IN" altLang="zh-TW" sz="2000" i="1" smtClean="0">
+                            <a:latin typeface="Cambria Math" charset="0"/>
+                            <a:ea typeface="Cambria Math" charset="0"/>
+                            <a:cs typeface="Cambria Math" charset="0"/>
+                          </a:rPr>
+                        </m:ctrlPr>
+                      </m:fPr>
+                      <m:num>
+                        <m:r>
+                          <a:rPr kumimoji="1" lang="en-US" altLang="zh-TW" sz="2000" b="0" i="1" smtClean="0">
+                            <a:latin typeface="Cambria Math" charset="0"/>
+                            <a:ea typeface="Cambria Math" charset="0"/>
+                            <a:cs typeface="Cambria Math" charset="0"/>
+                          </a:rPr>
+                          <m:t>1</m:t>
+                        </m:r>
+                      </m:num>
+                      <m:den>
+                        <m:sSup>
+                          <m:sSupPr>
+                            <m:ctrlPr>
+                              <a:rPr kumimoji="1" lang="mr-IN" altLang="zh-TW" sz="2000" i="1" smtClean="0">
+                                <a:latin typeface="Cambria Math" charset="0"/>
+                                <a:ea typeface="Cambria Math" charset="0"/>
+                                <a:cs typeface="Cambria Math" charset="0"/>
+                              </a:rPr>
+                            </m:ctrlPr>
+                          </m:sSupPr>
+                          <m:e>
+                            <m:r>
+                              <a:rPr kumimoji="1" lang="en-US" altLang="zh-TW" sz="2000" b="0" i="1" smtClean="0">
+                                <a:latin typeface="Cambria Math" charset="0"/>
+                                <a:ea typeface="Cambria Math" charset="0"/>
+                                <a:cs typeface="Cambria Math" charset="0"/>
+                              </a:rPr>
+                              <m:t>𝑒</m:t>
+                            </m:r>
+                          </m:e>
+                          <m:sup>
+                            <m:f>
+                              <m:fPr>
+                                <m:ctrlPr>
+                                  <a:rPr kumimoji="1" lang="mr-IN" altLang="zh-TW" sz="2000" i="1" smtClean="0">
+                                    <a:latin typeface="Cambria Math" charset="0"/>
+                                    <a:ea typeface="Cambria Math" charset="0"/>
+                                    <a:cs typeface="Cambria Math" charset="0"/>
+                                  </a:rPr>
+                                </m:ctrlPr>
+                              </m:fPr>
+                              <m:num>
+                                <m:r>
+                                  <a:rPr kumimoji="1" lang="en-US" altLang="zh-TW" sz="2000" b="0" i="1" smtClean="0">
+                                    <a:latin typeface="Cambria Math" charset="0"/>
+                                    <a:ea typeface="Cambria Math" charset="0"/>
+                                    <a:cs typeface="Cambria Math" charset="0"/>
+                                  </a:rPr>
+                                  <m:t>0.0106</m:t>
+                                </m:r>
+                              </m:num>
+                              <m:den>
+                                <m:r>
+                                  <a:rPr kumimoji="1" lang="en-US" altLang="zh-TW" sz="2000" b="0" i="1" smtClean="0">
+                                    <a:latin typeface="Cambria Math" charset="0"/>
+                                    <a:ea typeface="Cambria Math" charset="0"/>
+                                    <a:cs typeface="Cambria Math" charset="0"/>
+                                  </a:rPr>
+                                  <m:t>2</m:t>
+                                </m:r>
+                                <m:sSub>
+                                  <m:sSubPr>
+                                    <m:ctrlPr>
+                                      <a:rPr kumimoji="1" lang="en-US" altLang="zh-TW" sz="2000" i="1" smtClean="0">
+                                        <a:latin typeface="Cambria Math" charset="0"/>
+                                        <a:ea typeface="Cambria Math" charset="0"/>
+                                        <a:cs typeface="Cambria Math" charset="0"/>
+                                      </a:rPr>
+                                    </m:ctrlPr>
+                                  </m:sSubPr>
+                                  <m:e>
+                                    <m:r>
+                                      <a:rPr kumimoji="1" lang="en-US" altLang="zh-TW" sz="2000" b="0" i="1" smtClean="0">
+                                        <a:latin typeface="Cambria Math" charset="0"/>
+                                        <a:ea typeface="Cambria Math" charset="0"/>
+                                        <a:cs typeface="Cambria Math" charset="0"/>
+                                      </a:rPr>
+                                      <m:t>𝑘</m:t>
+                                    </m:r>
+                                  </m:e>
+                                  <m:sub>
+                                    <m:r>
+                                      <a:rPr kumimoji="1" lang="en-US" altLang="zh-TW" sz="2000" b="0" i="1" smtClean="0">
+                                        <a:latin typeface="Cambria Math" charset="0"/>
+                                        <a:ea typeface="Cambria Math" charset="0"/>
+                                        <a:cs typeface="Cambria Math" charset="0"/>
+                                      </a:rPr>
+                                      <m:t>𝐵</m:t>
+                                    </m:r>
+                                  </m:sub>
+                                </m:sSub>
+                                <m:r>
+                                  <a:rPr kumimoji="1" lang="en-US" altLang="zh-TW" sz="2000" b="0" i="1" smtClean="0">
+                                    <a:latin typeface="Cambria Math" charset="0"/>
+                                    <a:ea typeface="Cambria Math" charset="0"/>
+                                    <a:cs typeface="Cambria Math" charset="0"/>
+                                  </a:rPr>
+                                  <m:t>∗120</m:t>
+                                </m:r>
+                              </m:den>
+                            </m:f>
+                          </m:sup>
+                        </m:sSup>
+                      </m:den>
+                    </m:f>
+                  </m:oMath>
+                </a14:m>
+                <a:r>
+                  <a:rPr kumimoji="1" lang="en-US" altLang="zh-TW" sz="2000" dirty="0" smtClean="0">
+                    <a:latin typeface="Arial" charset="0"/>
+                    <a:ea typeface="Arial" charset="0"/>
+                    <a:cs typeface="Arial" charset="0"/>
+                  </a:rPr>
+                  <a:t> = </a:t>
+                </a:r>
+                <a14:m>
+                  <m:oMath xmlns:m="http://schemas.openxmlformats.org/officeDocument/2006/math">
+                    <m:r>
+                      <a:rPr kumimoji="1" lang="en-US" altLang="zh-TW" sz="2000" b="0" i="1" smtClean="0">
+                        <a:latin typeface="Cambria Math" charset="0"/>
+                        <a:ea typeface="Arial" charset="0"/>
+                        <a:cs typeface="Arial" charset="0"/>
+                      </a:rPr>
+                      <m:t>𝑥</m:t>
+                    </m:r>
+                    <m:r>
+                      <a:rPr kumimoji="1" lang="en-US" altLang="zh-TW" sz="2000" b="0" i="1" smtClean="0">
+                        <a:latin typeface="Cambria Math" charset="0"/>
+                        <a:ea typeface="Arial" charset="0"/>
+                        <a:cs typeface="Arial" charset="0"/>
+                      </a:rPr>
+                      <m:t> : </m:t>
+                    </m:r>
+                    <m:f>
+                      <m:fPr>
+                        <m:ctrlPr>
+                          <a:rPr kumimoji="1" lang="mr-IN" altLang="zh-TW" sz="2000" i="1" smtClean="0">
+                            <a:latin typeface="Cambria Math" charset="0"/>
+                            <a:ea typeface="Cambria Math" charset="0"/>
+                            <a:cs typeface="Cambria Math" charset="0"/>
+                          </a:rPr>
+                        </m:ctrlPr>
+                      </m:fPr>
+                      <m:num>
+                        <m:r>
+                          <a:rPr kumimoji="1" lang="en-US" altLang="zh-TW" sz="2000" b="0" i="1" smtClean="0">
+                            <a:latin typeface="Cambria Math" charset="0"/>
+                            <a:ea typeface="Cambria Math" charset="0"/>
+                            <a:cs typeface="Cambria Math" charset="0"/>
+                          </a:rPr>
+                          <m:t>1</m:t>
+                        </m:r>
+                      </m:num>
+                      <m:den>
+                        <m:sSup>
+                          <m:sSupPr>
+                            <m:ctrlPr>
+                              <a:rPr kumimoji="1" lang="mr-IN" altLang="zh-TW" sz="2000" i="1" smtClean="0">
+                                <a:latin typeface="Cambria Math" charset="0"/>
+                                <a:ea typeface="Cambria Math" charset="0"/>
+                                <a:cs typeface="Cambria Math" charset="0"/>
+                              </a:rPr>
+                            </m:ctrlPr>
+                          </m:sSupPr>
+                          <m:e>
+                            <m:r>
+                              <a:rPr kumimoji="1" lang="en-US" altLang="zh-TW" sz="2000" b="0" i="1" smtClean="0">
+                                <a:latin typeface="Cambria Math" charset="0"/>
+                                <a:ea typeface="Cambria Math" charset="0"/>
+                                <a:cs typeface="Cambria Math" charset="0"/>
+                              </a:rPr>
+                              <m:t>𝑒</m:t>
+                            </m:r>
+                          </m:e>
+                          <m:sup>
+                            <m:f>
+                              <m:fPr>
+                                <m:ctrlPr>
+                                  <a:rPr kumimoji="1" lang="mr-IN" altLang="zh-TW" sz="2000" i="1" smtClean="0">
+                                    <a:latin typeface="Cambria Math" charset="0"/>
+                                    <a:ea typeface="Cambria Math" charset="0"/>
+                                    <a:cs typeface="Cambria Math" charset="0"/>
+                                  </a:rPr>
+                                </m:ctrlPr>
+                              </m:fPr>
+                              <m:num>
+                                <m:r>
+                                  <a:rPr kumimoji="1" lang="en-US" altLang="zh-TW" sz="2000" b="0" i="1" smtClean="0">
+                                    <a:latin typeface="Cambria Math" charset="0"/>
+                                    <a:ea typeface="Cambria Math" charset="0"/>
+                                    <a:cs typeface="Cambria Math" charset="0"/>
+                                  </a:rPr>
+                                  <m:t>0.0106</m:t>
+                                </m:r>
+                              </m:num>
+                              <m:den>
+                                <m:sSub>
+                                  <m:sSubPr>
+                                    <m:ctrlPr>
+                                      <a:rPr kumimoji="1" lang="en-US" altLang="zh-TW" sz="2000" i="1" smtClean="0">
+                                        <a:latin typeface="Cambria Math" charset="0"/>
+                                        <a:ea typeface="Cambria Math" charset="0"/>
+                                        <a:cs typeface="Cambria Math" charset="0"/>
+                                      </a:rPr>
+                                    </m:ctrlPr>
+                                  </m:sSubPr>
+                                  <m:e>
+                                    <m:r>
+                                      <a:rPr kumimoji="1" lang="en-US" altLang="zh-TW" sz="2000" b="0" i="1" smtClean="0">
+                                        <a:latin typeface="Cambria Math" charset="0"/>
+                                        <a:ea typeface="Cambria Math" charset="0"/>
+                                        <a:cs typeface="Cambria Math" charset="0"/>
+                                      </a:rPr>
+                                      <m:t>2</m:t>
+                                    </m:r>
+                                    <m:r>
+                                      <a:rPr kumimoji="1" lang="en-US" altLang="zh-TW" sz="2000" b="0" i="1" smtClean="0">
+                                        <a:latin typeface="Cambria Math" charset="0"/>
+                                        <a:ea typeface="Cambria Math" charset="0"/>
+                                        <a:cs typeface="Cambria Math" charset="0"/>
+                                      </a:rPr>
+                                      <m:t>𝑘</m:t>
+                                    </m:r>
+                                  </m:e>
+                                  <m:sub>
+                                    <m:r>
+                                      <a:rPr kumimoji="1" lang="en-US" altLang="zh-TW" sz="2000" b="0" i="1" smtClean="0">
+                                        <a:latin typeface="Cambria Math" charset="0"/>
+                                        <a:ea typeface="Cambria Math" charset="0"/>
+                                        <a:cs typeface="Cambria Math" charset="0"/>
+                                      </a:rPr>
+                                      <m:t>𝐵</m:t>
+                                    </m:r>
+                                  </m:sub>
+                                </m:sSub>
+                                <m:r>
+                                  <a:rPr kumimoji="1" lang="en-US" altLang="zh-TW" sz="2000" b="0" i="1" smtClean="0">
+                                    <a:latin typeface="Cambria Math" charset="0"/>
+                                    <a:ea typeface="Cambria Math" charset="0"/>
+                                    <a:cs typeface="Cambria Math" charset="0"/>
+                                  </a:rPr>
+                                  <m:t>𝑇</m:t>
+                                </m:r>
+                              </m:den>
+                            </m:f>
+                          </m:sup>
+                        </m:sSup>
+                      </m:den>
+                    </m:f>
+                  </m:oMath>
+                </a14:m>
+                <a:endParaRPr kumimoji="1" lang="zh-TW" altLang="en-US" sz="2000" dirty="0">
+                  <a:latin typeface="Arial" charset="0"/>
+                  <a:ea typeface="Arial" charset="0"/>
+                  <a:cs typeface="Arial" charset="0"/>
+                </a:endParaRPr>
+              </a:p>
+            </p:txBody>
+          </p:sp>
+        </mc:Choice>
+        <mc:Fallback xmlns="">
+          <p:sp>
+            <p:nvSpPr>
+              <p:cNvPr id="5" name="文字方塊 4"/>
+              <p:cNvSpPr txBox="1">
+                <a:spLocks noRot="1" noChangeAspect="1" noMove="1" noResize="1" noEditPoints="1" noAdjustHandles="1" noChangeArrowheads="1" noChangeShapeType="1" noTextEdit="1"/>
+              </p:cNvSpPr>
+              <p:nvPr/>
+            </p:nvSpPr>
+            <p:spPr>
+              <a:xfrm>
+                <a:off x="6343651" y="1690688"/>
+                <a:ext cx="5386387" cy="4214487"/>
+              </a:xfrm>
+              <a:prstGeom prst="rect">
+                <a:avLst/>
+              </a:prstGeom>
+              <a:blipFill rotWithShape="0">
+                <a:blip r:embed="rId3"/>
+                <a:stretch>
+                  <a:fillRect t="-578" r="-1019" b="-5925"/>
+                </a:stretch>
+              </a:blipFill>
+            </p:spPr>
+            <p:txBody>
+              <a:bodyPr/>
+              <a:lstStyle/>
+              <a:p>
+                <a:r>
+                  <a:rPr lang="zh-TW" altLang="en-US">
+                    <a:noFill/>
+                  </a:rPr>
+                  <a:t> </a:t>
+                </a:r>
+              </a:p>
+            </p:txBody>
+          </p:sp>
+        </mc:Fallback>
+      </mc:AlternateContent>
+      <p:sp>
+        <p:nvSpPr>
+          <p:cNvPr id="6" name="文字方塊 5"/>
           <p:cNvSpPr txBox="1"/>
           <p:nvPr/>
         </p:nvSpPr>
         <p:spPr>
           <a:xfrm>
-            <a:off x="733425" y="2471885"/>
-            <a:ext cx="2667000" cy="461665"/>
+            <a:off x="0" y="6334780"/>
+            <a:ext cx="12430125" cy="523220"/>
           </a:xfrm>
           <a:prstGeom prst="rect">
             <a:avLst/>
@@ -3617,374 +4972,39 @@
           <a:lstStyle/>
           <a:p>
             <a:r>
-              <a:rPr kumimoji="1" lang="en-US" altLang="zh-TW" sz="2400" dirty="0" smtClean="0"/>
-              <a:t>SIG estimation</a:t>
-            </a:r>
-            <a:endParaRPr kumimoji="1" lang="zh-TW" altLang="en-US" sz="2400" dirty="0"/>
-          </a:p>
-        </p:txBody>
-      </p:sp>
-      <p:sp>
-        <p:nvSpPr>
-          <p:cNvPr id="6" name="文字方塊 5"/>
-          <p:cNvSpPr txBox="1"/>
-          <p:nvPr/>
-        </p:nvSpPr>
-        <p:spPr>
-          <a:xfrm>
-            <a:off x="228600" y="3931442"/>
-            <a:ext cx="3257550" cy="830997"/>
-          </a:xfrm>
-          <a:prstGeom prst="rect">
-            <a:avLst/>
-          </a:prstGeom>
-          <a:noFill/>
-        </p:spPr>
-        <p:txBody>
-          <a:bodyPr wrap="square" rtlCol="0">
-            <a:spAutoFit/>
-          </a:bodyPr>
-          <a:lstStyle/>
-          <a:p>
-            <a:pPr algn="ctr"/>
-            <a:r>
-              <a:rPr kumimoji="1" lang="en-US" altLang="zh-TW" sz="2400" b="1" dirty="0" smtClean="0">
+              <a:rPr kumimoji="1" lang="en-US" altLang="zh-TW" sz="2800" b="1" dirty="0" smtClean="0">
                 <a:solidFill>
                   <a:srgbClr val="FF0000"/>
                 </a:solidFill>
+                <a:latin typeface="Arial" charset="0"/>
+                <a:ea typeface="Arial" charset="0"/>
+                <a:cs typeface="Arial" charset="0"/>
               </a:rPr>
-              <a:t>Ionization rate</a:t>
-            </a:r>
-          </a:p>
-          <a:p>
-            <a:pPr algn="ctr"/>
-            <a:r>
-              <a:rPr kumimoji="1" lang="en-US" altLang="zh-TW" sz="2400" b="1" dirty="0" smtClean="0">
-                <a:solidFill>
-                  <a:srgbClr val="FF0000"/>
-                </a:solidFill>
-              </a:rPr>
-              <a:t>Gain(E,T)</a:t>
-            </a:r>
-            <a:endParaRPr kumimoji="1" lang="zh-TW" altLang="en-US" sz="2400" b="1" dirty="0">
+              <a:t>We can get the charged concentration correlated with the temperature!</a:t>
+            </a:r>
+            <a:endParaRPr kumimoji="1" lang="zh-TW" altLang="en-US" sz="2800" b="1" dirty="0">
               <a:solidFill>
                 <a:srgbClr val="FF0000"/>
               </a:solidFill>
+              <a:latin typeface="Arial" charset="0"/>
+              <a:ea typeface="Arial" charset="0"/>
+              <a:cs typeface="Arial" charset="0"/>
             </a:endParaRPr>
           </a:p>
         </p:txBody>
       </p:sp>
       <p:sp>
         <p:nvSpPr>
-          <p:cNvPr id="7" name="向下箭號 6"/>
+          <p:cNvPr id="7" name="矩形 6"/>
           <p:cNvSpPr/>
           <p:nvPr/>
         </p:nvSpPr>
         <p:spPr>
           <a:xfrm>
-            <a:off x="1566788" y="4762439"/>
-            <a:ext cx="500137" cy="1009711"/>
-          </a:xfrm>
-          <a:prstGeom prst="downArrow">
-            <a:avLst/>
-          </a:prstGeom>
-        </p:spPr>
-        <p:style>
-          <a:lnRef idx="2">
-            <a:schemeClr val="accent1">
-              <a:shade val="50000"/>
-            </a:schemeClr>
-          </a:lnRef>
-          <a:fillRef idx="1">
-            <a:schemeClr val="accent1"/>
-          </a:fillRef>
-          <a:effectRef idx="0">
-            <a:schemeClr val="accent1"/>
-          </a:effectRef>
-          <a:fontRef idx="minor">
-            <a:schemeClr val="lt1"/>
-          </a:fontRef>
-        </p:style>
-        <p:txBody>
-          <a:bodyPr rtlCol="0" anchor="ctr"/>
-          <a:lstStyle/>
-          <a:p>
-            <a:pPr algn="ctr"/>
-            <a:endParaRPr kumimoji="1" lang="zh-TW" altLang="en-US"/>
-          </a:p>
-        </p:txBody>
-      </p:sp>
-      <p:sp>
-        <p:nvSpPr>
-          <p:cNvPr id="8" name="文字方塊 7"/>
-          <p:cNvSpPr txBox="1"/>
-          <p:nvPr/>
-        </p:nvSpPr>
-        <p:spPr>
-          <a:xfrm>
-            <a:off x="-57150" y="5760331"/>
-            <a:ext cx="3829050" cy="1015663"/>
+            <a:off x="0" y="0"/>
+            <a:ext cx="12192000" cy="528638"/>
           </a:xfrm>
           <a:prstGeom prst="rect">
-            <a:avLst/>
-          </a:prstGeom>
-          <a:noFill/>
-        </p:spPr>
-        <p:txBody>
-          <a:bodyPr wrap="square" rtlCol="0">
-            <a:spAutoFit/>
-          </a:bodyPr>
-          <a:lstStyle/>
-          <a:p>
-            <a:pPr algn="ctr"/>
-            <a:r>
-              <a:rPr kumimoji="1" lang="en-US" altLang="zh-TW" sz="2000" b="1" dirty="0" smtClean="0"/>
-              <a:t>Know our predicted gain for signal</a:t>
-            </a:r>
-          </a:p>
-          <a:p>
-            <a:pPr algn="ctr"/>
-            <a:r>
-              <a:rPr kumimoji="1" lang="en-US" altLang="zh-TW" sz="2000" b="1" dirty="0" smtClean="0"/>
-              <a:t>Under the certain T and E</a:t>
-            </a:r>
-          </a:p>
-          <a:p>
-            <a:pPr algn="ctr"/>
-            <a:endParaRPr kumimoji="1" lang="zh-TW" altLang="en-US" sz="2000" b="1" dirty="0"/>
-          </a:p>
-        </p:txBody>
-      </p:sp>
-      <p:sp>
-        <p:nvSpPr>
-          <p:cNvPr id="9" name="橢圓 8"/>
-          <p:cNvSpPr/>
-          <p:nvPr/>
-        </p:nvSpPr>
-        <p:spPr>
-          <a:xfrm>
-            <a:off x="4417181" y="1492983"/>
-            <a:ext cx="2457450" cy="2457450"/>
-          </a:xfrm>
-          <a:prstGeom prst="ellipse">
-            <a:avLst/>
-          </a:prstGeom>
-          <a:solidFill>
-            <a:schemeClr val="accent2">
-              <a:alpha val="76000"/>
-            </a:schemeClr>
-          </a:solidFill>
-        </p:spPr>
-        <p:style>
-          <a:lnRef idx="2">
-            <a:schemeClr val="accent1">
-              <a:shade val="50000"/>
-            </a:schemeClr>
-          </a:lnRef>
-          <a:fillRef idx="1">
-            <a:schemeClr val="accent1"/>
-          </a:fillRef>
-          <a:effectRef idx="0">
-            <a:schemeClr val="accent1"/>
-          </a:effectRef>
-          <a:fontRef idx="minor">
-            <a:schemeClr val="lt1"/>
-          </a:fontRef>
-        </p:style>
-        <p:txBody>
-          <a:bodyPr rtlCol="0" anchor="ctr"/>
-          <a:lstStyle/>
-          <a:p>
-            <a:pPr algn="ctr"/>
-            <a:endParaRPr kumimoji="1" lang="zh-TW" altLang="en-US"/>
-          </a:p>
-        </p:txBody>
-      </p:sp>
-      <p:sp>
-        <p:nvSpPr>
-          <p:cNvPr id="10" name="文字方塊 9"/>
-          <p:cNvSpPr txBox="1"/>
-          <p:nvPr/>
-        </p:nvSpPr>
-        <p:spPr>
-          <a:xfrm>
-            <a:off x="4562475" y="2471885"/>
-            <a:ext cx="2667000" cy="461665"/>
-          </a:xfrm>
-          <a:prstGeom prst="rect">
-            <a:avLst/>
-          </a:prstGeom>
-          <a:noFill/>
-        </p:spPr>
-        <p:txBody>
-          <a:bodyPr wrap="square" rtlCol="0">
-            <a:spAutoFit/>
-          </a:bodyPr>
-          <a:lstStyle/>
-          <a:p>
-            <a:r>
-              <a:rPr kumimoji="1" lang="en-US" altLang="zh-TW" sz="2400" dirty="0" smtClean="0"/>
-              <a:t>BKG estimation</a:t>
-            </a:r>
-            <a:endParaRPr kumimoji="1" lang="zh-TW" altLang="en-US" sz="2400" dirty="0"/>
-          </a:p>
-        </p:txBody>
-      </p:sp>
-      <p:sp>
-        <p:nvSpPr>
-          <p:cNvPr id="11" name="文字方塊 10"/>
-          <p:cNvSpPr txBox="1"/>
-          <p:nvPr/>
-        </p:nvSpPr>
-        <p:spPr>
-          <a:xfrm>
-            <a:off x="4057650" y="3931442"/>
-            <a:ext cx="3257550" cy="830997"/>
-          </a:xfrm>
-          <a:prstGeom prst="rect">
-            <a:avLst/>
-          </a:prstGeom>
-          <a:noFill/>
-        </p:spPr>
-        <p:txBody>
-          <a:bodyPr wrap="square" rtlCol="0">
-            <a:spAutoFit/>
-          </a:bodyPr>
-          <a:lstStyle/>
-          <a:p>
-            <a:pPr algn="ctr"/>
-            <a:r>
-              <a:rPr kumimoji="1" lang="en-US" altLang="zh-TW" sz="2400" b="1" dirty="0" smtClean="0">
-                <a:solidFill>
-                  <a:srgbClr val="FF0000"/>
-                </a:solidFill>
-              </a:rPr>
-              <a:t>Theory of BKG</a:t>
-            </a:r>
-          </a:p>
-          <a:p>
-            <a:pPr algn="ctr"/>
-            <a:r>
-              <a:rPr kumimoji="1" lang="en-US" altLang="zh-TW" sz="2400" b="1" dirty="0" smtClean="0">
-                <a:solidFill>
-                  <a:srgbClr val="FF0000"/>
-                </a:solidFill>
-              </a:rPr>
-              <a:t>Signal threshold</a:t>
-            </a:r>
-            <a:endParaRPr kumimoji="1" lang="zh-TW" altLang="en-US" sz="2400" b="1" dirty="0">
-              <a:solidFill>
-                <a:srgbClr val="FF0000"/>
-              </a:solidFill>
-            </a:endParaRPr>
-          </a:p>
-        </p:txBody>
-      </p:sp>
-      <p:sp>
-        <p:nvSpPr>
-          <p:cNvPr id="12" name="向下箭號 11"/>
-          <p:cNvSpPr/>
-          <p:nvPr/>
-        </p:nvSpPr>
-        <p:spPr>
-          <a:xfrm>
-            <a:off x="5395838" y="4762439"/>
-            <a:ext cx="500137" cy="1009711"/>
-          </a:xfrm>
-          <a:prstGeom prst="downArrow">
-            <a:avLst/>
-          </a:prstGeom>
-        </p:spPr>
-        <p:style>
-          <a:lnRef idx="2">
-            <a:schemeClr val="accent1">
-              <a:shade val="50000"/>
-            </a:schemeClr>
-          </a:lnRef>
-          <a:fillRef idx="1">
-            <a:schemeClr val="accent1"/>
-          </a:fillRef>
-          <a:effectRef idx="0">
-            <a:schemeClr val="accent1"/>
-          </a:effectRef>
-          <a:fontRef idx="minor">
-            <a:schemeClr val="lt1"/>
-          </a:fontRef>
-        </p:style>
-        <p:txBody>
-          <a:bodyPr rtlCol="0" anchor="ctr"/>
-          <a:lstStyle/>
-          <a:p>
-            <a:pPr algn="ctr"/>
-            <a:endParaRPr kumimoji="1" lang="zh-TW" altLang="en-US"/>
-          </a:p>
-        </p:txBody>
-      </p:sp>
-      <p:sp>
-        <p:nvSpPr>
-          <p:cNvPr id="13" name="文字方塊 12"/>
-          <p:cNvSpPr txBox="1"/>
-          <p:nvPr/>
-        </p:nvSpPr>
-        <p:spPr>
-          <a:xfrm>
-            <a:off x="3771900" y="5760331"/>
-            <a:ext cx="3829050" cy="1015663"/>
-          </a:xfrm>
-          <a:prstGeom prst="rect">
-            <a:avLst/>
-          </a:prstGeom>
-          <a:noFill/>
-        </p:spPr>
-        <p:txBody>
-          <a:bodyPr wrap="square" rtlCol="0">
-            <a:spAutoFit/>
-          </a:bodyPr>
-          <a:lstStyle/>
-          <a:p>
-            <a:pPr algn="ctr"/>
-            <a:r>
-              <a:rPr kumimoji="1" lang="en-US" altLang="zh-TW" sz="2000" b="1" dirty="0" smtClean="0"/>
-              <a:t>Know the threshold of the signal</a:t>
-            </a:r>
-          </a:p>
-          <a:p>
-            <a:pPr algn="ctr"/>
-            <a:r>
-              <a:rPr kumimoji="1" lang="en-US" altLang="zh-TW" sz="2000" b="1" dirty="0" smtClean="0"/>
-              <a:t>(Signal </a:t>
-            </a:r>
-            <a:r>
-              <a:rPr kumimoji="1" lang="en-US" altLang="zh-TW" sz="2000" b="1" dirty="0" smtClean="0">
-                <a:sym typeface="Wingdings"/>
-              </a:rPr>
-              <a:t> Gain)</a:t>
-            </a:r>
-          </a:p>
-          <a:p>
-            <a:pPr algn="ctr"/>
-            <a:r>
-              <a:rPr kumimoji="1" lang="en-US" altLang="zh-TW" sz="2000" b="1" dirty="0" smtClean="0">
-                <a:sym typeface="Wingdings"/>
-              </a:rPr>
-              <a:t>Predicted by BKG (Theory)</a:t>
-            </a:r>
-            <a:endParaRPr kumimoji="1" lang="zh-TW" altLang="en-US" sz="2000" b="1" dirty="0"/>
-          </a:p>
-        </p:txBody>
-      </p:sp>
-      <p:sp>
-        <p:nvSpPr>
-          <p:cNvPr id="14" name="向右箭號 13"/>
-          <p:cNvSpPr/>
-          <p:nvPr/>
-        </p:nvSpPr>
-        <p:spPr>
-          <a:xfrm>
-            <a:off x="6903206" y="3357960"/>
-            <a:ext cx="1543050" cy="764314"/>
-          </a:xfrm>
-          <a:prstGeom prst="rightArrow">
             <a:avLst/>
           </a:prstGeom>
           <a:solidFill>
@@ -4020,23 +5040,784 @@
       </p:sp>
       <p:sp>
         <p:nvSpPr>
-          <p:cNvPr id="15" name="太陽 14"/>
+          <p:cNvPr id="8" name="文字方塊 7"/>
+          <p:cNvSpPr txBox="1"/>
+          <p:nvPr/>
+        </p:nvSpPr>
+        <p:spPr>
+          <a:xfrm>
+            <a:off x="4412412" y="-28069"/>
+            <a:ext cx="7300912" cy="584775"/>
+          </a:xfrm>
+          <a:prstGeom prst="rect">
+            <a:avLst/>
+          </a:prstGeom>
+          <a:noFill/>
+        </p:spPr>
+        <p:txBody>
+          <a:bodyPr wrap="square" rtlCol="0">
+            <a:spAutoFit/>
+          </a:bodyPr>
+          <a:lstStyle/>
+          <a:p>
+            <a:r>
+              <a:rPr kumimoji="1" lang="en-US" altLang="zh-TW" sz="3200" b="1" smtClean="0">
+                <a:solidFill>
+                  <a:srgbClr val="FF0000"/>
+                </a:solidFill>
+              </a:rPr>
+              <a:t>No-electric-field-zone</a:t>
+            </a:r>
+            <a:endParaRPr kumimoji="1" lang="zh-TW" altLang="en-US" sz="3200" b="1" dirty="0">
+              <a:solidFill>
+                <a:srgbClr val="FF0000"/>
+              </a:solidFill>
+            </a:endParaRPr>
+          </a:p>
+        </p:txBody>
+      </p:sp>
+    </p:spTree>
+    <p:extLst>
+      <p:ext uri="{BB962C8B-B14F-4D97-AF65-F5344CB8AC3E}">
+        <p14:creationId xmlns:p14="http://schemas.microsoft.com/office/powerpoint/2010/main" val="1142731671"/>
+      </p:ext>
+    </p:extLst>
+  </p:cSld>
+  <p:clrMapOvr>
+    <a:masterClrMapping/>
+  </p:clrMapOvr>
+  <p:timing>
+    <p:tnLst>
+      <p:par>
+        <p:cTn id="1" dur="indefinite" restart="never" nodeType="tmRoot"/>
+      </p:par>
+    </p:tnLst>
+  </p:timing>
+</p:sld>
+</file>
+
+<file path=ppt/slides/slide13.xml><?xml version="1.0" encoding="utf-8"?>
+<p:sld xmlns:a="http://schemas.openxmlformats.org/drawingml/2006/main" xmlns:r="http://schemas.openxmlformats.org/officeDocument/2006/relationships" xmlns:p="http://schemas.openxmlformats.org/presentationml/2006/main">
+  <p:cSld>
+    <p:spTree>
+      <p:nvGrpSpPr>
+        <p:cNvPr id="1" name=""/>
+        <p:cNvGrpSpPr/>
+        <p:nvPr/>
+      </p:nvGrpSpPr>
+      <p:grpSpPr>
+        <a:xfrm>
+          <a:off x="0" y="0"/>
+          <a:ext cx="0" cy="0"/>
+          <a:chOff x="0" y="0"/>
+          <a:chExt cx="0" cy="0"/>
+        </a:xfrm>
+      </p:grpSpPr>
+      <p:sp>
+        <p:nvSpPr>
+          <p:cNvPr id="2" name="標題 1"/>
+          <p:cNvSpPr>
+            <a:spLocks noGrp="1"/>
+          </p:cNvSpPr>
+          <p:nvPr>
+            <p:ph type="title"/>
+          </p:nvPr>
+        </p:nvSpPr>
+        <p:spPr/>
+        <p:txBody>
+          <a:bodyPr/>
+          <a:lstStyle/>
+          <a:p>
+            <a:r>
+              <a:rPr kumimoji="1" lang="en-US" altLang="zh-TW" dirty="0" smtClean="0"/>
+              <a:t>The standard Germanium</a:t>
+            </a:r>
+            <a:endParaRPr kumimoji="1" lang="zh-TW" altLang="en-US" dirty="0"/>
+          </a:p>
+        </p:txBody>
+      </p:sp>
+      <mc:AlternateContent xmlns:mc="http://schemas.openxmlformats.org/markup-compatibility/2006" xmlns:a14="http://schemas.microsoft.com/office/drawing/2010/main">
+        <mc:Choice Requires="a14">
+          <p:sp>
+            <p:nvSpPr>
+              <p:cNvPr id="3" name="內容版面配置區 2"/>
+              <p:cNvSpPr>
+                <a:spLocks noGrp="1"/>
+              </p:cNvSpPr>
+              <p:nvPr>
+                <p:ph idx="1"/>
+              </p:nvPr>
+            </p:nvSpPr>
+            <p:spPr/>
+            <p:txBody>
+              <a:bodyPr>
+                <a:normAutofit fontScale="77500" lnSpcReduction="20000"/>
+              </a:bodyPr>
+              <a:lstStyle/>
+              <a:p>
+                <a:r>
+                  <a:rPr kumimoji="1" lang="en-US" altLang="zh-TW" b="1" dirty="0" smtClean="0">
+                    <a:solidFill>
+                      <a:srgbClr val="FF0000"/>
+                    </a:solidFill>
+                  </a:rPr>
+                  <a:t>1 x 1 x 1 (</a:t>
+                </a:r>
+                <a14:m>
+                  <m:oMath xmlns:m="http://schemas.openxmlformats.org/officeDocument/2006/math">
+                    <m:sSup>
+                      <m:sSupPr>
+                        <m:ctrlPr>
+                          <a:rPr kumimoji="1" lang="en-US" altLang="zh-TW" b="1" i="1" smtClean="0">
+                            <a:solidFill>
+                              <a:srgbClr val="FF0000"/>
+                            </a:solidFill>
+                            <a:latin typeface="Cambria Math" charset="0"/>
+                          </a:rPr>
+                        </m:ctrlPr>
+                      </m:sSupPr>
+                      <m:e>
+                        <m:r>
+                          <a:rPr kumimoji="1" lang="en-US" altLang="zh-TW" b="1" i="1" smtClean="0">
+                            <a:solidFill>
+                              <a:srgbClr val="FF0000"/>
+                            </a:solidFill>
+                            <a:latin typeface="Cambria Math" charset="0"/>
+                          </a:rPr>
+                          <m:t>𝒄𝒎</m:t>
+                        </m:r>
+                      </m:e>
+                      <m:sup>
+                        <m:r>
+                          <a:rPr kumimoji="1" lang="en-US" altLang="zh-TW" b="1" i="1" smtClean="0">
+                            <a:solidFill>
+                              <a:srgbClr val="FF0000"/>
+                            </a:solidFill>
+                            <a:latin typeface="Cambria Math" charset="0"/>
+                          </a:rPr>
+                          <m:t>𝟐</m:t>
+                        </m:r>
+                      </m:sup>
+                    </m:sSup>
+                  </m:oMath>
+                </a14:m>
+                <a:r>
+                  <a:rPr kumimoji="1" lang="en-US" altLang="zh-TW" b="1" dirty="0" smtClean="0">
+                    <a:solidFill>
+                      <a:srgbClr val="FF0000"/>
+                    </a:solidFill>
+                  </a:rPr>
+                  <a:t>)</a:t>
+                </a:r>
+              </a:p>
+              <a:p>
+                <a:endParaRPr kumimoji="1" lang="en-US" altLang="zh-TW" dirty="0" smtClean="0"/>
+              </a:p>
+              <a:p>
+                <a:endParaRPr kumimoji="1" lang="en-US" altLang="zh-TW" dirty="0"/>
+              </a:p>
+              <a:p>
+                <a14:m>
+                  <m:oMath xmlns:m="http://schemas.openxmlformats.org/officeDocument/2006/math">
+                    <m:sSup>
+                      <m:sSupPr>
+                        <m:ctrlPr>
+                          <a:rPr kumimoji="1" lang="en-US" altLang="zh-TW" i="1" smtClean="0">
+                            <a:latin typeface="Cambria Math" charset="0"/>
+                          </a:rPr>
+                        </m:ctrlPr>
+                      </m:sSupPr>
+                      <m:e>
+                        <m:r>
+                          <a:rPr kumimoji="1" lang="en-US" altLang="zh-TW" b="0" i="1" smtClean="0">
+                            <a:latin typeface="Cambria Math" charset="0"/>
+                          </a:rPr>
+                          <m:t>10</m:t>
+                        </m:r>
+                      </m:e>
+                      <m:sup>
+                        <m:r>
+                          <a:rPr kumimoji="1" lang="en-US" altLang="zh-TW" b="0" i="1" smtClean="0">
+                            <a:latin typeface="Cambria Math" charset="0"/>
+                          </a:rPr>
+                          <m:t>10</m:t>
+                        </m:r>
+                      </m:sup>
+                    </m:sSup>
+                  </m:oMath>
+                </a14:m>
+                <a:r>
+                  <a:rPr kumimoji="1" lang="en-US" altLang="zh-TW" dirty="0" smtClean="0"/>
+                  <a:t>(Net impurity) </a:t>
+                </a:r>
+                <a:r>
+                  <a:rPr kumimoji="1" lang="en-US" altLang="zh-TW" dirty="0"/>
+                  <a:t>: </a:t>
+                </a:r>
+                <a14:m>
+                  <m:oMath xmlns:m="http://schemas.openxmlformats.org/officeDocument/2006/math">
+                    <m:f>
+                      <m:fPr>
+                        <m:ctrlPr>
+                          <a:rPr kumimoji="1" lang="mr-IN" altLang="zh-TW" i="1">
+                            <a:latin typeface="Cambria Math" charset="0"/>
+                            <a:ea typeface="Cambria Math" charset="0"/>
+                            <a:cs typeface="Cambria Math" charset="0"/>
+                          </a:rPr>
+                        </m:ctrlPr>
+                      </m:fPr>
+                      <m:num>
+                        <m:r>
+                          <a:rPr kumimoji="1" lang="en-US" altLang="zh-TW" i="1">
+                            <a:latin typeface="Cambria Math" charset="0"/>
+                            <a:ea typeface="Cambria Math" charset="0"/>
+                            <a:cs typeface="Cambria Math" charset="0"/>
+                          </a:rPr>
+                          <m:t>1</m:t>
+                        </m:r>
+                      </m:num>
+                      <m:den>
+                        <m:sSup>
+                          <m:sSupPr>
+                            <m:ctrlPr>
+                              <a:rPr kumimoji="1" lang="mr-IN" altLang="zh-TW" i="1">
+                                <a:latin typeface="Cambria Math" charset="0"/>
+                                <a:ea typeface="Cambria Math" charset="0"/>
+                                <a:cs typeface="Cambria Math" charset="0"/>
+                              </a:rPr>
+                            </m:ctrlPr>
+                          </m:sSupPr>
+                          <m:e>
+                            <m:r>
+                              <a:rPr kumimoji="1" lang="en-US" altLang="zh-TW" i="1">
+                                <a:latin typeface="Cambria Math" charset="0"/>
+                                <a:ea typeface="Cambria Math" charset="0"/>
+                                <a:cs typeface="Cambria Math" charset="0"/>
+                              </a:rPr>
+                              <m:t>𝑒</m:t>
+                            </m:r>
+                          </m:e>
+                          <m:sup>
+                            <m:f>
+                              <m:fPr>
+                                <m:ctrlPr>
+                                  <a:rPr kumimoji="1" lang="mr-IN" altLang="zh-TW" i="1">
+                                    <a:latin typeface="Cambria Math" charset="0"/>
+                                    <a:ea typeface="Cambria Math" charset="0"/>
+                                    <a:cs typeface="Cambria Math" charset="0"/>
+                                  </a:rPr>
+                                </m:ctrlPr>
+                              </m:fPr>
+                              <m:num>
+                                <m:r>
+                                  <a:rPr kumimoji="1" lang="en-US" altLang="zh-TW" b="0" i="1" smtClean="0">
+                                    <a:latin typeface="Cambria Math" charset="0"/>
+                                    <a:ea typeface="Cambria Math" charset="0"/>
+                                    <a:cs typeface="Cambria Math" charset="0"/>
+                                  </a:rPr>
+                                  <m:t>0.0106</m:t>
+                                </m:r>
+                              </m:num>
+                              <m:den>
+                                <m:sSub>
+                                  <m:sSubPr>
+                                    <m:ctrlPr>
+                                      <a:rPr kumimoji="1" lang="en-US" altLang="zh-TW" i="1">
+                                        <a:latin typeface="Cambria Math" charset="0"/>
+                                        <a:ea typeface="Cambria Math" charset="0"/>
+                                        <a:cs typeface="Cambria Math" charset="0"/>
+                                      </a:rPr>
+                                    </m:ctrlPr>
+                                  </m:sSubPr>
+                                  <m:e>
+                                    <m:r>
+                                      <a:rPr kumimoji="1" lang="en-US" altLang="zh-TW" i="1">
+                                        <a:latin typeface="Cambria Math" charset="0"/>
+                                        <a:ea typeface="Cambria Math" charset="0"/>
+                                        <a:cs typeface="Cambria Math" charset="0"/>
+                                      </a:rPr>
+                                      <m:t>𝑘</m:t>
+                                    </m:r>
+                                  </m:e>
+                                  <m:sub>
+                                    <m:r>
+                                      <a:rPr kumimoji="1" lang="en-US" altLang="zh-TW" i="1">
+                                        <a:latin typeface="Cambria Math" charset="0"/>
+                                        <a:ea typeface="Cambria Math" charset="0"/>
+                                        <a:cs typeface="Cambria Math" charset="0"/>
+                                      </a:rPr>
+                                      <m:t>𝐵</m:t>
+                                    </m:r>
+                                  </m:sub>
+                                </m:sSub>
+                                <m:r>
+                                  <a:rPr kumimoji="1" lang="en-US" altLang="zh-TW" i="1">
+                                    <a:latin typeface="Cambria Math" charset="0"/>
+                                    <a:ea typeface="Cambria Math" charset="0"/>
+                                    <a:cs typeface="Cambria Math" charset="0"/>
+                                  </a:rPr>
+                                  <m:t>∗120</m:t>
+                                </m:r>
+                              </m:den>
+                            </m:f>
+                          </m:sup>
+                        </m:sSup>
+                      </m:den>
+                    </m:f>
+                  </m:oMath>
+                </a14:m>
+                <a:r>
+                  <a:rPr kumimoji="1" lang="en-US" altLang="zh-TW" dirty="0" smtClean="0"/>
+                  <a:t>(Minimum ionization) </a:t>
+                </a:r>
+                <a:r>
+                  <a:rPr kumimoji="1" lang="en-US" altLang="zh-TW" dirty="0"/>
+                  <a:t>= </a:t>
+                </a:r>
+                <a14:m>
+                  <m:oMath xmlns:m="http://schemas.openxmlformats.org/officeDocument/2006/math">
+                    <m:r>
+                      <a:rPr kumimoji="1" lang="en-US" altLang="zh-TW" b="1" i="1">
+                        <a:solidFill>
+                          <a:srgbClr val="FF0000"/>
+                        </a:solidFill>
+                        <a:latin typeface="Cambria Math" charset="0"/>
+                      </a:rPr>
+                      <m:t>𝑭</m:t>
+                    </m:r>
+                    <m:r>
+                      <a:rPr kumimoji="1" lang="en-US" altLang="zh-TW" i="1">
+                        <a:latin typeface="Cambria Math" charset="0"/>
+                      </a:rPr>
+                      <m:t> : </m:t>
+                    </m:r>
+                    <m:f>
+                      <m:fPr>
+                        <m:ctrlPr>
+                          <a:rPr kumimoji="1" lang="mr-IN" altLang="zh-TW" i="1">
+                            <a:latin typeface="Cambria Math" charset="0"/>
+                            <a:ea typeface="Cambria Math" charset="0"/>
+                            <a:cs typeface="Cambria Math" charset="0"/>
+                          </a:rPr>
+                        </m:ctrlPr>
+                      </m:fPr>
+                      <m:num>
+                        <m:r>
+                          <a:rPr kumimoji="1" lang="en-US" altLang="zh-TW" i="1">
+                            <a:latin typeface="Cambria Math" charset="0"/>
+                            <a:ea typeface="Cambria Math" charset="0"/>
+                            <a:cs typeface="Cambria Math" charset="0"/>
+                          </a:rPr>
+                          <m:t>1</m:t>
+                        </m:r>
+                      </m:num>
+                      <m:den>
+                        <m:sSup>
+                          <m:sSupPr>
+                            <m:ctrlPr>
+                              <a:rPr kumimoji="1" lang="mr-IN" altLang="zh-TW" i="1">
+                                <a:latin typeface="Cambria Math" charset="0"/>
+                                <a:ea typeface="Cambria Math" charset="0"/>
+                                <a:cs typeface="Cambria Math" charset="0"/>
+                              </a:rPr>
+                            </m:ctrlPr>
+                          </m:sSupPr>
+                          <m:e>
+                            <m:r>
+                              <a:rPr kumimoji="1" lang="en-US" altLang="zh-TW" i="1">
+                                <a:latin typeface="Cambria Math" charset="0"/>
+                                <a:ea typeface="Cambria Math" charset="0"/>
+                                <a:cs typeface="Cambria Math" charset="0"/>
+                              </a:rPr>
+                              <m:t>𝑒</m:t>
+                            </m:r>
+                          </m:e>
+                          <m:sup>
+                            <m:f>
+                              <m:fPr>
+                                <m:ctrlPr>
+                                  <a:rPr kumimoji="1" lang="mr-IN" altLang="zh-TW" i="1">
+                                    <a:latin typeface="Cambria Math" charset="0"/>
+                                    <a:ea typeface="Cambria Math" charset="0"/>
+                                    <a:cs typeface="Cambria Math" charset="0"/>
+                                  </a:rPr>
+                                </m:ctrlPr>
+                              </m:fPr>
+                              <m:num>
+                                <m:r>
+                                  <a:rPr kumimoji="1" lang="en-US" altLang="zh-TW" b="0" i="1" smtClean="0">
+                                    <a:latin typeface="Cambria Math" charset="0"/>
+                                    <a:ea typeface="Cambria Math" charset="0"/>
+                                    <a:cs typeface="Cambria Math" charset="0"/>
+                                  </a:rPr>
+                                  <m:t>0.0106</m:t>
+                                </m:r>
+                              </m:num>
+                              <m:den>
+                                <m:sSub>
+                                  <m:sSubPr>
+                                    <m:ctrlPr>
+                                      <a:rPr kumimoji="1" lang="en-US" altLang="zh-TW" i="1">
+                                        <a:latin typeface="Cambria Math" charset="0"/>
+                                        <a:ea typeface="Cambria Math" charset="0"/>
+                                        <a:cs typeface="Cambria Math" charset="0"/>
+                                      </a:rPr>
+                                    </m:ctrlPr>
+                                  </m:sSubPr>
+                                  <m:e>
+                                    <m:r>
+                                      <a:rPr kumimoji="1" lang="en-US" altLang="zh-TW" i="1">
+                                        <a:latin typeface="Cambria Math" charset="0"/>
+                                        <a:ea typeface="Cambria Math" charset="0"/>
+                                        <a:cs typeface="Cambria Math" charset="0"/>
+                                      </a:rPr>
+                                      <m:t>𝑘</m:t>
+                                    </m:r>
+                                  </m:e>
+                                  <m:sub>
+                                    <m:r>
+                                      <a:rPr kumimoji="1" lang="en-US" altLang="zh-TW" i="1">
+                                        <a:latin typeface="Cambria Math" charset="0"/>
+                                        <a:ea typeface="Cambria Math" charset="0"/>
+                                        <a:cs typeface="Cambria Math" charset="0"/>
+                                      </a:rPr>
+                                      <m:t>𝐵</m:t>
+                                    </m:r>
+                                  </m:sub>
+                                </m:sSub>
+                                <m:r>
+                                  <a:rPr kumimoji="1" lang="en-US" altLang="zh-TW" i="1">
+                                    <a:latin typeface="Cambria Math" charset="0"/>
+                                    <a:ea typeface="Cambria Math" charset="0"/>
+                                    <a:cs typeface="Cambria Math" charset="0"/>
+                                  </a:rPr>
+                                  <m:t>𝑇</m:t>
+                                </m:r>
+                              </m:den>
+                            </m:f>
+                          </m:sup>
+                        </m:sSup>
+                      </m:den>
+                    </m:f>
+                  </m:oMath>
+                </a14:m>
+                <a:r>
+                  <a:rPr kumimoji="1" lang="en-US" altLang="zh-TW" dirty="0" smtClean="0"/>
+                  <a:t> (Certain temperature) </a:t>
+                </a:r>
+                <a:endParaRPr kumimoji="1" lang="en-US" altLang="zh-TW" b="1" dirty="0" smtClean="0">
+                  <a:solidFill>
+                    <a:srgbClr val="FF0000"/>
+                  </a:solidFill>
+                </a:endParaRPr>
+              </a:p>
+              <a:p>
+                <a:endParaRPr kumimoji="1" lang="en-US" altLang="zh-TW" b="1" dirty="0">
+                  <a:solidFill>
+                    <a:srgbClr val="FF0000"/>
+                  </a:solidFill>
+                </a:endParaRPr>
+              </a:p>
+              <a:p>
+                <a:endParaRPr kumimoji="1" lang="en-US" altLang="zh-TW" dirty="0" smtClean="0"/>
+              </a:p>
+              <a:p>
+                <a:r>
+                  <a:rPr kumimoji="1" lang="en-US" altLang="zh-TW" dirty="0" smtClean="0"/>
+                  <a:t>77K</a:t>
+                </a:r>
+                <a:endParaRPr kumimoji="1" lang="en-US" altLang="zh-TW" dirty="0"/>
+              </a:p>
+              <a:p>
+                <a:r>
+                  <a:rPr kumimoji="1" lang="en-US" altLang="zh-TW" dirty="0" smtClean="0">
+                    <a:solidFill>
+                      <a:srgbClr val="FF0000"/>
+                    </a:solidFill>
+                  </a:rPr>
+                  <a:t>F </a:t>
+                </a:r>
+                <a:r>
+                  <a:rPr kumimoji="1" lang="en-US" altLang="zh-TW" dirty="0">
+                    <a:solidFill>
+                      <a:srgbClr val="FF0000"/>
+                    </a:solidFill>
+                  </a:rPr>
+                  <a:t>= </a:t>
+                </a:r>
+                <a14:m>
+                  <m:oMath xmlns:m="http://schemas.openxmlformats.org/officeDocument/2006/math">
+                    <m:r>
+                      <a:rPr kumimoji="1" lang="en-US" altLang="zh-TW" i="1">
+                        <a:solidFill>
+                          <a:srgbClr val="FF0000"/>
+                        </a:solidFill>
+                        <a:latin typeface="Cambria Math" charset="0"/>
+                      </a:rPr>
+                      <m:t>7.5 </m:t>
+                    </m:r>
+                    <m:r>
+                      <a:rPr kumimoji="1" lang="en-US" altLang="zh-TW" i="1">
+                        <a:solidFill>
+                          <a:srgbClr val="FF0000"/>
+                        </a:solidFill>
+                        <a:latin typeface="Cambria Math" charset="0"/>
+                        <a:ea typeface="Cambria Math" charset="0"/>
+                        <a:cs typeface="Cambria Math" charset="0"/>
+                      </a:rPr>
+                      <m:t>× </m:t>
+                    </m:r>
+                    <m:sSup>
+                      <m:sSupPr>
+                        <m:ctrlPr>
+                          <a:rPr kumimoji="1" lang="en-US" altLang="zh-TW" i="1">
+                            <a:solidFill>
+                              <a:srgbClr val="FF0000"/>
+                            </a:solidFill>
+                            <a:latin typeface="Cambria Math" charset="0"/>
+                            <a:ea typeface="Cambria Math" charset="0"/>
+                            <a:cs typeface="Cambria Math" charset="0"/>
+                          </a:rPr>
+                        </m:ctrlPr>
+                      </m:sSupPr>
+                      <m:e>
+                        <m:r>
+                          <a:rPr kumimoji="1" lang="en-US" altLang="zh-TW" i="1">
+                            <a:solidFill>
+                              <a:srgbClr val="FF0000"/>
+                            </a:solidFill>
+                            <a:latin typeface="Cambria Math" charset="0"/>
+                            <a:ea typeface="Cambria Math" charset="0"/>
+                            <a:cs typeface="Cambria Math" charset="0"/>
+                          </a:rPr>
+                          <m:t>10</m:t>
+                        </m:r>
+                      </m:e>
+                      <m:sup>
+                        <m:r>
+                          <a:rPr kumimoji="1" lang="en-US" altLang="zh-TW" i="1">
+                            <a:solidFill>
+                              <a:srgbClr val="FF0000"/>
+                            </a:solidFill>
+                            <a:latin typeface="Cambria Math" charset="0"/>
+                            <a:ea typeface="Cambria Math" charset="0"/>
+                            <a:cs typeface="Cambria Math" charset="0"/>
+                          </a:rPr>
+                          <m:t>9</m:t>
+                        </m:r>
+                      </m:sup>
+                    </m:sSup>
+                  </m:oMath>
+                </a14:m>
+                <a:endParaRPr kumimoji="1" lang="en-US" altLang="zh-TW" dirty="0">
+                  <a:solidFill>
+                    <a:srgbClr val="FF0000"/>
+                  </a:solidFill>
+                </a:endParaRPr>
+              </a:p>
+              <a:p>
+                <a:endParaRPr kumimoji="1" lang="en-US" altLang="zh-TW" dirty="0"/>
+              </a:p>
+              <a:p>
+                <a:r>
+                  <a:rPr kumimoji="1" lang="en-US" altLang="zh-TW" dirty="0" smtClean="0"/>
+                  <a:t>4K</a:t>
+                </a:r>
+                <a:endParaRPr kumimoji="1" lang="en-US" altLang="zh-TW" dirty="0"/>
+              </a:p>
+              <a:p>
+                <a:r>
+                  <a:rPr kumimoji="1" lang="en-US" altLang="zh-TW" dirty="0">
+                    <a:solidFill>
+                      <a:srgbClr val="FF0000"/>
+                    </a:solidFill>
+                  </a:rPr>
+                  <a:t>F = </a:t>
+                </a:r>
+                <a14:m>
+                  <m:oMath xmlns:m="http://schemas.openxmlformats.org/officeDocument/2006/math">
+                    <m:r>
+                      <a:rPr kumimoji="1" lang="en-US" altLang="zh-TW" i="1" dirty="0">
+                        <a:solidFill>
+                          <a:srgbClr val="FF0000"/>
+                        </a:solidFill>
+                        <a:latin typeface="Cambria Math" charset="0"/>
+                      </a:rPr>
+                      <m:t>3</m:t>
+                    </m:r>
+                    <m:r>
+                      <a:rPr kumimoji="1" lang="en-US" altLang="zh-TW" i="1">
+                        <a:solidFill>
+                          <a:srgbClr val="FF0000"/>
+                        </a:solidFill>
+                        <a:latin typeface="Cambria Math" charset="0"/>
+                      </a:rPr>
+                      <m:t>.5 </m:t>
+                    </m:r>
+                    <m:r>
+                      <a:rPr kumimoji="1" lang="en-US" altLang="zh-TW" i="1">
+                        <a:solidFill>
+                          <a:srgbClr val="FF0000"/>
+                        </a:solidFill>
+                        <a:latin typeface="Cambria Math" charset="0"/>
+                        <a:ea typeface="Cambria Math" charset="0"/>
+                        <a:cs typeface="Cambria Math" charset="0"/>
+                      </a:rPr>
+                      <m:t>× </m:t>
+                    </m:r>
+                    <m:sSup>
+                      <m:sSupPr>
+                        <m:ctrlPr>
+                          <a:rPr kumimoji="1" lang="en-US" altLang="zh-TW" i="1">
+                            <a:solidFill>
+                              <a:srgbClr val="FF0000"/>
+                            </a:solidFill>
+                            <a:latin typeface="Cambria Math" charset="0"/>
+                            <a:ea typeface="Cambria Math" charset="0"/>
+                            <a:cs typeface="Cambria Math" charset="0"/>
+                          </a:rPr>
+                        </m:ctrlPr>
+                      </m:sSupPr>
+                      <m:e>
+                        <m:r>
+                          <a:rPr kumimoji="1" lang="en-US" altLang="zh-TW" i="1">
+                            <a:solidFill>
+                              <a:srgbClr val="FF0000"/>
+                            </a:solidFill>
+                            <a:latin typeface="Cambria Math" charset="0"/>
+                            <a:ea typeface="Cambria Math" charset="0"/>
+                            <a:cs typeface="Cambria Math" charset="0"/>
+                          </a:rPr>
+                          <m:t>10</m:t>
+                        </m:r>
+                      </m:e>
+                      <m:sup>
+                        <m:r>
+                          <a:rPr kumimoji="1" lang="en-US" altLang="zh-TW" i="1">
+                            <a:solidFill>
+                              <a:srgbClr val="FF0000"/>
+                            </a:solidFill>
+                            <a:latin typeface="Cambria Math" charset="0"/>
+                            <a:ea typeface="Cambria Math" charset="0"/>
+                            <a:cs typeface="Cambria Math" charset="0"/>
+                          </a:rPr>
+                          <m:t>3</m:t>
+                        </m:r>
+                      </m:sup>
+                    </m:sSup>
+                  </m:oMath>
+                </a14:m>
+                <a:endParaRPr kumimoji="1" lang="zh-TW" altLang="en-US" b="1" dirty="0">
+                  <a:solidFill>
+                    <a:srgbClr val="FF0000"/>
+                  </a:solidFill>
+                </a:endParaRPr>
+              </a:p>
+              <a:p>
+                <a:endParaRPr kumimoji="1" lang="en-US" altLang="zh-TW" dirty="0" smtClean="0"/>
+              </a:p>
+              <a:p>
+                <a:endParaRPr kumimoji="1" lang="en-US" altLang="zh-TW" dirty="0"/>
+              </a:p>
+              <a:p>
+                <a:endParaRPr kumimoji="1" lang="en-US" altLang="zh-TW" dirty="0" smtClean="0"/>
+              </a:p>
+              <a:p>
+                <a:endParaRPr kumimoji="1" lang="zh-TW" altLang="en-US" dirty="0"/>
+              </a:p>
+            </p:txBody>
+          </p:sp>
+        </mc:Choice>
+        <mc:Fallback xmlns="">
+          <p:sp>
+            <p:nvSpPr>
+              <p:cNvPr id="3" name="內容版面配置區 2"/>
+              <p:cNvSpPr>
+                <a:spLocks noGrp="1" noRot="1" noChangeAspect="1" noMove="1" noResize="1" noEditPoints="1" noAdjustHandles="1" noChangeArrowheads="1" noChangeShapeType="1" noTextEdit="1"/>
+              </p:cNvSpPr>
+              <p:nvPr>
+                <p:ph idx="1"/>
+              </p:nvPr>
+            </p:nvSpPr>
+            <p:spPr>
+              <a:blipFill rotWithShape="0">
+                <a:blip r:embed="rId2"/>
+                <a:stretch>
+                  <a:fillRect l="-696" t="-2801" r="-638" b="-8824"/>
+                </a:stretch>
+              </a:blipFill>
+            </p:spPr>
+            <p:txBody>
+              <a:bodyPr/>
+              <a:lstStyle/>
+              <a:p>
+                <a:r>
+                  <a:rPr lang="zh-TW" altLang="en-US">
+                    <a:noFill/>
+                  </a:rPr>
+                  <a:t> </a:t>
+                </a:r>
+              </a:p>
+            </p:txBody>
+          </p:sp>
+        </mc:Fallback>
+      </mc:AlternateContent>
+      <p:sp>
+        <p:nvSpPr>
+          <p:cNvPr id="4" name="矩形 3"/>
           <p:cNvSpPr/>
           <p:nvPr/>
         </p:nvSpPr>
         <p:spPr>
           <a:xfrm>
-            <a:off x="7886700" y="347810"/>
-            <a:ext cx="4248150" cy="4248150"/>
+            <a:off x="9563100" y="4567237"/>
+            <a:ext cx="1581150" cy="1581150"/>
           </a:xfrm>
-          <a:prstGeom prst="sun">
+          <a:prstGeom prst="rect">
+            <a:avLst/>
+          </a:prstGeom>
+        </p:spPr>
+        <p:style>
+          <a:lnRef idx="2">
+            <a:schemeClr val="accent1">
+              <a:shade val="50000"/>
+            </a:schemeClr>
+          </a:lnRef>
+          <a:fillRef idx="1">
+            <a:schemeClr val="accent1"/>
+          </a:fillRef>
+          <a:effectRef idx="0">
+            <a:schemeClr val="accent1"/>
+          </a:effectRef>
+          <a:fontRef idx="minor">
+            <a:schemeClr val="lt1"/>
+          </a:fontRef>
+        </p:style>
+        <p:txBody>
+          <a:bodyPr rtlCol="0" anchor="ctr"/>
+          <a:lstStyle/>
+          <a:p>
+            <a:pPr algn="ctr"/>
+            <a:endParaRPr kumimoji="1" lang="zh-TW" altLang="en-US"/>
+          </a:p>
+        </p:txBody>
+      </p:sp>
+      <p:sp>
+        <p:nvSpPr>
+          <p:cNvPr id="5" name="橢圓 4"/>
+          <p:cNvSpPr/>
+          <p:nvPr/>
+        </p:nvSpPr>
+        <p:spPr>
+          <a:xfrm>
+            <a:off x="10196512" y="4252912"/>
+            <a:ext cx="314325" cy="314325"/>
+          </a:xfrm>
+          <a:prstGeom prst="ellipse">
             <a:avLst/>
           </a:prstGeom>
           <a:solidFill>
-            <a:schemeClr val="accent2">
-              <a:lumMod val="60000"/>
-              <a:lumOff val="40000"/>
-            </a:schemeClr>
+            <a:schemeClr val="accent2"/>
           </a:solidFill>
         </p:spPr>
         <p:style>
@@ -4066,176 +5847,20 @@
       </p:sp>
       <p:sp>
         <p:nvSpPr>
-          <p:cNvPr id="16" name="文字方塊 15"/>
-          <p:cNvSpPr txBox="1"/>
+          <p:cNvPr id="6" name="橢圓 5"/>
+          <p:cNvSpPr/>
           <p:nvPr/>
         </p:nvSpPr>
         <p:spPr>
           <a:xfrm>
-            <a:off x="9525000" y="2179497"/>
-            <a:ext cx="2667000" cy="584775"/>
-          </a:xfrm>
-          <a:prstGeom prst="rect">
-            <a:avLst/>
-          </a:prstGeom>
-          <a:noFill/>
-        </p:spPr>
-        <p:txBody>
-          <a:bodyPr wrap="square" rtlCol="0">
-            <a:spAutoFit/>
-          </a:bodyPr>
-          <a:lstStyle/>
-          <a:p>
-            <a:r>
-              <a:rPr kumimoji="1" lang="en-US" altLang="zh-TW" sz="3200" dirty="0" smtClean="0">
-                <a:solidFill>
-                  <a:srgbClr val="002060"/>
-                </a:solidFill>
-              </a:rPr>
-              <a:t>Gain</a:t>
-            </a:r>
-            <a:endParaRPr kumimoji="1" lang="zh-TW" altLang="en-US" sz="3200" dirty="0">
-              <a:solidFill>
-                <a:srgbClr val="002060"/>
-              </a:solidFill>
-            </a:endParaRPr>
-          </a:p>
-        </p:txBody>
-      </p:sp>
-      <p:sp>
-        <p:nvSpPr>
-          <p:cNvPr id="17" name="文字方塊 16"/>
-          <p:cNvSpPr txBox="1"/>
-          <p:nvPr/>
-        </p:nvSpPr>
-        <p:spPr>
-          <a:xfrm>
-            <a:off x="8166478" y="4878237"/>
-            <a:ext cx="3688594" cy="1384995"/>
-          </a:xfrm>
-          <a:prstGeom prst="rect">
-            <a:avLst/>
-          </a:prstGeom>
-          <a:noFill/>
-        </p:spPr>
-        <p:txBody>
-          <a:bodyPr wrap="square" rtlCol="0">
-            <a:spAutoFit/>
-          </a:bodyPr>
-          <a:lstStyle/>
-          <a:p>
-            <a:pPr algn="ctr"/>
-            <a:r>
-              <a:rPr kumimoji="1" lang="en-US" altLang="zh-TW" sz="2800" b="1" dirty="0" smtClean="0">
-                <a:solidFill>
-                  <a:srgbClr val="FF0000"/>
-                </a:solidFill>
-              </a:rPr>
-              <a:t>Type of the detector?</a:t>
-            </a:r>
-          </a:p>
-          <a:p>
-            <a:pPr algn="ctr"/>
-            <a:r>
-              <a:rPr kumimoji="1" lang="en-US" altLang="zh-TW" sz="2800" b="1" dirty="0" smtClean="0">
-                <a:solidFill>
-                  <a:srgbClr val="FF0000"/>
-                </a:solidFill>
-              </a:rPr>
-              <a:t>Temperature?</a:t>
-            </a:r>
-          </a:p>
-          <a:p>
-            <a:pPr algn="ctr"/>
-            <a:r>
-              <a:rPr kumimoji="1" lang="en-US" altLang="zh-TW" sz="2800" b="1" dirty="0" smtClean="0">
-                <a:solidFill>
-                  <a:srgbClr val="FF0000"/>
-                </a:solidFill>
-              </a:rPr>
-              <a:t>Electric field?</a:t>
-            </a:r>
-          </a:p>
-        </p:txBody>
-      </p:sp>
-    </p:spTree>
-    <p:extLst>
-      <p:ext uri="{BB962C8B-B14F-4D97-AF65-F5344CB8AC3E}">
-        <p14:creationId xmlns:p14="http://schemas.microsoft.com/office/powerpoint/2010/main" val="255514353"/>
-      </p:ext>
-    </p:extLst>
-  </p:cSld>
-  <p:clrMapOvr>
-    <a:masterClrMapping/>
-  </p:clrMapOvr>
-  <p:timing>
-    <p:tnLst>
-      <p:par>
-        <p:cTn id="1" dur="indefinite" restart="never" nodeType="tmRoot"/>
-      </p:par>
-    </p:tnLst>
-  </p:timing>
-</p:sld>
-</file>
-
-<file path=ppt/slides/slide4.xml><?xml version="1.0" encoding="utf-8"?>
-<p:sld xmlns:a="http://schemas.openxmlformats.org/drawingml/2006/main" xmlns:r="http://schemas.openxmlformats.org/officeDocument/2006/relationships" xmlns:p="http://schemas.openxmlformats.org/presentationml/2006/main">
-  <p:cSld>
-    <p:spTree>
-      <p:nvGrpSpPr>
-        <p:cNvPr id="1" name=""/>
-        <p:cNvGrpSpPr/>
-        <p:nvPr/>
-      </p:nvGrpSpPr>
-      <p:grpSpPr>
-        <a:xfrm>
-          <a:off x="0" y="0"/>
-          <a:ext cx="0" cy="0"/>
-          <a:chOff x="0" y="0"/>
-          <a:chExt cx="0" cy="0"/>
-        </a:xfrm>
-      </p:grpSpPr>
-      <p:sp>
-        <p:nvSpPr>
-          <p:cNvPr id="2" name="標題 1"/>
-          <p:cNvSpPr>
-            <a:spLocks noGrp="1"/>
-          </p:cNvSpPr>
-          <p:nvPr>
-            <p:ph type="title"/>
-          </p:nvPr>
-        </p:nvSpPr>
-        <p:spPr/>
-        <p:txBody>
-          <a:bodyPr/>
-          <a:lstStyle/>
-          <a:p>
-            <a:r>
-              <a:rPr kumimoji="1" lang="en-US" altLang="zh-TW" dirty="0" smtClean="0"/>
-              <a:t>Raw/Observable</a:t>
-            </a:r>
-            <a:endParaRPr kumimoji="1" lang="zh-TW" altLang="en-US" dirty="0"/>
-          </a:p>
-        </p:txBody>
-      </p:sp>
-      <p:sp>
-        <p:nvSpPr>
-          <p:cNvPr id="4" name="橢圓 3"/>
-          <p:cNvSpPr/>
-          <p:nvPr/>
-        </p:nvSpPr>
-        <p:spPr>
-          <a:xfrm>
-            <a:off x="516147" y="1690688"/>
-            <a:ext cx="2777706" cy="2777706"/>
+            <a:off x="10196512" y="6126161"/>
+            <a:ext cx="314325" cy="314325"/>
           </a:xfrm>
           <a:prstGeom prst="ellipse">
             <a:avLst/>
           </a:prstGeom>
           <a:solidFill>
-            <a:srgbClr val="92D050">
-              <a:alpha val="27000"/>
-            </a:srgbClr>
+            <a:schemeClr val="accent2"/>
           </a:solidFill>
         </p:spPr>
         <p:style>
@@ -4265,72 +5890,20 @@
       </p:sp>
       <p:sp>
         <p:nvSpPr>
-          <p:cNvPr id="5" name="文字方塊 4"/>
-          <p:cNvSpPr txBox="1"/>
+          <p:cNvPr id="7" name="向下箭號 6"/>
+          <p:cNvSpPr/>
           <p:nvPr/>
         </p:nvSpPr>
         <p:spPr>
           <a:xfrm>
-            <a:off x="-432759" y="2664042"/>
-            <a:ext cx="4675517" cy="830997"/>
+            <a:off x="10113056" y="4603747"/>
+            <a:ext cx="481235" cy="1581150"/>
           </a:xfrm>
-          <a:prstGeom prst="rect">
-            <a:avLst/>
-          </a:prstGeom>
-          <a:noFill/>
-        </p:spPr>
-        <p:txBody>
-          <a:bodyPr wrap="square" rtlCol="0">
-            <a:spAutoFit/>
-          </a:bodyPr>
-          <a:lstStyle/>
-          <a:p>
-            <a:pPr algn="ctr"/>
-            <a:r>
-              <a:rPr kumimoji="1" lang="en-US" altLang="zh-TW" sz="2400" dirty="0" smtClean="0">
-                <a:solidFill>
-                  <a:srgbClr val="FF0000"/>
-                </a:solidFill>
-              </a:rPr>
-              <a:t>No Amplification</a:t>
-            </a:r>
-          </a:p>
-          <a:p>
-            <a:pPr algn="ctr"/>
-            <a:r>
-              <a:rPr kumimoji="1" lang="en-US" altLang="zh-TW" sz="2400" dirty="0" smtClean="0">
-                <a:solidFill>
-                  <a:srgbClr val="FF0000"/>
-                </a:solidFill>
-              </a:rPr>
-              <a:t>Raw SIG/BKG</a:t>
-            </a:r>
-            <a:endParaRPr kumimoji="1" lang="en-US" altLang="zh-TW" sz="2400" dirty="0" smtClean="0">
-              <a:solidFill>
-                <a:srgbClr val="FF0000"/>
-              </a:solidFill>
-            </a:endParaRPr>
-          </a:p>
-        </p:txBody>
-      </p:sp>
-      <p:sp>
-        <p:nvSpPr>
-          <p:cNvPr id="6" name="橢圓 5"/>
-          <p:cNvSpPr/>
-          <p:nvPr/>
-        </p:nvSpPr>
-        <p:spPr>
-          <a:xfrm>
-            <a:off x="3802810" y="1732299"/>
-            <a:ext cx="2777706" cy="2777706"/>
-          </a:xfrm>
-          <a:prstGeom prst="ellipse">
+          <a:prstGeom prst="downArrow">
             <a:avLst/>
           </a:prstGeom>
           <a:solidFill>
-            <a:srgbClr val="92D050">
-              <a:alpha val="54000"/>
-            </a:srgbClr>
+            <a:srgbClr val="FFFF00"/>
           </a:solidFill>
         </p:spPr>
         <p:style>
@@ -4360,14 +5933,14 @@
       </p:sp>
       <p:sp>
         <p:nvSpPr>
-          <p:cNvPr id="7" name="文字方塊 6"/>
+          <p:cNvPr id="8" name="文字方塊 7"/>
           <p:cNvSpPr txBox="1"/>
           <p:nvPr/>
         </p:nvSpPr>
         <p:spPr>
           <a:xfrm>
-            <a:off x="2853904" y="2722726"/>
-            <a:ext cx="4675517" cy="830997"/>
+            <a:off x="10896600" y="6089647"/>
+            <a:ext cx="1066800" cy="523220"/>
           </a:xfrm>
           <a:prstGeom prst="rect">
             <a:avLst/>
@@ -4380,43 +5953,15 @@
           </a:bodyPr>
           <a:lstStyle/>
           <a:p>
-            <a:pPr algn="ctr"/>
-            <a:r>
-              <a:rPr kumimoji="1" lang="en-US" altLang="zh-TW" sz="2400" dirty="0" smtClean="0">
+            <a:r>
+              <a:rPr kumimoji="1" lang="en-US" altLang="zh-TW" sz="2800" b="1" dirty="0" smtClean="0">
                 <a:solidFill>
                   <a:srgbClr val="FF0000"/>
                 </a:solidFill>
               </a:rPr>
-              <a:t>With</a:t>
-            </a:r>
-            <a:r>
-              <a:rPr kumimoji="1" lang="en-US" altLang="zh-TW" sz="2400" dirty="0" smtClean="0">
-                <a:solidFill>
-                  <a:srgbClr val="FF0000"/>
-                </a:solidFill>
-              </a:rPr>
-              <a:t> Amplification</a:t>
-            </a:r>
-          </a:p>
-          <a:p>
-            <a:pPr algn="ctr"/>
-            <a:r>
-              <a:rPr kumimoji="1" lang="en-US" altLang="zh-TW" sz="2400" dirty="0" err="1" smtClean="0">
-                <a:solidFill>
-                  <a:srgbClr val="FF0000"/>
-                </a:solidFill>
-              </a:rPr>
-              <a:t>Obs</a:t>
-            </a:r>
-            <a:r>
-              <a:rPr kumimoji="1" lang="en-US" altLang="zh-TW" sz="2400" dirty="0" smtClean="0">
-                <a:solidFill>
-                  <a:srgbClr val="FF0000"/>
-                </a:solidFill>
-              </a:rPr>
-              <a:t> SIG/BKG</a:t>
-            </a:r>
-            <a:endParaRPr kumimoji="1" lang="en-US" altLang="zh-TW" sz="2400" dirty="0" smtClean="0">
+              <a:t>+</a:t>
+            </a:r>
+            <a:endParaRPr kumimoji="1" lang="zh-TW" altLang="en-US" sz="2800" b="1" dirty="0">
               <a:solidFill>
                 <a:srgbClr val="FF0000"/>
               </a:solidFill>
@@ -4426,14 +5971,14 @@
       </p:sp>
       <p:sp>
         <p:nvSpPr>
-          <p:cNvPr id="8" name="文字方塊 7"/>
+          <p:cNvPr id="9" name="文字方塊 8"/>
           <p:cNvSpPr txBox="1"/>
           <p:nvPr/>
         </p:nvSpPr>
         <p:spPr>
           <a:xfrm>
-            <a:off x="1748286" y="4644473"/>
-            <a:ext cx="2053087" cy="523220"/>
+            <a:off x="10896600" y="4070344"/>
+            <a:ext cx="1066800" cy="523220"/>
           </a:xfrm>
           <a:prstGeom prst="rect">
             <a:avLst/>
@@ -4447,23 +5992,31 @@
           <a:lstStyle/>
           <a:p>
             <a:r>
-              <a:rPr kumimoji="1" lang="en-US" altLang="zh-TW" sz="2800" dirty="0" smtClean="0"/>
-              <a:t>S</a:t>
-            </a:r>
-            <a:endParaRPr kumimoji="1" lang="zh-TW" altLang="en-US" sz="2800" dirty="0"/>
-          </a:p>
-        </p:txBody>
-      </p:sp>
-      <p:sp>
-        <p:nvSpPr>
-          <p:cNvPr id="9" name="文字方塊 8"/>
+              <a:rPr kumimoji="1" lang="en-US" altLang="zh-TW" sz="2800" b="1" dirty="0">
+                <a:solidFill>
+                  <a:srgbClr val="FF0000"/>
+                </a:solidFill>
+              </a:rPr>
+              <a:t>-</a:t>
+            </a:r>
+            <a:endParaRPr kumimoji="1" lang="zh-TW" altLang="en-US" sz="2800" b="1" dirty="0">
+              <a:solidFill>
+                <a:srgbClr val="FF0000"/>
+              </a:solidFill>
+            </a:endParaRPr>
+          </a:p>
+        </p:txBody>
+      </p:sp>
+      <p:sp>
+        <p:nvSpPr>
+          <p:cNvPr id="10" name="文字方塊 9"/>
           <p:cNvSpPr txBox="1"/>
           <p:nvPr/>
         </p:nvSpPr>
         <p:spPr>
           <a:xfrm>
-            <a:off x="1748285" y="5483359"/>
-            <a:ext cx="2053087" cy="523220"/>
+            <a:off x="8474756" y="5132712"/>
+            <a:ext cx="1143000" cy="523220"/>
           </a:xfrm>
           <a:prstGeom prst="rect">
             <a:avLst/>
@@ -4477,23 +6030,550 @@
           <a:lstStyle/>
           <a:p>
             <a:r>
-              <a:rPr kumimoji="1" lang="en-US" altLang="zh-TW" sz="2800" dirty="0"/>
-              <a:t>B</a:t>
-            </a:r>
-            <a:endParaRPr kumimoji="1" lang="zh-TW" altLang="en-US" sz="2800" dirty="0"/>
-          </a:p>
-        </p:txBody>
-      </p:sp>
-      <p:sp>
-        <p:nvSpPr>
-          <p:cNvPr id="10" name="文字方塊 9"/>
+              <a:rPr kumimoji="1" lang="en-US" altLang="zh-TW" sz="2800" dirty="0" smtClean="0">
+                <a:solidFill>
+                  <a:srgbClr val="0070C0"/>
+                </a:solidFill>
+              </a:rPr>
+              <a:t>1 cm</a:t>
+            </a:r>
+            <a:endParaRPr kumimoji="1" lang="zh-TW" altLang="en-US" sz="2800" dirty="0">
+              <a:solidFill>
+                <a:srgbClr val="0070C0"/>
+              </a:solidFill>
+            </a:endParaRPr>
+          </a:p>
+        </p:txBody>
+      </p:sp>
+    </p:spTree>
+    <p:extLst>
+      <p:ext uri="{BB962C8B-B14F-4D97-AF65-F5344CB8AC3E}">
+        <p14:creationId xmlns:p14="http://schemas.microsoft.com/office/powerpoint/2010/main" val="386375200"/>
+      </p:ext>
+    </p:extLst>
+  </p:cSld>
+  <p:clrMapOvr>
+    <a:masterClrMapping/>
+  </p:clrMapOvr>
+  <p:timing>
+    <p:tnLst>
+      <p:par>
+        <p:cTn id="1" dur="indefinite" restart="never" nodeType="tmRoot"/>
+      </p:par>
+    </p:tnLst>
+  </p:timing>
+</p:sld>
+</file>
+
+<file path=ppt/slides/slide14.xml><?xml version="1.0" encoding="utf-8"?>
+<p:sld xmlns:a="http://schemas.openxmlformats.org/drawingml/2006/main" xmlns:r="http://schemas.openxmlformats.org/officeDocument/2006/relationships" xmlns:p="http://schemas.openxmlformats.org/presentationml/2006/main">
+  <p:cSld>
+    <p:spTree>
+      <p:nvGrpSpPr>
+        <p:cNvPr id="1" name=""/>
+        <p:cNvGrpSpPr/>
+        <p:nvPr/>
+      </p:nvGrpSpPr>
+      <p:grpSpPr>
+        <a:xfrm>
+          <a:off x="0" y="0"/>
+          <a:ext cx="0" cy="0"/>
+          <a:chOff x="0" y="0"/>
+          <a:chExt cx="0" cy="0"/>
+        </a:xfrm>
+      </p:grpSpPr>
+      <p:sp>
+        <p:nvSpPr>
+          <p:cNvPr id="2" name="標題 1"/>
+          <p:cNvSpPr>
+            <a:spLocks noGrp="1"/>
+          </p:cNvSpPr>
+          <p:nvPr>
+            <p:ph type="title"/>
+          </p:nvPr>
+        </p:nvSpPr>
+        <p:spPr/>
+        <p:txBody>
+          <a:bodyPr/>
+          <a:lstStyle/>
+          <a:p>
+            <a:r>
+              <a:rPr kumimoji="1" lang="en-US" altLang="zh-TW" dirty="0" smtClean="0"/>
+              <a:t>The standard Germanium</a:t>
+            </a:r>
+            <a:endParaRPr kumimoji="1" lang="zh-TW" altLang="en-US" dirty="0"/>
+          </a:p>
+        </p:txBody>
+      </p:sp>
+      <mc:AlternateContent xmlns:mc="http://schemas.openxmlformats.org/markup-compatibility/2006" xmlns:a14="http://schemas.microsoft.com/office/drawing/2010/main">
+        <mc:Choice Requires="a14">
+          <p:sp>
+            <p:nvSpPr>
+              <p:cNvPr id="3" name="內容版面配置區 2"/>
+              <p:cNvSpPr>
+                <a:spLocks noGrp="1"/>
+              </p:cNvSpPr>
+              <p:nvPr>
+                <p:ph idx="1"/>
+              </p:nvPr>
+            </p:nvSpPr>
+            <p:spPr>
+              <a:xfrm>
+                <a:off x="864281" y="1694326"/>
+                <a:ext cx="10515600" cy="4351338"/>
+              </a:xfrm>
+            </p:spPr>
+            <p:txBody>
+              <a:bodyPr>
+                <a:normAutofit/>
+              </a:bodyPr>
+              <a:lstStyle/>
+              <a:p>
+                <a:r>
+                  <a:rPr kumimoji="1" lang="en-US" altLang="zh-TW" b="1" dirty="0" smtClean="0">
+                    <a:solidFill>
+                      <a:srgbClr val="FF0000"/>
+                    </a:solidFill>
+                  </a:rPr>
+                  <a:t>1 x 1 x 1 (</a:t>
+                </a:r>
+                <a14:m>
+                  <m:oMath xmlns:m="http://schemas.openxmlformats.org/officeDocument/2006/math">
+                    <m:sSup>
+                      <m:sSupPr>
+                        <m:ctrlPr>
+                          <a:rPr kumimoji="1" lang="en-US" altLang="zh-TW" b="1" i="1" smtClean="0">
+                            <a:solidFill>
+                              <a:srgbClr val="FF0000"/>
+                            </a:solidFill>
+                            <a:latin typeface="Cambria Math" charset="0"/>
+                          </a:rPr>
+                        </m:ctrlPr>
+                      </m:sSupPr>
+                      <m:e>
+                        <m:r>
+                          <a:rPr kumimoji="1" lang="en-US" altLang="zh-TW" b="1" i="1" smtClean="0">
+                            <a:solidFill>
+                              <a:srgbClr val="FF0000"/>
+                            </a:solidFill>
+                            <a:latin typeface="Cambria Math" charset="0"/>
+                          </a:rPr>
+                          <m:t>𝒄𝒎</m:t>
+                        </m:r>
+                      </m:e>
+                      <m:sup>
+                        <m:r>
+                          <a:rPr kumimoji="1" lang="en-US" altLang="zh-TW" b="1" i="1" smtClean="0">
+                            <a:solidFill>
+                              <a:srgbClr val="FF0000"/>
+                            </a:solidFill>
+                            <a:latin typeface="Cambria Math" charset="0"/>
+                          </a:rPr>
+                          <m:t>𝟐</m:t>
+                        </m:r>
+                      </m:sup>
+                    </m:sSup>
+                  </m:oMath>
+                </a14:m>
+                <a:r>
+                  <a:rPr kumimoji="1" lang="en-US" altLang="zh-TW" b="1" dirty="0" smtClean="0">
+                    <a:solidFill>
+                      <a:srgbClr val="FF0000"/>
+                    </a:solidFill>
+                  </a:rPr>
+                  <a:t>)</a:t>
+                </a:r>
+              </a:p>
+              <a:p>
+                <a:endParaRPr kumimoji="1" lang="en-US" altLang="zh-TW" dirty="0" smtClean="0"/>
+              </a:p>
+              <a:p>
+                <a:r>
+                  <a:rPr kumimoji="1" lang="en-US" altLang="zh-TW" dirty="0" smtClean="0"/>
+                  <a:t>“No Gain”</a:t>
+                </a:r>
+                <a:r>
+                  <a:rPr kumimoji="1" lang="en-US" altLang="zh-TW" dirty="0" smtClean="0">
+                    <a:sym typeface="Wingdings"/>
+                  </a:rPr>
+                  <a:t> Apply the small field</a:t>
+                </a:r>
+              </a:p>
+              <a:p>
+                <a:endParaRPr kumimoji="1" lang="en-US" altLang="zh-TW" dirty="0" smtClean="0"/>
+              </a:p>
+              <a:p>
+                <a14:m>
+                  <m:oMath xmlns:m="http://schemas.openxmlformats.org/officeDocument/2006/math">
+                    <m:f>
+                      <m:fPr>
+                        <m:ctrlPr>
+                          <a:rPr kumimoji="1" lang="mr-IN" altLang="zh-TW" i="1" smtClean="0">
+                            <a:latin typeface="Cambria Math" charset="0"/>
+                          </a:rPr>
+                        </m:ctrlPr>
+                      </m:fPr>
+                      <m:num>
+                        <m:r>
+                          <a:rPr kumimoji="1" lang="en-US" altLang="zh-TW" b="0" i="1" smtClean="0">
+                            <a:latin typeface="Cambria Math" charset="0"/>
+                          </a:rPr>
+                          <m:t>1 </m:t>
+                        </m:r>
+                        <m:r>
+                          <a:rPr kumimoji="1" lang="en-US" altLang="zh-TW" b="0" i="1" smtClean="0">
+                            <a:latin typeface="Cambria Math" charset="0"/>
+                          </a:rPr>
+                          <m:t>𝑐𝑚</m:t>
+                        </m:r>
+                      </m:num>
+                      <m:den>
+                        <m:sSup>
+                          <m:sSupPr>
+                            <m:ctrlPr>
+                              <a:rPr kumimoji="1" lang="mr-IN" altLang="zh-TW" i="1" smtClean="0">
+                                <a:latin typeface="Cambria Math" charset="0"/>
+                              </a:rPr>
+                            </m:ctrlPr>
+                          </m:sSupPr>
+                          <m:e>
+                            <m:r>
+                              <a:rPr kumimoji="1" lang="en-US" altLang="zh-TW" b="0" i="1" smtClean="0">
+                                <a:latin typeface="Cambria Math" charset="0"/>
+                              </a:rPr>
+                              <m:t>10</m:t>
+                            </m:r>
+                          </m:e>
+                          <m:sup>
+                            <m:r>
+                              <a:rPr kumimoji="1" lang="en-US" altLang="zh-TW" b="0" i="1" smtClean="0">
+                                <a:latin typeface="Cambria Math" charset="0"/>
+                              </a:rPr>
+                              <m:t>7</m:t>
+                            </m:r>
+                          </m:sup>
+                        </m:sSup>
+                        <m:f>
+                          <m:fPr>
+                            <m:ctrlPr>
+                              <a:rPr kumimoji="1" lang="mr-IN" altLang="zh-TW" i="1" smtClean="0">
+                                <a:latin typeface="Cambria Math" charset="0"/>
+                              </a:rPr>
+                            </m:ctrlPr>
+                          </m:fPr>
+                          <m:num>
+                            <m:r>
+                              <a:rPr kumimoji="1" lang="en-US" altLang="zh-TW" b="0" i="1" smtClean="0">
+                                <a:latin typeface="Cambria Math" charset="0"/>
+                              </a:rPr>
+                              <m:t>𝑐𝑚</m:t>
+                            </m:r>
+                          </m:num>
+                          <m:den>
+                            <m:r>
+                              <a:rPr kumimoji="1" lang="en-US" altLang="zh-TW" b="0" i="1" smtClean="0">
+                                <a:latin typeface="Cambria Math" charset="0"/>
+                              </a:rPr>
+                              <m:t>𝑠</m:t>
+                            </m:r>
+                          </m:den>
+                        </m:f>
+                      </m:den>
+                    </m:f>
+                    <m:r>
+                      <a:rPr kumimoji="1" lang="en-US" altLang="zh-TW" b="0" i="1" smtClean="0">
+                        <a:latin typeface="Cambria Math" charset="0"/>
+                      </a:rPr>
+                      <m:t>=</m:t>
+                    </m:r>
+                    <m:r>
+                      <a:rPr kumimoji="1" lang="en-US" altLang="zh-TW" b="1" i="1" smtClean="0">
+                        <a:solidFill>
+                          <a:srgbClr val="FF0000"/>
+                        </a:solidFill>
+                        <a:latin typeface="Cambria Math" charset="0"/>
+                      </a:rPr>
+                      <m:t>𝟎</m:t>
+                    </m:r>
+                    <m:r>
+                      <a:rPr kumimoji="1" lang="en-US" altLang="zh-TW" b="1" i="1" smtClean="0">
+                        <a:solidFill>
+                          <a:srgbClr val="FF0000"/>
+                        </a:solidFill>
+                        <a:latin typeface="Cambria Math" charset="0"/>
+                      </a:rPr>
+                      <m:t>.</m:t>
+                    </m:r>
+                    <m:r>
+                      <a:rPr kumimoji="1" lang="en-US" altLang="zh-TW" b="1" i="1" smtClean="0">
+                        <a:solidFill>
+                          <a:srgbClr val="FF0000"/>
+                        </a:solidFill>
+                        <a:latin typeface="Cambria Math" charset="0"/>
+                      </a:rPr>
+                      <m:t>𝟏</m:t>
+                    </m:r>
+                    <m:r>
+                      <a:rPr kumimoji="1" lang="en-US" altLang="zh-TW" b="1" i="1" smtClean="0">
+                        <a:solidFill>
+                          <a:srgbClr val="FF0000"/>
+                        </a:solidFill>
+                        <a:latin typeface="Cambria Math" charset="0"/>
+                        <a:ea typeface="Cambria Math" charset="0"/>
+                        <a:cs typeface="Cambria Math" charset="0"/>
+                      </a:rPr>
+                      <m:t>𝝁</m:t>
+                    </m:r>
+                    <m:r>
+                      <a:rPr kumimoji="1" lang="en-US" altLang="zh-TW" b="1" i="1" smtClean="0">
+                        <a:solidFill>
+                          <a:srgbClr val="FF0000"/>
+                        </a:solidFill>
+                        <a:latin typeface="Cambria Math" charset="0"/>
+                        <a:ea typeface="Cambria Math" charset="0"/>
+                        <a:cs typeface="Cambria Math" charset="0"/>
+                      </a:rPr>
+                      <m:t>𝒔</m:t>
+                    </m:r>
+                  </m:oMath>
+                </a14:m>
+                <a:endParaRPr kumimoji="1" lang="en-US" altLang="zh-TW" b="1" dirty="0" smtClean="0"/>
+              </a:p>
+              <a:p>
+                <a:endParaRPr kumimoji="1" lang="en-US" altLang="zh-TW" dirty="0"/>
+              </a:p>
+              <a:p>
+                <a:endParaRPr kumimoji="1" lang="en-US" altLang="zh-TW" dirty="0" smtClean="0"/>
+              </a:p>
+              <a:p>
+                <a:endParaRPr kumimoji="1" lang="en-US" altLang="zh-TW" dirty="0"/>
+              </a:p>
+              <a:p>
+                <a:endParaRPr kumimoji="1" lang="en-US" altLang="zh-TW" dirty="0" smtClean="0"/>
+              </a:p>
+              <a:p>
+                <a:endParaRPr kumimoji="1" lang="zh-TW" altLang="en-US" dirty="0"/>
+              </a:p>
+            </p:txBody>
+          </p:sp>
+        </mc:Choice>
+        <mc:Fallback xmlns="">
+          <p:sp>
+            <p:nvSpPr>
+              <p:cNvPr id="3" name="內容版面配置區 2"/>
+              <p:cNvSpPr>
+                <a:spLocks noGrp="1" noRot="1" noChangeAspect="1" noMove="1" noResize="1" noEditPoints="1" noAdjustHandles="1" noChangeArrowheads="1" noChangeShapeType="1" noTextEdit="1"/>
+              </p:cNvSpPr>
+              <p:nvPr>
+                <p:ph idx="1"/>
+              </p:nvPr>
+            </p:nvSpPr>
+            <p:spPr>
+              <a:xfrm>
+                <a:off x="864281" y="1694326"/>
+                <a:ext cx="10515600" cy="4351338"/>
+              </a:xfrm>
+              <a:blipFill rotWithShape="0">
+                <a:blip r:embed="rId2"/>
+                <a:stretch>
+                  <a:fillRect l="-1043" t="-2381"/>
+                </a:stretch>
+              </a:blipFill>
+            </p:spPr>
+            <p:txBody>
+              <a:bodyPr/>
+              <a:lstStyle/>
+              <a:p>
+                <a:r>
+                  <a:rPr lang="zh-TW" altLang="en-US">
+                    <a:noFill/>
+                  </a:rPr>
+                  <a:t> </a:t>
+                </a:r>
+              </a:p>
+            </p:txBody>
+          </p:sp>
+        </mc:Fallback>
+      </mc:AlternateContent>
+      <p:sp>
+        <p:nvSpPr>
+          <p:cNvPr id="4" name="矩形 3"/>
+          <p:cNvSpPr/>
+          <p:nvPr/>
+        </p:nvSpPr>
+        <p:spPr>
+          <a:xfrm>
+            <a:off x="8134350" y="2781300"/>
+            <a:ext cx="1581150" cy="1581150"/>
+          </a:xfrm>
+          <a:prstGeom prst="rect">
+            <a:avLst/>
+          </a:prstGeom>
+        </p:spPr>
+        <p:style>
+          <a:lnRef idx="2">
+            <a:schemeClr val="accent1">
+              <a:shade val="50000"/>
+            </a:schemeClr>
+          </a:lnRef>
+          <a:fillRef idx="1">
+            <a:schemeClr val="accent1"/>
+          </a:fillRef>
+          <a:effectRef idx="0">
+            <a:schemeClr val="accent1"/>
+          </a:effectRef>
+          <a:fontRef idx="minor">
+            <a:schemeClr val="lt1"/>
+          </a:fontRef>
+        </p:style>
+        <p:txBody>
+          <a:bodyPr rtlCol="0" anchor="ctr"/>
+          <a:lstStyle/>
+          <a:p>
+            <a:pPr algn="ctr"/>
+            <a:endParaRPr kumimoji="1" lang="zh-TW" altLang="en-US"/>
+          </a:p>
+        </p:txBody>
+      </p:sp>
+      <p:sp>
+        <p:nvSpPr>
+          <p:cNvPr id="5" name="橢圓 4"/>
+          <p:cNvSpPr/>
+          <p:nvPr/>
+        </p:nvSpPr>
+        <p:spPr>
+          <a:xfrm>
+            <a:off x="8767762" y="2466975"/>
+            <a:ext cx="314325" cy="314325"/>
+          </a:xfrm>
+          <a:prstGeom prst="ellipse">
+            <a:avLst/>
+          </a:prstGeom>
+          <a:solidFill>
+            <a:schemeClr val="accent2"/>
+          </a:solidFill>
+        </p:spPr>
+        <p:style>
+          <a:lnRef idx="2">
+            <a:schemeClr val="accent1">
+              <a:shade val="50000"/>
+            </a:schemeClr>
+          </a:lnRef>
+          <a:fillRef idx="1">
+            <a:schemeClr val="accent1"/>
+          </a:fillRef>
+          <a:effectRef idx="0">
+            <a:schemeClr val="accent1"/>
+          </a:effectRef>
+          <a:fontRef idx="minor">
+            <a:schemeClr val="lt1"/>
+          </a:fontRef>
+        </p:style>
+        <p:txBody>
+          <a:bodyPr rtlCol="0" anchor="ctr"/>
+          <a:lstStyle/>
+          <a:p>
+            <a:pPr algn="ctr"/>
+            <a:endParaRPr kumimoji="1" lang="zh-TW" altLang="en-US"/>
+          </a:p>
+        </p:txBody>
+      </p:sp>
+      <p:sp>
+        <p:nvSpPr>
+          <p:cNvPr id="6" name="橢圓 5"/>
+          <p:cNvSpPr/>
+          <p:nvPr/>
+        </p:nvSpPr>
+        <p:spPr>
+          <a:xfrm>
+            <a:off x="8767762" y="4340224"/>
+            <a:ext cx="314325" cy="314325"/>
+          </a:xfrm>
+          <a:prstGeom prst="ellipse">
+            <a:avLst/>
+          </a:prstGeom>
+          <a:solidFill>
+            <a:schemeClr val="accent2"/>
+          </a:solidFill>
+        </p:spPr>
+        <p:style>
+          <a:lnRef idx="2">
+            <a:schemeClr val="accent1">
+              <a:shade val="50000"/>
+            </a:schemeClr>
+          </a:lnRef>
+          <a:fillRef idx="1">
+            <a:schemeClr val="accent1"/>
+          </a:fillRef>
+          <a:effectRef idx="0">
+            <a:schemeClr val="accent1"/>
+          </a:effectRef>
+          <a:fontRef idx="minor">
+            <a:schemeClr val="lt1"/>
+          </a:fontRef>
+        </p:style>
+        <p:txBody>
+          <a:bodyPr rtlCol="0" anchor="ctr"/>
+          <a:lstStyle/>
+          <a:p>
+            <a:pPr algn="ctr"/>
+            <a:endParaRPr kumimoji="1" lang="zh-TW" altLang="en-US"/>
+          </a:p>
+        </p:txBody>
+      </p:sp>
+      <p:sp>
+        <p:nvSpPr>
+          <p:cNvPr id="7" name="向下箭號 6"/>
+          <p:cNvSpPr/>
+          <p:nvPr/>
+        </p:nvSpPr>
+        <p:spPr>
+          <a:xfrm>
+            <a:off x="8684306" y="2817810"/>
+            <a:ext cx="481235" cy="1581150"/>
+          </a:xfrm>
+          <a:prstGeom prst="downArrow">
+            <a:avLst/>
+          </a:prstGeom>
+          <a:solidFill>
+            <a:srgbClr val="FFFF00"/>
+          </a:solidFill>
+        </p:spPr>
+        <p:style>
+          <a:lnRef idx="2">
+            <a:schemeClr val="accent1">
+              <a:shade val="50000"/>
+            </a:schemeClr>
+          </a:lnRef>
+          <a:fillRef idx="1">
+            <a:schemeClr val="accent1"/>
+          </a:fillRef>
+          <a:effectRef idx="0">
+            <a:schemeClr val="accent1"/>
+          </a:effectRef>
+          <a:fontRef idx="minor">
+            <a:schemeClr val="lt1"/>
+          </a:fontRef>
+        </p:style>
+        <p:txBody>
+          <a:bodyPr rtlCol="0" anchor="ctr"/>
+          <a:lstStyle/>
+          <a:p>
+            <a:pPr algn="ctr"/>
+            <a:endParaRPr kumimoji="1" lang="zh-TW" altLang="en-US"/>
+          </a:p>
+        </p:txBody>
+      </p:sp>
+      <p:sp>
+        <p:nvSpPr>
+          <p:cNvPr id="8" name="文字方塊 7"/>
           <p:cNvSpPr txBox="1"/>
           <p:nvPr/>
         </p:nvSpPr>
         <p:spPr>
           <a:xfrm>
-            <a:off x="4747402" y="4644473"/>
-            <a:ext cx="2053087" cy="523220"/>
+            <a:off x="9467850" y="4303710"/>
+            <a:ext cx="1066800" cy="523220"/>
           </a:xfrm>
           <a:prstGeom prst="rect">
             <a:avLst/>
@@ -4507,14 +6587,14 @@
           <a:lstStyle/>
           <a:p>
             <a:r>
-              <a:rPr kumimoji="1" lang="en-US" altLang="zh-TW" sz="2800" dirty="0" smtClean="0">
+              <a:rPr kumimoji="1" lang="en-US" altLang="zh-TW" sz="2800" b="1" dirty="0" smtClean="0">
                 <a:solidFill>
                   <a:srgbClr val="FF0000"/>
                 </a:solidFill>
               </a:rPr>
-              <a:t>S*G</a:t>
-            </a:r>
-            <a:endParaRPr kumimoji="1" lang="zh-TW" altLang="en-US" sz="2800" dirty="0">
+              <a:t>+</a:t>
+            </a:r>
+            <a:endParaRPr kumimoji="1" lang="zh-TW" altLang="en-US" sz="2800" b="1" dirty="0">
               <a:solidFill>
                 <a:srgbClr val="FF0000"/>
               </a:solidFill>
@@ -4524,14 +6604,14 @@
       </p:sp>
       <p:sp>
         <p:nvSpPr>
-          <p:cNvPr id="11" name="文字方塊 10"/>
+          <p:cNvPr id="9" name="文字方塊 8"/>
           <p:cNvSpPr txBox="1"/>
           <p:nvPr/>
         </p:nvSpPr>
         <p:spPr>
           <a:xfrm>
-            <a:off x="4747402" y="5486131"/>
-            <a:ext cx="2053087" cy="523220"/>
+            <a:off x="9467850" y="2284407"/>
+            <a:ext cx="1066800" cy="523220"/>
           </a:xfrm>
           <a:prstGeom prst="rect">
             <a:avLst/>
@@ -4545,22 +6625,14 @@
           <a:lstStyle/>
           <a:p>
             <a:r>
-              <a:rPr kumimoji="1" lang="en-US" altLang="zh-TW" sz="2800" dirty="0">
+              <a:rPr kumimoji="1" lang="en-US" altLang="zh-TW" sz="2800" b="1" dirty="0">
                 <a:solidFill>
                   <a:srgbClr val="FF0000"/>
                 </a:solidFill>
               </a:rPr>
-              <a:t>B</a:t>
-            </a:r>
-            <a:r>
-              <a:rPr kumimoji="1" lang="en-US" altLang="zh-TW" sz="2800" dirty="0" smtClean="0">
-                <a:solidFill>
-                  <a:srgbClr val="FF0000"/>
-                </a:solidFill>
-              </a:rPr>
-              <a:t>*G</a:t>
-            </a:r>
-            <a:endParaRPr kumimoji="1" lang="zh-TW" altLang="en-US" sz="2800" dirty="0">
+              <a:t>-</a:t>
+            </a:r>
+            <a:endParaRPr kumimoji="1" lang="zh-TW" altLang="en-US" sz="2800" b="1" dirty="0">
               <a:solidFill>
                 <a:srgbClr val="FF0000"/>
               </a:solidFill>
@@ -4568,8 +6640,46 @@
           </a:p>
         </p:txBody>
       </p:sp>
-      <mc:AlternateContent xmlns:mc="http://schemas.openxmlformats.org/markup-compatibility/2006">
-        <mc:Choice xmlns:a14="http://schemas.microsoft.com/office/drawing/2010/main" Requires="a14">
+      <p:sp>
+        <p:nvSpPr>
+          <p:cNvPr id="10" name="文字方塊 9"/>
+          <p:cNvSpPr txBox="1"/>
+          <p:nvPr/>
+        </p:nvSpPr>
+        <p:spPr>
+          <a:xfrm>
+            <a:off x="7046006" y="3346775"/>
+            <a:ext cx="1143000" cy="523220"/>
+          </a:xfrm>
+          <a:prstGeom prst="rect">
+            <a:avLst/>
+          </a:prstGeom>
+          <a:noFill/>
+        </p:spPr>
+        <p:txBody>
+          <a:bodyPr wrap="square" rtlCol="0">
+            <a:spAutoFit/>
+          </a:bodyPr>
+          <a:lstStyle/>
+          <a:p>
+            <a:r>
+              <a:rPr kumimoji="1" lang="en-US" altLang="zh-TW" sz="2800" dirty="0" smtClean="0">
+                <a:solidFill>
+                  <a:srgbClr val="0070C0"/>
+                </a:solidFill>
+              </a:rPr>
+              <a:t>1 cm</a:t>
+            </a:r>
+            <a:endParaRPr kumimoji="1" lang="zh-TW" altLang="en-US" sz="2800" dirty="0">
+              <a:solidFill>
+                <a:srgbClr val="0070C0"/>
+              </a:solidFill>
+            </a:endParaRPr>
+          </a:p>
+        </p:txBody>
+      </p:sp>
+      <mc:AlternateContent xmlns:mc="http://schemas.openxmlformats.org/markup-compatibility/2006" xmlns:a14="http://schemas.microsoft.com/office/drawing/2010/main">
+        <mc:Choice Requires="a14">
           <p:sp>
             <p:nvSpPr>
               <p:cNvPr id="12" name="文字方塊 11"/>
@@ -4578,7 +6688,1075 @@
             </p:nvSpPr>
             <p:spPr>
               <a:xfrm>
-                <a:off x="6096000" y="3301117"/>
+                <a:off x="1278839" y="5112541"/>
+                <a:ext cx="10127123" cy="828304"/>
+              </a:xfrm>
+              <a:prstGeom prst="rect">
+                <a:avLst/>
+              </a:prstGeom>
+              <a:noFill/>
+            </p:spPr>
+            <p:txBody>
+              <a:bodyPr wrap="square" rtlCol="0">
+                <a:spAutoFit/>
+              </a:bodyPr>
+              <a:lstStyle/>
+              <a:p>
+                <a14:m>
+                  <m:oMath xmlns:m="http://schemas.openxmlformats.org/officeDocument/2006/math">
+                    <m:f>
+                      <m:fPr>
+                        <m:ctrlPr>
+                          <a:rPr kumimoji="1" lang="mr-IN" altLang="zh-TW" sz="2800" b="1" i="1" smtClean="0">
+                            <a:solidFill>
+                              <a:schemeClr val="accent2">
+                                <a:lumMod val="75000"/>
+                              </a:schemeClr>
+                            </a:solidFill>
+                            <a:latin typeface="Cambria Math" charset="0"/>
+                          </a:rPr>
+                        </m:ctrlPr>
+                      </m:fPr>
+                      <m:num>
+                        <m:r>
+                          <a:rPr kumimoji="1" lang="el-GR" altLang="zh-TW" sz="2800" b="1" i="1" smtClean="0">
+                            <a:solidFill>
+                              <a:schemeClr val="accent2">
+                                <a:lumMod val="75000"/>
+                              </a:schemeClr>
+                            </a:solidFill>
+                            <a:latin typeface="Cambria Math" charset="0"/>
+                            <a:ea typeface="Cambria Math" charset="0"/>
+                            <a:cs typeface="Cambria Math" charset="0"/>
+                          </a:rPr>
+                          <m:t>𝜟</m:t>
+                        </m:r>
+                        <m:r>
+                          <a:rPr kumimoji="1" lang="en-US" altLang="zh-TW" sz="2800" b="1" i="1" smtClean="0">
+                            <a:solidFill>
+                              <a:schemeClr val="accent2">
+                                <a:lumMod val="75000"/>
+                              </a:schemeClr>
+                            </a:solidFill>
+                            <a:latin typeface="Cambria Math" charset="0"/>
+                            <a:ea typeface="Cambria Math" charset="0"/>
+                            <a:cs typeface="Cambria Math" charset="0"/>
+                          </a:rPr>
+                          <m:t>𝒏</m:t>
+                        </m:r>
+                      </m:num>
+                      <m:den>
+                        <m:r>
+                          <a:rPr kumimoji="1" lang="en-US" altLang="zh-TW" sz="2800" b="1" i="1" smtClean="0">
+                            <a:solidFill>
+                              <a:schemeClr val="accent2">
+                                <a:lumMod val="75000"/>
+                              </a:schemeClr>
+                            </a:solidFill>
+                            <a:latin typeface="Cambria Math" charset="0"/>
+                          </a:rPr>
+                          <m:t>𝑻</m:t>
+                        </m:r>
+                      </m:den>
+                    </m:f>
+                    <m:r>
+                      <a:rPr kumimoji="1" lang="en-US" altLang="zh-TW" sz="2800" b="1" i="1" smtClean="0">
+                        <a:solidFill>
+                          <a:schemeClr val="accent2">
+                            <a:lumMod val="75000"/>
+                          </a:schemeClr>
+                        </a:solidFill>
+                        <a:latin typeface="Cambria Math" charset="0"/>
+                      </a:rPr>
+                      <m:t>= </m:t>
+                    </m:r>
+                    <m:f>
+                      <m:fPr>
+                        <m:ctrlPr>
+                          <a:rPr kumimoji="1" lang="mr-IN" altLang="zh-TW" sz="2800" b="1" i="1" smtClean="0">
+                            <a:solidFill>
+                              <a:schemeClr val="accent2">
+                                <a:lumMod val="75000"/>
+                              </a:schemeClr>
+                            </a:solidFill>
+                            <a:latin typeface="Cambria Math" charset="0"/>
+                          </a:rPr>
+                        </m:ctrlPr>
+                      </m:fPr>
+                      <m:num>
+                        <m:r>
+                          <a:rPr kumimoji="1" lang="en-US" altLang="zh-TW" sz="2800" b="1" i="1" smtClean="0">
+                            <a:solidFill>
+                              <a:schemeClr val="accent2">
+                                <a:lumMod val="75000"/>
+                              </a:schemeClr>
+                            </a:solidFill>
+                            <a:latin typeface="Cambria Math" charset="0"/>
+                          </a:rPr>
+                          <m:t> (</m:t>
+                        </m:r>
+                        <m:r>
+                          <a:rPr kumimoji="1" lang="en-US" altLang="zh-TW" sz="2800" b="1" i="1" smtClean="0">
+                            <a:solidFill>
+                              <a:schemeClr val="accent2">
+                                <a:lumMod val="75000"/>
+                              </a:schemeClr>
+                            </a:solidFill>
+                            <a:latin typeface="Cambria Math" charset="0"/>
+                          </a:rPr>
+                          <m:t>𝑭</m:t>
+                        </m:r>
+                        <m:r>
+                          <a:rPr kumimoji="1" lang="en-US" altLang="zh-TW" sz="2800" b="1" i="1" smtClean="0">
+                            <a:solidFill>
+                              <a:schemeClr val="accent2">
+                                <a:lumMod val="75000"/>
+                              </a:schemeClr>
+                            </a:solidFill>
+                            <a:latin typeface="Cambria Math" charset="0"/>
+                          </a:rPr>
+                          <m:t>)</m:t>
+                        </m:r>
+                      </m:num>
+                      <m:den>
+                        <m:r>
+                          <a:rPr kumimoji="1" lang="en-US" altLang="zh-TW" sz="2800" b="1" i="1" smtClean="0">
+                            <a:solidFill>
+                              <a:schemeClr val="accent2">
+                                <a:lumMod val="75000"/>
+                              </a:schemeClr>
+                            </a:solidFill>
+                            <a:latin typeface="Cambria Math" charset="0"/>
+                          </a:rPr>
+                          <m:t>𝟏𝟎𝟎</m:t>
+                        </m:r>
+                        <m:r>
+                          <a:rPr kumimoji="1" lang="en-US" altLang="zh-TW" sz="2800" b="1" i="1" smtClean="0">
+                            <a:solidFill>
+                              <a:schemeClr val="accent2">
+                                <a:lumMod val="75000"/>
+                              </a:schemeClr>
+                            </a:solidFill>
+                            <a:latin typeface="Cambria Math" charset="0"/>
+                            <a:ea typeface="Cambria Math" charset="0"/>
+                            <a:cs typeface="Cambria Math" charset="0"/>
+                          </a:rPr>
+                          <m:t>𝝁</m:t>
+                        </m:r>
+                        <m:r>
+                          <a:rPr kumimoji="1" lang="en-US" altLang="zh-TW" sz="2800" b="1" i="1" smtClean="0">
+                            <a:solidFill>
+                              <a:schemeClr val="accent2">
+                                <a:lumMod val="75000"/>
+                              </a:schemeClr>
+                            </a:solidFill>
+                            <a:latin typeface="Cambria Math" charset="0"/>
+                            <a:ea typeface="Cambria Math" charset="0"/>
+                            <a:cs typeface="Cambria Math" charset="0"/>
+                          </a:rPr>
+                          <m:t>𝒔</m:t>
+                        </m:r>
+                      </m:den>
+                    </m:f>
+                    <m:r>
+                      <a:rPr kumimoji="1" lang="en-US" altLang="zh-TW" sz="2800" b="1" i="1" smtClean="0">
+                        <a:solidFill>
+                          <a:schemeClr val="accent2">
+                            <a:lumMod val="75000"/>
+                          </a:schemeClr>
+                        </a:solidFill>
+                        <a:latin typeface="Cambria Math" charset="0"/>
+                      </a:rPr>
+                      <m:t>=</m:t>
+                    </m:r>
+                    <m:f>
+                      <m:fPr>
+                        <m:ctrlPr>
+                          <a:rPr kumimoji="1" lang="en-US" altLang="zh-TW" sz="2800" b="1" i="1" smtClean="0">
+                            <a:solidFill>
+                              <a:schemeClr val="accent2">
+                                <a:lumMod val="75000"/>
+                              </a:schemeClr>
+                            </a:solidFill>
+                            <a:latin typeface="Cambria Math" charset="0"/>
+                          </a:rPr>
+                        </m:ctrlPr>
+                      </m:fPr>
+                      <m:num>
+                        <m:r>
+                          <a:rPr kumimoji="1" lang="en-US" altLang="zh-TW" sz="2800" b="1" i="1" smtClean="0">
+                            <a:solidFill>
+                              <a:schemeClr val="accent2">
+                                <a:lumMod val="75000"/>
+                              </a:schemeClr>
+                            </a:solidFill>
+                            <a:latin typeface="Cambria Math" charset="0"/>
+                          </a:rPr>
+                          <m:t>𝟎</m:t>
+                        </m:r>
+                        <m:r>
+                          <a:rPr kumimoji="1" lang="en-US" altLang="zh-TW" sz="2800" b="1" i="1" smtClean="0">
+                            <a:solidFill>
+                              <a:schemeClr val="accent2">
+                                <a:lumMod val="75000"/>
+                              </a:schemeClr>
+                            </a:solidFill>
+                            <a:latin typeface="Cambria Math" charset="0"/>
+                          </a:rPr>
+                          <m:t>.</m:t>
+                        </m:r>
+                        <m:r>
+                          <a:rPr kumimoji="1" lang="en-US" altLang="zh-TW" sz="2800" b="1" i="1" smtClean="0">
+                            <a:solidFill>
+                              <a:schemeClr val="accent2">
+                                <a:lumMod val="75000"/>
+                              </a:schemeClr>
+                            </a:solidFill>
+                            <a:latin typeface="Cambria Math" charset="0"/>
+                          </a:rPr>
+                          <m:t>𝟎𝟏</m:t>
+                        </m:r>
+                        <m:r>
+                          <a:rPr kumimoji="1" lang="en-US" altLang="zh-TW" sz="2800" b="1" i="1" smtClean="0">
+                            <a:solidFill>
+                              <a:schemeClr val="accent2">
+                                <a:lumMod val="75000"/>
+                              </a:schemeClr>
+                            </a:solidFill>
+                            <a:latin typeface="Cambria Math" charset="0"/>
+                          </a:rPr>
+                          <m:t>∗</m:t>
+                        </m:r>
+                        <m:r>
+                          <a:rPr kumimoji="1" lang="en-US" altLang="zh-TW" sz="2800" b="1" i="1" smtClean="0">
+                            <a:solidFill>
+                              <a:schemeClr val="accent2">
+                                <a:lumMod val="75000"/>
+                              </a:schemeClr>
+                            </a:solidFill>
+                            <a:latin typeface="Cambria Math" charset="0"/>
+                          </a:rPr>
+                          <m:t>𝑭</m:t>
+                        </m:r>
+                      </m:num>
+                      <m:den>
+                        <m:sSup>
+                          <m:sSupPr>
+                            <m:ctrlPr>
+                              <a:rPr kumimoji="1" lang="en-US" altLang="zh-TW" sz="2800" b="1" i="1" smtClean="0">
+                                <a:solidFill>
+                                  <a:schemeClr val="accent2">
+                                    <a:lumMod val="75000"/>
+                                  </a:schemeClr>
+                                </a:solidFill>
+                                <a:latin typeface="Cambria Math" charset="0"/>
+                              </a:rPr>
+                            </m:ctrlPr>
+                          </m:sSupPr>
+                          <m:e>
+                            <m:r>
+                              <a:rPr kumimoji="1" lang="en-US" altLang="zh-TW" sz="2800" b="1" i="1" smtClean="0">
+                                <a:solidFill>
+                                  <a:schemeClr val="accent2">
+                                    <a:lumMod val="75000"/>
+                                  </a:schemeClr>
+                                </a:solidFill>
+                                <a:latin typeface="Cambria Math" charset="0"/>
+                              </a:rPr>
+                              <m:t>𝒄𝒎</m:t>
+                            </m:r>
+                          </m:e>
+                          <m:sup>
+                            <m:r>
+                              <a:rPr kumimoji="1" lang="en-US" altLang="zh-TW" sz="2800" b="1" i="1" smtClean="0">
+                                <a:solidFill>
+                                  <a:schemeClr val="accent2">
+                                    <a:lumMod val="75000"/>
+                                  </a:schemeClr>
+                                </a:solidFill>
+                                <a:latin typeface="Cambria Math" charset="0"/>
+                              </a:rPr>
+                              <m:t>𝟑</m:t>
+                            </m:r>
+                          </m:sup>
+                        </m:sSup>
+                        <m:r>
+                          <a:rPr kumimoji="1" lang="en-US" altLang="zh-TW" sz="2800" b="1" i="1" smtClean="0">
+                            <a:solidFill>
+                              <a:schemeClr val="accent2">
+                                <a:lumMod val="75000"/>
+                              </a:schemeClr>
+                            </a:solidFill>
+                            <a:latin typeface="Cambria Math" charset="0"/>
+                          </a:rPr>
+                          <m:t>∗</m:t>
+                        </m:r>
+                        <m:r>
+                          <a:rPr kumimoji="1" lang="en-US" altLang="zh-TW" sz="2800" b="1" i="1" smtClean="0">
+                            <a:solidFill>
+                              <a:schemeClr val="accent2">
+                                <a:lumMod val="75000"/>
+                              </a:schemeClr>
+                            </a:solidFill>
+                            <a:latin typeface="Cambria Math" charset="0"/>
+                            <a:ea typeface="Cambria Math" charset="0"/>
+                            <a:cs typeface="Cambria Math" charset="0"/>
+                          </a:rPr>
+                          <m:t>𝝁</m:t>
+                        </m:r>
+                        <m:r>
+                          <a:rPr kumimoji="1" lang="en-US" altLang="zh-TW" sz="2800" b="1" i="1" smtClean="0">
+                            <a:solidFill>
+                              <a:schemeClr val="accent2">
+                                <a:lumMod val="75000"/>
+                              </a:schemeClr>
+                            </a:solidFill>
+                            <a:latin typeface="Cambria Math" charset="0"/>
+                            <a:ea typeface="Cambria Math" charset="0"/>
+                            <a:cs typeface="Cambria Math" charset="0"/>
+                          </a:rPr>
+                          <m:t>𝒔</m:t>
+                        </m:r>
+                      </m:den>
+                    </m:f>
+                    <m:r>
+                      <a:rPr kumimoji="1" lang="en-US" altLang="zh-TW" sz="2800" b="1" i="1" smtClean="0">
+                        <a:solidFill>
+                          <a:schemeClr val="accent2">
+                            <a:lumMod val="75000"/>
+                          </a:schemeClr>
+                        </a:solidFill>
+                        <a:latin typeface="Cambria Math" charset="0"/>
+                        <a:ea typeface="Cambria Math" charset="0"/>
+                        <a:cs typeface="Cambria Math" charset="0"/>
+                      </a:rPr>
+                      <m:t>=</m:t>
+                    </m:r>
+                    <m:f>
+                      <m:fPr>
+                        <m:ctrlPr>
+                          <a:rPr kumimoji="1" lang="en-US" altLang="zh-TW" sz="2800" b="1" i="1">
+                            <a:solidFill>
+                              <a:schemeClr val="accent2">
+                                <a:lumMod val="75000"/>
+                              </a:schemeClr>
+                            </a:solidFill>
+                            <a:latin typeface="Cambria Math" charset="0"/>
+                          </a:rPr>
+                        </m:ctrlPr>
+                      </m:fPr>
+                      <m:num>
+                        <m:sSup>
+                          <m:sSupPr>
+                            <m:ctrlPr>
+                              <a:rPr kumimoji="1" lang="en-US" altLang="zh-TW" sz="2800" b="1" i="1" smtClean="0">
+                                <a:solidFill>
+                                  <a:schemeClr val="accent2">
+                                    <a:lumMod val="75000"/>
+                                  </a:schemeClr>
+                                </a:solidFill>
+                                <a:latin typeface="Cambria Math" charset="0"/>
+                              </a:rPr>
+                            </m:ctrlPr>
+                          </m:sSupPr>
+                          <m:e>
+                            <m:r>
+                              <a:rPr kumimoji="1" lang="en-US" altLang="zh-TW" sz="2800" b="1" i="1">
+                                <a:solidFill>
+                                  <a:schemeClr val="accent2">
+                                    <a:lumMod val="75000"/>
+                                  </a:schemeClr>
+                                </a:solidFill>
+                                <a:latin typeface="Cambria Math" charset="0"/>
+                              </a:rPr>
+                              <m:t>𝟏𝟎</m:t>
+                            </m:r>
+                          </m:e>
+                          <m:sup>
+                            <m:r>
+                              <a:rPr kumimoji="1" lang="en-US" altLang="zh-TW" sz="2800" b="1" i="1" smtClean="0">
+                                <a:solidFill>
+                                  <a:schemeClr val="accent2">
+                                    <a:lumMod val="75000"/>
+                                  </a:schemeClr>
+                                </a:solidFill>
+                                <a:latin typeface="Cambria Math" charset="0"/>
+                              </a:rPr>
+                              <m:t>−</m:t>
+                            </m:r>
+                            <m:r>
+                              <a:rPr kumimoji="1" lang="en-US" altLang="zh-TW" sz="2800" b="1" i="1" smtClean="0">
+                                <a:solidFill>
+                                  <a:schemeClr val="accent2">
+                                    <a:lumMod val="75000"/>
+                                  </a:schemeClr>
+                                </a:solidFill>
+                                <a:latin typeface="Cambria Math" charset="0"/>
+                              </a:rPr>
+                              <m:t>𝟑</m:t>
+                            </m:r>
+                          </m:sup>
+                        </m:sSup>
+                        <m:r>
+                          <a:rPr kumimoji="1" lang="en-US" altLang="zh-TW" sz="2800" b="1" i="1">
+                            <a:solidFill>
+                              <a:schemeClr val="accent2">
+                                <a:lumMod val="75000"/>
+                              </a:schemeClr>
+                            </a:solidFill>
+                            <a:latin typeface="Cambria Math" charset="0"/>
+                          </a:rPr>
+                          <m:t>∗</m:t>
+                        </m:r>
+                        <m:r>
+                          <a:rPr kumimoji="1" lang="en-US" altLang="zh-TW" sz="2800" b="1" i="1">
+                            <a:solidFill>
+                              <a:schemeClr val="accent2">
+                                <a:lumMod val="75000"/>
+                              </a:schemeClr>
+                            </a:solidFill>
+                            <a:latin typeface="Cambria Math" charset="0"/>
+                          </a:rPr>
+                          <m:t>𝑭</m:t>
+                        </m:r>
+                      </m:num>
+                      <m:den>
+                        <m:sSup>
+                          <m:sSupPr>
+                            <m:ctrlPr>
+                              <a:rPr kumimoji="1" lang="en-US" altLang="zh-TW" sz="2800" b="1" i="1">
+                                <a:solidFill>
+                                  <a:schemeClr val="accent2">
+                                    <a:lumMod val="75000"/>
+                                  </a:schemeClr>
+                                </a:solidFill>
+                                <a:latin typeface="Cambria Math" charset="0"/>
+                              </a:rPr>
+                            </m:ctrlPr>
+                          </m:sSupPr>
+                          <m:e>
+                            <m:r>
+                              <a:rPr kumimoji="1" lang="en-US" altLang="zh-TW" sz="2800" b="1" i="1">
+                                <a:solidFill>
+                                  <a:schemeClr val="accent2">
+                                    <a:lumMod val="75000"/>
+                                  </a:schemeClr>
+                                </a:solidFill>
+                                <a:latin typeface="Cambria Math" charset="0"/>
+                              </a:rPr>
+                              <m:t>𝒄𝒎</m:t>
+                            </m:r>
+                          </m:e>
+                          <m:sup>
+                            <m:r>
+                              <a:rPr kumimoji="1" lang="en-US" altLang="zh-TW" sz="2800" b="1" i="1">
+                                <a:solidFill>
+                                  <a:schemeClr val="accent2">
+                                    <a:lumMod val="75000"/>
+                                  </a:schemeClr>
+                                </a:solidFill>
+                                <a:latin typeface="Cambria Math" charset="0"/>
+                              </a:rPr>
+                              <m:t>𝟑</m:t>
+                            </m:r>
+                          </m:sup>
+                        </m:sSup>
+                        <m:r>
+                          <a:rPr kumimoji="1" lang="en-US" altLang="zh-TW" sz="2800" b="1" i="1">
+                            <a:solidFill>
+                              <a:schemeClr val="accent2">
+                                <a:lumMod val="75000"/>
+                              </a:schemeClr>
+                            </a:solidFill>
+                            <a:latin typeface="Cambria Math" charset="0"/>
+                          </a:rPr>
+                          <m:t>∗</m:t>
+                        </m:r>
+                        <m:r>
+                          <a:rPr kumimoji="1" lang="en-US" altLang="zh-TW" sz="2800" b="1" i="1" smtClean="0">
+                            <a:solidFill>
+                              <a:schemeClr val="accent2">
+                                <a:lumMod val="75000"/>
+                              </a:schemeClr>
+                            </a:solidFill>
+                            <a:latin typeface="Cambria Math" charset="0"/>
+                          </a:rPr>
+                          <m:t>𝟎</m:t>
+                        </m:r>
+                        <m:r>
+                          <a:rPr kumimoji="1" lang="en-US" altLang="zh-TW" sz="2800" b="1" i="1" smtClean="0">
+                            <a:solidFill>
+                              <a:schemeClr val="accent2">
+                                <a:lumMod val="75000"/>
+                              </a:schemeClr>
+                            </a:solidFill>
+                            <a:latin typeface="Cambria Math" charset="0"/>
+                          </a:rPr>
+                          <m:t>.</m:t>
+                        </m:r>
+                        <m:r>
+                          <a:rPr kumimoji="1" lang="en-US" altLang="zh-TW" sz="2800" b="1" i="1" smtClean="0">
+                            <a:solidFill>
+                              <a:schemeClr val="accent2">
+                                <a:lumMod val="75000"/>
+                              </a:schemeClr>
+                            </a:solidFill>
+                            <a:latin typeface="Cambria Math" charset="0"/>
+                          </a:rPr>
+                          <m:t>𝟏</m:t>
+                        </m:r>
+                        <m:r>
+                          <a:rPr kumimoji="1" lang="en-US" altLang="zh-TW" sz="2800" b="1" i="1">
+                            <a:solidFill>
+                              <a:schemeClr val="accent2">
+                                <a:lumMod val="75000"/>
+                              </a:schemeClr>
+                            </a:solidFill>
+                            <a:latin typeface="Cambria Math" charset="0"/>
+                            <a:ea typeface="Cambria Math" charset="0"/>
+                            <a:cs typeface="Cambria Math" charset="0"/>
+                          </a:rPr>
+                          <m:t>𝝁</m:t>
+                        </m:r>
+                        <m:r>
+                          <a:rPr kumimoji="1" lang="en-US" altLang="zh-TW" sz="2800" b="1" i="1">
+                            <a:solidFill>
+                              <a:schemeClr val="accent2">
+                                <a:lumMod val="75000"/>
+                              </a:schemeClr>
+                            </a:solidFill>
+                            <a:latin typeface="Cambria Math" charset="0"/>
+                            <a:ea typeface="Cambria Math" charset="0"/>
+                            <a:cs typeface="Cambria Math" charset="0"/>
+                          </a:rPr>
+                          <m:t>𝒔</m:t>
+                        </m:r>
+                      </m:den>
+                    </m:f>
+                    <m:r>
+                      <a:rPr kumimoji="1" lang="en-US" altLang="zh-TW" sz="2800" b="1" i="1" smtClean="0">
+                        <a:solidFill>
+                          <a:schemeClr val="accent2">
+                            <a:lumMod val="75000"/>
+                          </a:schemeClr>
+                        </a:solidFill>
+                        <a:latin typeface="Cambria Math" charset="0"/>
+                        <a:ea typeface="Cambria Math" charset="0"/>
+                        <a:cs typeface="Cambria Math" charset="0"/>
+                      </a:rPr>
+                      <m:t>=</m:t>
+                    </m:r>
+                    <m:sSup>
+                      <m:sSupPr>
+                        <m:ctrlPr>
+                          <a:rPr kumimoji="1" lang="en-US" altLang="zh-TW" sz="2800" b="1" i="1">
+                            <a:solidFill>
+                              <a:schemeClr val="accent2">
+                                <a:lumMod val="75000"/>
+                              </a:schemeClr>
+                            </a:solidFill>
+                            <a:latin typeface="Cambria Math" charset="0"/>
+                          </a:rPr>
+                        </m:ctrlPr>
+                      </m:sSupPr>
+                      <m:e>
+                        <m:r>
+                          <a:rPr kumimoji="1" lang="en-US" altLang="zh-TW" sz="2800" b="1" i="1">
+                            <a:solidFill>
+                              <a:schemeClr val="accent2">
+                                <a:lumMod val="75000"/>
+                              </a:schemeClr>
+                            </a:solidFill>
+                            <a:latin typeface="Cambria Math" charset="0"/>
+                          </a:rPr>
+                          <m:t>𝟏𝟎</m:t>
+                        </m:r>
+                      </m:e>
+                      <m:sup>
+                        <m:r>
+                          <a:rPr kumimoji="1" lang="en-US" altLang="zh-TW" sz="2800" b="1" i="1">
+                            <a:solidFill>
+                              <a:schemeClr val="accent2">
+                                <a:lumMod val="75000"/>
+                              </a:schemeClr>
+                            </a:solidFill>
+                            <a:latin typeface="Cambria Math" charset="0"/>
+                          </a:rPr>
+                          <m:t>−</m:t>
+                        </m:r>
+                        <m:r>
+                          <a:rPr kumimoji="1" lang="en-US" altLang="zh-TW" sz="2800" b="1" i="1">
+                            <a:solidFill>
+                              <a:schemeClr val="accent2">
+                                <a:lumMod val="75000"/>
+                              </a:schemeClr>
+                            </a:solidFill>
+                            <a:latin typeface="Cambria Math" charset="0"/>
+                          </a:rPr>
+                          <m:t>𝟑</m:t>
+                        </m:r>
+                      </m:sup>
+                    </m:sSup>
+                    <m:r>
+                      <a:rPr kumimoji="1" lang="en-US" altLang="zh-TW" sz="2800" b="1" i="1">
+                        <a:solidFill>
+                          <a:schemeClr val="accent2">
+                            <a:lumMod val="75000"/>
+                          </a:schemeClr>
+                        </a:solidFill>
+                        <a:latin typeface="Cambria Math" charset="0"/>
+                      </a:rPr>
+                      <m:t>∗</m:t>
+                    </m:r>
+                    <m:r>
+                      <a:rPr kumimoji="1" lang="en-US" altLang="zh-TW" sz="2800" b="1" i="1">
+                        <a:solidFill>
+                          <a:schemeClr val="accent2">
+                            <a:lumMod val="75000"/>
+                          </a:schemeClr>
+                        </a:solidFill>
+                        <a:latin typeface="Cambria Math" charset="0"/>
+                      </a:rPr>
+                      <m:t>𝑭</m:t>
+                    </m:r>
+                  </m:oMath>
+                </a14:m>
+                <a:r>
+                  <a:rPr kumimoji="1" lang="en-US" altLang="zh-TW" sz="2800" b="1" dirty="0" smtClean="0">
+                    <a:solidFill>
+                      <a:schemeClr val="accent2">
+                        <a:lumMod val="75000"/>
+                      </a:schemeClr>
+                    </a:solidFill>
+                  </a:rPr>
+                  <a:t>  (/</a:t>
+                </a:r>
+                <a14:m>
+                  <m:oMath xmlns:m="http://schemas.openxmlformats.org/officeDocument/2006/math">
+                    <m:sSup>
+                      <m:sSupPr>
+                        <m:ctrlPr>
+                          <a:rPr kumimoji="1" lang="en-US" altLang="zh-TW" sz="2800" b="1" i="1">
+                            <a:solidFill>
+                              <a:schemeClr val="accent2">
+                                <a:lumMod val="75000"/>
+                              </a:schemeClr>
+                            </a:solidFill>
+                            <a:latin typeface="Cambria Math" charset="0"/>
+                          </a:rPr>
+                        </m:ctrlPr>
+                      </m:sSupPr>
+                      <m:e>
+                        <m:r>
+                          <a:rPr kumimoji="1" lang="en-US" altLang="zh-TW" sz="2800" b="1" i="1">
+                            <a:solidFill>
+                              <a:schemeClr val="accent2">
+                                <a:lumMod val="75000"/>
+                              </a:schemeClr>
+                            </a:solidFill>
+                            <a:latin typeface="Cambria Math" charset="0"/>
+                          </a:rPr>
+                          <m:t>𝒄𝒎</m:t>
+                        </m:r>
+                      </m:e>
+                      <m:sup>
+                        <m:r>
+                          <a:rPr kumimoji="1" lang="en-US" altLang="zh-TW" sz="2800" b="1" i="1">
+                            <a:solidFill>
+                              <a:schemeClr val="accent2">
+                                <a:lumMod val="75000"/>
+                              </a:schemeClr>
+                            </a:solidFill>
+                            <a:latin typeface="Cambria Math" charset="0"/>
+                          </a:rPr>
+                          <m:t>𝟑</m:t>
+                        </m:r>
+                      </m:sup>
+                    </m:sSup>
+                    <m:r>
+                      <a:rPr kumimoji="1" lang="en-US" altLang="zh-TW" sz="2800" b="1" i="1">
+                        <a:solidFill>
+                          <a:schemeClr val="accent2">
+                            <a:lumMod val="75000"/>
+                          </a:schemeClr>
+                        </a:solidFill>
+                        <a:latin typeface="Cambria Math" charset="0"/>
+                      </a:rPr>
+                      <m:t>∗</m:t>
+                    </m:r>
+                    <m:r>
+                      <a:rPr kumimoji="1" lang="en-US" altLang="zh-TW" sz="2800" b="1" i="1">
+                        <a:solidFill>
+                          <a:schemeClr val="accent2">
+                            <a:lumMod val="75000"/>
+                          </a:schemeClr>
+                        </a:solidFill>
+                        <a:latin typeface="Cambria Math" charset="0"/>
+                      </a:rPr>
+                      <m:t>𝟎</m:t>
+                    </m:r>
+                    <m:r>
+                      <a:rPr kumimoji="1" lang="en-US" altLang="zh-TW" sz="2800" b="1" i="1">
+                        <a:solidFill>
+                          <a:schemeClr val="accent2">
+                            <a:lumMod val="75000"/>
+                          </a:schemeClr>
+                        </a:solidFill>
+                        <a:latin typeface="Cambria Math" charset="0"/>
+                      </a:rPr>
+                      <m:t>.</m:t>
+                    </m:r>
+                    <m:r>
+                      <a:rPr kumimoji="1" lang="en-US" altLang="zh-TW" sz="2800" b="1" i="1">
+                        <a:solidFill>
+                          <a:schemeClr val="accent2">
+                            <a:lumMod val="75000"/>
+                          </a:schemeClr>
+                        </a:solidFill>
+                        <a:latin typeface="Cambria Math" charset="0"/>
+                      </a:rPr>
+                      <m:t>𝟏</m:t>
+                    </m:r>
+                    <m:r>
+                      <a:rPr kumimoji="1" lang="en-US" altLang="zh-TW" sz="2800" b="1" i="1">
+                        <a:solidFill>
+                          <a:schemeClr val="accent2">
+                            <a:lumMod val="75000"/>
+                          </a:schemeClr>
+                        </a:solidFill>
+                        <a:latin typeface="Cambria Math" charset="0"/>
+                        <a:ea typeface="Cambria Math" charset="0"/>
+                        <a:cs typeface="Cambria Math" charset="0"/>
+                      </a:rPr>
+                      <m:t>𝝁</m:t>
+                    </m:r>
+                    <m:r>
+                      <a:rPr kumimoji="1" lang="en-US" altLang="zh-TW" sz="2800" b="1" i="1">
+                        <a:solidFill>
+                          <a:schemeClr val="accent2">
+                            <a:lumMod val="75000"/>
+                          </a:schemeClr>
+                        </a:solidFill>
+                        <a:latin typeface="Cambria Math" charset="0"/>
+                        <a:ea typeface="Cambria Math" charset="0"/>
+                        <a:cs typeface="Cambria Math" charset="0"/>
+                      </a:rPr>
+                      <m:t>𝒔</m:t>
+                    </m:r>
+                  </m:oMath>
+                </a14:m>
+                <a:r>
+                  <a:rPr kumimoji="1" lang="en-US" altLang="zh-TW" sz="2800" b="1" dirty="0" smtClean="0">
+                    <a:solidFill>
+                      <a:schemeClr val="accent2">
+                        <a:lumMod val="75000"/>
+                      </a:schemeClr>
+                    </a:solidFill>
+                  </a:rPr>
+                  <a:t>)  </a:t>
+                </a:r>
+                <a:endParaRPr kumimoji="1" lang="zh-TW" altLang="en-US" sz="2800" b="1" dirty="0">
+                  <a:solidFill>
+                    <a:schemeClr val="accent2">
+                      <a:lumMod val="75000"/>
+                    </a:schemeClr>
+                  </a:solidFill>
+                </a:endParaRPr>
+              </a:p>
+            </p:txBody>
+          </p:sp>
+        </mc:Choice>
+        <mc:Fallback xmlns="">
+          <p:sp>
+            <p:nvSpPr>
+              <p:cNvPr id="12" name="文字方塊 11"/>
+              <p:cNvSpPr txBox="1">
+                <a:spLocks noRot="1" noChangeAspect="1" noMove="1" noResize="1" noEditPoints="1" noAdjustHandles="1" noChangeArrowheads="1" noChangeShapeType="1" noTextEdit="1"/>
+              </p:cNvSpPr>
+              <p:nvPr/>
+            </p:nvSpPr>
+            <p:spPr>
+              <a:xfrm>
+                <a:off x="1278839" y="5112541"/>
+                <a:ext cx="10127123" cy="828304"/>
+              </a:xfrm>
+              <a:prstGeom prst="rect">
+                <a:avLst/>
+              </a:prstGeom>
+              <a:blipFill rotWithShape="0">
+                <a:blip r:embed="rId3"/>
+                <a:stretch>
+                  <a:fillRect b="-3676"/>
+                </a:stretch>
+              </a:blipFill>
+            </p:spPr>
+            <p:txBody>
+              <a:bodyPr/>
+              <a:lstStyle/>
+              <a:p>
+                <a:r>
+                  <a:rPr lang="zh-TW" altLang="en-US">
+                    <a:noFill/>
+                  </a:rPr>
+                  <a:t> </a:t>
+                </a:r>
+              </a:p>
+            </p:txBody>
+          </p:sp>
+        </mc:Fallback>
+      </mc:AlternateContent>
+    </p:spTree>
+    <p:extLst>
+      <p:ext uri="{BB962C8B-B14F-4D97-AF65-F5344CB8AC3E}">
+        <p14:creationId xmlns:p14="http://schemas.microsoft.com/office/powerpoint/2010/main" val="788967313"/>
+      </p:ext>
+    </p:extLst>
+  </p:cSld>
+  <p:clrMapOvr>
+    <a:masterClrMapping/>
+  </p:clrMapOvr>
+  <p:timing>
+    <p:tnLst>
+      <p:par>
+        <p:cTn id="1" dur="indefinite" restart="never" nodeType="tmRoot"/>
+      </p:par>
+    </p:tnLst>
+  </p:timing>
+</p:sld>
+</file>
+
+<file path=ppt/slides/slide15.xml><?xml version="1.0" encoding="utf-8"?>
+<p:sld xmlns:a="http://schemas.openxmlformats.org/drawingml/2006/main" xmlns:r="http://schemas.openxmlformats.org/officeDocument/2006/relationships" xmlns:p="http://schemas.openxmlformats.org/presentationml/2006/main">
+  <p:cSld>
+    <p:spTree>
+      <p:nvGrpSpPr>
+        <p:cNvPr id="1" name=""/>
+        <p:cNvGrpSpPr/>
+        <p:nvPr/>
+      </p:nvGrpSpPr>
+      <p:grpSpPr>
+        <a:xfrm>
+          <a:off x="0" y="0"/>
+          <a:ext cx="0" cy="0"/>
+          <a:chOff x="0" y="0"/>
+          <a:chExt cx="0" cy="0"/>
+        </a:xfrm>
+      </p:grpSpPr>
+      <p:pic>
+        <p:nvPicPr>
+          <p:cNvPr id="11" name="內容版面配置區 10"/>
+          <p:cNvPicPr>
+            <a:picLocks noGrp="1" noChangeAspect="1"/>
+          </p:cNvPicPr>
+          <p:nvPr>
+            <p:ph idx="1"/>
+          </p:nvPr>
+        </p:nvPicPr>
+        <p:blipFill>
+          <a:blip r:embed="rId2">
+            <a:extLst>
+              <a:ext uri="{28A0092B-C50C-407E-A947-70E740481C1C}">
+                <a14:useLocalDpi xmlns:a14="http://schemas.microsoft.com/office/drawing/2010/main" val="0"/>
+              </a:ext>
+            </a:extLst>
+          </a:blip>
+          <a:stretch>
+            <a:fillRect/>
+          </a:stretch>
+        </p:blipFill>
+        <p:spPr>
+          <a:xfrm>
+            <a:off x="6311123" y="1854041"/>
+            <a:ext cx="4560459" cy="4351338"/>
+          </a:xfrm>
+        </p:spPr>
+      </p:pic>
+      <p:sp>
+        <p:nvSpPr>
+          <p:cNvPr id="2" name="標題 1"/>
+          <p:cNvSpPr>
+            <a:spLocks noGrp="1"/>
+          </p:cNvSpPr>
+          <p:nvPr>
+            <p:ph type="title"/>
+          </p:nvPr>
+        </p:nvSpPr>
+        <p:spPr/>
+        <p:txBody>
+          <a:bodyPr/>
+          <a:lstStyle/>
+          <a:p>
+            <a:r>
+              <a:rPr kumimoji="1" lang="en-US" altLang="zh-TW" dirty="0" smtClean="0"/>
+              <a:t>Threshold</a:t>
+            </a:r>
+            <a:endParaRPr kumimoji="1" lang="zh-TW" altLang="en-US" dirty="0"/>
+          </a:p>
+        </p:txBody>
+      </p:sp>
+      <p:cxnSp>
+        <p:nvCxnSpPr>
+          <p:cNvPr id="6" name="直線接點 5"/>
+          <p:cNvCxnSpPr/>
+          <p:nvPr/>
+        </p:nvCxnSpPr>
+        <p:spPr>
+          <a:xfrm>
+            <a:off x="6777037" y="4538662"/>
+            <a:ext cx="3714750" cy="0"/>
+          </a:xfrm>
+          <a:prstGeom prst="line">
+            <a:avLst/>
+          </a:prstGeom>
+          <a:ln w="38100">
+            <a:solidFill>
+              <a:srgbClr val="7030A0"/>
+            </a:solidFill>
+          </a:ln>
+        </p:spPr>
+        <p:style>
+          <a:lnRef idx="1">
+            <a:schemeClr val="accent1"/>
+          </a:lnRef>
+          <a:fillRef idx="0">
+            <a:schemeClr val="accent1"/>
+          </a:fillRef>
+          <a:effectRef idx="0">
+            <a:schemeClr val="accent1"/>
+          </a:effectRef>
+          <a:fontRef idx="minor">
+            <a:schemeClr val="tx1"/>
+          </a:fontRef>
+        </p:style>
+      </p:cxnSp>
+      <p:cxnSp>
+        <p:nvCxnSpPr>
+          <p:cNvPr id="7" name="直線接點 6"/>
+          <p:cNvCxnSpPr/>
+          <p:nvPr/>
+        </p:nvCxnSpPr>
+        <p:spPr>
+          <a:xfrm>
+            <a:off x="6777037" y="3148012"/>
+            <a:ext cx="3714750" cy="0"/>
+          </a:xfrm>
+          <a:prstGeom prst="line">
+            <a:avLst/>
+          </a:prstGeom>
+          <a:ln w="38100">
+            <a:solidFill>
+              <a:schemeClr val="accent6">
+                <a:lumMod val="50000"/>
+              </a:schemeClr>
+            </a:solidFill>
+          </a:ln>
+        </p:spPr>
+        <p:style>
+          <a:lnRef idx="1">
+            <a:schemeClr val="accent1"/>
+          </a:lnRef>
+          <a:fillRef idx="0">
+            <a:schemeClr val="accent1"/>
+          </a:fillRef>
+          <a:effectRef idx="0">
+            <a:schemeClr val="accent1"/>
+          </a:effectRef>
+          <a:fontRef idx="minor">
+            <a:schemeClr val="tx1"/>
+          </a:fontRef>
+        </p:style>
+      </p:cxnSp>
+      <p:sp>
+        <p:nvSpPr>
+          <p:cNvPr id="8" name="文字方塊 7"/>
+          <p:cNvSpPr txBox="1"/>
+          <p:nvPr/>
+        </p:nvSpPr>
+        <p:spPr>
+          <a:xfrm>
+            <a:off x="10491787" y="2876549"/>
+            <a:ext cx="1943100" cy="492443"/>
+          </a:xfrm>
+          <a:prstGeom prst="rect">
+            <a:avLst/>
+          </a:prstGeom>
+          <a:noFill/>
+        </p:spPr>
+        <p:txBody>
+          <a:bodyPr wrap="square" lIns="0" tIns="0" rIns="0" bIns="0" rtlCol="0">
+            <a:spAutoFit/>
+          </a:bodyPr>
+          <a:lstStyle/>
+          <a:p>
+            <a:r>
+              <a:rPr kumimoji="1" lang="en-US" altLang="zh-TW" sz="3200" b="1" dirty="0" smtClean="0">
+                <a:solidFill>
+                  <a:schemeClr val="accent6">
+                    <a:lumMod val="75000"/>
+                  </a:schemeClr>
+                </a:solidFill>
+              </a:rPr>
+              <a:t>8.221keV</a:t>
+            </a:r>
+            <a:endParaRPr kumimoji="1" lang="zh-TW" altLang="en-US" sz="3200" b="1" dirty="0">
+              <a:solidFill>
+                <a:schemeClr val="accent6">
+                  <a:lumMod val="75000"/>
+                </a:schemeClr>
+              </a:solidFill>
+            </a:endParaRPr>
+          </a:p>
+        </p:txBody>
+      </p:sp>
+      <p:sp>
+        <p:nvSpPr>
+          <p:cNvPr id="9" name="文字方塊 8"/>
+          <p:cNvSpPr txBox="1"/>
+          <p:nvPr/>
+        </p:nvSpPr>
+        <p:spPr>
+          <a:xfrm>
+            <a:off x="10491787" y="4287598"/>
+            <a:ext cx="1943100" cy="492443"/>
+          </a:xfrm>
+          <a:prstGeom prst="rect">
+            <a:avLst/>
+          </a:prstGeom>
+          <a:noFill/>
+        </p:spPr>
+        <p:txBody>
+          <a:bodyPr wrap="square" lIns="0" tIns="0" rIns="0" bIns="0" rtlCol="0">
+            <a:spAutoFit/>
+          </a:bodyPr>
+          <a:lstStyle/>
+          <a:p>
+            <a:r>
+              <a:rPr kumimoji="1" lang="en-US" altLang="zh-TW" sz="3200" b="1" dirty="0" smtClean="0">
+                <a:solidFill>
+                  <a:srgbClr val="7030A0"/>
+                </a:solidFill>
+              </a:rPr>
+              <a:t>5.64eV</a:t>
+            </a:r>
+            <a:endParaRPr kumimoji="1" lang="zh-TW" altLang="en-US" sz="3200" b="1" dirty="0">
+              <a:solidFill>
+                <a:srgbClr val="7030A0"/>
+              </a:solidFill>
+            </a:endParaRPr>
+          </a:p>
+        </p:txBody>
+      </p:sp>
+      <mc:AlternateContent xmlns:mc="http://schemas.openxmlformats.org/markup-compatibility/2006" xmlns:a14="http://schemas.microsoft.com/office/drawing/2010/main">
+        <mc:Choice Requires="a14">
+          <p:sp>
+            <p:nvSpPr>
+              <p:cNvPr id="12" name="文字方塊 11"/>
+              <p:cNvSpPr txBox="1"/>
+              <p:nvPr/>
+            </p:nvSpPr>
+            <p:spPr>
+              <a:xfrm>
+                <a:off x="-295275" y="2687676"/>
                 <a:ext cx="6606398" cy="2684068"/>
               </a:xfrm>
               <a:prstGeom prst="rect">
@@ -4592,6 +7770,7 @@
               </a:bodyPr>
               <a:lstStyle/>
               <a:p>
+                <a:pPr/>
                 <a14:m>
                   <m:oMathPara xmlns:m="http://schemas.openxmlformats.org/officeDocument/2006/math">
                     <m:oMathParaPr>
@@ -4819,7 +7998,1775 @@
             </p:txBody>
           </p:sp>
         </mc:Choice>
-        <mc:Fallback>
+        <mc:Fallback xmlns="">
+          <p:sp>
+            <p:nvSpPr>
+              <p:cNvPr id="12" name="文字方塊 11"/>
+              <p:cNvSpPr txBox="1">
+                <a:spLocks noRot="1" noChangeAspect="1" noMove="1" noResize="1" noEditPoints="1" noAdjustHandles="1" noChangeArrowheads="1" noChangeShapeType="1" noTextEdit="1"/>
+              </p:cNvSpPr>
+              <p:nvPr/>
+            </p:nvSpPr>
+            <p:spPr>
+              <a:xfrm>
+                <a:off x="-295275" y="2687676"/>
+                <a:ext cx="6606398" cy="2684068"/>
+              </a:xfrm>
+              <a:prstGeom prst="rect">
+                <a:avLst/>
+              </a:prstGeom>
+              <a:blipFill rotWithShape="0">
+                <a:blip r:embed="rId3"/>
+                <a:stretch>
+                  <a:fillRect/>
+                </a:stretch>
+              </a:blipFill>
+            </p:spPr>
+            <p:txBody>
+              <a:bodyPr/>
+              <a:lstStyle/>
+              <a:p>
+                <a:r>
+                  <a:rPr lang="zh-TW" altLang="en-US">
+                    <a:noFill/>
+                  </a:rPr>
+                  <a:t> </a:t>
+                </a:r>
+              </a:p>
+            </p:txBody>
+          </p:sp>
+        </mc:Fallback>
+      </mc:AlternateContent>
+    </p:spTree>
+    <p:extLst>
+      <p:ext uri="{BB962C8B-B14F-4D97-AF65-F5344CB8AC3E}">
+        <p14:creationId xmlns:p14="http://schemas.microsoft.com/office/powerpoint/2010/main" val="1884447576"/>
+      </p:ext>
+    </p:extLst>
+  </p:cSld>
+  <p:clrMapOvr>
+    <a:masterClrMapping/>
+  </p:clrMapOvr>
+  <p:timing>
+    <p:tnLst>
+      <p:par>
+        <p:cTn id="1" dur="indefinite" restart="never" nodeType="tmRoot"/>
+      </p:par>
+    </p:tnLst>
+  </p:timing>
+</p:sld>
+</file>
+
+<file path=ppt/slides/slide2.xml><?xml version="1.0" encoding="utf-8"?>
+<p:sld xmlns:a="http://schemas.openxmlformats.org/drawingml/2006/main" xmlns:r="http://schemas.openxmlformats.org/officeDocument/2006/relationships" xmlns:p="http://schemas.openxmlformats.org/presentationml/2006/main">
+  <p:cSld>
+    <p:spTree>
+      <p:nvGrpSpPr>
+        <p:cNvPr id="1" name=""/>
+        <p:cNvGrpSpPr/>
+        <p:nvPr/>
+      </p:nvGrpSpPr>
+      <p:grpSpPr>
+        <a:xfrm>
+          <a:off x="0" y="0"/>
+          <a:ext cx="0" cy="0"/>
+          <a:chOff x="0" y="0"/>
+          <a:chExt cx="0" cy="0"/>
+        </a:xfrm>
+      </p:grpSpPr>
+      <p:sp>
+        <p:nvSpPr>
+          <p:cNvPr id="2" name="標題 1"/>
+          <p:cNvSpPr>
+            <a:spLocks noGrp="1"/>
+          </p:cNvSpPr>
+          <p:nvPr>
+            <p:ph type="title"/>
+          </p:nvPr>
+        </p:nvSpPr>
+        <p:spPr/>
+        <p:txBody>
+          <a:bodyPr/>
+          <a:lstStyle/>
+          <a:p>
+            <a:r>
+              <a:rPr kumimoji="1" lang="en-US" altLang="zh-TW" dirty="0" smtClean="0"/>
+              <a:t>The reminder of the previous results</a:t>
+            </a:r>
+            <a:endParaRPr kumimoji="1" lang="zh-TW" altLang="en-US" dirty="0"/>
+          </a:p>
+        </p:txBody>
+      </p:sp>
+      <p:sp>
+        <p:nvSpPr>
+          <p:cNvPr id="3" name="內容版面配置區 2"/>
+          <p:cNvSpPr>
+            <a:spLocks noGrp="1"/>
+          </p:cNvSpPr>
+          <p:nvPr>
+            <p:ph idx="1"/>
+          </p:nvPr>
+        </p:nvSpPr>
+        <p:spPr/>
+        <p:txBody>
+          <a:bodyPr/>
+          <a:lstStyle/>
+          <a:p>
+            <a:r>
+              <a:rPr kumimoji="1" lang="en-US" altLang="zh-TW" dirty="0" smtClean="0"/>
+              <a:t>At the first place, the ionization rates of electron and hole were predicted by some of the formulae: </a:t>
+            </a:r>
+            <a:endParaRPr kumimoji="1" lang="zh-TW" altLang="en-US" dirty="0"/>
+          </a:p>
+        </p:txBody>
+      </p:sp>
+      <p:pic>
+        <p:nvPicPr>
+          <p:cNvPr id="4" name="圖片 3"/>
+          <p:cNvPicPr>
+            <a:picLocks noChangeAspect="1"/>
+          </p:cNvPicPr>
+          <p:nvPr/>
+        </p:nvPicPr>
+        <p:blipFill>
+          <a:blip r:embed="rId2">
+            <a:extLst>
+              <a:ext uri="{28A0092B-C50C-407E-A947-70E740481C1C}">
+                <a14:useLocalDpi xmlns:a14="http://schemas.microsoft.com/office/drawing/2010/main" val="0"/>
+              </a:ext>
+            </a:extLst>
+          </a:blip>
+          <a:stretch>
+            <a:fillRect/>
+          </a:stretch>
+        </p:blipFill>
+        <p:spPr>
+          <a:xfrm>
+            <a:off x="215900" y="2919768"/>
+            <a:ext cx="4127500" cy="3938232"/>
+          </a:xfrm>
+          <a:prstGeom prst="rect">
+            <a:avLst/>
+          </a:prstGeom>
+        </p:spPr>
+      </p:pic>
+      <p:pic>
+        <p:nvPicPr>
+          <p:cNvPr id="5" name="圖片 4"/>
+          <p:cNvPicPr>
+            <a:picLocks noChangeAspect="1"/>
+          </p:cNvPicPr>
+          <p:nvPr/>
+        </p:nvPicPr>
+        <p:blipFill>
+          <a:blip r:embed="rId3">
+            <a:extLst>
+              <a:ext uri="{28A0092B-C50C-407E-A947-70E740481C1C}">
+                <a14:useLocalDpi xmlns:a14="http://schemas.microsoft.com/office/drawing/2010/main" val="0"/>
+              </a:ext>
+            </a:extLst>
+          </a:blip>
+          <a:stretch>
+            <a:fillRect/>
+          </a:stretch>
+        </p:blipFill>
+        <p:spPr>
+          <a:xfrm>
+            <a:off x="4081861" y="2919768"/>
+            <a:ext cx="4127500" cy="3938232"/>
+          </a:xfrm>
+          <a:prstGeom prst="rect">
+            <a:avLst/>
+          </a:prstGeom>
+        </p:spPr>
+      </p:pic>
+      <p:sp>
+        <p:nvSpPr>
+          <p:cNvPr id="6" name="文字方塊 5"/>
+          <p:cNvSpPr txBox="1"/>
+          <p:nvPr/>
+        </p:nvSpPr>
+        <p:spPr>
+          <a:xfrm>
+            <a:off x="7799295" y="3376078"/>
+            <a:ext cx="4800600" cy="2585323"/>
+          </a:xfrm>
+          <a:prstGeom prst="rect">
+            <a:avLst/>
+          </a:prstGeom>
+          <a:noFill/>
+        </p:spPr>
+        <p:txBody>
+          <a:bodyPr wrap="square" rtlCol="0">
+            <a:spAutoFit/>
+          </a:bodyPr>
+          <a:lstStyle/>
+          <a:p>
+            <a:r>
+              <a:rPr kumimoji="1" lang="en-US" altLang="zh-TW" dirty="0" smtClean="0">
+                <a:latin typeface="Arial" charset="0"/>
+                <a:ea typeface="Arial" charset="0"/>
+                <a:cs typeface="Arial" charset="0"/>
+              </a:rPr>
+              <a:t>Ionization rate</a:t>
+            </a:r>
+          </a:p>
+          <a:p>
+            <a:pPr marL="285750" indent="-285750">
+              <a:buFont typeface="Wingdings" charset="2"/>
+              <a:buChar char="è"/>
+            </a:pPr>
+            <a:r>
+              <a:rPr kumimoji="1" lang="en-US" altLang="zh-TW" dirty="0" smtClean="0">
+                <a:latin typeface="Arial" charset="0"/>
+                <a:ea typeface="Arial" charset="0"/>
+                <a:cs typeface="Arial" charset="0"/>
+                <a:sym typeface="Wingdings"/>
+              </a:rPr>
+              <a:t>Give us the “Gain” in the end. </a:t>
+            </a:r>
+          </a:p>
+          <a:p>
+            <a:pPr marL="285750" indent="-285750">
+              <a:buFont typeface="Wingdings" charset="2"/>
+              <a:buChar char="è"/>
+            </a:pPr>
+            <a:r>
+              <a:rPr kumimoji="1" lang="en-US" altLang="zh-TW" dirty="0" smtClean="0">
+                <a:latin typeface="Arial" charset="0"/>
+                <a:ea typeface="Arial" charset="0"/>
+                <a:cs typeface="Arial" charset="0"/>
+                <a:sym typeface="Wingdings"/>
+              </a:rPr>
+              <a:t>Great! But what‘s the next?</a:t>
+            </a:r>
+          </a:p>
+          <a:p>
+            <a:pPr marL="285750" indent="-285750">
+              <a:buFont typeface="Wingdings" charset="2"/>
+              <a:buChar char="è"/>
+            </a:pPr>
+            <a:endParaRPr kumimoji="1" lang="en-US" altLang="zh-TW" dirty="0" smtClean="0">
+              <a:latin typeface="Arial" charset="0"/>
+              <a:ea typeface="Arial" charset="0"/>
+              <a:cs typeface="Arial" charset="0"/>
+              <a:sym typeface="Wingdings"/>
+            </a:endParaRPr>
+          </a:p>
+          <a:p>
+            <a:pPr marL="285750" indent="-285750">
+              <a:buFont typeface="Wingdings" charset="2"/>
+              <a:buChar char="è"/>
+            </a:pPr>
+            <a:r>
+              <a:rPr kumimoji="1" lang="en-US" altLang="zh-TW" b="1" dirty="0" smtClean="0">
+                <a:solidFill>
+                  <a:srgbClr val="FF0000"/>
+                </a:solidFill>
+                <a:latin typeface="Arial" charset="0"/>
+                <a:ea typeface="Arial" charset="0"/>
+                <a:cs typeface="Arial" charset="0"/>
+                <a:sym typeface="Wingdings"/>
+              </a:rPr>
+              <a:t>Debut of our “BKG”!!</a:t>
+            </a:r>
+          </a:p>
+          <a:p>
+            <a:pPr marL="285750" indent="-285750">
+              <a:buFont typeface="Wingdings" charset="2"/>
+              <a:buChar char="è"/>
+            </a:pPr>
+            <a:endParaRPr kumimoji="1" lang="en-US" altLang="zh-TW" b="1" dirty="0">
+              <a:solidFill>
+                <a:srgbClr val="FF0000"/>
+              </a:solidFill>
+              <a:latin typeface="Arial" charset="0"/>
+              <a:ea typeface="Arial" charset="0"/>
+              <a:cs typeface="Arial" charset="0"/>
+              <a:sym typeface="Wingdings"/>
+            </a:endParaRPr>
+          </a:p>
+          <a:p>
+            <a:pPr marL="285750" indent="-285750">
+              <a:buFont typeface="Wingdings" charset="2"/>
+              <a:buChar char="è"/>
+            </a:pPr>
+            <a:r>
+              <a:rPr kumimoji="1" lang="en-US" altLang="zh-TW" b="1" dirty="0" smtClean="0">
+                <a:latin typeface="Arial" charset="0"/>
+                <a:ea typeface="Arial" charset="0"/>
+                <a:cs typeface="Arial" charset="0"/>
+                <a:sym typeface="Wingdings"/>
+              </a:rPr>
+              <a:t>Umm</a:t>
+            </a:r>
+            <a:r>
+              <a:rPr kumimoji="1" lang="mr-IN" altLang="zh-TW" b="1" dirty="0" smtClean="0">
+                <a:latin typeface="Arial" charset="0"/>
+                <a:ea typeface="Arial" charset="0"/>
+                <a:cs typeface="Arial" charset="0"/>
+                <a:sym typeface="Wingdings"/>
+              </a:rPr>
+              <a:t>…</a:t>
+            </a:r>
+            <a:r>
+              <a:rPr kumimoji="1" lang="en-US" altLang="zh-TW" b="1" dirty="0" smtClean="0">
+                <a:latin typeface="Arial" charset="0"/>
+                <a:ea typeface="Arial" charset="0"/>
+                <a:cs typeface="Arial" charset="0"/>
+                <a:sym typeface="Wingdings"/>
+              </a:rPr>
+              <a:t>It seems complicated!</a:t>
+            </a:r>
+          </a:p>
+          <a:p>
+            <a:pPr marL="285750" indent="-285750">
+              <a:buFont typeface="Wingdings" charset="2"/>
+              <a:buChar char="è"/>
+            </a:pPr>
+            <a:endParaRPr kumimoji="1" lang="en-US" altLang="zh-TW" b="1" dirty="0">
+              <a:solidFill>
+                <a:srgbClr val="FF0000"/>
+              </a:solidFill>
+              <a:latin typeface="Arial" charset="0"/>
+              <a:ea typeface="Arial" charset="0"/>
+              <a:cs typeface="Arial" charset="0"/>
+              <a:sym typeface="Wingdings"/>
+            </a:endParaRPr>
+          </a:p>
+          <a:p>
+            <a:pPr marL="285750" indent="-285750">
+              <a:buFont typeface="Wingdings" charset="2"/>
+              <a:buChar char="è"/>
+            </a:pPr>
+            <a:r>
+              <a:rPr kumimoji="1" lang="en-US" altLang="zh-TW" b="1" dirty="0" smtClean="0">
+                <a:solidFill>
+                  <a:srgbClr val="FF0000"/>
+                </a:solidFill>
+                <a:latin typeface="Arial" charset="0"/>
+                <a:ea typeface="Arial" charset="0"/>
+                <a:cs typeface="Arial" charset="0"/>
+                <a:sym typeface="Wingdings"/>
+              </a:rPr>
+              <a:t>Let me map out the blueprint first!</a:t>
+            </a:r>
+            <a:endParaRPr kumimoji="1" lang="en-US" altLang="zh-TW" b="1" dirty="0">
+              <a:solidFill>
+                <a:srgbClr val="FF0000"/>
+              </a:solidFill>
+              <a:latin typeface="Arial" charset="0"/>
+              <a:ea typeface="Arial" charset="0"/>
+              <a:cs typeface="Arial" charset="0"/>
+              <a:sym typeface="Wingdings"/>
+            </a:endParaRPr>
+          </a:p>
+        </p:txBody>
+      </p:sp>
+      <p:sp>
+        <p:nvSpPr>
+          <p:cNvPr id="7" name="文字方塊 6"/>
+          <p:cNvSpPr txBox="1"/>
+          <p:nvPr/>
+        </p:nvSpPr>
+        <p:spPr>
+          <a:xfrm>
+            <a:off x="776499" y="2735102"/>
+            <a:ext cx="2994212" cy="369332"/>
+          </a:xfrm>
+          <a:prstGeom prst="rect">
+            <a:avLst/>
+          </a:prstGeom>
+          <a:noFill/>
+        </p:spPr>
+        <p:txBody>
+          <a:bodyPr wrap="square" rtlCol="0">
+            <a:spAutoFit/>
+          </a:bodyPr>
+          <a:lstStyle/>
+          <a:p>
+            <a:pPr algn="ctr"/>
+            <a:r>
+              <a:rPr kumimoji="1" lang="en-US" altLang="zh-TW" b="1" dirty="0" smtClean="0">
+                <a:solidFill>
+                  <a:srgbClr val="7030A0"/>
+                </a:solidFill>
+                <a:latin typeface="Arial" charset="0"/>
+                <a:ea typeface="Arial" charset="0"/>
+                <a:cs typeface="Arial" charset="0"/>
+              </a:rPr>
+              <a:t>Signal(Ge)</a:t>
+            </a:r>
+            <a:endParaRPr kumimoji="1" lang="zh-TW" altLang="en-US" b="1" dirty="0">
+              <a:solidFill>
+                <a:srgbClr val="7030A0"/>
+              </a:solidFill>
+              <a:latin typeface="Arial" charset="0"/>
+              <a:ea typeface="Arial" charset="0"/>
+              <a:cs typeface="Arial" charset="0"/>
+            </a:endParaRPr>
+          </a:p>
+        </p:txBody>
+      </p:sp>
+      <p:sp>
+        <p:nvSpPr>
+          <p:cNvPr id="8" name="文字方塊 7"/>
+          <p:cNvSpPr txBox="1"/>
+          <p:nvPr/>
+        </p:nvSpPr>
+        <p:spPr>
+          <a:xfrm>
+            <a:off x="4654550" y="2727753"/>
+            <a:ext cx="2994212" cy="369332"/>
+          </a:xfrm>
+          <a:prstGeom prst="rect">
+            <a:avLst/>
+          </a:prstGeom>
+          <a:noFill/>
+        </p:spPr>
+        <p:txBody>
+          <a:bodyPr wrap="square" rtlCol="0">
+            <a:spAutoFit/>
+          </a:bodyPr>
+          <a:lstStyle/>
+          <a:p>
+            <a:pPr algn="ctr"/>
+            <a:r>
+              <a:rPr kumimoji="1" lang="en-US" altLang="zh-TW" b="1" dirty="0" smtClean="0">
+                <a:solidFill>
+                  <a:srgbClr val="7030A0"/>
+                </a:solidFill>
+                <a:latin typeface="Arial" charset="0"/>
+                <a:ea typeface="Arial" charset="0"/>
+                <a:cs typeface="Arial" charset="0"/>
+              </a:rPr>
+              <a:t>Signal(Impurities)</a:t>
+            </a:r>
+            <a:endParaRPr kumimoji="1" lang="zh-TW" altLang="en-US" b="1" dirty="0">
+              <a:solidFill>
+                <a:srgbClr val="7030A0"/>
+              </a:solidFill>
+              <a:latin typeface="Arial" charset="0"/>
+              <a:ea typeface="Arial" charset="0"/>
+              <a:cs typeface="Arial" charset="0"/>
+            </a:endParaRPr>
+          </a:p>
+        </p:txBody>
+      </p:sp>
+    </p:spTree>
+    <p:extLst>
+      <p:ext uri="{BB962C8B-B14F-4D97-AF65-F5344CB8AC3E}">
+        <p14:creationId xmlns:p14="http://schemas.microsoft.com/office/powerpoint/2010/main" val="1115696311"/>
+      </p:ext>
+    </p:extLst>
+  </p:cSld>
+  <p:clrMapOvr>
+    <a:masterClrMapping/>
+  </p:clrMapOvr>
+  <p:timing>
+    <p:tnLst>
+      <p:par>
+        <p:cTn id="1" dur="indefinite" restart="never" nodeType="tmRoot"/>
+      </p:par>
+    </p:tnLst>
+  </p:timing>
+</p:sld>
+</file>
+
+<file path=ppt/slides/slide3.xml><?xml version="1.0" encoding="utf-8"?>
+<p:sld xmlns:a="http://schemas.openxmlformats.org/drawingml/2006/main" xmlns:r="http://schemas.openxmlformats.org/officeDocument/2006/relationships" xmlns:p="http://schemas.openxmlformats.org/presentationml/2006/main">
+  <p:cSld>
+    <p:spTree>
+      <p:nvGrpSpPr>
+        <p:cNvPr id="1" name=""/>
+        <p:cNvGrpSpPr/>
+        <p:nvPr/>
+      </p:nvGrpSpPr>
+      <p:grpSpPr>
+        <a:xfrm>
+          <a:off x="0" y="0"/>
+          <a:ext cx="0" cy="0"/>
+          <a:chOff x="0" y="0"/>
+          <a:chExt cx="0" cy="0"/>
+        </a:xfrm>
+      </p:grpSpPr>
+      <p:sp>
+        <p:nvSpPr>
+          <p:cNvPr id="2" name="標題 1"/>
+          <p:cNvSpPr>
+            <a:spLocks noGrp="1"/>
+          </p:cNvSpPr>
+          <p:nvPr>
+            <p:ph type="title"/>
+          </p:nvPr>
+        </p:nvSpPr>
+        <p:spPr/>
+        <p:txBody>
+          <a:bodyPr/>
+          <a:lstStyle/>
+          <a:p>
+            <a:r>
+              <a:rPr kumimoji="1" lang="en-US" altLang="zh-TW" dirty="0" smtClean="0"/>
+              <a:t>Three steps</a:t>
+            </a:r>
+            <a:endParaRPr kumimoji="1" lang="zh-TW" altLang="en-US" dirty="0"/>
+          </a:p>
+        </p:txBody>
+      </p:sp>
+      <p:sp>
+        <p:nvSpPr>
+          <p:cNvPr id="4" name="橢圓 3"/>
+          <p:cNvSpPr/>
+          <p:nvPr/>
+        </p:nvSpPr>
+        <p:spPr>
+          <a:xfrm>
+            <a:off x="588131" y="1492983"/>
+            <a:ext cx="2457450" cy="2457450"/>
+          </a:xfrm>
+          <a:prstGeom prst="ellipse">
+            <a:avLst/>
+          </a:prstGeom>
+          <a:solidFill>
+            <a:schemeClr val="accent2">
+              <a:alpha val="76000"/>
+            </a:schemeClr>
+          </a:solidFill>
+        </p:spPr>
+        <p:style>
+          <a:lnRef idx="2">
+            <a:schemeClr val="accent1">
+              <a:shade val="50000"/>
+            </a:schemeClr>
+          </a:lnRef>
+          <a:fillRef idx="1">
+            <a:schemeClr val="accent1"/>
+          </a:fillRef>
+          <a:effectRef idx="0">
+            <a:schemeClr val="accent1"/>
+          </a:effectRef>
+          <a:fontRef idx="minor">
+            <a:schemeClr val="lt1"/>
+          </a:fontRef>
+        </p:style>
+        <p:txBody>
+          <a:bodyPr rtlCol="0" anchor="ctr"/>
+          <a:lstStyle/>
+          <a:p>
+            <a:pPr algn="ctr"/>
+            <a:endParaRPr kumimoji="1" lang="zh-TW" altLang="en-US"/>
+          </a:p>
+        </p:txBody>
+      </p:sp>
+      <p:sp>
+        <p:nvSpPr>
+          <p:cNvPr id="5" name="文字方塊 4"/>
+          <p:cNvSpPr txBox="1"/>
+          <p:nvPr/>
+        </p:nvSpPr>
+        <p:spPr>
+          <a:xfrm>
+            <a:off x="733425" y="2471885"/>
+            <a:ext cx="2667000" cy="461665"/>
+          </a:xfrm>
+          <a:prstGeom prst="rect">
+            <a:avLst/>
+          </a:prstGeom>
+          <a:noFill/>
+        </p:spPr>
+        <p:txBody>
+          <a:bodyPr wrap="square" rtlCol="0">
+            <a:spAutoFit/>
+          </a:bodyPr>
+          <a:lstStyle/>
+          <a:p>
+            <a:r>
+              <a:rPr kumimoji="1" lang="en-US" altLang="zh-TW" sz="2400" dirty="0" smtClean="0"/>
+              <a:t>SIG estimation</a:t>
+            </a:r>
+            <a:endParaRPr kumimoji="1" lang="zh-TW" altLang="en-US" sz="2400" dirty="0"/>
+          </a:p>
+        </p:txBody>
+      </p:sp>
+      <p:sp>
+        <p:nvSpPr>
+          <p:cNvPr id="6" name="文字方塊 5"/>
+          <p:cNvSpPr txBox="1"/>
+          <p:nvPr/>
+        </p:nvSpPr>
+        <p:spPr>
+          <a:xfrm>
+            <a:off x="228600" y="3931442"/>
+            <a:ext cx="3257550" cy="830997"/>
+          </a:xfrm>
+          <a:prstGeom prst="rect">
+            <a:avLst/>
+          </a:prstGeom>
+          <a:noFill/>
+        </p:spPr>
+        <p:txBody>
+          <a:bodyPr wrap="square" rtlCol="0">
+            <a:spAutoFit/>
+          </a:bodyPr>
+          <a:lstStyle/>
+          <a:p>
+            <a:pPr algn="ctr"/>
+            <a:r>
+              <a:rPr kumimoji="1" lang="en-US" altLang="zh-TW" sz="2400" b="1" dirty="0" smtClean="0">
+                <a:solidFill>
+                  <a:srgbClr val="FF0000"/>
+                </a:solidFill>
+              </a:rPr>
+              <a:t>Ionization rate</a:t>
+            </a:r>
+          </a:p>
+          <a:p>
+            <a:pPr algn="ctr"/>
+            <a:r>
+              <a:rPr kumimoji="1" lang="en-US" altLang="zh-TW" sz="2400" b="1" dirty="0" smtClean="0">
+                <a:solidFill>
+                  <a:srgbClr val="FF0000"/>
+                </a:solidFill>
+              </a:rPr>
+              <a:t>Gain(E,T)</a:t>
+            </a:r>
+            <a:endParaRPr kumimoji="1" lang="zh-TW" altLang="en-US" sz="2400" b="1" dirty="0">
+              <a:solidFill>
+                <a:srgbClr val="FF0000"/>
+              </a:solidFill>
+            </a:endParaRPr>
+          </a:p>
+        </p:txBody>
+      </p:sp>
+      <p:sp>
+        <p:nvSpPr>
+          <p:cNvPr id="7" name="向下箭號 6"/>
+          <p:cNvSpPr/>
+          <p:nvPr/>
+        </p:nvSpPr>
+        <p:spPr>
+          <a:xfrm>
+            <a:off x="1566788" y="4762439"/>
+            <a:ext cx="500137" cy="1009711"/>
+          </a:xfrm>
+          <a:prstGeom prst="downArrow">
+            <a:avLst/>
+          </a:prstGeom>
+        </p:spPr>
+        <p:style>
+          <a:lnRef idx="2">
+            <a:schemeClr val="accent1">
+              <a:shade val="50000"/>
+            </a:schemeClr>
+          </a:lnRef>
+          <a:fillRef idx="1">
+            <a:schemeClr val="accent1"/>
+          </a:fillRef>
+          <a:effectRef idx="0">
+            <a:schemeClr val="accent1"/>
+          </a:effectRef>
+          <a:fontRef idx="minor">
+            <a:schemeClr val="lt1"/>
+          </a:fontRef>
+        </p:style>
+        <p:txBody>
+          <a:bodyPr rtlCol="0" anchor="ctr"/>
+          <a:lstStyle/>
+          <a:p>
+            <a:pPr algn="ctr"/>
+            <a:endParaRPr kumimoji="1" lang="zh-TW" altLang="en-US"/>
+          </a:p>
+        </p:txBody>
+      </p:sp>
+      <p:sp>
+        <p:nvSpPr>
+          <p:cNvPr id="8" name="文字方塊 7"/>
+          <p:cNvSpPr txBox="1"/>
+          <p:nvPr/>
+        </p:nvSpPr>
+        <p:spPr>
+          <a:xfrm>
+            <a:off x="-57150" y="5760331"/>
+            <a:ext cx="3829050" cy="1015663"/>
+          </a:xfrm>
+          <a:prstGeom prst="rect">
+            <a:avLst/>
+          </a:prstGeom>
+          <a:noFill/>
+        </p:spPr>
+        <p:txBody>
+          <a:bodyPr wrap="square" rtlCol="0">
+            <a:spAutoFit/>
+          </a:bodyPr>
+          <a:lstStyle/>
+          <a:p>
+            <a:pPr algn="ctr"/>
+            <a:r>
+              <a:rPr kumimoji="1" lang="en-US" altLang="zh-TW" sz="2000" b="1" dirty="0" smtClean="0"/>
+              <a:t>Know our predicted gain for signal</a:t>
+            </a:r>
+          </a:p>
+          <a:p>
+            <a:pPr algn="ctr"/>
+            <a:r>
+              <a:rPr kumimoji="1" lang="en-US" altLang="zh-TW" sz="2000" b="1" dirty="0" smtClean="0"/>
+              <a:t>Under the certain T and E</a:t>
+            </a:r>
+          </a:p>
+          <a:p>
+            <a:pPr algn="ctr"/>
+            <a:endParaRPr kumimoji="1" lang="zh-TW" altLang="en-US" sz="2000" b="1" dirty="0"/>
+          </a:p>
+        </p:txBody>
+      </p:sp>
+      <p:sp>
+        <p:nvSpPr>
+          <p:cNvPr id="9" name="橢圓 8"/>
+          <p:cNvSpPr/>
+          <p:nvPr/>
+        </p:nvSpPr>
+        <p:spPr>
+          <a:xfrm>
+            <a:off x="4417181" y="1492983"/>
+            <a:ext cx="2457450" cy="2457450"/>
+          </a:xfrm>
+          <a:prstGeom prst="ellipse">
+            <a:avLst/>
+          </a:prstGeom>
+          <a:solidFill>
+            <a:schemeClr val="accent2">
+              <a:alpha val="76000"/>
+            </a:schemeClr>
+          </a:solidFill>
+        </p:spPr>
+        <p:style>
+          <a:lnRef idx="2">
+            <a:schemeClr val="accent1">
+              <a:shade val="50000"/>
+            </a:schemeClr>
+          </a:lnRef>
+          <a:fillRef idx="1">
+            <a:schemeClr val="accent1"/>
+          </a:fillRef>
+          <a:effectRef idx="0">
+            <a:schemeClr val="accent1"/>
+          </a:effectRef>
+          <a:fontRef idx="minor">
+            <a:schemeClr val="lt1"/>
+          </a:fontRef>
+        </p:style>
+        <p:txBody>
+          <a:bodyPr rtlCol="0" anchor="ctr"/>
+          <a:lstStyle/>
+          <a:p>
+            <a:pPr algn="ctr"/>
+            <a:endParaRPr kumimoji="1" lang="zh-TW" altLang="en-US"/>
+          </a:p>
+        </p:txBody>
+      </p:sp>
+      <p:sp>
+        <p:nvSpPr>
+          <p:cNvPr id="10" name="文字方塊 9"/>
+          <p:cNvSpPr txBox="1"/>
+          <p:nvPr/>
+        </p:nvSpPr>
+        <p:spPr>
+          <a:xfrm>
+            <a:off x="4562475" y="2471885"/>
+            <a:ext cx="2667000" cy="461665"/>
+          </a:xfrm>
+          <a:prstGeom prst="rect">
+            <a:avLst/>
+          </a:prstGeom>
+          <a:noFill/>
+        </p:spPr>
+        <p:txBody>
+          <a:bodyPr wrap="square" rtlCol="0">
+            <a:spAutoFit/>
+          </a:bodyPr>
+          <a:lstStyle/>
+          <a:p>
+            <a:r>
+              <a:rPr kumimoji="1" lang="en-US" altLang="zh-TW" sz="2400" dirty="0" smtClean="0"/>
+              <a:t>BKG estimation</a:t>
+            </a:r>
+            <a:endParaRPr kumimoji="1" lang="zh-TW" altLang="en-US" sz="2400" dirty="0"/>
+          </a:p>
+        </p:txBody>
+      </p:sp>
+      <p:sp>
+        <p:nvSpPr>
+          <p:cNvPr id="11" name="文字方塊 10"/>
+          <p:cNvSpPr txBox="1"/>
+          <p:nvPr/>
+        </p:nvSpPr>
+        <p:spPr>
+          <a:xfrm>
+            <a:off x="4057650" y="3931442"/>
+            <a:ext cx="3257550" cy="830997"/>
+          </a:xfrm>
+          <a:prstGeom prst="rect">
+            <a:avLst/>
+          </a:prstGeom>
+          <a:noFill/>
+        </p:spPr>
+        <p:txBody>
+          <a:bodyPr wrap="square" rtlCol="0">
+            <a:spAutoFit/>
+          </a:bodyPr>
+          <a:lstStyle/>
+          <a:p>
+            <a:pPr algn="ctr"/>
+            <a:r>
+              <a:rPr kumimoji="1" lang="en-US" altLang="zh-TW" sz="2400" b="1" dirty="0" smtClean="0">
+                <a:solidFill>
+                  <a:srgbClr val="FF0000"/>
+                </a:solidFill>
+              </a:rPr>
+              <a:t>Theory of BKG</a:t>
+            </a:r>
+          </a:p>
+          <a:p>
+            <a:pPr algn="ctr"/>
+            <a:r>
+              <a:rPr kumimoji="1" lang="en-US" altLang="zh-TW" sz="2400" b="1" dirty="0" smtClean="0">
+                <a:solidFill>
+                  <a:srgbClr val="FF0000"/>
+                </a:solidFill>
+              </a:rPr>
+              <a:t>Signal threshold</a:t>
+            </a:r>
+            <a:endParaRPr kumimoji="1" lang="zh-TW" altLang="en-US" sz="2400" b="1" dirty="0">
+              <a:solidFill>
+                <a:srgbClr val="FF0000"/>
+              </a:solidFill>
+            </a:endParaRPr>
+          </a:p>
+        </p:txBody>
+      </p:sp>
+      <p:sp>
+        <p:nvSpPr>
+          <p:cNvPr id="12" name="向下箭號 11"/>
+          <p:cNvSpPr/>
+          <p:nvPr/>
+        </p:nvSpPr>
+        <p:spPr>
+          <a:xfrm>
+            <a:off x="5395838" y="4762439"/>
+            <a:ext cx="500137" cy="1009711"/>
+          </a:xfrm>
+          <a:prstGeom prst="downArrow">
+            <a:avLst/>
+          </a:prstGeom>
+        </p:spPr>
+        <p:style>
+          <a:lnRef idx="2">
+            <a:schemeClr val="accent1">
+              <a:shade val="50000"/>
+            </a:schemeClr>
+          </a:lnRef>
+          <a:fillRef idx="1">
+            <a:schemeClr val="accent1"/>
+          </a:fillRef>
+          <a:effectRef idx="0">
+            <a:schemeClr val="accent1"/>
+          </a:effectRef>
+          <a:fontRef idx="minor">
+            <a:schemeClr val="lt1"/>
+          </a:fontRef>
+        </p:style>
+        <p:txBody>
+          <a:bodyPr rtlCol="0" anchor="ctr"/>
+          <a:lstStyle/>
+          <a:p>
+            <a:pPr algn="ctr"/>
+            <a:endParaRPr kumimoji="1" lang="zh-TW" altLang="en-US"/>
+          </a:p>
+        </p:txBody>
+      </p:sp>
+      <p:sp>
+        <p:nvSpPr>
+          <p:cNvPr id="13" name="文字方塊 12"/>
+          <p:cNvSpPr txBox="1"/>
+          <p:nvPr/>
+        </p:nvSpPr>
+        <p:spPr>
+          <a:xfrm>
+            <a:off x="3771900" y="5760331"/>
+            <a:ext cx="3829050" cy="1015663"/>
+          </a:xfrm>
+          <a:prstGeom prst="rect">
+            <a:avLst/>
+          </a:prstGeom>
+          <a:noFill/>
+        </p:spPr>
+        <p:txBody>
+          <a:bodyPr wrap="square" rtlCol="0">
+            <a:spAutoFit/>
+          </a:bodyPr>
+          <a:lstStyle/>
+          <a:p>
+            <a:pPr algn="ctr"/>
+            <a:r>
+              <a:rPr kumimoji="1" lang="en-US" altLang="zh-TW" sz="2000" b="1" dirty="0" smtClean="0"/>
+              <a:t>Know the threshold of the signal</a:t>
+            </a:r>
+          </a:p>
+          <a:p>
+            <a:pPr algn="ctr"/>
+            <a:r>
+              <a:rPr kumimoji="1" lang="en-US" altLang="zh-TW" sz="2000" b="1" dirty="0" smtClean="0"/>
+              <a:t>(Signal </a:t>
+            </a:r>
+            <a:r>
+              <a:rPr kumimoji="1" lang="en-US" altLang="zh-TW" sz="2000" b="1" dirty="0" smtClean="0">
+                <a:sym typeface="Wingdings"/>
+              </a:rPr>
+              <a:t> Gain)</a:t>
+            </a:r>
+          </a:p>
+          <a:p>
+            <a:pPr algn="ctr"/>
+            <a:r>
+              <a:rPr kumimoji="1" lang="en-US" altLang="zh-TW" sz="2000" b="1" dirty="0" smtClean="0">
+                <a:sym typeface="Wingdings"/>
+              </a:rPr>
+              <a:t>Predicted by BKG (Theory)</a:t>
+            </a:r>
+            <a:endParaRPr kumimoji="1" lang="zh-TW" altLang="en-US" sz="2000" b="1" dirty="0"/>
+          </a:p>
+        </p:txBody>
+      </p:sp>
+      <p:sp>
+        <p:nvSpPr>
+          <p:cNvPr id="14" name="向右箭號 13"/>
+          <p:cNvSpPr/>
+          <p:nvPr/>
+        </p:nvSpPr>
+        <p:spPr>
+          <a:xfrm>
+            <a:off x="6903206" y="3357960"/>
+            <a:ext cx="1543050" cy="764314"/>
+          </a:xfrm>
+          <a:prstGeom prst="rightArrow">
+            <a:avLst/>
+          </a:prstGeom>
+          <a:solidFill>
+            <a:schemeClr val="accent6">
+              <a:lumMod val="75000"/>
+            </a:schemeClr>
+          </a:solidFill>
+        </p:spPr>
+        <p:style>
+          <a:lnRef idx="2">
+            <a:schemeClr val="accent1">
+              <a:shade val="50000"/>
+            </a:schemeClr>
+          </a:lnRef>
+          <a:fillRef idx="1">
+            <a:schemeClr val="accent1"/>
+          </a:fillRef>
+          <a:effectRef idx="0">
+            <a:schemeClr val="accent1"/>
+          </a:effectRef>
+          <a:fontRef idx="minor">
+            <a:schemeClr val="lt1"/>
+          </a:fontRef>
+        </p:style>
+        <p:txBody>
+          <a:bodyPr rtlCol="0" anchor="ctr"/>
+          <a:lstStyle/>
+          <a:p>
+            <a:pPr algn="ctr"/>
+            <a:endParaRPr kumimoji="1" lang="zh-TW" altLang="en-US"/>
+          </a:p>
+        </p:txBody>
+      </p:sp>
+      <p:sp>
+        <p:nvSpPr>
+          <p:cNvPr id="15" name="太陽 14"/>
+          <p:cNvSpPr/>
+          <p:nvPr/>
+        </p:nvSpPr>
+        <p:spPr>
+          <a:xfrm>
+            <a:off x="7886700" y="347810"/>
+            <a:ext cx="4248150" cy="4248150"/>
+          </a:xfrm>
+          <a:prstGeom prst="sun">
+            <a:avLst/>
+          </a:prstGeom>
+          <a:solidFill>
+            <a:schemeClr val="accent2">
+              <a:lumMod val="60000"/>
+              <a:lumOff val="40000"/>
+            </a:schemeClr>
+          </a:solidFill>
+        </p:spPr>
+        <p:style>
+          <a:lnRef idx="2">
+            <a:schemeClr val="accent1">
+              <a:shade val="50000"/>
+            </a:schemeClr>
+          </a:lnRef>
+          <a:fillRef idx="1">
+            <a:schemeClr val="accent1"/>
+          </a:fillRef>
+          <a:effectRef idx="0">
+            <a:schemeClr val="accent1"/>
+          </a:effectRef>
+          <a:fontRef idx="minor">
+            <a:schemeClr val="lt1"/>
+          </a:fontRef>
+        </p:style>
+        <p:txBody>
+          <a:bodyPr rtlCol="0" anchor="ctr"/>
+          <a:lstStyle/>
+          <a:p>
+            <a:pPr algn="ctr"/>
+            <a:endParaRPr kumimoji="1" lang="zh-TW" altLang="en-US"/>
+          </a:p>
+        </p:txBody>
+      </p:sp>
+      <p:sp>
+        <p:nvSpPr>
+          <p:cNvPr id="16" name="文字方塊 15"/>
+          <p:cNvSpPr txBox="1"/>
+          <p:nvPr/>
+        </p:nvSpPr>
+        <p:spPr>
+          <a:xfrm>
+            <a:off x="9525000" y="2179497"/>
+            <a:ext cx="2667000" cy="584775"/>
+          </a:xfrm>
+          <a:prstGeom prst="rect">
+            <a:avLst/>
+          </a:prstGeom>
+          <a:noFill/>
+        </p:spPr>
+        <p:txBody>
+          <a:bodyPr wrap="square" rtlCol="0">
+            <a:spAutoFit/>
+          </a:bodyPr>
+          <a:lstStyle/>
+          <a:p>
+            <a:r>
+              <a:rPr kumimoji="1" lang="en-US" altLang="zh-TW" sz="3200" dirty="0" smtClean="0">
+                <a:solidFill>
+                  <a:srgbClr val="002060"/>
+                </a:solidFill>
+              </a:rPr>
+              <a:t>Gain</a:t>
+            </a:r>
+            <a:endParaRPr kumimoji="1" lang="zh-TW" altLang="en-US" sz="3200" dirty="0">
+              <a:solidFill>
+                <a:srgbClr val="002060"/>
+              </a:solidFill>
+            </a:endParaRPr>
+          </a:p>
+        </p:txBody>
+      </p:sp>
+      <p:sp>
+        <p:nvSpPr>
+          <p:cNvPr id="17" name="文字方塊 16"/>
+          <p:cNvSpPr txBox="1"/>
+          <p:nvPr/>
+        </p:nvSpPr>
+        <p:spPr>
+          <a:xfrm>
+            <a:off x="8166478" y="4878237"/>
+            <a:ext cx="3688594" cy="1384995"/>
+          </a:xfrm>
+          <a:prstGeom prst="rect">
+            <a:avLst/>
+          </a:prstGeom>
+          <a:noFill/>
+        </p:spPr>
+        <p:txBody>
+          <a:bodyPr wrap="square" rtlCol="0">
+            <a:spAutoFit/>
+          </a:bodyPr>
+          <a:lstStyle/>
+          <a:p>
+            <a:pPr algn="ctr"/>
+            <a:r>
+              <a:rPr kumimoji="1" lang="en-US" altLang="zh-TW" sz="2800" b="1" dirty="0" smtClean="0">
+                <a:solidFill>
+                  <a:srgbClr val="FF0000"/>
+                </a:solidFill>
+              </a:rPr>
+              <a:t>Type of the detector?</a:t>
+            </a:r>
+          </a:p>
+          <a:p>
+            <a:pPr algn="ctr"/>
+            <a:r>
+              <a:rPr kumimoji="1" lang="en-US" altLang="zh-TW" sz="2800" b="1" dirty="0" smtClean="0">
+                <a:solidFill>
+                  <a:srgbClr val="FF0000"/>
+                </a:solidFill>
+              </a:rPr>
+              <a:t>Temperature?</a:t>
+            </a:r>
+          </a:p>
+          <a:p>
+            <a:pPr algn="ctr"/>
+            <a:r>
+              <a:rPr kumimoji="1" lang="en-US" altLang="zh-TW" sz="2800" b="1" dirty="0" smtClean="0">
+                <a:solidFill>
+                  <a:srgbClr val="FF0000"/>
+                </a:solidFill>
+              </a:rPr>
+              <a:t>Electric field?</a:t>
+            </a:r>
+          </a:p>
+        </p:txBody>
+      </p:sp>
+    </p:spTree>
+    <p:extLst>
+      <p:ext uri="{BB962C8B-B14F-4D97-AF65-F5344CB8AC3E}">
+        <p14:creationId xmlns:p14="http://schemas.microsoft.com/office/powerpoint/2010/main" val="255514353"/>
+      </p:ext>
+    </p:extLst>
+  </p:cSld>
+  <p:clrMapOvr>
+    <a:masterClrMapping/>
+  </p:clrMapOvr>
+  <p:timing>
+    <p:tnLst>
+      <p:par>
+        <p:cTn id="1" dur="indefinite" restart="never" nodeType="tmRoot"/>
+      </p:par>
+    </p:tnLst>
+  </p:timing>
+</p:sld>
+</file>
+
+<file path=ppt/slides/slide4.xml><?xml version="1.0" encoding="utf-8"?>
+<p:sld xmlns:a="http://schemas.openxmlformats.org/drawingml/2006/main" xmlns:r="http://schemas.openxmlformats.org/officeDocument/2006/relationships" xmlns:p="http://schemas.openxmlformats.org/presentationml/2006/main">
+  <p:cSld>
+    <p:spTree>
+      <p:nvGrpSpPr>
+        <p:cNvPr id="1" name=""/>
+        <p:cNvGrpSpPr/>
+        <p:nvPr/>
+      </p:nvGrpSpPr>
+      <p:grpSpPr>
+        <a:xfrm>
+          <a:off x="0" y="0"/>
+          <a:ext cx="0" cy="0"/>
+          <a:chOff x="0" y="0"/>
+          <a:chExt cx="0" cy="0"/>
+        </a:xfrm>
+      </p:grpSpPr>
+      <p:sp>
+        <p:nvSpPr>
+          <p:cNvPr id="2" name="標題 1"/>
+          <p:cNvSpPr>
+            <a:spLocks noGrp="1"/>
+          </p:cNvSpPr>
+          <p:nvPr>
+            <p:ph type="title"/>
+          </p:nvPr>
+        </p:nvSpPr>
+        <p:spPr/>
+        <p:txBody>
+          <a:bodyPr/>
+          <a:lstStyle/>
+          <a:p>
+            <a:r>
+              <a:rPr kumimoji="1" lang="en-US" altLang="zh-TW" dirty="0" smtClean="0"/>
+              <a:t>Raw/Observable</a:t>
+            </a:r>
+            <a:endParaRPr kumimoji="1" lang="zh-TW" altLang="en-US" dirty="0"/>
+          </a:p>
+        </p:txBody>
+      </p:sp>
+      <p:sp>
+        <p:nvSpPr>
+          <p:cNvPr id="4" name="橢圓 3"/>
+          <p:cNvSpPr/>
+          <p:nvPr/>
+        </p:nvSpPr>
+        <p:spPr>
+          <a:xfrm>
+            <a:off x="516147" y="1690688"/>
+            <a:ext cx="2777706" cy="2777706"/>
+          </a:xfrm>
+          <a:prstGeom prst="ellipse">
+            <a:avLst/>
+          </a:prstGeom>
+          <a:solidFill>
+            <a:srgbClr val="92D050">
+              <a:alpha val="27000"/>
+            </a:srgbClr>
+          </a:solidFill>
+        </p:spPr>
+        <p:style>
+          <a:lnRef idx="2">
+            <a:schemeClr val="accent1">
+              <a:shade val="50000"/>
+            </a:schemeClr>
+          </a:lnRef>
+          <a:fillRef idx="1">
+            <a:schemeClr val="accent1"/>
+          </a:fillRef>
+          <a:effectRef idx="0">
+            <a:schemeClr val="accent1"/>
+          </a:effectRef>
+          <a:fontRef idx="minor">
+            <a:schemeClr val="lt1"/>
+          </a:fontRef>
+        </p:style>
+        <p:txBody>
+          <a:bodyPr rtlCol="0" anchor="ctr"/>
+          <a:lstStyle/>
+          <a:p>
+            <a:pPr algn="ctr"/>
+            <a:endParaRPr kumimoji="1" lang="zh-TW" altLang="en-US"/>
+          </a:p>
+        </p:txBody>
+      </p:sp>
+      <p:sp>
+        <p:nvSpPr>
+          <p:cNvPr id="5" name="文字方塊 4"/>
+          <p:cNvSpPr txBox="1"/>
+          <p:nvPr/>
+        </p:nvSpPr>
+        <p:spPr>
+          <a:xfrm>
+            <a:off x="-432759" y="2664042"/>
+            <a:ext cx="4675517" cy="830997"/>
+          </a:xfrm>
+          <a:prstGeom prst="rect">
+            <a:avLst/>
+          </a:prstGeom>
+          <a:noFill/>
+        </p:spPr>
+        <p:txBody>
+          <a:bodyPr wrap="square" rtlCol="0">
+            <a:spAutoFit/>
+          </a:bodyPr>
+          <a:lstStyle/>
+          <a:p>
+            <a:pPr algn="ctr"/>
+            <a:r>
+              <a:rPr kumimoji="1" lang="en-US" altLang="zh-TW" sz="2400" dirty="0" smtClean="0">
+                <a:solidFill>
+                  <a:srgbClr val="FF0000"/>
+                </a:solidFill>
+              </a:rPr>
+              <a:t>No Amplification</a:t>
+            </a:r>
+          </a:p>
+          <a:p>
+            <a:pPr algn="ctr"/>
+            <a:r>
+              <a:rPr kumimoji="1" lang="en-US" altLang="zh-TW" sz="2400" dirty="0" smtClean="0">
+                <a:solidFill>
+                  <a:srgbClr val="FF0000"/>
+                </a:solidFill>
+              </a:rPr>
+              <a:t>Raw SIG/BKG</a:t>
+            </a:r>
+          </a:p>
+        </p:txBody>
+      </p:sp>
+      <p:sp>
+        <p:nvSpPr>
+          <p:cNvPr id="6" name="橢圓 5"/>
+          <p:cNvSpPr/>
+          <p:nvPr/>
+        </p:nvSpPr>
+        <p:spPr>
+          <a:xfrm>
+            <a:off x="3802810" y="1732299"/>
+            <a:ext cx="2777706" cy="2777706"/>
+          </a:xfrm>
+          <a:prstGeom prst="ellipse">
+            <a:avLst/>
+          </a:prstGeom>
+          <a:solidFill>
+            <a:srgbClr val="92D050">
+              <a:alpha val="54000"/>
+            </a:srgbClr>
+          </a:solidFill>
+        </p:spPr>
+        <p:style>
+          <a:lnRef idx="2">
+            <a:schemeClr val="accent1">
+              <a:shade val="50000"/>
+            </a:schemeClr>
+          </a:lnRef>
+          <a:fillRef idx="1">
+            <a:schemeClr val="accent1"/>
+          </a:fillRef>
+          <a:effectRef idx="0">
+            <a:schemeClr val="accent1"/>
+          </a:effectRef>
+          <a:fontRef idx="minor">
+            <a:schemeClr val="lt1"/>
+          </a:fontRef>
+        </p:style>
+        <p:txBody>
+          <a:bodyPr rtlCol="0" anchor="ctr"/>
+          <a:lstStyle/>
+          <a:p>
+            <a:pPr algn="ctr"/>
+            <a:endParaRPr kumimoji="1" lang="zh-TW" altLang="en-US"/>
+          </a:p>
+        </p:txBody>
+      </p:sp>
+      <p:sp>
+        <p:nvSpPr>
+          <p:cNvPr id="7" name="文字方塊 6"/>
+          <p:cNvSpPr txBox="1"/>
+          <p:nvPr/>
+        </p:nvSpPr>
+        <p:spPr>
+          <a:xfrm>
+            <a:off x="2853904" y="2722726"/>
+            <a:ext cx="4675517" cy="830997"/>
+          </a:xfrm>
+          <a:prstGeom prst="rect">
+            <a:avLst/>
+          </a:prstGeom>
+          <a:noFill/>
+        </p:spPr>
+        <p:txBody>
+          <a:bodyPr wrap="square" rtlCol="0">
+            <a:spAutoFit/>
+          </a:bodyPr>
+          <a:lstStyle/>
+          <a:p>
+            <a:pPr algn="ctr"/>
+            <a:r>
+              <a:rPr kumimoji="1" lang="en-US" altLang="zh-TW" sz="2400" dirty="0" smtClean="0">
+                <a:solidFill>
+                  <a:srgbClr val="FF0000"/>
+                </a:solidFill>
+              </a:rPr>
+              <a:t>With Amplification</a:t>
+            </a:r>
+          </a:p>
+          <a:p>
+            <a:pPr algn="ctr"/>
+            <a:r>
+              <a:rPr kumimoji="1" lang="en-US" altLang="zh-TW" sz="2400" dirty="0" err="1" smtClean="0">
+                <a:solidFill>
+                  <a:srgbClr val="FF0000"/>
+                </a:solidFill>
+              </a:rPr>
+              <a:t>Obs</a:t>
+            </a:r>
+            <a:r>
+              <a:rPr kumimoji="1" lang="en-US" altLang="zh-TW" sz="2400" dirty="0" smtClean="0">
+                <a:solidFill>
+                  <a:srgbClr val="FF0000"/>
+                </a:solidFill>
+              </a:rPr>
+              <a:t> SIG/BKG</a:t>
+            </a:r>
+          </a:p>
+        </p:txBody>
+      </p:sp>
+      <p:sp>
+        <p:nvSpPr>
+          <p:cNvPr id="8" name="文字方塊 7"/>
+          <p:cNvSpPr txBox="1"/>
+          <p:nvPr/>
+        </p:nvSpPr>
+        <p:spPr>
+          <a:xfrm>
+            <a:off x="1748286" y="4644473"/>
+            <a:ext cx="2053087" cy="523220"/>
+          </a:xfrm>
+          <a:prstGeom prst="rect">
+            <a:avLst/>
+          </a:prstGeom>
+          <a:noFill/>
+        </p:spPr>
+        <p:txBody>
+          <a:bodyPr wrap="square" rtlCol="0">
+            <a:spAutoFit/>
+          </a:bodyPr>
+          <a:lstStyle/>
+          <a:p>
+            <a:r>
+              <a:rPr kumimoji="1" lang="en-US" altLang="zh-TW" sz="2800" dirty="0" smtClean="0"/>
+              <a:t>S</a:t>
+            </a:r>
+            <a:endParaRPr kumimoji="1" lang="zh-TW" altLang="en-US" sz="2800" dirty="0"/>
+          </a:p>
+        </p:txBody>
+      </p:sp>
+      <p:sp>
+        <p:nvSpPr>
+          <p:cNvPr id="9" name="文字方塊 8"/>
+          <p:cNvSpPr txBox="1"/>
+          <p:nvPr/>
+        </p:nvSpPr>
+        <p:spPr>
+          <a:xfrm>
+            <a:off x="1748285" y="5483359"/>
+            <a:ext cx="2053087" cy="523220"/>
+          </a:xfrm>
+          <a:prstGeom prst="rect">
+            <a:avLst/>
+          </a:prstGeom>
+          <a:noFill/>
+        </p:spPr>
+        <p:txBody>
+          <a:bodyPr wrap="square" rtlCol="0">
+            <a:spAutoFit/>
+          </a:bodyPr>
+          <a:lstStyle/>
+          <a:p>
+            <a:r>
+              <a:rPr kumimoji="1" lang="en-US" altLang="zh-TW" sz="2800" dirty="0"/>
+              <a:t>B</a:t>
+            </a:r>
+            <a:endParaRPr kumimoji="1" lang="zh-TW" altLang="en-US" sz="2800" dirty="0"/>
+          </a:p>
+        </p:txBody>
+      </p:sp>
+      <p:sp>
+        <p:nvSpPr>
+          <p:cNvPr id="10" name="文字方塊 9"/>
+          <p:cNvSpPr txBox="1"/>
+          <p:nvPr/>
+        </p:nvSpPr>
+        <p:spPr>
+          <a:xfrm>
+            <a:off x="4747402" y="4644473"/>
+            <a:ext cx="2053087" cy="523220"/>
+          </a:xfrm>
+          <a:prstGeom prst="rect">
+            <a:avLst/>
+          </a:prstGeom>
+          <a:noFill/>
+        </p:spPr>
+        <p:txBody>
+          <a:bodyPr wrap="square" rtlCol="0">
+            <a:spAutoFit/>
+          </a:bodyPr>
+          <a:lstStyle/>
+          <a:p>
+            <a:r>
+              <a:rPr kumimoji="1" lang="en-US" altLang="zh-TW" sz="2800" dirty="0" smtClean="0">
+                <a:solidFill>
+                  <a:srgbClr val="FF0000"/>
+                </a:solidFill>
+              </a:rPr>
+              <a:t>S*G</a:t>
+            </a:r>
+            <a:endParaRPr kumimoji="1" lang="zh-TW" altLang="en-US" sz="2800" dirty="0">
+              <a:solidFill>
+                <a:srgbClr val="FF0000"/>
+              </a:solidFill>
+            </a:endParaRPr>
+          </a:p>
+        </p:txBody>
+      </p:sp>
+      <p:sp>
+        <p:nvSpPr>
+          <p:cNvPr id="11" name="文字方塊 10"/>
+          <p:cNvSpPr txBox="1"/>
+          <p:nvPr/>
+        </p:nvSpPr>
+        <p:spPr>
+          <a:xfrm>
+            <a:off x="4747402" y="5486131"/>
+            <a:ext cx="2053087" cy="523220"/>
+          </a:xfrm>
+          <a:prstGeom prst="rect">
+            <a:avLst/>
+          </a:prstGeom>
+          <a:noFill/>
+        </p:spPr>
+        <p:txBody>
+          <a:bodyPr wrap="square" rtlCol="0">
+            <a:spAutoFit/>
+          </a:bodyPr>
+          <a:lstStyle/>
+          <a:p>
+            <a:r>
+              <a:rPr kumimoji="1" lang="en-US" altLang="zh-TW" sz="2800" dirty="0">
+                <a:solidFill>
+                  <a:srgbClr val="FF0000"/>
+                </a:solidFill>
+              </a:rPr>
+              <a:t>B</a:t>
+            </a:r>
+            <a:r>
+              <a:rPr kumimoji="1" lang="en-US" altLang="zh-TW" sz="2800" dirty="0" smtClean="0">
+                <a:solidFill>
+                  <a:srgbClr val="FF0000"/>
+                </a:solidFill>
+              </a:rPr>
+              <a:t>*G</a:t>
+            </a:r>
+            <a:endParaRPr kumimoji="1" lang="zh-TW" altLang="en-US" sz="2800" dirty="0">
+              <a:solidFill>
+                <a:srgbClr val="FF0000"/>
+              </a:solidFill>
+            </a:endParaRPr>
+          </a:p>
+        </p:txBody>
+      </p:sp>
+      <mc:AlternateContent xmlns:mc="http://schemas.openxmlformats.org/markup-compatibility/2006" xmlns:a14="http://schemas.microsoft.com/office/drawing/2010/main">
+        <mc:Choice Requires="a14">
+          <p:sp>
+            <p:nvSpPr>
+              <p:cNvPr id="12" name="文字方塊 11"/>
+              <p:cNvSpPr txBox="1"/>
+              <p:nvPr/>
+            </p:nvSpPr>
+            <p:spPr>
+              <a:xfrm>
+                <a:off x="6096000" y="3301117"/>
+                <a:ext cx="6606398" cy="2684068"/>
+              </a:xfrm>
+              <a:prstGeom prst="rect">
+                <a:avLst/>
+              </a:prstGeom>
+              <a:noFill/>
+            </p:spPr>
+            <p:txBody>
+              <a:bodyPr wrap="square" rtlCol="0">
+                <a:spAutoFit/>
+              </a:bodyPr>
+              <a:lstStyle/>
+              <a:p>
+                <a:pPr/>
+                <a14:m>
+                  <m:oMathPara xmlns:m="http://schemas.openxmlformats.org/officeDocument/2006/math">
+                    <m:oMathParaPr>
+                      <m:jc m:val="centerGroup"/>
+                    </m:oMathParaPr>
+                    <m:oMath xmlns:m="http://schemas.openxmlformats.org/officeDocument/2006/math">
+                      <m:d>
+                        <m:dPr>
+                          <m:ctrlPr>
+                            <a:rPr kumimoji="1" lang="en-US" altLang="zh-TW" sz="4000" b="0" i="1" smtClean="0">
+                              <a:latin typeface="Cambria Math" charset="0"/>
+                            </a:rPr>
+                          </m:ctrlPr>
+                        </m:dPr>
+                        <m:e>
+                          <m:r>
+                            <a:rPr kumimoji="1" lang="en-US" altLang="zh-TW" sz="4000" b="0" i="1" smtClean="0">
+                              <a:latin typeface="Cambria Math" charset="0"/>
+                            </a:rPr>
+                            <m:t>𝑆</m:t>
+                          </m:r>
+                          <m:r>
+                            <a:rPr kumimoji="1" lang="en-US" altLang="zh-TW" sz="4000" b="0" i="1" smtClean="0">
+                              <a:latin typeface="Cambria Math" charset="0"/>
+                            </a:rPr>
+                            <m:t> ∗</m:t>
+                          </m:r>
+                          <m:r>
+                            <a:rPr kumimoji="1" lang="en-US" altLang="zh-TW" sz="4000" b="0" i="1" smtClean="0">
+                              <a:latin typeface="Cambria Math" charset="0"/>
+                            </a:rPr>
+                            <m:t>𝐺</m:t>
+                          </m:r>
+                        </m:e>
+                      </m:d>
+                      <m:r>
+                        <a:rPr kumimoji="1" lang="en-US" altLang="zh-TW" sz="4000" b="0" i="1" smtClean="0">
+                          <a:latin typeface="Cambria Math" charset="0"/>
+                        </a:rPr>
+                        <m:t>&gt;3 ∗ </m:t>
+                      </m:r>
+                      <m:rad>
+                        <m:radPr>
+                          <m:degHide m:val="on"/>
+                          <m:ctrlPr>
+                            <a:rPr kumimoji="1" lang="en-US" altLang="zh-TW" sz="4000" b="0" i="1" smtClean="0">
+                              <a:latin typeface="Cambria Math" charset="0"/>
+                            </a:rPr>
+                          </m:ctrlPr>
+                        </m:radPr>
+                        <m:deg/>
+                        <m:e>
+                          <m:d>
+                            <m:dPr>
+                              <m:ctrlPr>
+                                <a:rPr kumimoji="1" lang="en-US" altLang="zh-TW" sz="4000" b="0" i="1" smtClean="0">
+                                  <a:latin typeface="Cambria Math" charset="0"/>
+                                </a:rPr>
+                              </m:ctrlPr>
+                            </m:dPr>
+                            <m:e>
+                              <m:r>
+                                <a:rPr kumimoji="1" lang="en-US" altLang="zh-TW" sz="4000" b="0" i="1" smtClean="0">
+                                  <a:latin typeface="Cambria Math" charset="0"/>
+                                </a:rPr>
+                                <m:t>𝐵</m:t>
+                              </m:r>
+                              <m:r>
+                                <a:rPr kumimoji="1" lang="en-US" altLang="zh-TW" sz="4000" b="0" i="1" smtClean="0">
+                                  <a:latin typeface="Cambria Math" charset="0"/>
+                                </a:rPr>
+                                <m:t> ∗</m:t>
+                              </m:r>
+                              <m:r>
+                                <a:rPr kumimoji="1" lang="en-US" altLang="zh-TW" sz="4000" b="0" i="1" smtClean="0">
+                                  <a:latin typeface="Cambria Math" charset="0"/>
+                                </a:rPr>
+                                <m:t>𝐺</m:t>
+                              </m:r>
+                            </m:e>
+                          </m:d>
+                        </m:e>
+                      </m:rad>
+                    </m:oMath>
+                  </m:oMathPara>
+                </a14:m>
+                <a:endParaRPr kumimoji="1" lang="en-US" altLang="zh-TW" sz="4000" b="0" dirty="0" smtClean="0"/>
+              </a:p>
+              <a:p>
+                <a:endParaRPr kumimoji="1" lang="en-US" altLang="zh-TW" sz="4000" b="0" dirty="0" smtClean="0"/>
+              </a:p>
+              <a:p>
+                <a:r>
+                  <a:rPr kumimoji="1" lang="en-US" altLang="zh-TW" sz="4000" dirty="0"/>
+                  <a:t>	</a:t>
+                </a:r>
+                <a:r>
+                  <a:rPr kumimoji="1" lang="en-US" altLang="zh-TW" sz="4000" b="0" dirty="0" smtClean="0"/>
+                  <a:t>   </a:t>
+                </a:r>
+                <a14:m>
+                  <m:oMath xmlns:m="http://schemas.openxmlformats.org/officeDocument/2006/math">
+                    <m:r>
+                      <a:rPr kumimoji="1" lang="en-US" altLang="zh-TW" sz="4800" b="0" i="1" smtClean="0">
+                        <a:solidFill>
+                          <a:srgbClr val="7030A0"/>
+                        </a:solidFill>
+                        <a:latin typeface="Cambria Math" charset="0"/>
+                      </a:rPr>
+                      <m:t>𝑆</m:t>
+                    </m:r>
+                    <m:r>
+                      <a:rPr kumimoji="1" lang="en-US" altLang="zh-TW" sz="4800" b="0" i="1" smtClean="0">
+                        <a:solidFill>
+                          <a:srgbClr val="7030A0"/>
+                        </a:solidFill>
+                        <a:latin typeface="Cambria Math" charset="0"/>
+                      </a:rPr>
+                      <m:t> </m:t>
+                    </m:r>
+                    <m:r>
+                      <a:rPr kumimoji="1" lang="en-US" altLang="zh-TW" sz="4800" b="0" i="0" smtClean="0">
+                        <a:solidFill>
+                          <a:srgbClr val="7030A0"/>
+                        </a:solidFill>
+                        <a:latin typeface="Cambria Math" charset="0"/>
+                      </a:rPr>
+                      <m:t>&gt;</m:t>
+                    </m:r>
+                    <m:f>
+                      <m:fPr>
+                        <m:ctrlPr>
+                          <a:rPr kumimoji="1" lang="mr-IN" altLang="zh-TW" sz="4800" i="1" smtClean="0">
+                            <a:solidFill>
+                              <a:srgbClr val="7030A0"/>
+                            </a:solidFill>
+                            <a:latin typeface="Cambria Math" charset="0"/>
+                          </a:rPr>
+                        </m:ctrlPr>
+                      </m:fPr>
+                      <m:num>
+                        <m:r>
+                          <a:rPr kumimoji="1" lang="en-US" altLang="zh-TW" sz="4800" b="0" i="1" smtClean="0">
+                            <a:solidFill>
+                              <a:srgbClr val="7030A0"/>
+                            </a:solidFill>
+                            <a:latin typeface="Cambria Math" charset="0"/>
+                          </a:rPr>
+                          <m:t>3∗</m:t>
+                        </m:r>
+                        <m:rad>
+                          <m:radPr>
+                            <m:degHide m:val="on"/>
+                            <m:ctrlPr>
+                              <a:rPr kumimoji="1" lang="en-US" altLang="zh-TW" sz="4800" b="0" i="1" smtClean="0">
+                                <a:solidFill>
+                                  <a:srgbClr val="7030A0"/>
+                                </a:solidFill>
+                                <a:latin typeface="Cambria Math" charset="0"/>
+                              </a:rPr>
+                            </m:ctrlPr>
+                          </m:radPr>
+                          <m:deg/>
+                          <m:e>
+                            <m:d>
+                              <m:dPr>
+                                <m:ctrlPr>
+                                  <a:rPr kumimoji="1" lang="en-US" altLang="zh-TW" sz="4800" b="0" i="1" smtClean="0">
+                                    <a:solidFill>
+                                      <a:srgbClr val="7030A0"/>
+                                    </a:solidFill>
+                                    <a:latin typeface="Cambria Math" charset="0"/>
+                                  </a:rPr>
+                                </m:ctrlPr>
+                              </m:dPr>
+                              <m:e>
+                                <m:r>
+                                  <a:rPr kumimoji="1" lang="en-US" altLang="zh-TW" sz="4800" b="0" i="1" smtClean="0">
+                                    <a:solidFill>
+                                      <a:srgbClr val="7030A0"/>
+                                    </a:solidFill>
+                                    <a:latin typeface="Cambria Math" charset="0"/>
+                                  </a:rPr>
+                                  <m:t>𝐵</m:t>
+                                </m:r>
+                                <m:r>
+                                  <a:rPr kumimoji="1" lang="en-US" altLang="zh-TW" sz="4800" b="0" i="1" smtClean="0">
+                                    <a:solidFill>
+                                      <a:srgbClr val="7030A0"/>
+                                    </a:solidFill>
+                                    <a:latin typeface="Cambria Math" charset="0"/>
+                                  </a:rPr>
+                                  <m:t> ∗</m:t>
+                                </m:r>
+                                <m:r>
+                                  <a:rPr kumimoji="1" lang="en-US" altLang="zh-TW" sz="4800" b="0" i="1" smtClean="0">
+                                    <a:solidFill>
+                                      <a:srgbClr val="7030A0"/>
+                                    </a:solidFill>
+                                    <a:latin typeface="Cambria Math" charset="0"/>
+                                  </a:rPr>
+                                  <m:t>𝐺</m:t>
+                                </m:r>
+                              </m:e>
+                            </m:d>
+                          </m:e>
+                        </m:rad>
+                      </m:num>
+                      <m:den>
+                        <m:r>
+                          <a:rPr kumimoji="1" lang="en-US" altLang="zh-TW" sz="4800" b="0" i="1" smtClean="0">
+                            <a:solidFill>
+                              <a:srgbClr val="7030A0"/>
+                            </a:solidFill>
+                            <a:latin typeface="Cambria Math" charset="0"/>
+                          </a:rPr>
+                          <m:t>𝐺</m:t>
+                        </m:r>
+                      </m:den>
+                    </m:f>
+                  </m:oMath>
+                </a14:m>
+                <a:endParaRPr kumimoji="1" lang="zh-TW" altLang="en-US" sz="4800" dirty="0"/>
+              </a:p>
+            </p:txBody>
+          </p:sp>
+        </mc:Choice>
+        <mc:Fallback xmlns="">
           <p:sp>
             <p:nvSpPr>
               <p:cNvPr id="12" name="文字方塊 11"/>
@@ -5250,8 +10197,8 @@
           </a:graphicData>
         </a:graphic>
       </p:graphicFrame>
-      <mc:AlternateContent xmlns:mc="http://schemas.openxmlformats.org/markup-compatibility/2006">
-        <mc:Choice xmlns:a14="http://schemas.microsoft.com/office/drawing/2010/main" Requires="a14">
+      <mc:AlternateContent xmlns:mc="http://schemas.openxmlformats.org/markup-compatibility/2006" xmlns:a14="http://schemas.microsoft.com/office/drawing/2010/main">
+        <mc:Choice Requires="a14">
           <p:sp>
             <p:nvSpPr>
               <p:cNvPr id="9" name="文字方塊 8"/>
@@ -5274,6 +10221,7 @@
               </a:bodyPr>
               <a:lstStyle/>
               <a:p>
+                <a:pPr/>
                 <a14:m>
                   <m:oMathPara xmlns:m="http://schemas.openxmlformats.org/officeDocument/2006/math">
                     <m:oMathParaPr>
@@ -5501,7 +10449,7 @@
             </p:txBody>
           </p:sp>
         </mc:Choice>
-        <mc:Fallback>
+        <mc:Fallback xmlns="">
           <p:sp>
             <p:nvSpPr>
               <p:cNvPr id="9" name="文字方塊 8"/>
@@ -5723,6 +10671,2193 @@
     <p:extLst>
       <p:ext uri="{BB962C8B-B14F-4D97-AF65-F5344CB8AC3E}">
         <p14:creationId xmlns:p14="http://schemas.microsoft.com/office/powerpoint/2010/main" val="9075570"/>
+      </p:ext>
+    </p:extLst>
+  </p:cSld>
+  <p:clrMapOvr>
+    <a:masterClrMapping/>
+  </p:clrMapOvr>
+  <p:timing>
+    <p:tnLst>
+      <p:par>
+        <p:cTn id="1" dur="indefinite" restart="never" nodeType="tmRoot"/>
+      </p:par>
+    </p:tnLst>
+  </p:timing>
+</p:sld>
+</file>
+
+<file path=ppt/slides/slide7.xml><?xml version="1.0" encoding="utf-8"?>
+<p:sld xmlns:a="http://schemas.openxmlformats.org/drawingml/2006/main" xmlns:r="http://schemas.openxmlformats.org/officeDocument/2006/relationships" xmlns:p="http://schemas.openxmlformats.org/presentationml/2006/main">
+  <p:cSld>
+    <p:spTree>
+      <p:nvGrpSpPr>
+        <p:cNvPr id="1" name=""/>
+        <p:cNvGrpSpPr/>
+        <p:nvPr/>
+      </p:nvGrpSpPr>
+      <p:grpSpPr>
+        <a:xfrm>
+          <a:off x="0" y="0"/>
+          <a:ext cx="0" cy="0"/>
+          <a:chOff x="0" y="0"/>
+          <a:chExt cx="0" cy="0"/>
+        </a:xfrm>
+      </p:grpSpPr>
+      <p:sp>
+        <p:nvSpPr>
+          <p:cNvPr id="2" name="標題 1"/>
+          <p:cNvSpPr>
+            <a:spLocks noGrp="1"/>
+          </p:cNvSpPr>
+          <p:nvPr>
+            <p:ph type="ctrTitle"/>
+          </p:nvPr>
+        </p:nvSpPr>
+        <p:spPr>
+          <a:xfrm>
+            <a:off x="0" y="1122363"/>
+            <a:ext cx="12192000" cy="2387600"/>
+          </a:xfrm>
+        </p:spPr>
+        <p:txBody>
+          <a:bodyPr>
+            <a:normAutofit/>
+          </a:bodyPr>
+          <a:lstStyle/>
+          <a:p>
+            <a:r>
+              <a:rPr kumimoji="1" lang="en-US" altLang="zh-TW" dirty="0" smtClean="0"/>
+              <a:t>Theory of BKG</a:t>
+            </a:r>
+            <a:endParaRPr kumimoji="1" lang="zh-TW" altLang="en-US" dirty="0"/>
+          </a:p>
+        </p:txBody>
+      </p:sp>
+      <p:sp>
+        <p:nvSpPr>
+          <p:cNvPr id="3" name="副標題 2"/>
+          <p:cNvSpPr>
+            <a:spLocks noGrp="1"/>
+          </p:cNvSpPr>
+          <p:nvPr>
+            <p:ph type="subTitle" idx="1"/>
+          </p:nvPr>
+        </p:nvSpPr>
+        <p:spPr/>
+        <p:txBody>
+          <a:bodyPr/>
+          <a:lstStyle/>
+          <a:p>
+            <a:endParaRPr kumimoji="1" lang="en-US" altLang="zh-TW" dirty="0" smtClean="0"/>
+          </a:p>
+          <a:p>
+            <a:endParaRPr kumimoji="1" lang="en-US" altLang="zh-TW" dirty="0"/>
+          </a:p>
+        </p:txBody>
+      </p:sp>
+    </p:spTree>
+    <p:extLst>
+      <p:ext uri="{BB962C8B-B14F-4D97-AF65-F5344CB8AC3E}">
+        <p14:creationId xmlns:p14="http://schemas.microsoft.com/office/powerpoint/2010/main" val="1149799291"/>
+      </p:ext>
+    </p:extLst>
+  </p:cSld>
+  <p:clrMapOvr>
+    <a:masterClrMapping/>
+  </p:clrMapOvr>
+  <p:timing>
+    <p:tnLst>
+      <p:par>
+        <p:cTn id="1" dur="indefinite" restart="never" nodeType="tmRoot"/>
+      </p:par>
+    </p:tnLst>
+  </p:timing>
+</p:sld>
+</file>
+
+<file path=ppt/slides/slide8.xml><?xml version="1.0" encoding="utf-8"?>
+<p:sld xmlns:a="http://schemas.openxmlformats.org/drawingml/2006/main" xmlns:r="http://schemas.openxmlformats.org/officeDocument/2006/relationships" xmlns:p="http://schemas.openxmlformats.org/presentationml/2006/main">
+  <p:cSld>
+    <p:spTree>
+      <p:nvGrpSpPr>
+        <p:cNvPr id="1" name=""/>
+        <p:cNvGrpSpPr/>
+        <p:nvPr/>
+      </p:nvGrpSpPr>
+      <p:grpSpPr>
+        <a:xfrm>
+          <a:off x="0" y="0"/>
+          <a:ext cx="0" cy="0"/>
+          <a:chOff x="0" y="0"/>
+          <a:chExt cx="0" cy="0"/>
+        </a:xfrm>
+      </p:grpSpPr>
+      <p:sp>
+        <p:nvSpPr>
+          <p:cNvPr id="2" name="標題 1"/>
+          <p:cNvSpPr>
+            <a:spLocks noGrp="1"/>
+          </p:cNvSpPr>
+          <p:nvPr>
+            <p:ph type="title"/>
+          </p:nvPr>
+        </p:nvSpPr>
+        <p:spPr/>
+        <p:txBody>
+          <a:bodyPr/>
+          <a:lstStyle/>
+          <a:p>
+            <a:r>
+              <a:rPr kumimoji="1" lang="en-US" altLang="zh-TW" dirty="0" smtClean="0"/>
+              <a:t>Image</a:t>
+            </a:r>
+            <a:r>
+              <a:rPr kumimoji="1" lang="mr-IN" altLang="zh-TW" dirty="0" smtClean="0"/>
+              <a:t>…</a:t>
+            </a:r>
+            <a:r>
+              <a:rPr kumimoji="1" lang="en-US" altLang="zh-TW" dirty="0" smtClean="0"/>
+              <a:t>.</a:t>
+            </a:r>
+            <a:endParaRPr kumimoji="1" lang="zh-TW" altLang="en-US" dirty="0"/>
+          </a:p>
+        </p:txBody>
+      </p:sp>
+      <p:sp>
+        <p:nvSpPr>
+          <p:cNvPr id="7" name="矩形 6"/>
+          <p:cNvSpPr/>
+          <p:nvPr/>
+        </p:nvSpPr>
+        <p:spPr>
+          <a:xfrm>
+            <a:off x="3267075" y="2571750"/>
+            <a:ext cx="2076450" cy="2786063"/>
+          </a:xfrm>
+          <a:prstGeom prst="rect">
+            <a:avLst/>
+          </a:prstGeom>
+        </p:spPr>
+        <p:style>
+          <a:lnRef idx="2">
+            <a:schemeClr val="accent1">
+              <a:shade val="50000"/>
+            </a:schemeClr>
+          </a:lnRef>
+          <a:fillRef idx="1">
+            <a:schemeClr val="accent1"/>
+          </a:fillRef>
+          <a:effectRef idx="0">
+            <a:schemeClr val="accent1"/>
+          </a:effectRef>
+          <a:fontRef idx="minor">
+            <a:schemeClr val="lt1"/>
+          </a:fontRef>
+        </p:style>
+        <p:txBody>
+          <a:bodyPr rtlCol="0" anchor="ctr"/>
+          <a:lstStyle/>
+          <a:p>
+            <a:pPr algn="ctr"/>
+            <a:endParaRPr kumimoji="1" lang="zh-TW" altLang="en-US"/>
+          </a:p>
+        </p:txBody>
+      </p:sp>
+      <p:sp>
+        <p:nvSpPr>
+          <p:cNvPr id="8" name="矩形 7"/>
+          <p:cNvSpPr/>
+          <p:nvPr/>
+        </p:nvSpPr>
+        <p:spPr>
+          <a:xfrm>
+            <a:off x="7048500" y="2571749"/>
+            <a:ext cx="2076450" cy="2786063"/>
+          </a:xfrm>
+          <a:prstGeom prst="rect">
+            <a:avLst/>
+          </a:prstGeom>
+        </p:spPr>
+        <p:style>
+          <a:lnRef idx="2">
+            <a:schemeClr val="accent1">
+              <a:shade val="50000"/>
+            </a:schemeClr>
+          </a:lnRef>
+          <a:fillRef idx="1">
+            <a:schemeClr val="accent1"/>
+          </a:fillRef>
+          <a:effectRef idx="0">
+            <a:schemeClr val="accent1"/>
+          </a:effectRef>
+          <a:fontRef idx="minor">
+            <a:schemeClr val="lt1"/>
+          </a:fontRef>
+        </p:style>
+        <p:txBody>
+          <a:bodyPr rtlCol="0" anchor="ctr"/>
+          <a:lstStyle/>
+          <a:p>
+            <a:pPr algn="ctr"/>
+            <a:endParaRPr kumimoji="1" lang="zh-TW" altLang="en-US"/>
+          </a:p>
+        </p:txBody>
+      </p:sp>
+      <p:sp>
+        <p:nvSpPr>
+          <p:cNvPr id="9" name="文字方塊 8"/>
+          <p:cNvSpPr txBox="1"/>
+          <p:nvPr/>
+        </p:nvSpPr>
+        <p:spPr>
+          <a:xfrm>
+            <a:off x="3257549" y="5448980"/>
+            <a:ext cx="2076450" cy="1015663"/>
+          </a:xfrm>
+          <a:prstGeom prst="rect">
+            <a:avLst/>
+          </a:prstGeom>
+          <a:noFill/>
+        </p:spPr>
+        <p:txBody>
+          <a:bodyPr wrap="square" rtlCol="0">
+            <a:spAutoFit/>
+          </a:bodyPr>
+          <a:lstStyle/>
+          <a:p>
+            <a:pPr algn="ctr"/>
+            <a:r>
+              <a:rPr kumimoji="1" lang="en-US" altLang="zh-TW" sz="2000" dirty="0" smtClean="0">
+                <a:solidFill>
+                  <a:srgbClr val="FF0000"/>
+                </a:solidFill>
+              </a:rPr>
+              <a:t>T equilibrium</a:t>
+            </a:r>
+          </a:p>
+          <a:p>
+            <a:pPr algn="ctr"/>
+            <a:endParaRPr kumimoji="1" lang="en-US" altLang="zh-TW" sz="2000" dirty="0">
+              <a:solidFill>
+                <a:srgbClr val="FF0000"/>
+              </a:solidFill>
+            </a:endParaRPr>
+          </a:p>
+          <a:p>
+            <a:pPr algn="ctr"/>
+            <a:r>
+              <a:rPr kumimoji="1" lang="en-US" altLang="zh-TW" sz="2000" b="1" dirty="0" smtClean="0">
+                <a:solidFill>
+                  <a:srgbClr val="7030A0"/>
+                </a:solidFill>
+              </a:rPr>
+              <a:t>G=R</a:t>
+            </a:r>
+            <a:endParaRPr kumimoji="1" lang="zh-TW" altLang="en-US" sz="2000" b="1" dirty="0">
+              <a:solidFill>
+                <a:srgbClr val="7030A0"/>
+              </a:solidFill>
+            </a:endParaRPr>
+          </a:p>
+        </p:txBody>
+      </p:sp>
+      <p:sp>
+        <p:nvSpPr>
+          <p:cNvPr id="13" name="拱形 12"/>
+          <p:cNvSpPr/>
+          <p:nvPr/>
+        </p:nvSpPr>
+        <p:spPr>
+          <a:xfrm>
+            <a:off x="2659856" y="1423789"/>
+            <a:ext cx="3290888" cy="2295920"/>
+          </a:xfrm>
+          <a:prstGeom prst="blockArc">
+            <a:avLst/>
+          </a:prstGeom>
+        </p:spPr>
+        <p:style>
+          <a:lnRef idx="2">
+            <a:schemeClr val="accent1">
+              <a:shade val="50000"/>
+            </a:schemeClr>
+          </a:lnRef>
+          <a:fillRef idx="1">
+            <a:schemeClr val="accent1"/>
+          </a:fillRef>
+          <a:effectRef idx="0">
+            <a:schemeClr val="accent1"/>
+          </a:effectRef>
+          <a:fontRef idx="minor">
+            <a:schemeClr val="lt1"/>
+          </a:fontRef>
+        </p:style>
+        <p:txBody>
+          <a:bodyPr rtlCol="0" anchor="ctr"/>
+          <a:lstStyle/>
+          <a:p>
+            <a:pPr algn="ctr"/>
+            <a:endParaRPr kumimoji="1" lang="zh-TW" altLang="en-US">
+              <a:solidFill>
+                <a:schemeClr val="tx1"/>
+              </a:solidFill>
+            </a:endParaRPr>
+          </a:p>
+        </p:txBody>
+      </p:sp>
+      <p:sp>
+        <p:nvSpPr>
+          <p:cNvPr id="15" name="向上箭號 14"/>
+          <p:cNvSpPr/>
+          <p:nvPr/>
+        </p:nvSpPr>
+        <p:spPr>
+          <a:xfrm>
+            <a:off x="3722488" y="1094582"/>
+            <a:ext cx="303609" cy="1467643"/>
+          </a:xfrm>
+          <a:prstGeom prst="upArrow">
+            <a:avLst/>
+          </a:prstGeom>
+        </p:spPr>
+        <p:style>
+          <a:lnRef idx="2">
+            <a:schemeClr val="accent2">
+              <a:shade val="50000"/>
+            </a:schemeClr>
+          </a:lnRef>
+          <a:fillRef idx="1">
+            <a:schemeClr val="accent2"/>
+          </a:fillRef>
+          <a:effectRef idx="0">
+            <a:schemeClr val="accent2"/>
+          </a:effectRef>
+          <a:fontRef idx="minor">
+            <a:schemeClr val="lt1"/>
+          </a:fontRef>
+        </p:style>
+        <p:txBody>
+          <a:bodyPr rtlCol="0" anchor="ctr"/>
+          <a:lstStyle/>
+          <a:p>
+            <a:pPr algn="ctr"/>
+            <a:endParaRPr kumimoji="1" lang="zh-TW" altLang="en-US"/>
+          </a:p>
+        </p:txBody>
+      </p:sp>
+      <p:sp>
+        <p:nvSpPr>
+          <p:cNvPr id="19" name="向下箭號 18"/>
+          <p:cNvSpPr/>
+          <p:nvPr/>
+        </p:nvSpPr>
+        <p:spPr>
+          <a:xfrm>
+            <a:off x="4538066" y="1094581"/>
+            <a:ext cx="281584" cy="1514871"/>
+          </a:xfrm>
+          <a:prstGeom prst="downArrow">
+            <a:avLst/>
+          </a:prstGeom>
+          <a:solidFill>
+            <a:srgbClr val="FF0000"/>
+          </a:solidFill>
+        </p:spPr>
+        <p:style>
+          <a:lnRef idx="2">
+            <a:schemeClr val="accent1">
+              <a:shade val="50000"/>
+            </a:schemeClr>
+          </a:lnRef>
+          <a:fillRef idx="1">
+            <a:schemeClr val="accent1"/>
+          </a:fillRef>
+          <a:effectRef idx="0">
+            <a:schemeClr val="accent1"/>
+          </a:effectRef>
+          <a:fontRef idx="minor">
+            <a:schemeClr val="lt1"/>
+          </a:fontRef>
+        </p:style>
+        <p:txBody>
+          <a:bodyPr rtlCol="0" anchor="ctr"/>
+          <a:lstStyle/>
+          <a:p>
+            <a:pPr algn="ctr"/>
+            <a:endParaRPr kumimoji="1" lang="zh-TW" altLang="en-US"/>
+          </a:p>
+        </p:txBody>
+      </p:sp>
+      <p:sp>
+        <p:nvSpPr>
+          <p:cNvPr id="20" name="文字方塊 19"/>
+          <p:cNvSpPr txBox="1"/>
+          <p:nvPr/>
+        </p:nvSpPr>
+        <p:spPr>
+          <a:xfrm>
+            <a:off x="2" y="3219450"/>
+            <a:ext cx="3267074" cy="954107"/>
+          </a:xfrm>
+          <a:prstGeom prst="rect">
+            <a:avLst/>
+          </a:prstGeom>
+          <a:noFill/>
+        </p:spPr>
+        <p:txBody>
+          <a:bodyPr wrap="square" rtlCol="0">
+            <a:spAutoFit/>
+          </a:bodyPr>
+          <a:lstStyle/>
+          <a:p>
+            <a:r>
+              <a:rPr kumimoji="1" lang="en-US" altLang="zh-TW" sz="2800" b="1" dirty="0" smtClean="0">
+                <a:solidFill>
+                  <a:schemeClr val="accent2">
+                    <a:lumMod val="75000"/>
+                  </a:schemeClr>
+                </a:solidFill>
+              </a:rPr>
+              <a:t>Generate rate</a:t>
+            </a:r>
+          </a:p>
+          <a:p>
+            <a:r>
+              <a:rPr kumimoji="1" lang="en-US" altLang="zh-TW" sz="2800" b="1" dirty="0" smtClean="0">
+                <a:solidFill>
+                  <a:schemeClr val="accent2">
+                    <a:lumMod val="75000"/>
+                  </a:schemeClr>
+                </a:solidFill>
+              </a:rPr>
+              <a:t>(Evaporate)</a:t>
+            </a:r>
+            <a:endParaRPr kumimoji="1" lang="zh-TW" altLang="en-US" sz="2800" b="1" dirty="0">
+              <a:solidFill>
+                <a:schemeClr val="accent2">
+                  <a:lumMod val="75000"/>
+                </a:schemeClr>
+              </a:solidFill>
+            </a:endParaRPr>
+          </a:p>
+        </p:txBody>
+      </p:sp>
+      <p:sp>
+        <p:nvSpPr>
+          <p:cNvPr id="21" name="文字方塊 20"/>
+          <p:cNvSpPr txBox="1"/>
+          <p:nvPr/>
+        </p:nvSpPr>
+        <p:spPr>
+          <a:xfrm>
+            <a:off x="1" y="4341669"/>
+            <a:ext cx="3267074" cy="954107"/>
+          </a:xfrm>
+          <a:prstGeom prst="rect">
+            <a:avLst/>
+          </a:prstGeom>
+          <a:noFill/>
+        </p:spPr>
+        <p:txBody>
+          <a:bodyPr wrap="square" rtlCol="0">
+            <a:spAutoFit/>
+          </a:bodyPr>
+          <a:lstStyle/>
+          <a:p>
+            <a:r>
+              <a:rPr kumimoji="1" lang="en-US" altLang="zh-TW" sz="2800" b="1" smtClean="0">
+                <a:solidFill>
+                  <a:srgbClr val="FF0000"/>
+                </a:solidFill>
+              </a:rPr>
+              <a:t>Recombination rate </a:t>
+            </a:r>
+            <a:endParaRPr kumimoji="1" lang="en-US" altLang="zh-TW" sz="2800" b="1" dirty="0" smtClean="0">
+              <a:solidFill>
+                <a:srgbClr val="FF0000"/>
+              </a:solidFill>
+            </a:endParaRPr>
+          </a:p>
+          <a:p>
+            <a:r>
+              <a:rPr kumimoji="1" lang="en-US" altLang="zh-TW" sz="2800" b="1" dirty="0" smtClean="0">
+                <a:solidFill>
+                  <a:srgbClr val="FF0000"/>
+                </a:solidFill>
+              </a:rPr>
+              <a:t>(Condensate)</a:t>
+            </a:r>
+            <a:endParaRPr kumimoji="1" lang="zh-TW" altLang="en-US" sz="2800" b="1" dirty="0">
+              <a:solidFill>
+                <a:srgbClr val="FF0000"/>
+              </a:solidFill>
+            </a:endParaRPr>
+          </a:p>
+        </p:txBody>
+      </p:sp>
+      <p:sp>
+        <p:nvSpPr>
+          <p:cNvPr id="22" name="向上箭號 21"/>
+          <p:cNvSpPr/>
+          <p:nvPr/>
+        </p:nvSpPr>
+        <p:spPr>
+          <a:xfrm>
+            <a:off x="7409850" y="365126"/>
+            <a:ext cx="362549" cy="2197100"/>
+          </a:xfrm>
+          <a:prstGeom prst="upArrow">
+            <a:avLst/>
+          </a:prstGeom>
+        </p:spPr>
+        <p:style>
+          <a:lnRef idx="2">
+            <a:schemeClr val="accent2">
+              <a:shade val="50000"/>
+            </a:schemeClr>
+          </a:lnRef>
+          <a:fillRef idx="1">
+            <a:schemeClr val="accent2"/>
+          </a:fillRef>
+          <a:effectRef idx="0">
+            <a:schemeClr val="accent2"/>
+          </a:effectRef>
+          <a:fontRef idx="minor">
+            <a:schemeClr val="lt1"/>
+          </a:fontRef>
+        </p:style>
+        <p:txBody>
+          <a:bodyPr rtlCol="0" anchor="ctr"/>
+          <a:lstStyle/>
+          <a:p>
+            <a:pPr algn="ctr"/>
+            <a:endParaRPr kumimoji="1" lang="zh-TW" altLang="en-US"/>
+          </a:p>
+        </p:txBody>
+      </p:sp>
+      <p:sp>
+        <p:nvSpPr>
+          <p:cNvPr id="23" name="向下箭號 22"/>
+          <p:cNvSpPr/>
+          <p:nvPr/>
+        </p:nvSpPr>
+        <p:spPr>
+          <a:xfrm>
+            <a:off x="8181374" y="1070967"/>
+            <a:ext cx="281584" cy="1514871"/>
+          </a:xfrm>
+          <a:prstGeom prst="downArrow">
+            <a:avLst/>
+          </a:prstGeom>
+          <a:solidFill>
+            <a:srgbClr val="FF0000"/>
+          </a:solidFill>
+        </p:spPr>
+        <p:style>
+          <a:lnRef idx="2">
+            <a:schemeClr val="accent1">
+              <a:shade val="50000"/>
+            </a:schemeClr>
+          </a:lnRef>
+          <a:fillRef idx="1">
+            <a:schemeClr val="accent1"/>
+          </a:fillRef>
+          <a:effectRef idx="0">
+            <a:schemeClr val="accent1"/>
+          </a:effectRef>
+          <a:fontRef idx="minor">
+            <a:schemeClr val="lt1"/>
+          </a:fontRef>
+        </p:style>
+        <p:txBody>
+          <a:bodyPr rtlCol="0" anchor="ctr"/>
+          <a:lstStyle/>
+          <a:p>
+            <a:pPr algn="ctr"/>
+            <a:endParaRPr kumimoji="1" lang="zh-TW" altLang="en-US"/>
+          </a:p>
+        </p:txBody>
+      </p:sp>
+      <p:sp>
+        <p:nvSpPr>
+          <p:cNvPr id="24" name="文字方塊 23"/>
+          <p:cNvSpPr txBox="1"/>
+          <p:nvPr/>
+        </p:nvSpPr>
+        <p:spPr>
+          <a:xfrm>
+            <a:off x="6991350" y="5448980"/>
+            <a:ext cx="2076450" cy="1015663"/>
+          </a:xfrm>
+          <a:prstGeom prst="rect">
+            <a:avLst/>
+          </a:prstGeom>
+          <a:noFill/>
+        </p:spPr>
+        <p:txBody>
+          <a:bodyPr wrap="square" rtlCol="0">
+            <a:spAutoFit/>
+          </a:bodyPr>
+          <a:lstStyle/>
+          <a:p>
+            <a:pPr algn="ctr"/>
+            <a:r>
+              <a:rPr kumimoji="1" lang="en-US" altLang="zh-TW" sz="2000" dirty="0" smtClean="0">
+                <a:solidFill>
+                  <a:srgbClr val="FF0000"/>
+                </a:solidFill>
+              </a:rPr>
+              <a:t>Take off the cover</a:t>
+            </a:r>
+          </a:p>
+          <a:p>
+            <a:pPr algn="ctr"/>
+            <a:endParaRPr kumimoji="1" lang="en-US" altLang="zh-TW" sz="2000" dirty="0">
+              <a:solidFill>
+                <a:srgbClr val="FF0000"/>
+              </a:solidFill>
+            </a:endParaRPr>
+          </a:p>
+          <a:p>
+            <a:pPr algn="ctr"/>
+            <a:r>
+              <a:rPr kumimoji="1" lang="en-US" altLang="zh-TW" sz="2000" b="1" dirty="0" smtClean="0">
+                <a:solidFill>
+                  <a:srgbClr val="7030A0"/>
+                </a:solidFill>
+              </a:rPr>
+              <a:t>G&gt;R</a:t>
+            </a:r>
+            <a:endParaRPr kumimoji="1" lang="zh-TW" altLang="en-US" sz="2000" b="1" dirty="0">
+              <a:solidFill>
+                <a:srgbClr val="7030A0"/>
+              </a:solidFill>
+            </a:endParaRPr>
+          </a:p>
+        </p:txBody>
+      </p:sp>
+      <p:sp>
+        <p:nvSpPr>
+          <p:cNvPr id="25" name="文字方塊 24"/>
+          <p:cNvSpPr txBox="1"/>
+          <p:nvPr/>
+        </p:nvSpPr>
+        <p:spPr>
+          <a:xfrm>
+            <a:off x="5895976" y="3977991"/>
+            <a:ext cx="2133599" cy="461665"/>
+          </a:xfrm>
+          <a:prstGeom prst="rect">
+            <a:avLst/>
+          </a:prstGeom>
+          <a:noFill/>
+        </p:spPr>
+        <p:txBody>
+          <a:bodyPr wrap="square" rtlCol="0">
+            <a:spAutoFit/>
+          </a:bodyPr>
+          <a:lstStyle/>
+          <a:p>
+            <a:r>
+              <a:rPr kumimoji="1" lang="en-US" altLang="zh-TW" sz="2400" dirty="0" smtClean="0">
+                <a:solidFill>
+                  <a:srgbClr val="0070C0"/>
+                </a:solidFill>
+              </a:rPr>
+              <a:t>Water</a:t>
+            </a:r>
+            <a:endParaRPr kumimoji="1" lang="zh-TW" altLang="en-US" sz="2400" dirty="0">
+              <a:solidFill>
+                <a:srgbClr val="0070C0"/>
+              </a:solidFill>
+            </a:endParaRPr>
+          </a:p>
+        </p:txBody>
+      </p:sp>
+      <p:sp>
+        <p:nvSpPr>
+          <p:cNvPr id="26" name="文字方塊 25"/>
+          <p:cNvSpPr txBox="1"/>
+          <p:nvPr/>
+        </p:nvSpPr>
+        <p:spPr>
+          <a:xfrm>
+            <a:off x="8181374" y="6367136"/>
+            <a:ext cx="4705351" cy="461665"/>
+          </a:xfrm>
+          <a:prstGeom prst="rect">
+            <a:avLst/>
+          </a:prstGeom>
+          <a:noFill/>
+        </p:spPr>
+        <p:txBody>
+          <a:bodyPr wrap="square" rtlCol="0">
+            <a:spAutoFit/>
+          </a:bodyPr>
+          <a:lstStyle/>
+          <a:p>
+            <a:r>
+              <a:rPr kumimoji="1" lang="en-US" altLang="zh-TW" sz="2400" b="1" dirty="0" smtClean="0">
+                <a:solidFill>
+                  <a:schemeClr val="accent6">
+                    <a:lumMod val="50000"/>
+                  </a:schemeClr>
+                </a:solidFill>
+              </a:rPr>
+              <a:t>The same as our experiment!</a:t>
+            </a:r>
+            <a:endParaRPr kumimoji="1" lang="zh-TW" altLang="en-US" sz="2400" b="1" dirty="0">
+              <a:solidFill>
+                <a:schemeClr val="accent6">
+                  <a:lumMod val="50000"/>
+                </a:schemeClr>
+              </a:solidFill>
+            </a:endParaRPr>
+          </a:p>
+        </p:txBody>
+      </p:sp>
+    </p:spTree>
+    <p:extLst>
+      <p:ext uri="{BB962C8B-B14F-4D97-AF65-F5344CB8AC3E}">
+        <p14:creationId xmlns:p14="http://schemas.microsoft.com/office/powerpoint/2010/main" val="77073890"/>
+      </p:ext>
+    </p:extLst>
+  </p:cSld>
+  <p:clrMapOvr>
+    <a:masterClrMapping/>
+  </p:clrMapOvr>
+  <p:timing>
+    <p:tnLst>
+      <p:par>
+        <p:cTn id="1" dur="indefinite" restart="never" nodeType="tmRoot"/>
+      </p:par>
+    </p:tnLst>
+  </p:timing>
+</p:sld>
+</file>
+
+<file path=ppt/slides/slide9.xml><?xml version="1.0" encoding="utf-8"?>
+<p:sld xmlns:a="http://schemas.openxmlformats.org/drawingml/2006/main" xmlns:r="http://schemas.openxmlformats.org/officeDocument/2006/relationships" xmlns:p="http://schemas.openxmlformats.org/presentationml/2006/main">
+  <p:cSld>
+    <p:spTree>
+      <p:nvGrpSpPr>
+        <p:cNvPr id="1" name=""/>
+        <p:cNvGrpSpPr/>
+        <p:nvPr/>
+      </p:nvGrpSpPr>
+      <p:grpSpPr>
+        <a:xfrm>
+          <a:off x="0" y="0"/>
+          <a:ext cx="0" cy="0"/>
+          <a:chOff x="0" y="0"/>
+          <a:chExt cx="0" cy="0"/>
+        </a:xfrm>
+      </p:grpSpPr>
+      <p:sp>
+        <p:nvSpPr>
+          <p:cNvPr id="2" name="標題 1"/>
+          <p:cNvSpPr>
+            <a:spLocks noGrp="1"/>
+          </p:cNvSpPr>
+          <p:nvPr>
+            <p:ph type="title"/>
+          </p:nvPr>
+        </p:nvSpPr>
+        <p:spPr/>
+        <p:txBody>
+          <a:bodyPr/>
+          <a:lstStyle/>
+          <a:p>
+            <a:r>
+              <a:rPr kumimoji="1" lang="en-US" altLang="zh-TW" dirty="0" smtClean="0"/>
+              <a:t>Image again</a:t>
+            </a:r>
+            <a:r>
+              <a:rPr kumimoji="1" lang="mr-IN" altLang="zh-TW" dirty="0" smtClean="0"/>
+              <a:t>…</a:t>
+            </a:r>
+            <a:r>
+              <a:rPr kumimoji="1" lang="en-US" altLang="zh-TW" dirty="0" smtClean="0"/>
+              <a:t>.</a:t>
+            </a:r>
+            <a:endParaRPr kumimoji="1" lang="zh-TW" altLang="en-US" dirty="0"/>
+          </a:p>
+        </p:txBody>
+      </p:sp>
+      <p:sp>
+        <p:nvSpPr>
+          <p:cNvPr id="7" name="矩形 6"/>
+          <p:cNvSpPr/>
+          <p:nvPr/>
+        </p:nvSpPr>
+        <p:spPr>
+          <a:xfrm>
+            <a:off x="3267075" y="2571750"/>
+            <a:ext cx="2076450" cy="2786063"/>
+          </a:xfrm>
+          <a:prstGeom prst="rect">
+            <a:avLst/>
+          </a:prstGeom>
+        </p:spPr>
+        <p:style>
+          <a:lnRef idx="2">
+            <a:schemeClr val="accent1">
+              <a:shade val="50000"/>
+            </a:schemeClr>
+          </a:lnRef>
+          <a:fillRef idx="1">
+            <a:schemeClr val="accent1"/>
+          </a:fillRef>
+          <a:effectRef idx="0">
+            <a:schemeClr val="accent1"/>
+          </a:effectRef>
+          <a:fontRef idx="minor">
+            <a:schemeClr val="lt1"/>
+          </a:fontRef>
+        </p:style>
+        <p:txBody>
+          <a:bodyPr rtlCol="0" anchor="ctr"/>
+          <a:lstStyle/>
+          <a:p>
+            <a:pPr algn="ctr"/>
+            <a:endParaRPr kumimoji="1" lang="zh-TW" altLang="en-US"/>
+          </a:p>
+        </p:txBody>
+      </p:sp>
+      <p:sp>
+        <p:nvSpPr>
+          <p:cNvPr id="8" name="矩形 7"/>
+          <p:cNvSpPr/>
+          <p:nvPr/>
+        </p:nvSpPr>
+        <p:spPr>
+          <a:xfrm>
+            <a:off x="7048500" y="2571749"/>
+            <a:ext cx="2076450" cy="2786063"/>
+          </a:xfrm>
+          <a:prstGeom prst="rect">
+            <a:avLst/>
+          </a:prstGeom>
+        </p:spPr>
+        <p:style>
+          <a:lnRef idx="2">
+            <a:schemeClr val="accent1">
+              <a:shade val="50000"/>
+            </a:schemeClr>
+          </a:lnRef>
+          <a:fillRef idx="1">
+            <a:schemeClr val="accent1"/>
+          </a:fillRef>
+          <a:effectRef idx="0">
+            <a:schemeClr val="accent1"/>
+          </a:effectRef>
+          <a:fontRef idx="minor">
+            <a:schemeClr val="lt1"/>
+          </a:fontRef>
+        </p:style>
+        <p:txBody>
+          <a:bodyPr rtlCol="0" anchor="ctr"/>
+          <a:lstStyle/>
+          <a:p>
+            <a:pPr algn="ctr"/>
+            <a:endParaRPr kumimoji="1" lang="zh-TW" altLang="en-US"/>
+          </a:p>
+        </p:txBody>
+      </p:sp>
+      <p:sp>
+        <p:nvSpPr>
+          <p:cNvPr id="9" name="文字方塊 8"/>
+          <p:cNvSpPr txBox="1"/>
+          <p:nvPr/>
+        </p:nvSpPr>
+        <p:spPr>
+          <a:xfrm>
+            <a:off x="3257549" y="5448980"/>
+            <a:ext cx="2076450" cy="1323439"/>
+          </a:xfrm>
+          <a:prstGeom prst="rect">
+            <a:avLst/>
+          </a:prstGeom>
+          <a:noFill/>
+        </p:spPr>
+        <p:txBody>
+          <a:bodyPr wrap="square" rtlCol="0">
+            <a:spAutoFit/>
+          </a:bodyPr>
+          <a:lstStyle/>
+          <a:p>
+            <a:pPr algn="ctr"/>
+            <a:r>
+              <a:rPr kumimoji="1" lang="en-US" altLang="zh-TW" sz="2000" dirty="0" smtClean="0">
+                <a:solidFill>
+                  <a:srgbClr val="FF0000"/>
+                </a:solidFill>
+              </a:rPr>
+              <a:t>T equilibrium</a:t>
+            </a:r>
+          </a:p>
+          <a:p>
+            <a:pPr algn="ctr"/>
+            <a:r>
+              <a:rPr kumimoji="1" lang="en-US" altLang="zh-TW" sz="2000" dirty="0" smtClean="0">
+                <a:solidFill>
+                  <a:srgbClr val="FF0000"/>
+                </a:solidFill>
+              </a:rPr>
+              <a:t>(Electric field off)</a:t>
+            </a:r>
+          </a:p>
+          <a:p>
+            <a:pPr algn="ctr"/>
+            <a:endParaRPr kumimoji="1" lang="en-US" altLang="zh-TW" sz="2000" dirty="0">
+              <a:solidFill>
+                <a:srgbClr val="FF0000"/>
+              </a:solidFill>
+            </a:endParaRPr>
+          </a:p>
+          <a:p>
+            <a:pPr algn="ctr"/>
+            <a:r>
+              <a:rPr kumimoji="1" lang="en-US" altLang="zh-TW" sz="2000" b="1" dirty="0" smtClean="0">
+                <a:solidFill>
+                  <a:srgbClr val="7030A0"/>
+                </a:solidFill>
+              </a:rPr>
+              <a:t>G=R</a:t>
+            </a:r>
+            <a:endParaRPr kumimoji="1" lang="zh-TW" altLang="en-US" sz="2000" b="1" dirty="0">
+              <a:solidFill>
+                <a:srgbClr val="7030A0"/>
+              </a:solidFill>
+            </a:endParaRPr>
+          </a:p>
+        </p:txBody>
+      </p:sp>
+      <p:sp>
+        <p:nvSpPr>
+          <p:cNvPr id="13" name="拱形 12"/>
+          <p:cNvSpPr/>
+          <p:nvPr/>
+        </p:nvSpPr>
+        <p:spPr>
+          <a:xfrm>
+            <a:off x="2659856" y="1423789"/>
+            <a:ext cx="3290888" cy="2295920"/>
+          </a:xfrm>
+          <a:prstGeom prst="blockArc">
+            <a:avLst/>
+          </a:prstGeom>
+        </p:spPr>
+        <p:style>
+          <a:lnRef idx="2">
+            <a:schemeClr val="accent1">
+              <a:shade val="50000"/>
+            </a:schemeClr>
+          </a:lnRef>
+          <a:fillRef idx="1">
+            <a:schemeClr val="accent1"/>
+          </a:fillRef>
+          <a:effectRef idx="0">
+            <a:schemeClr val="accent1"/>
+          </a:effectRef>
+          <a:fontRef idx="minor">
+            <a:schemeClr val="lt1"/>
+          </a:fontRef>
+        </p:style>
+        <p:txBody>
+          <a:bodyPr rtlCol="0" anchor="ctr"/>
+          <a:lstStyle/>
+          <a:p>
+            <a:pPr algn="ctr"/>
+            <a:endParaRPr kumimoji="1" lang="zh-TW" altLang="en-US">
+              <a:solidFill>
+                <a:schemeClr val="tx1"/>
+              </a:solidFill>
+            </a:endParaRPr>
+          </a:p>
+        </p:txBody>
+      </p:sp>
+      <p:sp>
+        <p:nvSpPr>
+          <p:cNvPr id="15" name="向上箭號 14"/>
+          <p:cNvSpPr/>
+          <p:nvPr/>
+        </p:nvSpPr>
+        <p:spPr>
+          <a:xfrm>
+            <a:off x="3722488" y="1094582"/>
+            <a:ext cx="303609" cy="1467643"/>
+          </a:xfrm>
+          <a:prstGeom prst="upArrow">
+            <a:avLst/>
+          </a:prstGeom>
+        </p:spPr>
+        <p:style>
+          <a:lnRef idx="2">
+            <a:schemeClr val="accent2">
+              <a:shade val="50000"/>
+            </a:schemeClr>
+          </a:lnRef>
+          <a:fillRef idx="1">
+            <a:schemeClr val="accent2"/>
+          </a:fillRef>
+          <a:effectRef idx="0">
+            <a:schemeClr val="accent2"/>
+          </a:effectRef>
+          <a:fontRef idx="minor">
+            <a:schemeClr val="lt1"/>
+          </a:fontRef>
+        </p:style>
+        <p:txBody>
+          <a:bodyPr rtlCol="0" anchor="ctr"/>
+          <a:lstStyle/>
+          <a:p>
+            <a:pPr algn="ctr"/>
+            <a:endParaRPr kumimoji="1" lang="zh-TW" altLang="en-US"/>
+          </a:p>
+        </p:txBody>
+      </p:sp>
+      <p:sp>
+        <p:nvSpPr>
+          <p:cNvPr id="19" name="向下箭號 18"/>
+          <p:cNvSpPr/>
+          <p:nvPr/>
+        </p:nvSpPr>
+        <p:spPr>
+          <a:xfrm>
+            <a:off x="4538066" y="1094581"/>
+            <a:ext cx="281584" cy="1514871"/>
+          </a:xfrm>
+          <a:prstGeom prst="downArrow">
+            <a:avLst/>
+          </a:prstGeom>
+          <a:solidFill>
+            <a:srgbClr val="FF0000"/>
+          </a:solidFill>
+        </p:spPr>
+        <p:style>
+          <a:lnRef idx="2">
+            <a:schemeClr val="accent1">
+              <a:shade val="50000"/>
+            </a:schemeClr>
+          </a:lnRef>
+          <a:fillRef idx="1">
+            <a:schemeClr val="accent1"/>
+          </a:fillRef>
+          <a:effectRef idx="0">
+            <a:schemeClr val="accent1"/>
+          </a:effectRef>
+          <a:fontRef idx="minor">
+            <a:schemeClr val="lt1"/>
+          </a:fontRef>
+        </p:style>
+        <p:txBody>
+          <a:bodyPr rtlCol="0" anchor="ctr"/>
+          <a:lstStyle/>
+          <a:p>
+            <a:pPr algn="ctr"/>
+            <a:endParaRPr kumimoji="1" lang="zh-TW" altLang="en-US"/>
+          </a:p>
+        </p:txBody>
+      </p:sp>
+      <p:sp>
+        <p:nvSpPr>
+          <p:cNvPr id="20" name="文字方塊 19"/>
+          <p:cNvSpPr txBox="1"/>
+          <p:nvPr/>
+        </p:nvSpPr>
+        <p:spPr>
+          <a:xfrm>
+            <a:off x="2" y="3219450"/>
+            <a:ext cx="3267074" cy="954107"/>
+          </a:xfrm>
+          <a:prstGeom prst="rect">
+            <a:avLst/>
+          </a:prstGeom>
+          <a:noFill/>
+        </p:spPr>
+        <p:txBody>
+          <a:bodyPr wrap="square" rtlCol="0">
+            <a:spAutoFit/>
+          </a:bodyPr>
+          <a:lstStyle/>
+          <a:p>
+            <a:r>
+              <a:rPr kumimoji="1" lang="en-US" altLang="zh-TW" sz="2800" b="1" dirty="0" smtClean="0">
+                <a:solidFill>
+                  <a:schemeClr val="accent2">
+                    <a:lumMod val="75000"/>
+                  </a:schemeClr>
+                </a:solidFill>
+              </a:rPr>
+              <a:t>Generate rate</a:t>
+            </a:r>
+            <a:br>
+              <a:rPr kumimoji="1" lang="en-US" altLang="zh-TW" sz="2800" b="1" dirty="0" smtClean="0">
+                <a:solidFill>
+                  <a:schemeClr val="accent2">
+                    <a:lumMod val="75000"/>
+                  </a:schemeClr>
+                </a:solidFill>
+              </a:rPr>
+            </a:br>
+            <a:r>
+              <a:rPr kumimoji="1" lang="en-US" altLang="zh-TW" sz="2800" b="1" dirty="0" smtClean="0">
+                <a:solidFill>
+                  <a:schemeClr val="accent2">
+                    <a:lumMod val="75000"/>
+                  </a:schemeClr>
+                </a:solidFill>
+              </a:rPr>
+              <a:t>(e pop up)</a:t>
+            </a:r>
+            <a:endParaRPr kumimoji="1" lang="zh-TW" altLang="en-US" sz="2800" b="1" dirty="0">
+              <a:solidFill>
+                <a:schemeClr val="accent2">
+                  <a:lumMod val="75000"/>
+                </a:schemeClr>
+              </a:solidFill>
+            </a:endParaRPr>
+          </a:p>
+        </p:txBody>
+      </p:sp>
+      <p:sp>
+        <p:nvSpPr>
+          <p:cNvPr id="21" name="文字方塊 20"/>
+          <p:cNvSpPr txBox="1"/>
+          <p:nvPr/>
+        </p:nvSpPr>
+        <p:spPr>
+          <a:xfrm>
+            <a:off x="1" y="4341669"/>
+            <a:ext cx="3267074" cy="954107"/>
+          </a:xfrm>
+          <a:prstGeom prst="rect">
+            <a:avLst/>
+          </a:prstGeom>
+          <a:noFill/>
+        </p:spPr>
+        <p:txBody>
+          <a:bodyPr wrap="square" rtlCol="0">
+            <a:spAutoFit/>
+          </a:bodyPr>
+          <a:lstStyle/>
+          <a:p>
+            <a:r>
+              <a:rPr kumimoji="1" lang="en-US" altLang="zh-TW" sz="2800" b="1" dirty="0" smtClean="0">
+                <a:solidFill>
+                  <a:srgbClr val="FF0000"/>
+                </a:solidFill>
+              </a:rPr>
+              <a:t>Recombination rate</a:t>
+            </a:r>
+          </a:p>
+          <a:p>
+            <a:r>
+              <a:rPr kumimoji="1" lang="en-US" altLang="zh-TW" sz="2800" b="1" dirty="0" smtClean="0">
+                <a:solidFill>
+                  <a:srgbClr val="FF0000"/>
+                </a:solidFill>
+              </a:rPr>
+              <a:t>(e absorbed)</a:t>
+            </a:r>
+            <a:endParaRPr kumimoji="1" lang="zh-TW" altLang="en-US" sz="2800" b="1" dirty="0">
+              <a:solidFill>
+                <a:srgbClr val="FF0000"/>
+              </a:solidFill>
+            </a:endParaRPr>
+          </a:p>
+        </p:txBody>
+      </p:sp>
+      <p:sp>
+        <p:nvSpPr>
+          <p:cNvPr id="22" name="向上箭號 21"/>
+          <p:cNvSpPr/>
+          <p:nvPr/>
+        </p:nvSpPr>
+        <p:spPr>
+          <a:xfrm>
+            <a:off x="7409850" y="365126"/>
+            <a:ext cx="362549" cy="2197100"/>
+          </a:xfrm>
+          <a:prstGeom prst="upArrow">
+            <a:avLst/>
+          </a:prstGeom>
+        </p:spPr>
+        <p:style>
+          <a:lnRef idx="2">
+            <a:schemeClr val="accent2">
+              <a:shade val="50000"/>
+            </a:schemeClr>
+          </a:lnRef>
+          <a:fillRef idx="1">
+            <a:schemeClr val="accent2"/>
+          </a:fillRef>
+          <a:effectRef idx="0">
+            <a:schemeClr val="accent2"/>
+          </a:effectRef>
+          <a:fontRef idx="minor">
+            <a:schemeClr val="lt1"/>
+          </a:fontRef>
+        </p:style>
+        <p:txBody>
+          <a:bodyPr rtlCol="0" anchor="ctr"/>
+          <a:lstStyle/>
+          <a:p>
+            <a:pPr algn="ctr"/>
+            <a:endParaRPr kumimoji="1" lang="zh-TW" altLang="en-US"/>
+          </a:p>
+        </p:txBody>
+      </p:sp>
+      <p:sp>
+        <p:nvSpPr>
+          <p:cNvPr id="23" name="向下箭號 22"/>
+          <p:cNvSpPr/>
+          <p:nvPr/>
+        </p:nvSpPr>
+        <p:spPr>
+          <a:xfrm>
+            <a:off x="8181374" y="1070967"/>
+            <a:ext cx="281584" cy="1514871"/>
+          </a:xfrm>
+          <a:prstGeom prst="downArrow">
+            <a:avLst/>
+          </a:prstGeom>
+          <a:solidFill>
+            <a:srgbClr val="FF0000"/>
+          </a:solidFill>
+        </p:spPr>
+        <p:style>
+          <a:lnRef idx="2">
+            <a:schemeClr val="accent1">
+              <a:shade val="50000"/>
+            </a:schemeClr>
+          </a:lnRef>
+          <a:fillRef idx="1">
+            <a:schemeClr val="accent1"/>
+          </a:fillRef>
+          <a:effectRef idx="0">
+            <a:schemeClr val="accent1"/>
+          </a:effectRef>
+          <a:fontRef idx="minor">
+            <a:schemeClr val="lt1"/>
+          </a:fontRef>
+        </p:style>
+        <p:txBody>
+          <a:bodyPr rtlCol="0" anchor="ctr"/>
+          <a:lstStyle/>
+          <a:p>
+            <a:pPr algn="ctr"/>
+            <a:endParaRPr kumimoji="1" lang="zh-TW" altLang="en-US"/>
+          </a:p>
+        </p:txBody>
+      </p:sp>
+      <p:sp>
+        <p:nvSpPr>
+          <p:cNvPr id="24" name="文字方塊 23"/>
+          <p:cNvSpPr txBox="1"/>
+          <p:nvPr/>
+        </p:nvSpPr>
+        <p:spPr>
+          <a:xfrm>
+            <a:off x="6991350" y="5448980"/>
+            <a:ext cx="2076450" cy="1323439"/>
+          </a:xfrm>
+          <a:prstGeom prst="rect">
+            <a:avLst/>
+          </a:prstGeom>
+          <a:noFill/>
+        </p:spPr>
+        <p:txBody>
+          <a:bodyPr wrap="square" rtlCol="0">
+            <a:spAutoFit/>
+          </a:bodyPr>
+          <a:lstStyle/>
+          <a:p>
+            <a:pPr algn="ctr"/>
+            <a:r>
+              <a:rPr kumimoji="1" lang="en-US" altLang="zh-TW" sz="2000" dirty="0" smtClean="0">
+                <a:solidFill>
+                  <a:srgbClr val="FF0000"/>
+                </a:solidFill>
+              </a:rPr>
+              <a:t>Take off the cover</a:t>
+            </a:r>
+          </a:p>
+          <a:p>
+            <a:pPr algn="ctr"/>
+            <a:r>
+              <a:rPr kumimoji="1" lang="en-US" altLang="zh-TW" sz="2000" dirty="0">
+                <a:solidFill>
+                  <a:srgbClr val="FF0000"/>
+                </a:solidFill>
+              </a:rPr>
+              <a:t>(Electric field </a:t>
+            </a:r>
+            <a:r>
+              <a:rPr kumimoji="1" lang="en-US" altLang="zh-TW" sz="2000" dirty="0" smtClean="0">
+                <a:solidFill>
+                  <a:srgbClr val="FF0000"/>
+                </a:solidFill>
+              </a:rPr>
+              <a:t>on)</a:t>
+            </a:r>
+          </a:p>
+          <a:p>
+            <a:pPr algn="ctr"/>
+            <a:endParaRPr kumimoji="1" lang="en-US" altLang="zh-TW" sz="2000" dirty="0">
+              <a:solidFill>
+                <a:srgbClr val="FF0000"/>
+              </a:solidFill>
+            </a:endParaRPr>
+          </a:p>
+          <a:p>
+            <a:pPr algn="ctr"/>
+            <a:r>
+              <a:rPr kumimoji="1" lang="en-US" altLang="zh-TW" sz="2000" b="1" dirty="0" smtClean="0">
+                <a:solidFill>
+                  <a:srgbClr val="7030A0"/>
+                </a:solidFill>
+              </a:rPr>
+              <a:t>G&gt;R</a:t>
+            </a:r>
+            <a:endParaRPr kumimoji="1" lang="zh-TW" altLang="en-US" sz="2000" b="1" dirty="0">
+              <a:solidFill>
+                <a:srgbClr val="7030A0"/>
+              </a:solidFill>
+            </a:endParaRPr>
+          </a:p>
+        </p:txBody>
+      </p:sp>
+      <p:sp>
+        <p:nvSpPr>
+          <p:cNvPr id="25" name="文字方塊 24"/>
+          <p:cNvSpPr txBox="1"/>
+          <p:nvPr/>
+        </p:nvSpPr>
+        <p:spPr>
+          <a:xfrm>
+            <a:off x="5413773" y="3976140"/>
+            <a:ext cx="2133599" cy="461665"/>
+          </a:xfrm>
+          <a:prstGeom prst="rect">
+            <a:avLst/>
+          </a:prstGeom>
+          <a:noFill/>
+        </p:spPr>
+        <p:txBody>
+          <a:bodyPr wrap="square" rtlCol="0">
+            <a:spAutoFit/>
+          </a:bodyPr>
+          <a:lstStyle/>
+          <a:p>
+            <a:r>
+              <a:rPr kumimoji="1" lang="en-US" altLang="zh-TW" sz="2400" smtClean="0">
+                <a:solidFill>
+                  <a:srgbClr val="0070C0"/>
+                </a:solidFill>
+              </a:rPr>
+              <a:t>Electron </a:t>
+            </a:r>
+            <a:r>
+              <a:rPr kumimoji="1" lang="en-US" altLang="zh-TW" sz="2400" dirty="0" smtClean="0">
+                <a:solidFill>
+                  <a:srgbClr val="0070C0"/>
+                </a:solidFill>
+              </a:rPr>
+              <a:t>sea</a:t>
+            </a:r>
+            <a:endParaRPr kumimoji="1" lang="zh-TW" altLang="en-US" sz="2400" dirty="0">
+              <a:solidFill>
+                <a:srgbClr val="0070C0"/>
+              </a:solidFill>
+            </a:endParaRPr>
+          </a:p>
+        </p:txBody>
+      </p:sp>
+      <mc:AlternateContent xmlns:mc="http://schemas.openxmlformats.org/markup-compatibility/2006" xmlns:a14="http://schemas.microsoft.com/office/drawing/2010/main">
+        <mc:Choice Requires="a14">
+          <p:sp>
+            <p:nvSpPr>
+              <p:cNvPr id="3" name="文字方塊 2"/>
+              <p:cNvSpPr txBox="1"/>
+              <p:nvPr/>
+            </p:nvSpPr>
+            <p:spPr>
+              <a:xfrm>
+                <a:off x="8133749" y="60325"/>
+                <a:ext cx="3664144" cy="903132"/>
+              </a:xfrm>
+              <a:prstGeom prst="rect">
+                <a:avLst/>
+              </a:prstGeom>
+              <a:noFill/>
+            </p:spPr>
+            <p:txBody>
+              <a:bodyPr wrap="square" rtlCol="0">
+                <a:spAutoFit/>
+              </a:bodyPr>
+              <a:lstStyle/>
+              <a:p>
+                <a:pPr/>
+                <a14:m>
+                  <m:oMathPara xmlns:m="http://schemas.openxmlformats.org/officeDocument/2006/math">
+                    <m:oMathParaPr>
+                      <m:jc m:val="centerGroup"/>
+                    </m:oMathParaPr>
+                    <m:oMath xmlns:m="http://schemas.openxmlformats.org/officeDocument/2006/math">
+                      <m:f>
+                        <m:fPr>
+                          <m:ctrlPr>
+                            <a:rPr kumimoji="1" lang="mr-IN" altLang="zh-TW" b="1" i="1" smtClean="0">
+                              <a:solidFill>
+                                <a:schemeClr val="accent2">
+                                  <a:lumMod val="75000"/>
+                                </a:schemeClr>
+                              </a:solidFill>
+                              <a:latin typeface="Cambria Math" charset="0"/>
+                            </a:rPr>
+                          </m:ctrlPr>
+                        </m:fPr>
+                        <m:num>
+                          <m:r>
+                            <a:rPr kumimoji="1" lang="el-GR" altLang="zh-TW" b="1" i="1" smtClean="0">
+                              <a:solidFill>
+                                <a:schemeClr val="accent2">
+                                  <a:lumMod val="75000"/>
+                                </a:schemeClr>
+                              </a:solidFill>
+                              <a:latin typeface="Cambria Math" charset="0"/>
+                              <a:ea typeface="Cambria Math" charset="0"/>
+                              <a:cs typeface="Cambria Math" charset="0"/>
+                            </a:rPr>
+                            <m:t>𝜟</m:t>
+                          </m:r>
+                          <m:r>
+                            <a:rPr kumimoji="1" lang="en-US" altLang="zh-TW" b="1" i="1" smtClean="0">
+                              <a:solidFill>
+                                <a:schemeClr val="accent2">
+                                  <a:lumMod val="75000"/>
+                                </a:schemeClr>
+                              </a:solidFill>
+                              <a:latin typeface="Cambria Math" charset="0"/>
+                              <a:ea typeface="Cambria Math" charset="0"/>
+                              <a:cs typeface="Cambria Math" charset="0"/>
+                            </a:rPr>
+                            <m:t>𝒏</m:t>
+                          </m:r>
+                        </m:num>
+                        <m:den>
+                          <m:r>
+                            <a:rPr kumimoji="1" lang="en-US" altLang="zh-TW" b="1" i="1" smtClean="0">
+                              <a:solidFill>
+                                <a:schemeClr val="accent2">
+                                  <a:lumMod val="75000"/>
+                                </a:schemeClr>
+                              </a:solidFill>
+                              <a:latin typeface="Cambria Math" charset="0"/>
+                            </a:rPr>
+                            <m:t>𝑻</m:t>
+                          </m:r>
+                        </m:den>
+                      </m:f>
+                      <m:r>
+                        <a:rPr kumimoji="1" lang="en-US" altLang="zh-TW" b="1" i="1" smtClean="0">
+                          <a:solidFill>
+                            <a:schemeClr val="accent2">
+                              <a:lumMod val="75000"/>
+                            </a:schemeClr>
+                          </a:solidFill>
+                          <a:latin typeface="Cambria Math" charset="0"/>
+                        </a:rPr>
+                        <m:t>= </m:t>
+                      </m:r>
+                      <m:f>
+                        <m:fPr>
+                          <m:ctrlPr>
+                            <a:rPr kumimoji="1" lang="mr-IN" altLang="zh-TW" b="1" i="1" smtClean="0">
+                              <a:solidFill>
+                                <a:schemeClr val="accent2">
+                                  <a:lumMod val="75000"/>
+                                </a:schemeClr>
+                              </a:solidFill>
+                              <a:latin typeface="Cambria Math" charset="0"/>
+                            </a:rPr>
+                          </m:ctrlPr>
+                        </m:fPr>
+                        <m:num>
+                          <m:f>
+                            <m:fPr>
+                              <m:ctrlPr>
+                                <a:rPr kumimoji="1" lang="en-US" altLang="zh-TW" b="1" i="1" smtClean="0">
+                                  <a:solidFill>
+                                    <a:schemeClr val="accent2">
+                                      <a:lumMod val="75000"/>
+                                    </a:schemeClr>
+                                  </a:solidFill>
+                                  <a:latin typeface="Cambria Math" charset="0"/>
+                                </a:rPr>
+                              </m:ctrlPr>
+                            </m:fPr>
+                            <m:num>
+                              <m:sSup>
+                                <m:sSupPr>
+                                  <m:ctrlPr>
+                                    <a:rPr kumimoji="1" lang="mr-IN" altLang="zh-TW" b="1" i="1" smtClean="0">
+                                      <a:solidFill>
+                                        <a:schemeClr val="accent2">
+                                          <a:lumMod val="75000"/>
+                                        </a:schemeClr>
+                                      </a:solidFill>
+                                      <a:latin typeface="Cambria Math" charset="0"/>
+                                    </a:rPr>
+                                  </m:ctrlPr>
+                                </m:sSupPr>
+                                <m:e>
+                                  <m:r>
+                                    <a:rPr kumimoji="1" lang="en-US" altLang="zh-TW" b="1" i="1" smtClean="0">
+                                      <a:solidFill>
+                                        <a:schemeClr val="accent2">
+                                          <a:lumMod val="75000"/>
+                                        </a:schemeClr>
+                                      </a:solidFill>
+                                      <a:latin typeface="Cambria Math" charset="0"/>
+                                    </a:rPr>
+                                    <m:t>𝟏𝟎</m:t>
+                                  </m:r>
+                                </m:e>
+                                <m:sup>
+                                  <m:r>
+                                    <a:rPr kumimoji="1" lang="en-US" altLang="zh-TW" b="1" i="1" smtClean="0">
+                                      <a:solidFill>
+                                        <a:schemeClr val="accent2">
+                                          <a:lumMod val="75000"/>
+                                        </a:schemeClr>
+                                      </a:solidFill>
+                                      <a:latin typeface="Cambria Math" charset="0"/>
+                                    </a:rPr>
+                                    <m:t>𝟏𝟎</m:t>
+                                  </m:r>
+                                </m:sup>
+                              </m:sSup>
+                            </m:num>
+                            <m:den>
+                              <m:sSup>
+                                <m:sSupPr>
+                                  <m:ctrlPr>
+                                    <a:rPr kumimoji="1" lang="en-US" altLang="zh-TW" b="1" i="1" smtClean="0">
+                                      <a:solidFill>
+                                        <a:schemeClr val="accent2">
+                                          <a:lumMod val="75000"/>
+                                        </a:schemeClr>
+                                      </a:solidFill>
+                                      <a:latin typeface="Cambria Math" charset="0"/>
+                                    </a:rPr>
+                                  </m:ctrlPr>
+                                </m:sSupPr>
+                                <m:e>
+                                  <m:r>
+                                    <a:rPr kumimoji="1" lang="en-US" altLang="zh-TW" b="1" i="1" smtClean="0">
+                                      <a:solidFill>
+                                        <a:schemeClr val="accent2">
+                                          <a:lumMod val="75000"/>
+                                        </a:schemeClr>
+                                      </a:solidFill>
+                                      <a:latin typeface="Cambria Math" charset="0"/>
+                                    </a:rPr>
+                                    <m:t>𝒄𝒎</m:t>
+                                  </m:r>
+                                </m:e>
+                                <m:sup>
+                                  <m:r>
+                                    <a:rPr kumimoji="1" lang="en-US" altLang="zh-TW" b="1" i="1" smtClean="0">
+                                      <a:solidFill>
+                                        <a:schemeClr val="accent2">
+                                          <a:lumMod val="75000"/>
+                                        </a:schemeClr>
+                                      </a:solidFill>
+                                      <a:latin typeface="Cambria Math" charset="0"/>
+                                    </a:rPr>
+                                    <m:t>𝟑</m:t>
+                                  </m:r>
+                                </m:sup>
+                              </m:sSup>
+                            </m:den>
+                          </m:f>
+                          <m:r>
+                            <a:rPr kumimoji="1" lang="en-US" altLang="zh-TW" b="1" i="1" smtClean="0">
+                              <a:solidFill>
+                                <a:schemeClr val="accent2">
+                                  <a:lumMod val="75000"/>
+                                </a:schemeClr>
+                              </a:solidFill>
+                              <a:latin typeface="Cambria Math" charset="0"/>
+                            </a:rPr>
+                            <m:t>∗(</m:t>
+                          </m:r>
+                          <m:r>
+                            <a:rPr kumimoji="1" lang="en-US" altLang="zh-TW" b="1" i="1" smtClean="0">
+                              <a:solidFill>
+                                <a:schemeClr val="accent2">
+                                  <a:lumMod val="75000"/>
+                                </a:schemeClr>
+                              </a:solidFill>
+                              <a:latin typeface="Cambria Math" charset="0"/>
+                            </a:rPr>
+                            <m:t>𝑭</m:t>
+                          </m:r>
+                          <m:r>
+                            <a:rPr kumimoji="1" lang="en-US" altLang="zh-TW" b="1" i="1" smtClean="0">
+                              <a:solidFill>
+                                <a:schemeClr val="accent2">
+                                  <a:lumMod val="75000"/>
+                                </a:schemeClr>
+                              </a:solidFill>
+                              <a:latin typeface="Cambria Math" charset="0"/>
+                            </a:rPr>
+                            <m:t>)</m:t>
+                          </m:r>
+                        </m:num>
+                        <m:den>
+                          <m:r>
+                            <a:rPr kumimoji="1" lang="en-US" altLang="zh-TW" b="1" i="1" smtClean="0">
+                              <a:solidFill>
+                                <a:schemeClr val="accent2">
+                                  <a:lumMod val="75000"/>
+                                </a:schemeClr>
+                              </a:solidFill>
+                              <a:latin typeface="Cambria Math" charset="0"/>
+                            </a:rPr>
+                            <m:t>𝟏𝟎𝟎</m:t>
+                          </m:r>
+                          <m:r>
+                            <a:rPr kumimoji="1" lang="en-US" altLang="zh-TW" b="1" i="1" smtClean="0">
+                              <a:solidFill>
+                                <a:schemeClr val="accent2">
+                                  <a:lumMod val="75000"/>
+                                </a:schemeClr>
+                              </a:solidFill>
+                              <a:latin typeface="Cambria Math" charset="0"/>
+                              <a:ea typeface="Cambria Math" charset="0"/>
+                              <a:cs typeface="Cambria Math" charset="0"/>
+                            </a:rPr>
+                            <m:t>𝝁</m:t>
+                          </m:r>
+                          <m:r>
+                            <a:rPr kumimoji="1" lang="en-US" altLang="zh-TW" b="1" i="1" smtClean="0">
+                              <a:solidFill>
+                                <a:schemeClr val="accent2">
+                                  <a:lumMod val="75000"/>
+                                </a:schemeClr>
+                              </a:solidFill>
+                              <a:latin typeface="Cambria Math" charset="0"/>
+                              <a:ea typeface="Cambria Math" charset="0"/>
+                              <a:cs typeface="Cambria Math" charset="0"/>
+                            </a:rPr>
+                            <m:t>𝒔</m:t>
+                          </m:r>
+                        </m:den>
+                      </m:f>
+                      <m:r>
+                        <a:rPr kumimoji="1" lang="en-US" altLang="zh-TW" b="1" i="1" smtClean="0">
+                          <a:solidFill>
+                            <a:schemeClr val="accent2">
+                              <a:lumMod val="75000"/>
+                            </a:schemeClr>
+                          </a:solidFill>
+                          <a:latin typeface="Cambria Math" charset="0"/>
+                        </a:rPr>
+                        <m:t>=</m:t>
+                      </m:r>
+                      <m:f>
+                        <m:fPr>
+                          <m:ctrlPr>
+                            <a:rPr kumimoji="1" lang="en-US" altLang="zh-TW" b="1" i="1" smtClean="0">
+                              <a:solidFill>
+                                <a:schemeClr val="accent2">
+                                  <a:lumMod val="75000"/>
+                                </a:schemeClr>
+                              </a:solidFill>
+                              <a:latin typeface="Cambria Math" charset="0"/>
+                            </a:rPr>
+                          </m:ctrlPr>
+                        </m:fPr>
+                        <m:num>
+                          <m:sSup>
+                            <m:sSupPr>
+                              <m:ctrlPr>
+                                <a:rPr kumimoji="1" lang="en-US" altLang="zh-TW" b="1" i="1" smtClean="0">
+                                  <a:solidFill>
+                                    <a:schemeClr val="accent2">
+                                      <a:lumMod val="75000"/>
+                                    </a:schemeClr>
+                                  </a:solidFill>
+                                  <a:latin typeface="Cambria Math" charset="0"/>
+                                </a:rPr>
+                              </m:ctrlPr>
+                            </m:sSupPr>
+                            <m:e>
+                              <m:r>
+                                <a:rPr kumimoji="1" lang="en-US" altLang="zh-TW" b="1" i="1" smtClean="0">
+                                  <a:solidFill>
+                                    <a:schemeClr val="accent2">
+                                      <a:lumMod val="75000"/>
+                                    </a:schemeClr>
+                                  </a:solidFill>
+                                  <a:latin typeface="Cambria Math" charset="0"/>
+                                </a:rPr>
+                                <m:t>𝟏𝟎</m:t>
+                              </m:r>
+                            </m:e>
+                            <m:sup>
+                              <m:r>
+                                <a:rPr kumimoji="1" lang="en-US" altLang="zh-TW" b="1" i="1" smtClean="0">
+                                  <a:solidFill>
+                                    <a:schemeClr val="accent2">
+                                      <a:lumMod val="75000"/>
+                                    </a:schemeClr>
+                                  </a:solidFill>
+                                  <a:latin typeface="Cambria Math" charset="0"/>
+                                </a:rPr>
+                                <m:t>𝟖</m:t>
+                              </m:r>
+                            </m:sup>
+                          </m:sSup>
+                          <m:r>
+                            <a:rPr kumimoji="1" lang="en-US" altLang="zh-TW" b="1" i="1" smtClean="0">
+                              <a:solidFill>
+                                <a:schemeClr val="accent2">
+                                  <a:lumMod val="75000"/>
+                                </a:schemeClr>
+                              </a:solidFill>
+                              <a:latin typeface="Cambria Math" charset="0"/>
+                            </a:rPr>
+                            <m:t>∗</m:t>
+                          </m:r>
+                          <m:r>
+                            <a:rPr kumimoji="1" lang="en-US" altLang="zh-TW" b="1" i="1" smtClean="0">
+                              <a:solidFill>
+                                <a:schemeClr val="accent2">
+                                  <a:lumMod val="75000"/>
+                                </a:schemeClr>
+                              </a:solidFill>
+                              <a:latin typeface="Cambria Math" charset="0"/>
+                            </a:rPr>
+                            <m:t>𝑭</m:t>
+                          </m:r>
+                        </m:num>
+                        <m:den>
+                          <m:sSup>
+                            <m:sSupPr>
+                              <m:ctrlPr>
+                                <a:rPr kumimoji="1" lang="en-US" altLang="zh-TW" b="1" i="1" smtClean="0">
+                                  <a:solidFill>
+                                    <a:schemeClr val="accent2">
+                                      <a:lumMod val="75000"/>
+                                    </a:schemeClr>
+                                  </a:solidFill>
+                                  <a:latin typeface="Cambria Math" charset="0"/>
+                                </a:rPr>
+                              </m:ctrlPr>
+                            </m:sSupPr>
+                            <m:e>
+                              <m:r>
+                                <a:rPr kumimoji="1" lang="en-US" altLang="zh-TW" b="1" i="1" smtClean="0">
+                                  <a:solidFill>
+                                    <a:schemeClr val="accent2">
+                                      <a:lumMod val="75000"/>
+                                    </a:schemeClr>
+                                  </a:solidFill>
+                                  <a:latin typeface="Cambria Math" charset="0"/>
+                                </a:rPr>
+                                <m:t>𝒄𝒎</m:t>
+                              </m:r>
+                            </m:e>
+                            <m:sup>
+                              <m:r>
+                                <a:rPr kumimoji="1" lang="en-US" altLang="zh-TW" b="1" i="1" smtClean="0">
+                                  <a:solidFill>
+                                    <a:schemeClr val="accent2">
+                                      <a:lumMod val="75000"/>
+                                    </a:schemeClr>
+                                  </a:solidFill>
+                                  <a:latin typeface="Cambria Math" charset="0"/>
+                                </a:rPr>
+                                <m:t>𝟑</m:t>
+                              </m:r>
+                            </m:sup>
+                          </m:sSup>
+                          <m:r>
+                            <a:rPr kumimoji="1" lang="en-US" altLang="zh-TW" b="1" i="1" smtClean="0">
+                              <a:solidFill>
+                                <a:schemeClr val="accent2">
+                                  <a:lumMod val="75000"/>
+                                </a:schemeClr>
+                              </a:solidFill>
+                              <a:latin typeface="Cambria Math" charset="0"/>
+                            </a:rPr>
+                            <m:t>∗</m:t>
+                          </m:r>
+                          <m:r>
+                            <a:rPr kumimoji="1" lang="en-US" altLang="zh-TW" b="1" i="1" smtClean="0">
+                              <a:solidFill>
+                                <a:schemeClr val="accent2">
+                                  <a:lumMod val="75000"/>
+                                </a:schemeClr>
+                              </a:solidFill>
+                              <a:latin typeface="Cambria Math" charset="0"/>
+                              <a:ea typeface="Cambria Math" charset="0"/>
+                              <a:cs typeface="Cambria Math" charset="0"/>
+                            </a:rPr>
+                            <m:t>𝝁</m:t>
+                          </m:r>
+                          <m:r>
+                            <a:rPr kumimoji="1" lang="en-US" altLang="zh-TW" b="1" i="1" smtClean="0">
+                              <a:solidFill>
+                                <a:schemeClr val="accent2">
+                                  <a:lumMod val="75000"/>
+                                </a:schemeClr>
+                              </a:solidFill>
+                              <a:latin typeface="Cambria Math" charset="0"/>
+                              <a:ea typeface="Cambria Math" charset="0"/>
+                              <a:cs typeface="Cambria Math" charset="0"/>
+                            </a:rPr>
+                            <m:t>𝒔</m:t>
+                          </m:r>
+                        </m:den>
+                      </m:f>
+                    </m:oMath>
+                  </m:oMathPara>
+                </a14:m>
+                <a:endParaRPr kumimoji="1" lang="zh-TW" altLang="en-US" b="1" dirty="0">
+                  <a:solidFill>
+                    <a:schemeClr val="accent2">
+                      <a:lumMod val="75000"/>
+                    </a:schemeClr>
+                  </a:solidFill>
+                </a:endParaRPr>
+              </a:p>
+            </p:txBody>
+          </p:sp>
+        </mc:Choice>
+        <mc:Fallback xmlns="">
+          <p:sp>
+            <p:nvSpPr>
+              <p:cNvPr id="3" name="文字方塊 2"/>
+              <p:cNvSpPr txBox="1">
+                <a:spLocks noRot="1" noChangeAspect="1" noMove="1" noResize="1" noEditPoints="1" noAdjustHandles="1" noChangeArrowheads="1" noChangeShapeType="1" noTextEdit="1"/>
+              </p:cNvSpPr>
+              <p:nvPr/>
+            </p:nvSpPr>
+            <p:spPr>
+              <a:xfrm>
+                <a:off x="8133749" y="60325"/>
+                <a:ext cx="3664144" cy="903132"/>
+              </a:xfrm>
+              <a:prstGeom prst="rect">
+                <a:avLst/>
+              </a:prstGeom>
+              <a:blipFill rotWithShape="0">
+                <a:blip r:embed="rId4"/>
+                <a:stretch>
+                  <a:fillRect/>
+                </a:stretch>
+              </a:blipFill>
+            </p:spPr>
+            <p:txBody>
+              <a:bodyPr/>
+              <a:lstStyle/>
+              <a:p>
+                <a:r>
+                  <a:rPr lang="zh-TW" altLang="en-US">
+                    <a:noFill/>
+                  </a:rPr>
+                  <a:t> </a:t>
+                </a:r>
+              </a:p>
+            </p:txBody>
+          </p:sp>
+        </mc:Fallback>
+      </mc:AlternateContent>
+      <mc:AlternateContent xmlns:mc="http://schemas.openxmlformats.org/markup-compatibility/2006" xmlns:a14="http://schemas.microsoft.com/office/drawing/2010/main">
+        <mc:Choice Requires="a14">
+          <p:sp>
+            <p:nvSpPr>
+              <p:cNvPr id="4" name="文字方塊 3"/>
+              <p:cNvSpPr txBox="1"/>
+              <p:nvPr/>
+            </p:nvSpPr>
+            <p:spPr>
+              <a:xfrm>
+                <a:off x="2986683" y="85257"/>
+                <a:ext cx="4505325" cy="646331"/>
+              </a:xfrm>
+              <a:prstGeom prst="rect">
+                <a:avLst/>
+              </a:prstGeom>
+              <a:noFill/>
+            </p:spPr>
+            <p:txBody>
+              <a:bodyPr wrap="square" rtlCol="0">
+                <a:spAutoFit/>
+              </a:bodyPr>
+              <a:lstStyle/>
+              <a:p>
+                <a:pPr/>
+                <a14:m>
+                  <m:oMathPara xmlns:m="http://schemas.openxmlformats.org/officeDocument/2006/math">
+                    <m:oMathParaPr>
+                      <m:jc m:val="centerGroup"/>
+                    </m:oMathParaPr>
+                    <m:oMath xmlns:m="http://schemas.openxmlformats.org/officeDocument/2006/math">
+                      <m:r>
+                        <a:rPr kumimoji="1" lang="en-US" altLang="zh-TW" b="1" i="1" smtClean="0">
+                          <a:solidFill>
+                            <a:schemeClr val="accent2">
+                              <a:lumMod val="75000"/>
+                            </a:schemeClr>
+                          </a:solidFill>
+                          <a:latin typeface="Cambria Math" charset="0"/>
+                        </a:rPr>
+                        <m:t>𝑵𝒆𝒕</m:t>
+                      </m:r>
+                      <m:r>
+                        <a:rPr kumimoji="1" lang="en-US" altLang="zh-TW" b="1" i="1" smtClean="0">
+                          <a:solidFill>
+                            <a:schemeClr val="accent2">
+                              <a:lumMod val="75000"/>
+                            </a:schemeClr>
+                          </a:solidFill>
+                          <a:latin typeface="Cambria Math" charset="0"/>
+                        </a:rPr>
+                        <m:t> </m:t>
+                      </m:r>
+                      <m:r>
+                        <a:rPr kumimoji="1" lang="en-US" altLang="zh-TW" b="1" i="1" smtClean="0">
+                          <a:solidFill>
+                            <a:schemeClr val="accent2">
+                              <a:lumMod val="75000"/>
+                            </a:schemeClr>
+                          </a:solidFill>
+                          <a:latin typeface="Cambria Math" charset="0"/>
+                        </a:rPr>
+                        <m:t>𝒊𝒎𝒑𝒖𝒓𝒊𝒕𝒚</m:t>
+                      </m:r>
+                      <m:r>
+                        <a:rPr kumimoji="1" lang="en-US" altLang="zh-TW" b="1" i="1" smtClean="0">
+                          <a:solidFill>
+                            <a:schemeClr val="accent2">
+                              <a:lumMod val="75000"/>
+                            </a:schemeClr>
+                          </a:solidFill>
+                          <a:latin typeface="Cambria Math" charset="0"/>
+                        </a:rPr>
+                        <m:t> </m:t>
+                      </m:r>
+                      <m:r>
+                        <a:rPr kumimoji="1" lang="en-US" altLang="zh-TW" b="1" i="1" smtClean="0">
+                          <a:solidFill>
+                            <a:schemeClr val="accent2">
+                              <a:lumMod val="75000"/>
+                            </a:schemeClr>
+                          </a:solidFill>
+                          <a:latin typeface="Cambria Math" charset="0"/>
+                        </a:rPr>
+                        <m:t>𝒄𝒐𝒏𝒄𝒆𝒏𝒕𝒓𝒂𝒕𝒊𝒐𝒏</m:t>
+                      </m:r>
+                      <m:r>
+                        <a:rPr kumimoji="1" lang="en-US" altLang="zh-TW" b="1" i="1" smtClean="0">
+                          <a:solidFill>
+                            <a:schemeClr val="accent2">
+                              <a:lumMod val="75000"/>
+                            </a:schemeClr>
+                          </a:solidFill>
+                          <a:latin typeface="Cambria Math" charset="0"/>
+                        </a:rPr>
+                        <m:t>= ∆</m:t>
+                      </m:r>
+                      <m:r>
+                        <a:rPr kumimoji="1" lang="en-US" altLang="zh-TW" b="1" i="1" smtClean="0">
+                          <a:solidFill>
+                            <a:schemeClr val="accent2">
+                              <a:lumMod val="75000"/>
+                            </a:schemeClr>
+                          </a:solidFill>
+                          <a:latin typeface="Cambria Math" charset="0"/>
+                          <a:ea typeface="Cambria Math" charset="0"/>
+                          <a:cs typeface="Cambria Math" charset="0"/>
+                        </a:rPr>
+                        <m:t>𝒏</m:t>
+                      </m:r>
+                    </m:oMath>
+                  </m:oMathPara>
+                </a14:m>
+                <a:endParaRPr kumimoji="1" lang="en-US" altLang="zh-TW" b="1" dirty="0" smtClean="0">
+                  <a:solidFill>
+                    <a:schemeClr val="accent2">
+                      <a:lumMod val="75000"/>
+                    </a:schemeClr>
+                  </a:solidFill>
+                </a:endParaRPr>
+              </a:p>
+              <a:p>
+                <a:pPr/>
+                <a14:m>
+                  <m:oMathPara xmlns:m="http://schemas.openxmlformats.org/officeDocument/2006/math">
+                    <m:oMathParaPr>
+                      <m:jc m:val="centerGroup"/>
+                    </m:oMathParaPr>
+                    <m:oMath xmlns:m="http://schemas.openxmlformats.org/officeDocument/2006/math">
+                      <m:r>
+                        <a:rPr kumimoji="1" lang="en-US" altLang="zh-TW" b="1" i="1" smtClean="0">
+                          <a:solidFill>
+                            <a:schemeClr val="accent2">
+                              <a:lumMod val="75000"/>
+                            </a:schemeClr>
+                          </a:solidFill>
+                          <a:latin typeface="Cambria Math" charset="0"/>
+                        </a:rPr>
+                        <m:t>𝑪𝒂𝒓𝒓𝒊𝒆𝒓</m:t>
+                      </m:r>
+                      <m:r>
+                        <a:rPr kumimoji="1" lang="en-US" altLang="zh-TW" b="1" i="1" smtClean="0">
+                          <a:solidFill>
+                            <a:schemeClr val="accent2">
+                              <a:lumMod val="75000"/>
+                            </a:schemeClr>
+                          </a:solidFill>
+                          <a:latin typeface="Cambria Math" charset="0"/>
+                        </a:rPr>
+                        <m:t> </m:t>
+                      </m:r>
+                      <m:r>
+                        <a:rPr kumimoji="1" lang="en-US" altLang="zh-TW" b="1" i="1" smtClean="0">
+                          <a:solidFill>
+                            <a:schemeClr val="accent2">
+                              <a:lumMod val="75000"/>
+                            </a:schemeClr>
+                          </a:solidFill>
+                          <a:latin typeface="Cambria Math" charset="0"/>
+                        </a:rPr>
+                        <m:t>𝒍𝒊𝒇𝒆𝒕𝒊𝒎𝒆</m:t>
+                      </m:r>
+                      <m:r>
+                        <a:rPr kumimoji="1" lang="en-US" altLang="zh-TW" b="1" i="1" smtClean="0">
+                          <a:solidFill>
+                            <a:schemeClr val="accent2">
+                              <a:lumMod val="75000"/>
+                            </a:schemeClr>
+                          </a:solidFill>
+                          <a:latin typeface="Cambria Math" charset="0"/>
+                        </a:rPr>
+                        <m:t>=</m:t>
+                      </m:r>
+                      <m:r>
+                        <a:rPr kumimoji="1" lang="en-US" altLang="zh-TW" b="1" i="1" smtClean="0">
+                          <a:solidFill>
+                            <a:schemeClr val="accent2">
+                              <a:lumMod val="75000"/>
+                            </a:schemeClr>
+                          </a:solidFill>
+                          <a:latin typeface="Cambria Math" charset="0"/>
+                        </a:rPr>
+                        <m:t>𝑻</m:t>
+                      </m:r>
+                    </m:oMath>
+                  </m:oMathPara>
+                </a14:m>
+                <a:endParaRPr kumimoji="1" lang="zh-TW" altLang="en-US" b="1" dirty="0">
+                  <a:solidFill>
+                    <a:schemeClr val="accent2">
+                      <a:lumMod val="75000"/>
+                    </a:schemeClr>
+                  </a:solidFill>
+                </a:endParaRPr>
+              </a:p>
+            </p:txBody>
+          </p:sp>
+        </mc:Choice>
+        <mc:Fallback xmlns="">
+          <p:sp>
+            <p:nvSpPr>
+              <p:cNvPr id="4" name="文字方塊 3"/>
+              <p:cNvSpPr txBox="1">
+                <a:spLocks noRot="1" noChangeAspect="1" noMove="1" noResize="1" noEditPoints="1" noAdjustHandles="1" noChangeArrowheads="1" noChangeShapeType="1" noTextEdit="1"/>
+              </p:cNvSpPr>
+              <p:nvPr/>
+            </p:nvSpPr>
+            <p:spPr>
+              <a:xfrm>
+                <a:off x="2986683" y="85257"/>
+                <a:ext cx="4505325" cy="646331"/>
+              </a:xfrm>
+              <a:prstGeom prst="rect">
+                <a:avLst/>
+              </a:prstGeom>
+              <a:blipFill rotWithShape="0">
+                <a:blip r:embed="rId3"/>
+                <a:stretch>
+                  <a:fillRect t="-55660" b="-68868"/>
+                </a:stretch>
+              </a:blipFill>
+            </p:spPr>
+            <p:txBody>
+              <a:bodyPr/>
+              <a:lstStyle/>
+              <a:p>
+                <a:r>
+                  <a:rPr lang="zh-TW" altLang="en-US">
+                    <a:noFill/>
+                  </a:rPr>
+                  <a:t> </a:t>
+                </a:r>
+              </a:p>
+            </p:txBody>
+          </p:sp>
+        </mc:Fallback>
+      </mc:AlternateContent>
+      <p:cxnSp>
+        <p:nvCxnSpPr>
+          <p:cNvPr id="6" name="直線接點 5"/>
+          <p:cNvCxnSpPr/>
+          <p:nvPr/>
+        </p:nvCxnSpPr>
+        <p:spPr>
+          <a:xfrm>
+            <a:off x="7048500" y="1094581"/>
+            <a:ext cx="1657350" cy="0"/>
+          </a:xfrm>
+          <a:prstGeom prst="line">
+            <a:avLst/>
+          </a:prstGeom>
+          <a:ln w="63500">
+            <a:solidFill>
+              <a:schemeClr val="accent6">
+                <a:lumMod val="50000"/>
+              </a:schemeClr>
+            </a:solidFill>
+          </a:ln>
+        </p:spPr>
+        <p:style>
+          <a:lnRef idx="1">
+            <a:schemeClr val="accent1"/>
+          </a:lnRef>
+          <a:fillRef idx="0">
+            <a:schemeClr val="accent1"/>
+          </a:fillRef>
+          <a:effectRef idx="0">
+            <a:schemeClr val="accent1"/>
+          </a:effectRef>
+          <a:fontRef idx="minor">
+            <a:schemeClr val="tx1"/>
+          </a:fontRef>
+        </p:style>
+      </p:cxnSp>
+    </p:spTree>
+    <p:extLst>
+      <p:ext uri="{BB962C8B-B14F-4D97-AF65-F5344CB8AC3E}">
+        <p14:creationId xmlns:p14="http://schemas.microsoft.com/office/powerpoint/2010/main" val="2122244440"/>
       </p:ext>
     </p:extLst>
   </p:cSld>
@@ -5998,4 +13133,265 @@
     </a:ext>
   </a:extLst>
 </a:theme>
+</file>
+
+<file path=ppt/theme/theme2.xml><?xml version="1.0" encoding="utf-8"?>
+<a:theme xmlns:a="http://schemas.openxmlformats.org/drawingml/2006/main" name="Office 佈景主題">
+  <a:themeElements>
+    <a:clrScheme name="Office">
+      <a:dk1>
+        <a:sysClr val="windowText" lastClr="000000"/>
+      </a:dk1>
+      <a:lt1>
+        <a:sysClr val="window" lastClr="FFFFFF"/>
+      </a:lt1>
+      <a:dk2>
+        <a:srgbClr val="44546A"/>
+      </a:dk2>
+      <a:lt2>
+        <a:srgbClr val="E7E6E6"/>
+      </a:lt2>
+      <a:accent1>
+        <a:srgbClr val="4472C4"/>
+      </a:accent1>
+      <a:accent2>
+        <a:srgbClr val="ED7D31"/>
+      </a:accent2>
+      <a:accent3>
+        <a:srgbClr val="A5A5A5"/>
+      </a:accent3>
+      <a:accent4>
+        <a:srgbClr val="FFC000"/>
+      </a:accent4>
+      <a:accent5>
+        <a:srgbClr val="5B9BD5"/>
+      </a:accent5>
+      <a:accent6>
+        <a:srgbClr val="70AD47"/>
+      </a:accent6>
+      <a:hlink>
+        <a:srgbClr val="0563C1"/>
+      </a:hlink>
+      <a:folHlink>
+        <a:srgbClr val="954F72"/>
+      </a:folHlink>
+    </a:clrScheme>
+    <a:fontScheme name="Office">
+      <a:majorFont>
+        <a:latin typeface="Calibri Light" panose="020F0302020204030204"/>
+        <a:ea typeface=""/>
+        <a:cs typeface=""/>
+        <a:font script="Jpan" typeface="Yu Gothic Light"/>
+        <a:font script="Hang" typeface="맑은 고딕"/>
+        <a:font script="Hans" typeface="DengXian Light"/>
+        <a:font script="Hant" typeface="新細明體"/>
+        <a:font script="Arab" typeface="Times New Roman"/>
+        <a:font script="Hebr" typeface="Times New Roman"/>
+        <a:font script="Thai" typeface="Angsana New"/>
+        <a:font script="Ethi" typeface="Nyala"/>
+        <a:font script="Beng" typeface="Vrinda"/>
+        <a:font script="Gujr" typeface="Shruti"/>
+        <a:font script="Khmr" typeface="MoolBoran"/>
+        <a:font script="Knda" typeface="Tunga"/>
+        <a:font script="Guru" typeface="Raavi"/>
+        <a:font script="Cans" typeface="Euphemia"/>
+        <a:font script="Cher" typeface="Plantagenet Cherokee"/>
+        <a:font script="Yiii" typeface="Microsoft Yi Baiti"/>
+        <a:font script="Tibt" typeface="Microsoft Himalaya"/>
+        <a:font script="Thaa" typeface="MV Boli"/>
+        <a:font script="Deva" typeface="Mangal"/>
+        <a:font script="Telu" typeface="Gautami"/>
+        <a:font script="Taml" typeface="Latha"/>
+        <a:font script="Syrc" typeface="Estrangelo Edessa"/>
+        <a:font script="Orya" typeface="Kalinga"/>
+        <a:font script="Mlym" typeface="Kartika"/>
+        <a:font script="Laoo" typeface="DokChampa"/>
+        <a:font script="Sinh" typeface="Iskoola Pota"/>
+        <a:font script="Mong" typeface="Mongolian Baiti"/>
+        <a:font script="Viet" typeface="Times New Roman"/>
+        <a:font script="Uigh" typeface="Microsoft Uighur"/>
+        <a:font script="Geor" typeface="Sylfaen"/>
+      </a:majorFont>
+      <a:minorFont>
+        <a:latin typeface="Calibri" panose="020F0502020204030204"/>
+        <a:ea typeface=""/>
+        <a:cs typeface=""/>
+        <a:font script="Jpan" typeface="Yu Gothic"/>
+        <a:font script="Hang" typeface="맑은 고딕"/>
+        <a:font script="Hans" typeface="DengXian"/>
+        <a:font script="Hant" typeface="新細明體"/>
+        <a:font script="Arab" typeface="Arial"/>
+        <a:font script="Hebr" typeface="Arial"/>
+        <a:font script="Thai" typeface="Cordia New"/>
+        <a:font script="Ethi" typeface="Nyala"/>
+        <a:font script="Beng" typeface="Vrinda"/>
+        <a:font script="Gujr" typeface="Shruti"/>
+        <a:font script="Khmr" typeface="DaunPenh"/>
+        <a:font script="Knda" typeface="Tunga"/>
+        <a:font script="Guru" typeface="Raavi"/>
+        <a:font script="Cans" typeface="Euphemia"/>
+        <a:font script="Cher" typeface="Plantagenet Cherokee"/>
+        <a:font script="Yiii" typeface="Microsoft Yi Baiti"/>
+        <a:font script="Tibt" typeface="Microsoft Himalaya"/>
+        <a:font script="Thaa" typeface="MV Boli"/>
+        <a:font script="Deva" typeface="Mangal"/>
+        <a:font script="Telu" typeface="Gautami"/>
+        <a:font script="Taml" typeface="Latha"/>
+        <a:font script="Syrc" typeface="Estrangelo Edessa"/>
+        <a:font script="Orya" typeface="Kalinga"/>
+        <a:font script="Mlym" typeface="Kartika"/>
+        <a:font script="Laoo" typeface="DokChampa"/>
+        <a:font script="Sinh" typeface="Iskoola Pota"/>
+        <a:font script="Mong" typeface="Mongolian Baiti"/>
+        <a:font script="Viet" typeface="Arial"/>
+        <a:font script="Uigh" typeface="Microsoft Uighur"/>
+        <a:font script="Geor" typeface="Sylfaen"/>
+      </a:minorFont>
+    </a:fontScheme>
+    <a:fmtScheme name="Office">
+      <a:fillStyleLst>
+        <a:solidFill>
+          <a:schemeClr val="phClr"/>
+        </a:solidFill>
+        <a:gradFill rotWithShape="1">
+          <a:gsLst>
+            <a:gs pos="0">
+              <a:schemeClr val="phClr">
+                <a:lumMod val="110000"/>
+                <a:satMod val="105000"/>
+                <a:tint val="67000"/>
+              </a:schemeClr>
+            </a:gs>
+            <a:gs pos="50000">
+              <a:schemeClr val="phClr">
+                <a:lumMod val="105000"/>
+                <a:satMod val="103000"/>
+                <a:tint val="73000"/>
+              </a:schemeClr>
+            </a:gs>
+            <a:gs pos="100000">
+              <a:schemeClr val="phClr">
+                <a:lumMod val="105000"/>
+                <a:satMod val="109000"/>
+                <a:tint val="81000"/>
+              </a:schemeClr>
+            </a:gs>
+          </a:gsLst>
+          <a:lin ang="5400000" scaled="0"/>
+        </a:gradFill>
+        <a:gradFill rotWithShape="1">
+          <a:gsLst>
+            <a:gs pos="0">
+              <a:schemeClr val="phClr">
+                <a:satMod val="103000"/>
+                <a:lumMod val="102000"/>
+                <a:tint val="94000"/>
+              </a:schemeClr>
+            </a:gs>
+            <a:gs pos="50000">
+              <a:schemeClr val="phClr">
+                <a:satMod val="110000"/>
+                <a:lumMod val="100000"/>
+                <a:shade val="100000"/>
+              </a:schemeClr>
+            </a:gs>
+            <a:gs pos="100000">
+              <a:schemeClr val="phClr">
+                <a:lumMod val="99000"/>
+                <a:satMod val="120000"/>
+                <a:shade val="78000"/>
+              </a:schemeClr>
+            </a:gs>
+          </a:gsLst>
+          <a:lin ang="5400000" scaled="0"/>
+        </a:gradFill>
+      </a:fillStyleLst>
+      <a:lnStyleLst>
+        <a:ln w="6350" cap="flat" cmpd="sng" algn="ctr">
+          <a:solidFill>
+            <a:schemeClr val="phClr"/>
+          </a:solidFill>
+          <a:prstDash val="solid"/>
+          <a:miter lim="800000"/>
+        </a:ln>
+        <a:ln w="12700" cap="flat" cmpd="sng" algn="ctr">
+          <a:solidFill>
+            <a:schemeClr val="phClr"/>
+          </a:solidFill>
+          <a:prstDash val="solid"/>
+          <a:miter lim="800000"/>
+        </a:ln>
+        <a:ln w="19050" cap="flat" cmpd="sng" algn="ctr">
+          <a:solidFill>
+            <a:schemeClr val="phClr"/>
+          </a:solidFill>
+          <a:prstDash val="solid"/>
+          <a:miter lim="800000"/>
+        </a:ln>
+      </a:lnStyleLst>
+      <a:effectStyleLst>
+        <a:effectStyle>
+          <a:effectLst/>
+        </a:effectStyle>
+        <a:effectStyle>
+          <a:effectLst/>
+        </a:effectStyle>
+        <a:effectStyle>
+          <a:effectLst>
+            <a:outerShdw blurRad="57150" dist="19050" dir="5400000" algn="ctr" rotWithShape="0">
+              <a:srgbClr val="000000">
+                <a:alpha val="63000"/>
+              </a:srgbClr>
+            </a:outerShdw>
+          </a:effectLst>
+        </a:effectStyle>
+      </a:effectStyleLst>
+      <a:bgFillStyleLst>
+        <a:solidFill>
+          <a:schemeClr val="phClr"/>
+        </a:solidFill>
+        <a:solidFill>
+          <a:schemeClr val="phClr">
+            <a:tint val="95000"/>
+            <a:satMod val="170000"/>
+          </a:schemeClr>
+        </a:solidFill>
+        <a:gradFill rotWithShape="1">
+          <a:gsLst>
+            <a:gs pos="0">
+              <a:schemeClr val="phClr">
+                <a:tint val="93000"/>
+                <a:satMod val="150000"/>
+                <a:shade val="98000"/>
+                <a:lumMod val="102000"/>
+              </a:schemeClr>
+            </a:gs>
+            <a:gs pos="50000">
+              <a:schemeClr val="phClr">
+                <a:tint val="98000"/>
+                <a:satMod val="130000"/>
+                <a:shade val="90000"/>
+                <a:lumMod val="103000"/>
+              </a:schemeClr>
+            </a:gs>
+            <a:gs pos="100000">
+              <a:schemeClr val="phClr">
+                <a:shade val="63000"/>
+                <a:satMod val="120000"/>
+              </a:schemeClr>
+            </a:gs>
+          </a:gsLst>
+          <a:lin ang="5400000" scaled="0"/>
+        </a:gradFill>
+      </a:bgFillStyleLst>
+    </a:fmtScheme>
+  </a:themeElements>
+  <a:objectDefaults/>
+  <a:extraClrSchemeLst/>
+  <a:extLst>
+    <a:ext uri="{05A4C25C-085E-4340-85A3-A5531E510DB2}">
+      <thm15:themeFamily xmlns:thm15="http://schemas.microsoft.com/office/thememl/2012/main" name="Office Theme" id="{62F939B6-93AF-4DB8-9C6B-D6C7DFDC589F}" vid="{4A3C46E8-61CC-4603-A589-7422A47A8E4A}"/>
+    </a:ext>
+  </a:extLst>
+</a:theme>
 </file>
--- a/Report/Signal_threshold_prediction.pptx
+++ b/Report/Signal_threshold_prediction.pptx
@@ -3787,6 +3787,13 @@
   <p:clrMapOvr>
     <a:masterClrMapping/>
   </p:clrMapOvr>
+  <p:timing>
+    <p:tnLst>
+      <p:par>
+        <p:cTn id="1" dur="indefinite" restart="never" nodeType="tmRoot"/>
+      </p:par>
+    </p:tnLst>
+  </p:timing>
 </p:sld>
 </file>
 
@@ -3926,8 +3933,8 @@
           </a:p>
         </p:txBody>
       </p:sp>
-      <mc:AlternateContent xmlns:mc="http://schemas.openxmlformats.org/markup-compatibility/2006" xmlns:a14="http://schemas.microsoft.com/office/drawing/2010/main">
-        <mc:Choice Requires="a14">
+      <mc:AlternateContent xmlns:mc="http://schemas.openxmlformats.org/markup-compatibility/2006">
+        <mc:Choice xmlns:a14="http://schemas.microsoft.com/office/drawing/2010/main" Requires="a14">
           <p:sp>
             <p:nvSpPr>
               <p:cNvPr id="3" name="內容版面配置區 2"/>
@@ -3944,7 +3951,7 @@
               <a:lstStyle/>
               <a:p>
                 <a:r>
-                  <a:rPr kumimoji="1" lang="en-US" altLang="zh-TW" b="1" dirty="0">
+                  <a:rPr kumimoji="1" lang="en-US" altLang="zh-TW" b="1" dirty="0" smtClean="0">
                     <a:solidFill>
                       <a:srgbClr val="FF0000"/>
                     </a:solidFill>
@@ -3977,13 +3984,13 @@
                       </m:e>
                       <m:sup>
                         <m:r>
-                          <a:rPr kumimoji="1" lang="en-US" altLang="zh-TW" b="1" i="1">
+                          <a:rPr kumimoji="1" lang="en-US" altLang="zh-TW" b="1" i="1" smtClean="0">
                             <a:solidFill>
                               <a:srgbClr val="FF0000"/>
                             </a:solidFill>
                             <a:latin typeface="Cambria Math" charset="0"/>
                           </a:rPr>
-                          <m:t>𝟐</m:t>
+                          <m:t>𝟑</m:t>
                         </m:r>
                       </m:sup>
                     </m:sSup>
@@ -4031,7 +4038,7 @@
             </p:txBody>
           </p:sp>
         </mc:Choice>
-        <mc:Fallback xmlns="">
+        <mc:Fallback>
           <p:sp>
             <p:nvSpPr>
               <p:cNvPr id="3" name="內容版面配置區 2"/>
@@ -5457,8 +5464,12 @@
                   <a:t>2. </a:t>
                 </a:r>
                 <a:r>
+                  <a:rPr lang="en-US" altLang="zh-TW" dirty="0" smtClean="0"/>
+                  <a:t>Heavily </a:t>
+                </a:r>
+                <a:r>
                   <a:rPr lang="en-US" altLang="zh-TW" dirty="0"/>
-                  <a:t>Heavy doping </a:t>
+                  <a:t>doping </a:t>
                 </a:r>
                 <a:endParaRPr lang="en-US" altLang="zh-TW" dirty="0" smtClean="0"/>
               </a:p>
@@ -6477,7 +6488,7 @@
       </p:grpSpPr>
       <p:pic>
         <p:nvPicPr>
-          <p:cNvPr id="4" name="內容版面配置區 3"/>
+          <p:cNvPr id="8" name="內容版面配置區 7"/>
           <p:cNvPicPr>
             <a:picLocks noGrp="1" noChangeAspect="1"/>
           </p:cNvPicPr>
@@ -6499,11 +6510,87 @@
         </p:blipFill>
         <p:spPr>
           <a:xfrm>
-            <a:off x="2791642" y="114324"/>
-            <a:ext cx="6584006" cy="6282095"/>
+            <a:off x="3194141" y="336574"/>
+            <a:ext cx="6169478" cy="5886575"/>
           </a:xfrm>
         </p:spPr>
       </p:pic>
+      <p:sp>
+        <p:nvSpPr>
+          <p:cNvPr id="5" name="文字方塊 4"/>
+          <p:cNvSpPr txBox="1"/>
+          <p:nvPr/>
+        </p:nvSpPr>
+        <p:spPr>
+          <a:xfrm>
+            <a:off x="3742944" y="2962870"/>
+            <a:ext cx="1560576" cy="461665"/>
+          </a:xfrm>
+          <a:prstGeom prst="rect">
+            <a:avLst/>
+          </a:prstGeom>
+          <a:noFill/>
+        </p:spPr>
+        <p:txBody>
+          <a:bodyPr wrap="square" rtlCol="0">
+            <a:spAutoFit/>
+          </a:bodyPr>
+          <a:lstStyle/>
+          <a:p>
+            <a:r>
+              <a:rPr kumimoji="1" lang="en-US" altLang="zh-TW" sz="2400" dirty="0" smtClean="0">
+                <a:solidFill>
+                  <a:srgbClr val="00B0F0"/>
+                </a:solidFill>
+              </a:rPr>
+              <a:t>9.493keV</a:t>
+            </a:r>
+            <a:endParaRPr kumimoji="1" lang="zh-TW" altLang="en-US" sz="2400" dirty="0">
+              <a:solidFill>
+                <a:srgbClr val="00B0F0"/>
+              </a:solidFill>
+            </a:endParaRPr>
+          </a:p>
+        </p:txBody>
+      </p:sp>
+      <p:sp>
+        <p:nvSpPr>
+          <p:cNvPr id="6" name="文字方塊 5"/>
+          <p:cNvSpPr txBox="1"/>
+          <p:nvPr/>
+        </p:nvSpPr>
+        <p:spPr>
+          <a:xfrm>
+            <a:off x="3742944" y="4472380"/>
+            <a:ext cx="1560576" cy="461665"/>
+          </a:xfrm>
+          <a:prstGeom prst="rect">
+            <a:avLst/>
+          </a:prstGeom>
+          <a:noFill/>
+        </p:spPr>
+        <p:txBody>
+          <a:bodyPr wrap="square" rtlCol="0">
+            <a:spAutoFit/>
+          </a:bodyPr>
+          <a:lstStyle/>
+          <a:p>
+            <a:r>
+              <a:rPr kumimoji="1" lang="en-US" altLang="zh-TW" sz="2400" dirty="0" smtClean="0">
+                <a:solidFill>
+                  <a:srgbClr val="0070C0"/>
+                </a:solidFill>
+              </a:rPr>
+              <a:t>7.009eV</a:t>
+            </a:r>
+            <a:endParaRPr kumimoji="1" lang="zh-TW" altLang="en-US" sz="2400" dirty="0">
+              <a:solidFill>
+                <a:srgbClr val="0070C0"/>
+              </a:solidFill>
+            </a:endParaRPr>
+          </a:p>
+        </p:txBody>
+      </p:sp>
     </p:spTree>
     <p:extLst>
       <p:ext uri="{BB962C8B-B14F-4D97-AF65-F5344CB8AC3E}">
@@ -14633,6 +14720,11 @@
                   <m:oMath xmlns:m="http://schemas.openxmlformats.org/officeDocument/2006/math">
                     <m:r>
                       <a:rPr kumimoji="1" lang="en-US" altLang="zh-TW" sz="2000" b="0" i="1" smtClean="0">
+                        <a:solidFill>
+                          <a:schemeClr val="accent2">
+                            <a:lumMod val="75000"/>
+                          </a:schemeClr>
+                        </a:solidFill>
                         <a:latin typeface="Cambria Math" charset="0"/>
                         <a:ea typeface="Arial" charset="0"/>
                         <a:cs typeface="Arial" charset="0"/>
@@ -14641,6 +14733,11 @@
                     </m:r>
                     <m:r>
                       <a:rPr kumimoji="1" lang="en-US" altLang="zh-TW" sz="2000" i="1">
+                        <a:solidFill>
+                          <a:schemeClr val="accent2">
+                            <a:lumMod val="75000"/>
+                          </a:schemeClr>
+                        </a:solidFill>
                         <a:latin typeface="Cambria Math" charset="0"/>
                         <a:ea typeface="Arial" charset="0"/>
                         <a:cs typeface="Arial" charset="0"/>
@@ -14651,6 +14748,11 @@
                       <m:sSupPr>
                         <m:ctrlPr>
                           <a:rPr kumimoji="1" lang="en-US" altLang="zh-TW" sz="2000" i="1">
+                            <a:solidFill>
+                              <a:schemeClr val="accent2">
+                                <a:lumMod val="75000"/>
+                              </a:schemeClr>
+                            </a:solidFill>
                             <a:latin typeface="Cambria Math" charset="0"/>
                             <a:ea typeface="Arial" charset="0"/>
                             <a:cs typeface="Arial" charset="0"/>
@@ -14660,6 +14762,11 @@
                       <m:e>
                         <m:r>
                           <a:rPr kumimoji="1" lang="en-US" altLang="zh-TW" sz="2000" i="1">
+                            <a:solidFill>
+                              <a:schemeClr val="accent2">
+                                <a:lumMod val="75000"/>
+                              </a:schemeClr>
+                            </a:solidFill>
                             <a:latin typeface="Cambria Math" charset="0"/>
                             <a:ea typeface="Arial" charset="0"/>
                             <a:cs typeface="Arial" charset="0"/>
@@ -14670,6 +14777,11 @@
                       <m:sup>
                         <m:r>
                           <a:rPr kumimoji="1" lang="en-US" altLang="zh-TW" sz="2000" i="1">
+                            <a:solidFill>
+                              <a:schemeClr val="accent2">
+                                <a:lumMod val="75000"/>
+                              </a:schemeClr>
+                            </a:solidFill>
                             <a:latin typeface="Cambria Math" charset="0"/>
                             <a:ea typeface="Arial" charset="0"/>
                             <a:cs typeface="Arial" charset="0"/>
@@ -14680,6 +14792,11 @@
                     </m:sSup>
                     <m:r>
                       <a:rPr kumimoji="1" lang="en-US" altLang="zh-TW" sz="2000" i="1">
+                        <a:solidFill>
+                          <a:schemeClr val="accent2">
+                            <a:lumMod val="75000"/>
+                          </a:schemeClr>
+                        </a:solidFill>
                         <a:latin typeface="Cambria Math" charset="0"/>
                         <a:ea typeface="Arial" charset="0"/>
                         <a:cs typeface="Arial" charset="0"/>
@@ -15102,7 +15219,7 @@
                       </m:fPr>
                       <m:num>
                         <m:r>
-                          <a:rPr kumimoji="1" lang="el-GR" altLang="zh-TW" b="1" i="1">
+                          <a:rPr kumimoji="1" lang="el-GR" altLang="zh-TW" b="1" i="1" smtClean="0">
                             <a:solidFill>
                               <a:schemeClr val="accent2">
                                 <a:lumMod val="75000"/>
@@ -15184,7 +15301,7 @@
                       </m:den>
                     </m:f>
                     <m:r>
-                      <a:rPr kumimoji="1" lang="en-US" altLang="zh-TW" b="1" i="1">
+                      <a:rPr kumimoji="1" lang="en-US" altLang="zh-TW" b="1" i="1" smtClean="0">
                         <a:solidFill>
                           <a:schemeClr val="accent2">
                             <a:lumMod val="75000"/>
@@ -15350,7 +15467,10 @@
                     </m:f>
                   </m:oMath>
                 </a14:m>
-                <a:endParaRPr kumimoji="1" lang="en-US" altLang="zh-TW" dirty="0" smtClean="0"/>
+                <a:r>
+                  <a:rPr kumimoji="1" lang="en-US" altLang="zh-TW" dirty="0" smtClean="0"/>
+                  <a:t> </a:t>
+                </a:r>
               </a:p>
               <a:p>
                 <a:endParaRPr kumimoji="1" lang="en-US" altLang="zh-TW" dirty="0" smtClean="0"/>
@@ -15528,6 +15648,13 @@
   <p:clrMapOvr>
     <a:masterClrMapping/>
   </p:clrMapOvr>
+  <p:timing>
+    <p:tnLst>
+      <p:par>
+        <p:cTn id="1" dur="indefinite" restart="never" nodeType="tmRoot"/>
+      </p:par>
+    </p:tnLst>
+  </p:timing>
 </p:sld>
 </file>
 
